--- a/JDS5/JDS5.pptx
+++ b/JDS5/JDS5.pptx
@@ -13,6 +13,10 @@
     <p:sldId id="262" r:id="rId7"/>
     <p:sldId id="259" r:id="rId8"/>
     <p:sldId id="263" r:id="rId9"/>
+    <p:sldId id="264" r:id="rId10"/>
+    <p:sldId id="265" r:id="rId11"/>
+    <p:sldId id="266" r:id="rId12"/>
+    <p:sldId id="267" r:id="rId13"/>
   </p:sldIdLst>
   <p:sldSz cx="9144000" cy="6858000" type="screen4x3"/>
   <p:notesSz cx="6858000" cy="9144000"/>
@@ -295,7 +299,7 @@
           <a:p>
             <a:fld id="{530820CF-B880-4189-942D-D702A7CBA730}" type="datetimeFigureOut">
               <a:rPr lang="zh-CN" altLang="en-US" smtClean="0"/>
-              <a:t>2018/9/8</a:t>
+              <a:t>2018/9/9</a:t>
             </a:fld>
             <a:endParaRPr lang="zh-CN" altLang="en-US"/>
           </a:p>
@@ -460,7 +464,7 @@
           <a:p>
             <a:fld id="{530820CF-B880-4189-942D-D702A7CBA730}" type="datetimeFigureOut">
               <a:rPr lang="zh-CN" altLang="en-US" smtClean="0"/>
-              <a:t>2018/9/8</a:t>
+              <a:t>2018/9/9</a:t>
             </a:fld>
             <a:endParaRPr lang="zh-CN" altLang="en-US"/>
           </a:p>
@@ -635,7 +639,7 @@
           <a:p>
             <a:fld id="{530820CF-B880-4189-942D-D702A7CBA730}" type="datetimeFigureOut">
               <a:rPr lang="zh-CN" altLang="en-US" smtClean="0"/>
-              <a:t>2018/9/8</a:t>
+              <a:t>2018/9/9</a:t>
             </a:fld>
             <a:endParaRPr lang="zh-CN" altLang="en-US"/>
           </a:p>
@@ -800,7 +804,7 @@
           <a:p>
             <a:fld id="{530820CF-B880-4189-942D-D702A7CBA730}" type="datetimeFigureOut">
               <a:rPr lang="zh-CN" altLang="en-US" smtClean="0"/>
-              <a:t>2018/9/8</a:t>
+              <a:t>2018/9/9</a:t>
             </a:fld>
             <a:endParaRPr lang="zh-CN" altLang="en-US"/>
           </a:p>
@@ -1041,7 +1045,7 @@
           <a:p>
             <a:fld id="{530820CF-B880-4189-942D-D702A7CBA730}" type="datetimeFigureOut">
               <a:rPr lang="zh-CN" altLang="en-US" smtClean="0"/>
-              <a:t>2018/9/8</a:t>
+              <a:t>2018/9/9</a:t>
             </a:fld>
             <a:endParaRPr lang="zh-CN" altLang="en-US"/>
           </a:p>
@@ -1324,7 +1328,7 @@
           <a:p>
             <a:fld id="{530820CF-B880-4189-942D-D702A7CBA730}" type="datetimeFigureOut">
               <a:rPr lang="zh-CN" altLang="en-US" smtClean="0"/>
-              <a:t>2018/9/8</a:t>
+              <a:t>2018/9/9</a:t>
             </a:fld>
             <a:endParaRPr lang="zh-CN" altLang="en-US"/>
           </a:p>
@@ -1741,7 +1745,7 @@
           <a:p>
             <a:fld id="{530820CF-B880-4189-942D-D702A7CBA730}" type="datetimeFigureOut">
               <a:rPr lang="zh-CN" altLang="en-US" smtClean="0"/>
-              <a:t>2018/9/8</a:t>
+              <a:t>2018/9/9</a:t>
             </a:fld>
             <a:endParaRPr lang="zh-CN" altLang="en-US"/>
           </a:p>
@@ -1854,7 +1858,7 @@
           <a:p>
             <a:fld id="{530820CF-B880-4189-942D-D702A7CBA730}" type="datetimeFigureOut">
               <a:rPr lang="zh-CN" altLang="en-US" smtClean="0"/>
-              <a:t>2018/9/8</a:t>
+              <a:t>2018/9/9</a:t>
             </a:fld>
             <a:endParaRPr lang="zh-CN" altLang="en-US"/>
           </a:p>
@@ -1944,7 +1948,7 @@
           <a:p>
             <a:fld id="{530820CF-B880-4189-942D-D702A7CBA730}" type="datetimeFigureOut">
               <a:rPr lang="zh-CN" altLang="en-US" smtClean="0"/>
-              <a:t>2018/9/8</a:t>
+              <a:t>2018/9/9</a:t>
             </a:fld>
             <a:endParaRPr lang="zh-CN" altLang="en-US"/>
           </a:p>
@@ -2216,7 +2220,7 @@
           <a:p>
             <a:fld id="{530820CF-B880-4189-942D-D702A7CBA730}" type="datetimeFigureOut">
               <a:rPr lang="zh-CN" altLang="en-US" smtClean="0"/>
-              <a:t>2018/9/8</a:t>
+              <a:t>2018/9/9</a:t>
             </a:fld>
             <a:endParaRPr lang="zh-CN" altLang="en-US"/>
           </a:p>
@@ -2464,7 +2468,7 @@
           <a:p>
             <a:fld id="{530820CF-B880-4189-942D-D702A7CBA730}" type="datetimeFigureOut">
               <a:rPr lang="zh-CN" altLang="en-US" smtClean="0"/>
-              <a:t>2018/9/8</a:t>
+              <a:t>2018/9/9</a:t>
             </a:fld>
             <a:endParaRPr lang="zh-CN" altLang="en-US"/>
           </a:p>
@@ -2672,7 +2676,7 @@
           <a:p>
             <a:fld id="{530820CF-B880-4189-942D-D702A7CBA730}" type="datetimeFigureOut">
               <a:rPr lang="zh-CN" altLang="en-US" smtClean="0"/>
-              <a:t>2018/9/8</a:t>
+              <a:t>2018/9/9</a:t>
             </a:fld>
             <a:endParaRPr lang="zh-CN" altLang="en-US"/>
           </a:p>
@@ -3099,6 +3103,96 @@
 </p:sld>
 </file>
 
+<file path=ppt/slides/slide10.xml><?xml version="1.0" encoding="utf-8"?>
+<p:sld xmlns:a="http://schemas.openxmlformats.org/drawingml/2006/main" xmlns:r="http://schemas.openxmlformats.org/officeDocument/2006/relationships" xmlns:p="http://schemas.openxmlformats.org/presentationml/2006/main">
+  <p:cSld>
+    <p:spTree>
+      <p:nvGrpSpPr>
+        <p:cNvPr id="1" name=""/>
+        <p:cNvGrpSpPr/>
+        <p:nvPr/>
+      </p:nvGrpSpPr>
+      <p:grpSpPr>
+        <a:xfrm>
+          <a:off x="0" y="0"/>
+          <a:ext cx="0" cy="0"/>
+          <a:chOff x="0" y="0"/>
+          <a:chExt cx="0" cy="0"/>
+        </a:xfrm>
+      </p:grpSpPr>
+    </p:spTree>
+    <p:extLst>
+      <p:ext uri="{BB962C8B-B14F-4D97-AF65-F5344CB8AC3E}">
+        <p14:creationId xmlns:p14="http://schemas.microsoft.com/office/powerpoint/2010/main" val="1509333964"/>
+      </p:ext>
+    </p:extLst>
+  </p:cSld>
+  <p:clrMapOvr>
+    <a:masterClrMapping/>
+  </p:clrMapOvr>
+</p:sld>
+</file>
+
+<file path=ppt/slides/slide11.xml><?xml version="1.0" encoding="utf-8"?>
+<p:sld xmlns:a="http://schemas.openxmlformats.org/drawingml/2006/main" xmlns:r="http://schemas.openxmlformats.org/officeDocument/2006/relationships" xmlns:p="http://schemas.openxmlformats.org/presentationml/2006/main">
+  <p:cSld>
+    <p:spTree>
+      <p:nvGrpSpPr>
+        <p:cNvPr id="1" name=""/>
+        <p:cNvGrpSpPr/>
+        <p:nvPr/>
+      </p:nvGrpSpPr>
+      <p:grpSpPr>
+        <a:xfrm>
+          <a:off x="0" y="0"/>
+          <a:ext cx="0" cy="0"/>
+          <a:chOff x="0" y="0"/>
+          <a:chExt cx="0" cy="0"/>
+        </a:xfrm>
+      </p:grpSpPr>
+    </p:spTree>
+    <p:extLst>
+      <p:ext uri="{BB962C8B-B14F-4D97-AF65-F5344CB8AC3E}">
+        <p14:creationId xmlns:p14="http://schemas.microsoft.com/office/powerpoint/2010/main" val="1509333964"/>
+      </p:ext>
+    </p:extLst>
+  </p:cSld>
+  <p:clrMapOvr>
+    <a:masterClrMapping/>
+  </p:clrMapOvr>
+</p:sld>
+</file>
+
+<file path=ppt/slides/slide12.xml><?xml version="1.0" encoding="utf-8"?>
+<p:sld xmlns:a="http://schemas.openxmlformats.org/drawingml/2006/main" xmlns:r="http://schemas.openxmlformats.org/officeDocument/2006/relationships" xmlns:p="http://schemas.openxmlformats.org/presentationml/2006/main">
+  <p:cSld>
+    <p:spTree>
+      <p:nvGrpSpPr>
+        <p:cNvPr id="1" name=""/>
+        <p:cNvGrpSpPr/>
+        <p:nvPr/>
+      </p:nvGrpSpPr>
+      <p:grpSpPr>
+        <a:xfrm>
+          <a:off x="0" y="0"/>
+          <a:ext cx="0" cy="0"/>
+          <a:chOff x="0" y="0"/>
+          <a:chExt cx="0" cy="0"/>
+        </a:xfrm>
+      </p:grpSpPr>
+    </p:spTree>
+    <p:extLst>
+      <p:ext uri="{BB962C8B-B14F-4D97-AF65-F5344CB8AC3E}">
+        <p14:creationId xmlns:p14="http://schemas.microsoft.com/office/powerpoint/2010/main" val="1509333964"/>
+      </p:ext>
+    </p:extLst>
+  </p:cSld>
+  <p:clrMapOvr>
+    <a:masterClrMapping/>
+  </p:clrMapOvr>
+</p:sld>
+</file>
+
 <file path=ppt/slides/slide2.xml><?xml version="1.0" encoding="utf-8"?>
 <p:sld xmlns:a="http://schemas.openxmlformats.org/drawingml/2006/main" xmlns:r="http://schemas.openxmlformats.org/officeDocument/2006/relationships" xmlns:p="http://schemas.openxmlformats.org/presentationml/2006/main">
   <p:cSld>
@@ -6583,6 +6677,50 @@
           <a:chExt cx="0" cy="0"/>
         </a:xfrm>
       </p:grpSpPr>
+      <p:sp>
+        <p:nvSpPr>
+          <p:cNvPr id="2" name="矩形 1"/>
+          <p:cNvSpPr/>
+          <p:nvPr/>
+        </p:nvSpPr>
+        <p:spPr>
+          <a:xfrm>
+            <a:off x="3203848" y="2924944"/>
+            <a:ext cx="3024336" cy="504056"/>
+          </a:xfrm>
+          <a:prstGeom prst="rect">
+            <a:avLst/>
+          </a:prstGeom>
+        </p:spPr>
+        <p:style>
+          <a:lnRef idx="2">
+            <a:schemeClr val="accent1">
+              <a:shade val="50000"/>
+            </a:schemeClr>
+          </a:lnRef>
+          <a:fillRef idx="1">
+            <a:schemeClr val="accent1"/>
+          </a:fillRef>
+          <a:effectRef idx="0">
+            <a:schemeClr val="accent1"/>
+          </a:effectRef>
+          <a:fontRef idx="minor">
+            <a:schemeClr val="lt1"/>
+          </a:fontRef>
+        </p:style>
+        <p:txBody>
+          <a:bodyPr rtlCol="0" anchor="ctr"/>
+          <a:lstStyle/>
+          <a:p>
+            <a:pPr algn="ctr"/>
+            <a:r>
+              <a:rPr lang="en-US" altLang="zh-CN" dirty="0" err="1" smtClean="0"/>
+              <a:t>HashMap</a:t>
+            </a:r>
+            <a:endParaRPr lang="zh-CN" altLang="en-US" dirty="0"/>
+          </a:p>
+        </p:txBody>
+      </p:sp>
     </p:spTree>
     <p:extLst>
       <p:ext uri="{BB962C8B-B14F-4D97-AF65-F5344CB8AC3E}">
@@ -6613,10 +6751,1643 @@
           <a:chExt cx="0" cy="0"/>
         </a:xfrm>
       </p:grpSpPr>
+      <p:sp>
+        <p:nvSpPr>
+          <p:cNvPr id="2" name="矩形 1"/>
+          <p:cNvSpPr/>
+          <p:nvPr/>
+        </p:nvSpPr>
+        <p:spPr>
+          <a:xfrm>
+            <a:off x="467544" y="3054897"/>
+            <a:ext cx="720080" cy="360040"/>
+          </a:xfrm>
+          <a:prstGeom prst="rect">
+            <a:avLst/>
+          </a:prstGeom>
+        </p:spPr>
+        <p:style>
+          <a:lnRef idx="2">
+            <a:schemeClr val="accent1">
+              <a:shade val="50000"/>
+            </a:schemeClr>
+          </a:lnRef>
+          <a:fillRef idx="1">
+            <a:schemeClr val="accent1"/>
+          </a:fillRef>
+          <a:effectRef idx="0">
+            <a:schemeClr val="accent1"/>
+          </a:effectRef>
+          <a:fontRef idx="minor">
+            <a:schemeClr val="lt1"/>
+          </a:fontRef>
+        </p:style>
+        <p:txBody>
+          <a:bodyPr rtlCol="0" anchor="ctr"/>
+          <a:lstStyle/>
+          <a:p>
+            <a:pPr algn="ctr"/>
+            <a:r>
+              <a:rPr lang="en-US" altLang="zh-CN" dirty="0" smtClean="0"/>
+              <a:t>0</a:t>
+            </a:r>
+            <a:endParaRPr lang="zh-CN" altLang="en-US" dirty="0"/>
+          </a:p>
+        </p:txBody>
+      </p:sp>
+      <p:sp>
+        <p:nvSpPr>
+          <p:cNvPr id="3" name="矩形 2"/>
+          <p:cNvSpPr/>
+          <p:nvPr/>
+        </p:nvSpPr>
+        <p:spPr>
+          <a:xfrm>
+            <a:off x="467544" y="3372712"/>
+            <a:ext cx="720080" cy="360040"/>
+          </a:xfrm>
+          <a:prstGeom prst="rect">
+            <a:avLst/>
+          </a:prstGeom>
+        </p:spPr>
+        <p:style>
+          <a:lnRef idx="2">
+            <a:schemeClr val="accent1">
+              <a:shade val="50000"/>
+            </a:schemeClr>
+          </a:lnRef>
+          <a:fillRef idx="1">
+            <a:schemeClr val="accent1"/>
+          </a:fillRef>
+          <a:effectRef idx="0">
+            <a:schemeClr val="accent1"/>
+          </a:effectRef>
+          <a:fontRef idx="minor">
+            <a:schemeClr val="lt1"/>
+          </a:fontRef>
+        </p:style>
+        <p:txBody>
+          <a:bodyPr rtlCol="0" anchor="ctr"/>
+          <a:lstStyle/>
+          <a:p>
+            <a:pPr algn="ctr"/>
+            <a:r>
+              <a:rPr lang="en-US" altLang="zh-CN" dirty="0" smtClean="0"/>
+              <a:t>1</a:t>
+            </a:r>
+            <a:endParaRPr lang="zh-CN" altLang="en-US" dirty="0"/>
+          </a:p>
+        </p:txBody>
+      </p:sp>
+      <p:sp>
+        <p:nvSpPr>
+          <p:cNvPr id="4" name="矩形 3"/>
+          <p:cNvSpPr/>
+          <p:nvPr/>
+        </p:nvSpPr>
+        <p:spPr>
+          <a:xfrm>
+            <a:off x="467544" y="3717032"/>
+            <a:ext cx="720080" cy="360040"/>
+          </a:xfrm>
+          <a:prstGeom prst="rect">
+            <a:avLst/>
+          </a:prstGeom>
+        </p:spPr>
+        <p:style>
+          <a:lnRef idx="2">
+            <a:schemeClr val="accent1">
+              <a:shade val="50000"/>
+            </a:schemeClr>
+          </a:lnRef>
+          <a:fillRef idx="1">
+            <a:schemeClr val="accent1"/>
+          </a:fillRef>
+          <a:effectRef idx="0">
+            <a:schemeClr val="accent1"/>
+          </a:effectRef>
+          <a:fontRef idx="minor">
+            <a:schemeClr val="lt1"/>
+          </a:fontRef>
+        </p:style>
+        <p:txBody>
+          <a:bodyPr rtlCol="0" anchor="ctr"/>
+          <a:lstStyle/>
+          <a:p>
+            <a:pPr algn="ctr"/>
+            <a:r>
+              <a:rPr lang="en-US" altLang="zh-CN" dirty="0" smtClean="0"/>
+              <a:t>2</a:t>
+            </a:r>
+            <a:endParaRPr lang="zh-CN" altLang="en-US" dirty="0"/>
+          </a:p>
+        </p:txBody>
+      </p:sp>
+      <p:sp>
+        <p:nvSpPr>
+          <p:cNvPr id="5" name="矩形 4"/>
+          <p:cNvSpPr/>
+          <p:nvPr/>
+        </p:nvSpPr>
+        <p:spPr>
+          <a:xfrm>
+            <a:off x="467544" y="4077072"/>
+            <a:ext cx="720080" cy="360040"/>
+          </a:xfrm>
+          <a:prstGeom prst="rect">
+            <a:avLst/>
+          </a:prstGeom>
+        </p:spPr>
+        <p:style>
+          <a:lnRef idx="2">
+            <a:schemeClr val="accent1">
+              <a:shade val="50000"/>
+            </a:schemeClr>
+          </a:lnRef>
+          <a:fillRef idx="1">
+            <a:schemeClr val="accent1"/>
+          </a:fillRef>
+          <a:effectRef idx="0">
+            <a:schemeClr val="accent1"/>
+          </a:effectRef>
+          <a:fontRef idx="minor">
+            <a:schemeClr val="lt1"/>
+          </a:fontRef>
+        </p:style>
+        <p:txBody>
+          <a:bodyPr rtlCol="0" anchor="ctr"/>
+          <a:lstStyle/>
+          <a:p>
+            <a:pPr algn="ctr"/>
+            <a:r>
+              <a:rPr lang="en-US" altLang="zh-CN" dirty="0" smtClean="0"/>
+              <a:t>3</a:t>
+            </a:r>
+            <a:endParaRPr lang="zh-CN" altLang="en-US" dirty="0"/>
+          </a:p>
+        </p:txBody>
+      </p:sp>
+      <p:sp>
+        <p:nvSpPr>
+          <p:cNvPr id="6" name="矩形 5"/>
+          <p:cNvSpPr/>
+          <p:nvPr/>
+        </p:nvSpPr>
+        <p:spPr>
+          <a:xfrm>
+            <a:off x="467544" y="4437112"/>
+            <a:ext cx="720080" cy="360040"/>
+          </a:xfrm>
+          <a:prstGeom prst="rect">
+            <a:avLst/>
+          </a:prstGeom>
+        </p:spPr>
+        <p:style>
+          <a:lnRef idx="2">
+            <a:schemeClr val="accent1">
+              <a:shade val="50000"/>
+            </a:schemeClr>
+          </a:lnRef>
+          <a:fillRef idx="1">
+            <a:schemeClr val="accent1"/>
+          </a:fillRef>
+          <a:effectRef idx="0">
+            <a:schemeClr val="accent1"/>
+          </a:effectRef>
+          <a:fontRef idx="minor">
+            <a:schemeClr val="lt1"/>
+          </a:fontRef>
+        </p:style>
+        <p:txBody>
+          <a:bodyPr rtlCol="0" anchor="ctr"/>
+          <a:lstStyle/>
+          <a:p>
+            <a:pPr algn="ctr"/>
+            <a:r>
+              <a:rPr lang="en-US" altLang="zh-CN" dirty="0" smtClean="0"/>
+              <a:t>4</a:t>
+            </a:r>
+            <a:endParaRPr lang="zh-CN" altLang="en-US" dirty="0"/>
+          </a:p>
+        </p:txBody>
+      </p:sp>
+      <p:cxnSp>
+        <p:nvCxnSpPr>
+          <p:cNvPr id="8" name="直接箭头连接符 7"/>
+          <p:cNvCxnSpPr>
+            <a:stCxn id="2" idx="3"/>
+          </p:cNvCxnSpPr>
+          <p:nvPr/>
+        </p:nvCxnSpPr>
+        <p:spPr>
+          <a:xfrm flipV="1">
+            <a:off x="1187624" y="3054897"/>
+            <a:ext cx="576064" cy="180020"/>
+          </a:xfrm>
+          <a:prstGeom prst="straightConnector1">
+            <a:avLst/>
+          </a:prstGeom>
+          <a:ln>
+            <a:solidFill>
+              <a:schemeClr val="tx1"/>
+            </a:solidFill>
+            <a:tailEnd type="arrow"/>
+          </a:ln>
+        </p:spPr>
+        <p:style>
+          <a:lnRef idx="1">
+            <a:schemeClr val="accent1"/>
+          </a:lnRef>
+          <a:fillRef idx="0">
+            <a:schemeClr val="accent1"/>
+          </a:fillRef>
+          <a:effectRef idx="0">
+            <a:schemeClr val="accent1"/>
+          </a:effectRef>
+          <a:fontRef idx="minor">
+            <a:schemeClr val="tx1"/>
+          </a:fontRef>
+        </p:style>
+      </p:cxnSp>
+      <p:sp>
+        <p:nvSpPr>
+          <p:cNvPr id="9" name="矩形 8"/>
+          <p:cNvSpPr/>
+          <p:nvPr/>
+        </p:nvSpPr>
+        <p:spPr>
+          <a:xfrm>
+            <a:off x="1763688" y="2874877"/>
+            <a:ext cx="720080" cy="360040"/>
+          </a:xfrm>
+          <a:prstGeom prst="rect">
+            <a:avLst/>
+          </a:prstGeom>
+        </p:spPr>
+        <p:style>
+          <a:lnRef idx="2">
+            <a:schemeClr val="accent1">
+              <a:shade val="50000"/>
+            </a:schemeClr>
+          </a:lnRef>
+          <a:fillRef idx="1">
+            <a:schemeClr val="accent1"/>
+          </a:fillRef>
+          <a:effectRef idx="0">
+            <a:schemeClr val="accent1"/>
+          </a:effectRef>
+          <a:fontRef idx="minor">
+            <a:schemeClr val="lt1"/>
+          </a:fontRef>
+        </p:style>
+        <p:txBody>
+          <a:bodyPr rtlCol="0" anchor="ctr"/>
+          <a:lstStyle/>
+          <a:p>
+            <a:pPr algn="ctr"/>
+            <a:r>
+              <a:rPr lang="en-US" altLang="zh-CN" dirty="0" smtClean="0"/>
+              <a:t>List</a:t>
+            </a:r>
+            <a:endParaRPr lang="zh-CN" altLang="en-US" dirty="0"/>
+          </a:p>
+        </p:txBody>
+      </p:sp>
+      <p:sp>
+        <p:nvSpPr>
+          <p:cNvPr id="10" name="圆角矩形 9"/>
+          <p:cNvSpPr/>
+          <p:nvPr/>
+        </p:nvSpPr>
+        <p:spPr>
+          <a:xfrm>
+            <a:off x="179512" y="2370821"/>
+            <a:ext cx="1296144" cy="504056"/>
+          </a:xfrm>
+          <a:prstGeom prst="roundRect">
+            <a:avLst/>
+          </a:prstGeom>
+        </p:spPr>
+        <p:style>
+          <a:lnRef idx="2">
+            <a:schemeClr val="accent1">
+              <a:shade val="50000"/>
+            </a:schemeClr>
+          </a:lnRef>
+          <a:fillRef idx="1">
+            <a:schemeClr val="accent1"/>
+          </a:fillRef>
+          <a:effectRef idx="0">
+            <a:schemeClr val="accent1"/>
+          </a:effectRef>
+          <a:fontRef idx="minor">
+            <a:schemeClr val="lt1"/>
+          </a:fontRef>
+        </p:style>
+        <p:txBody>
+          <a:bodyPr rtlCol="0" anchor="ctr"/>
+          <a:lstStyle/>
+          <a:p>
+            <a:pPr algn="ctr"/>
+            <a:r>
+              <a:rPr lang="en-US" altLang="zh-CN" dirty="0" smtClean="0"/>
+              <a:t>Lists[]</a:t>
+            </a:r>
+            <a:endParaRPr lang="zh-CN" altLang="en-US" dirty="0"/>
+          </a:p>
+        </p:txBody>
+      </p:sp>
+      <p:cxnSp>
+        <p:nvCxnSpPr>
+          <p:cNvPr id="13" name="直接箭头连接符 12"/>
+          <p:cNvCxnSpPr>
+            <a:stCxn id="9" idx="3"/>
+          </p:cNvCxnSpPr>
+          <p:nvPr/>
+        </p:nvCxnSpPr>
+        <p:spPr>
+          <a:xfrm flipV="1">
+            <a:off x="2483768" y="2564904"/>
+            <a:ext cx="432048" cy="489993"/>
+          </a:xfrm>
+          <a:prstGeom prst="straightConnector1">
+            <a:avLst/>
+          </a:prstGeom>
+          <a:ln>
+            <a:solidFill>
+              <a:schemeClr val="tx1"/>
+            </a:solidFill>
+            <a:tailEnd type="arrow"/>
+          </a:ln>
+        </p:spPr>
+        <p:style>
+          <a:lnRef idx="1">
+            <a:schemeClr val="accent1"/>
+          </a:lnRef>
+          <a:fillRef idx="0">
+            <a:schemeClr val="accent1"/>
+          </a:fillRef>
+          <a:effectRef idx="0">
+            <a:schemeClr val="accent1"/>
+          </a:effectRef>
+          <a:fontRef idx="minor">
+            <a:schemeClr val="tx1"/>
+          </a:fontRef>
+        </p:style>
+      </p:cxnSp>
+      <p:cxnSp>
+        <p:nvCxnSpPr>
+          <p:cNvPr id="15" name="直接箭头连接符 14"/>
+          <p:cNvCxnSpPr>
+            <a:stCxn id="9" idx="3"/>
+          </p:cNvCxnSpPr>
+          <p:nvPr/>
+        </p:nvCxnSpPr>
+        <p:spPr>
+          <a:xfrm>
+            <a:off x="2483768" y="3054897"/>
+            <a:ext cx="432048" cy="0"/>
+          </a:xfrm>
+          <a:prstGeom prst="straightConnector1">
+            <a:avLst/>
+          </a:prstGeom>
+          <a:ln>
+            <a:solidFill>
+              <a:schemeClr val="tx1"/>
+            </a:solidFill>
+            <a:tailEnd type="arrow"/>
+          </a:ln>
+        </p:spPr>
+        <p:style>
+          <a:lnRef idx="1">
+            <a:schemeClr val="accent1"/>
+          </a:lnRef>
+          <a:fillRef idx="0">
+            <a:schemeClr val="accent1"/>
+          </a:fillRef>
+          <a:effectRef idx="0">
+            <a:schemeClr val="accent1"/>
+          </a:effectRef>
+          <a:fontRef idx="minor">
+            <a:schemeClr val="tx1"/>
+          </a:fontRef>
+        </p:style>
+      </p:cxnSp>
+      <p:cxnSp>
+        <p:nvCxnSpPr>
+          <p:cNvPr id="17" name="直接箭头连接符 16"/>
+          <p:cNvCxnSpPr>
+            <a:stCxn id="9" idx="3"/>
+          </p:cNvCxnSpPr>
+          <p:nvPr/>
+        </p:nvCxnSpPr>
+        <p:spPr>
+          <a:xfrm>
+            <a:off x="2483768" y="3054897"/>
+            <a:ext cx="360040" cy="497835"/>
+          </a:xfrm>
+          <a:prstGeom prst="straightConnector1">
+            <a:avLst/>
+          </a:prstGeom>
+          <a:ln>
+            <a:solidFill>
+              <a:schemeClr val="tx1"/>
+            </a:solidFill>
+            <a:tailEnd type="arrow"/>
+          </a:ln>
+        </p:spPr>
+        <p:style>
+          <a:lnRef idx="1">
+            <a:schemeClr val="accent1"/>
+          </a:lnRef>
+          <a:fillRef idx="0">
+            <a:schemeClr val="accent1"/>
+          </a:fillRef>
+          <a:effectRef idx="0">
+            <a:schemeClr val="accent1"/>
+          </a:effectRef>
+          <a:fontRef idx="minor">
+            <a:schemeClr val="tx1"/>
+          </a:fontRef>
+        </p:style>
+      </p:cxnSp>
+      <p:sp>
+        <p:nvSpPr>
+          <p:cNvPr id="18" name="矩形 17"/>
+          <p:cNvSpPr/>
+          <p:nvPr/>
+        </p:nvSpPr>
+        <p:spPr>
+          <a:xfrm>
+            <a:off x="2987824" y="2395854"/>
+            <a:ext cx="792088" cy="338099"/>
+          </a:xfrm>
+          <a:prstGeom prst="rect">
+            <a:avLst/>
+          </a:prstGeom>
+        </p:spPr>
+        <p:style>
+          <a:lnRef idx="2">
+            <a:schemeClr val="accent1">
+              <a:shade val="50000"/>
+            </a:schemeClr>
+          </a:lnRef>
+          <a:fillRef idx="1">
+            <a:schemeClr val="accent1"/>
+          </a:fillRef>
+          <a:effectRef idx="0">
+            <a:schemeClr val="accent1"/>
+          </a:effectRef>
+          <a:fontRef idx="minor">
+            <a:schemeClr val="lt1"/>
+          </a:fontRef>
+        </p:style>
+        <p:txBody>
+          <a:bodyPr rtlCol="0" anchor="ctr"/>
+          <a:lstStyle/>
+          <a:p>
+            <a:pPr algn="ctr"/>
+            <a:r>
+              <a:rPr lang="en-US" altLang="zh-CN" dirty="0" smtClean="0"/>
+              <a:t>Entry</a:t>
+            </a:r>
+            <a:endParaRPr lang="zh-CN" altLang="en-US" dirty="0"/>
+          </a:p>
+        </p:txBody>
+      </p:sp>
+      <p:sp>
+        <p:nvSpPr>
+          <p:cNvPr id="19" name="矩形 18"/>
+          <p:cNvSpPr/>
+          <p:nvPr/>
+        </p:nvSpPr>
+        <p:spPr>
+          <a:xfrm>
+            <a:off x="2987824" y="2874877"/>
+            <a:ext cx="792088" cy="338099"/>
+          </a:xfrm>
+          <a:prstGeom prst="rect">
+            <a:avLst/>
+          </a:prstGeom>
+        </p:spPr>
+        <p:style>
+          <a:lnRef idx="2">
+            <a:schemeClr val="accent1">
+              <a:shade val="50000"/>
+            </a:schemeClr>
+          </a:lnRef>
+          <a:fillRef idx="1">
+            <a:schemeClr val="accent1"/>
+          </a:fillRef>
+          <a:effectRef idx="0">
+            <a:schemeClr val="accent1"/>
+          </a:effectRef>
+          <a:fontRef idx="minor">
+            <a:schemeClr val="lt1"/>
+          </a:fontRef>
+        </p:style>
+        <p:txBody>
+          <a:bodyPr rtlCol="0" anchor="ctr"/>
+          <a:lstStyle/>
+          <a:p>
+            <a:pPr algn="ctr"/>
+            <a:r>
+              <a:rPr lang="en-US" altLang="zh-CN" dirty="0" smtClean="0"/>
+              <a:t>Entry</a:t>
+            </a:r>
+            <a:endParaRPr lang="zh-CN" altLang="en-US" dirty="0"/>
+          </a:p>
+        </p:txBody>
+      </p:sp>
+      <p:sp>
+        <p:nvSpPr>
+          <p:cNvPr id="20" name="矩形 19"/>
+          <p:cNvSpPr/>
+          <p:nvPr/>
+        </p:nvSpPr>
+        <p:spPr>
+          <a:xfrm>
+            <a:off x="2987824" y="3378933"/>
+            <a:ext cx="792088" cy="338099"/>
+          </a:xfrm>
+          <a:prstGeom prst="rect">
+            <a:avLst/>
+          </a:prstGeom>
+        </p:spPr>
+        <p:style>
+          <a:lnRef idx="2">
+            <a:schemeClr val="accent1">
+              <a:shade val="50000"/>
+            </a:schemeClr>
+          </a:lnRef>
+          <a:fillRef idx="1">
+            <a:schemeClr val="accent1"/>
+          </a:fillRef>
+          <a:effectRef idx="0">
+            <a:schemeClr val="accent1"/>
+          </a:effectRef>
+          <a:fontRef idx="minor">
+            <a:schemeClr val="lt1"/>
+          </a:fontRef>
+        </p:style>
+        <p:txBody>
+          <a:bodyPr rtlCol="0" anchor="ctr"/>
+          <a:lstStyle/>
+          <a:p>
+            <a:pPr algn="ctr"/>
+            <a:r>
+              <a:rPr lang="en-US" altLang="zh-CN" dirty="0" smtClean="0"/>
+              <a:t>Entry</a:t>
+            </a:r>
+            <a:endParaRPr lang="zh-CN" altLang="en-US" dirty="0"/>
+          </a:p>
+        </p:txBody>
+      </p:sp>
+      <p:sp>
+        <p:nvSpPr>
+          <p:cNvPr id="21" name="矩形 20"/>
+          <p:cNvSpPr/>
+          <p:nvPr/>
+        </p:nvSpPr>
+        <p:spPr>
+          <a:xfrm>
+            <a:off x="4788024" y="3054897"/>
+            <a:ext cx="720080" cy="360040"/>
+          </a:xfrm>
+          <a:prstGeom prst="rect">
+            <a:avLst/>
+          </a:prstGeom>
+        </p:spPr>
+        <p:style>
+          <a:lnRef idx="2">
+            <a:schemeClr val="accent1">
+              <a:shade val="50000"/>
+            </a:schemeClr>
+          </a:lnRef>
+          <a:fillRef idx="1">
+            <a:schemeClr val="accent1"/>
+          </a:fillRef>
+          <a:effectRef idx="0">
+            <a:schemeClr val="accent1"/>
+          </a:effectRef>
+          <a:fontRef idx="minor">
+            <a:schemeClr val="lt1"/>
+          </a:fontRef>
+        </p:style>
+        <p:txBody>
+          <a:bodyPr rtlCol="0" anchor="ctr"/>
+          <a:lstStyle/>
+          <a:p>
+            <a:pPr algn="ctr"/>
+            <a:r>
+              <a:rPr lang="en-US" altLang="zh-CN" dirty="0" smtClean="0"/>
+              <a:t>0</a:t>
+            </a:r>
+            <a:endParaRPr lang="zh-CN" altLang="en-US" dirty="0"/>
+          </a:p>
+        </p:txBody>
+      </p:sp>
+      <p:sp>
+        <p:nvSpPr>
+          <p:cNvPr id="22" name="矩形 21"/>
+          <p:cNvSpPr/>
+          <p:nvPr/>
+        </p:nvSpPr>
+        <p:spPr>
+          <a:xfrm>
+            <a:off x="4788024" y="3372712"/>
+            <a:ext cx="720080" cy="360040"/>
+          </a:xfrm>
+          <a:prstGeom prst="rect">
+            <a:avLst/>
+          </a:prstGeom>
+        </p:spPr>
+        <p:style>
+          <a:lnRef idx="2">
+            <a:schemeClr val="accent1">
+              <a:shade val="50000"/>
+            </a:schemeClr>
+          </a:lnRef>
+          <a:fillRef idx="1">
+            <a:schemeClr val="accent1"/>
+          </a:fillRef>
+          <a:effectRef idx="0">
+            <a:schemeClr val="accent1"/>
+          </a:effectRef>
+          <a:fontRef idx="minor">
+            <a:schemeClr val="lt1"/>
+          </a:fontRef>
+        </p:style>
+        <p:txBody>
+          <a:bodyPr rtlCol="0" anchor="ctr"/>
+          <a:lstStyle/>
+          <a:p>
+            <a:pPr algn="ctr"/>
+            <a:r>
+              <a:rPr lang="en-US" altLang="zh-CN" dirty="0" smtClean="0"/>
+              <a:t>1</a:t>
+            </a:r>
+            <a:endParaRPr lang="zh-CN" altLang="en-US" dirty="0"/>
+          </a:p>
+        </p:txBody>
+      </p:sp>
+      <p:sp>
+        <p:nvSpPr>
+          <p:cNvPr id="23" name="矩形 22"/>
+          <p:cNvSpPr/>
+          <p:nvPr/>
+        </p:nvSpPr>
+        <p:spPr>
+          <a:xfrm>
+            <a:off x="4788024" y="3717032"/>
+            <a:ext cx="720080" cy="360040"/>
+          </a:xfrm>
+          <a:prstGeom prst="rect">
+            <a:avLst/>
+          </a:prstGeom>
+        </p:spPr>
+        <p:style>
+          <a:lnRef idx="2">
+            <a:schemeClr val="accent1">
+              <a:shade val="50000"/>
+            </a:schemeClr>
+          </a:lnRef>
+          <a:fillRef idx="1">
+            <a:schemeClr val="accent1"/>
+          </a:fillRef>
+          <a:effectRef idx="0">
+            <a:schemeClr val="accent1"/>
+          </a:effectRef>
+          <a:fontRef idx="minor">
+            <a:schemeClr val="lt1"/>
+          </a:fontRef>
+        </p:style>
+        <p:txBody>
+          <a:bodyPr rtlCol="0" anchor="ctr"/>
+          <a:lstStyle/>
+          <a:p>
+            <a:pPr algn="ctr"/>
+            <a:r>
+              <a:rPr lang="en-US" altLang="zh-CN" dirty="0" smtClean="0"/>
+              <a:t>2</a:t>
+            </a:r>
+            <a:endParaRPr lang="zh-CN" altLang="en-US" dirty="0"/>
+          </a:p>
+        </p:txBody>
+      </p:sp>
+      <p:sp>
+        <p:nvSpPr>
+          <p:cNvPr id="24" name="矩形 23"/>
+          <p:cNvSpPr/>
+          <p:nvPr/>
+        </p:nvSpPr>
+        <p:spPr>
+          <a:xfrm>
+            <a:off x="4788024" y="4077072"/>
+            <a:ext cx="720080" cy="360040"/>
+          </a:xfrm>
+          <a:prstGeom prst="rect">
+            <a:avLst/>
+          </a:prstGeom>
+        </p:spPr>
+        <p:style>
+          <a:lnRef idx="2">
+            <a:schemeClr val="accent1">
+              <a:shade val="50000"/>
+            </a:schemeClr>
+          </a:lnRef>
+          <a:fillRef idx="1">
+            <a:schemeClr val="accent1"/>
+          </a:fillRef>
+          <a:effectRef idx="0">
+            <a:schemeClr val="accent1"/>
+          </a:effectRef>
+          <a:fontRef idx="minor">
+            <a:schemeClr val="lt1"/>
+          </a:fontRef>
+        </p:style>
+        <p:txBody>
+          <a:bodyPr rtlCol="0" anchor="ctr"/>
+          <a:lstStyle/>
+          <a:p>
+            <a:pPr algn="ctr"/>
+            <a:r>
+              <a:rPr lang="en-US" altLang="zh-CN" dirty="0" smtClean="0"/>
+              <a:t>3</a:t>
+            </a:r>
+            <a:endParaRPr lang="zh-CN" altLang="en-US" dirty="0"/>
+          </a:p>
+        </p:txBody>
+      </p:sp>
+      <p:sp>
+        <p:nvSpPr>
+          <p:cNvPr id="25" name="矩形 24"/>
+          <p:cNvSpPr/>
+          <p:nvPr/>
+        </p:nvSpPr>
+        <p:spPr>
+          <a:xfrm>
+            <a:off x="4788024" y="4437112"/>
+            <a:ext cx="720080" cy="360040"/>
+          </a:xfrm>
+          <a:prstGeom prst="rect">
+            <a:avLst/>
+          </a:prstGeom>
+        </p:spPr>
+        <p:style>
+          <a:lnRef idx="2">
+            <a:schemeClr val="accent1">
+              <a:shade val="50000"/>
+            </a:schemeClr>
+          </a:lnRef>
+          <a:fillRef idx="1">
+            <a:schemeClr val="accent1"/>
+          </a:fillRef>
+          <a:effectRef idx="0">
+            <a:schemeClr val="accent1"/>
+          </a:effectRef>
+          <a:fontRef idx="minor">
+            <a:schemeClr val="lt1"/>
+          </a:fontRef>
+        </p:style>
+        <p:txBody>
+          <a:bodyPr rtlCol="0" anchor="ctr"/>
+          <a:lstStyle/>
+          <a:p>
+            <a:pPr algn="ctr"/>
+            <a:r>
+              <a:rPr lang="en-US" altLang="zh-CN" dirty="0" smtClean="0"/>
+              <a:t>4</a:t>
+            </a:r>
+            <a:endParaRPr lang="zh-CN" altLang="en-US" dirty="0"/>
+          </a:p>
+        </p:txBody>
+      </p:sp>
+      <p:cxnSp>
+        <p:nvCxnSpPr>
+          <p:cNvPr id="26" name="直接箭头连接符 25"/>
+          <p:cNvCxnSpPr>
+            <a:stCxn id="21" idx="3"/>
+          </p:cNvCxnSpPr>
+          <p:nvPr/>
+        </p:nvCxnSpPr>
+        <p:spPr>
+          <a:xfrm flipV="1">
+            <a:off x="5508104" y="3054897"/>
+            <a:ext cx="576064" cy="180020"/>
+          </a:xfrm>
+          <a:prstGeom prst="straightConnector1">
+            <a:avLst/>
+          </a:prstGeom>
+          <a:ln>
+            <a:solidFill>
+              <a:schemeClr val="tx1"/>
+            </a:solidFill>
+            <a:tailEnd type="arrow"/>
+          </a:ln>
+        </p:spPr>
+        <p:style>
+          <a:lnRef idx="1">
+            <a:schemeClr val="accent1"/>
+          </a:lnRef>
+          <a:fillRef idx="0">
+            <a:schemeClr val="accent1"/>
+          </a:fillRef>
+          <a:effectRef idx="0">
+            <a:schemeClr val="accent1"/>
+          </a:effectRef>
+          <a:fontRef idx="minor">
+            <a:schemeClr val="tx1"/>
+          </a:fontRef>
+        </p:style>
+      </p:cxnSp>
+      <p:sp>
+        <p:nvSpPr>
+          <p:cNvPr id="27" name="矩形 26"/>
+          <p:cNvSpPr/>
+          <p:nvPr/>
+        </p:nvSpPr>
+        <p:spPr>
+          <a:xfrm>
+            <a:off x="7236296" y="2874877"/>
+            <a:ext cx="720080" cy="360040"/>
+          </a:xfrm>
+          <a:prstGeom prst="rect">
+            <a:avLst/>
+          </a:prstGeom>
+        </p:spPr>
+        <p:style>
+          <a:lnRef idx="2">
+            <a:schemeClr val="accent1">
+              <a:shade val="50000"/>
+            </a:schemeClr>
+          </a:lnRef>
+          <a:fillRef idx="1">
+            <a:schemeClr val="accent1"/>
+          </a:fillRef>
+          <a:effectRef idx="0">
+            <a:schemeClr val="accent1"/>
+          </a:effectRef>
+          <a:fontRef idx="minor">
+            <a:schemeClr val="lt1"/>
+          </a:fontRef>
+        </p:style>
+        <p:txBody>
+          <a:bodyPr rtlCol="0" anchor="ctr"/>
+          <a:lstStyle/>
+          <a:p>
+            <a:pPr algn="ctr"/>
+            <a:r>
+              <a:rPr lang="en-US" altLang="zh-CN" dirty="0" smtClean="0"/>
+              <a:t>List</a:t>
+            </a:r>
+            <a:endParaRPr lang="zh-CN" altLang="en-US" dirty="0"/>
+          </a:p>
+        </p:txBody>
+      </p:sp>
+      <p:sp>
+        <p:nvSpPr>
+          <p:cNvPr id="28" name="圆角矩形 27"/>
+          <p:cNvSpPr/>
+          <p:nvPr/>
+        </p:nvSpPr>
+        <p:spPr>
+          <a:xfrm>
+            <a:off x="4499992" y="2370821"/>
+            <a:ext cx="1296144" cy="504056"/>
+          </a:xfrm>
+          <a:prstGeom prst="roundRect">
+            <a:avLst/>
+          </a:prstGeom>
+        </p:spPr>
+        <p:style>
+          <a:lnRef idx="2">
+            <a:schemeClr val="accent1">
+              <a:shade val="50000"/>
+            </a:schemeClr>
+          </a:lnRef>
+          <a:fillRef idx="1">
+            <a:schemeClr val="accent1"/>
+          </a:fillRef>
+          <a:effectRef idx="0">
+            <a:schemeClr val="accent1"/>
+          </a:effectRef>
+          <a:fontRef idx="minor">
+            <a:schemeClr val="lt1"/>
+          </a:fontRef>
+        </p:style>
+        <p:txBody>
+          <a:bodyPr rtlCol="0" anchor="ctr"/>
+          <a:lstStyle/>
+          <a:p>
+            <a:pPr algn="ctr"/>
+            <a:r>
+              <a:rPr lang="en-US" altLang="zh-CN" dirty="0" smtClean="0"/>
+              <a:t>List</a:t>
+            </a:r>
+            <a:endParaRPr lang="zh-CN" altLang="en-US" dirty="0"/>
+          </a:p>
+        </p:txBody>
+      </p:sp>
+      <p:cxnSp>
+        <p:nvCxnSpPr>
+          <p:cNvPr id="29" name="直接箭头连接符 28"/>
+          <p:cNvCxnSpPr>
+            <a:stCxn id="27" idx="3"/>
+          </p:cNvCxnSpPr>
+          <p:nvPr/>
+        </p:nvCxnSpPr>
+        <p:spPr>
+          <a:xfrm flipV="1">
+            <a:off x="7956376" y="2564904"/>
+            <a:ext cx="432048" cy="489993"/>
+          </a:xfrm>
+          <a:prstGeom prst="straightConnector1">
+            <a:avLst/>
+          </a:prstGeom>
+          <a:ln>
+            <a:solidFill>
+              <a:schemeClr val="tx1"/>
+            </a:solidFill>
+            <a:tailEnd type="arrow"/>
+          </a:ln>
+        </p:spPr>
+        <p:style>
+          <a:lnRef idx="1">
+            <a:schemeClr val="accent1"/>
+          </a:lnRef>
+          <a:fillRef idx="0">
+            <a:schemeClr val="accent1"/>
+          </a:fillRef>
+          <a:effectRef idx="0">
+            <a:schemeClr val="accent1"/>
+          </a:effectRef>
+          <a:fontRef idx="minor">
+            <a:schemeClr val="tx1"/>
+          </a:fontRef>
+        </p:style>
+      </p:cxnSp>
+      <p:cxnSp>
+        <p:nvCxnSpPr>
+          <p:cNvPr id="30" name="直接箭头连接符 29"/>
+          <p:cNvCxnSpPr>
+            <a:stCxn id="27" idx="3"/>
+          </p:cNvCxnSpPr>
+          <p:nvPr/>
+        </p:nvCxnSpPr>
+        <p:spPr>
+          <a:xfrm>
+            <a:off x="7956376" y="3054897"/>
+            <a:ext cx="432048" cy="0"/>
+          </a:xfrm>
+          <a:prstGeom prst="straightConnector1">
+            <a:avLst/>
+          </a:prstGeom>
+          <a:ln>
+            <a:solidFill>
+              <a:schemeClr val="tx1"/>
+            </a:solidFill>
+            <a:tailEnd type="arrow"/>
+          </a:ln>
+        </p:spPr>
+        <p:style>
+          <a:lnRef idx="1">
+            <a:schemeClr val="accent1"/>
+          </a:lnRef>
+          <a:fillRef idx="0">
+            <a:schemeClr val="accent1"/>
+          </a:fillRef>
+          <a:effectRef idx="0">
+            <a:schemeClr val="accent1"/>
+          </a:effectRef>
+          <a:fontRef idx="minor">
+            <a:schemeClr val="tx1"/>
+          </a:fontRef>
+        </p:style>
+      </p:cxnSp>
+      <p:cxnSp>
+        <p:nvCxnSpPr>
+          <p:cNvPr id="31" name="直接箭头连接符 30"/>
+          <p:cNvCxnSpPr>
+            <a:stCxn id="27" idx="3"/>
+          </p:cNvCxnSpPr>
+          <p:nvPr/>
+        </p:nvCxnSpPr>
+        <p:spPr>
+          <a:xfrm>
+            <a:off x="7956376" y="3054897"/>
+            <a:ext cx="360040" cy="497835"/>
+          </a:xfrm>
+          <a:prstGeom prst="straightConnector1">
+            <a:avLst/>
+          </a:prstGeom>
+          <a:ln>
+            <a:solidFill>
+              <a:schemeClr val="tx1"/>
+            </a:solidFill>
+            <a:tailEnd type="arrow"/>
+          </a:ln>
+        </p:spPr>
+        <p:style>
+          <a:lnRef idx="1">
+            <a:schemeClr val="accent1"/>
+          </a:lnRef>
+          <a:fillRef idx="0">
+            <a:schemeClr val="accent1"/>
+          </a:fillRef>
+          <a:effectRef idx="0">
+            <a:schemeClr val="accent1"/>
+          </a:effectRef>
+          <a:fontRef idx="minor">
+            <a:schemeClr val="tx1"/>
+          </a:fontRef>
+        </p:style>
+      </p:cxnSp>
+      <p:sp>
+        <p:nvSpPr>
+          <p:cNvPr id="32" name="矩形 31"/>
+          <p:cNvSpPr/>
+          <p:nvPr/>
+        </p:nvSpPr>
+        <p:spPr>
+          <a:xfrm>
+            <a:off x="6094919" y="2896818"/>
+            <a:ext cx="792088" cy="338099"/>
+          </a:xfrm>
+          <a:prstGeom prst="rect">
+            <a:avLst/>
+          </a:prstGeom>
+        </p:spPr>
+        <p:style>
+          <a:lnRef idx="2">
+            <a:schemeClr val="accent1">
+              <a:shade val="50000"/>
+            </a:schemeClr>
+          </a:lnRef>
+          <a:fillRef idx="1">
+            <a:schemeClr val="accent1"/>
+          </a:fillRef>
+          <a:effectRef idx="0">
+            <a:schemeClr val="accent1"/>
+          </a:effectRef>
+          <a:fontRef idx="minor">
+            <a:schemeClr val="lt1"/>
+          </a:fontRef>
+        </p:style>
+        <p:txBody>
+          <a:bodyPr rtlCol="0" anchor="ctr"/>
+          <a:lstStyle/>
+          <a:p>
+            <a:pPr algn="ctr"/>
+            <a:r>
+              <a:rPr lang="en-US" altLang="zh-CN" dirty="0" smtClean="0"/>
+              <a:t>Entry</a:t>
+            </a:r>
+            <a:endParaRPr lang="zh-CN" altLang="en-US" dirty="0"/>
+          </a:p>
+        </p:txBody>
+      </p:sp>
+      <p:sp>
+        <p:nvSpPr>
+          <p:cNvPr id="35" name="右箭头 34"/>
+          <p:cNvSpPr/>
+          <p:nvPr/>
+        </p:nvSpPr>
+        <p:spPr>
+          <a:xfrm>
+            <a:off x="6887007" y="3043926"/>
+            <a:ext cx="349289" cy="100981"/>
+          </a:xfrm>
+          <a:prstGeom prst="rightArrow">
+            <a:avLst/>
+          </a:prstGeom>
+        </p:spPr>
+        <p:style>
+          <a:lnRef idx="2">
+            <a:schemeClr val="accent1">
+              <a:shade val="50000"/>
+            </a:schemeClr>
+          </a:lnRef>
+          <a:fillRef idx="1">
+            <a:schemeClr val="accent1"/>
+          </a:fillRef>
+          <a:effectRef idx="0">
+            <a:schemeClr val="accent1"/>
+          </a:effectRef>
+          <a:fontRef idx="minor">
+            <a:schemeClr val="lt1"/>
+          </a:fontRef>
+        </p:style>
+        <p:txBody>
+          <a:bodyPr rtlCol="0" anchor="ctr"/>
+          <a:lstStyle/>
+          <a:p>
+            <a:pPr algn="ctr"/>
+            <a:endParaRPr lang="zh-CN" altLang="en-US"/>
+          </a:p>
+        </p:txBody>
+      </p:sp>
+      <p:cxnSp>
+        <p:nvCxnSpPr>
+          <p:cNvPr id="37" name="直接箭头连接符 36"/>
+          <p:cNvCxnSpPr>
+            <a:stCxn id="20" idx="2"/>
+          </p:cNvCxnSpPr>
+          <p:nvPr/>
+        </p:nvCxnSpPr>
+        <p:spPr>
+          <a:xfrm flipH="1">
+            <a:off x="2987824" y="3717032"/>
+            <a:ext cx="396044" cy="360040"/>
+          </a:xfrm>
+          <a:prstGeom prst="straightConnector1">
+            <a:avLst/>
+          </a:prstGeom>
+          <a:ln>
+            <a:solidFill>
+              <a:schemeClr val="tx1"/>
+            </a:solidFill>
+            <a:tailEnd type="arrow"/>
+          </a:ln>
+        </p:spPr>
+        <p:style>
+          <a:lnRef idx="1">
+            <a:schemeClr val="accent1"/>
+          </a:lnRef>
+          <a:fillRef idx="0">
+            <a:schemeClr val="accent1"/>
+          </a:fillRef>
+          <a:effectRef idx="0">
+            <a:schemeClr val="accent1"/>
+          </a:effectRef>
+          <a:fontRef idx="minor">
+            <a:schemeClr val="tx1"/>
+          </a:fontRef>
+        </p:style>
+      </p:cxnSp>
+      <p:cxnSp>
+        <p:nvCxnSpPr>
+          <p:cNvPr id="39" name="直接箭头连接符 38"/>
+          <p:cNvCxnSpPr>
+            <a:stCxn id="20" idx="2"/>
+          </p:cNvCxnSpPr>
+          <p:nvPr/>
+        </p:nvCxnSpPr>
+        <p:spPr>
+          <a:xfrm>
+            <a:off x="3383868" y="3717032"/>
+            <a:ext cx="396044" cy="360040"/>
+          </a:xfrm>
+          <a:prstGeom prst="straightConnector1">
+            <a:avLst/>
+          </a:prstGeom>
+          <a:ln>
+            <a:solidFill>
+              <a:schemeClr val="tx1"/>
+            </a:solidFill>
+            <a:tailEnd type="arrow"/>
+          </a:ln>
+        </p:spPr>
+        <p:style>
+          <a:lnRef idx="1">
+            <a:schemeClr val="accent1"/>
+          </a:lnRef>
+          <a:fillRef idx="0">
+            <a:schemeClr val="accent1"/>
+          </a:fillRef>
+          <a:effectRef idx="0">
+            <a:schemeClr val="accent1"/>
+          </a:effectRef>
+          <a:fontRef idx="minor">
+            <a:schemeClr val="tx1"/>
+          </a:fontRef>
+        </p:style>
+      </p:cxnSp>
+      <p:sp>
+        <p:nvSpPr>
+          <p:cNvPr id="40" name="矩形 39"/>
+          <p:cNvSpPr/>
+          <p:nvPr/>
+        </p:nvSpPr>
+        <p:spPr>
+          <a:xfrm>
+            <a:off x="2699792" y="4077072"/>
+            <a:ext cx="684076" cy="288032"/>
+          </a:xfrm>
+          <a:prstGeom prst="rect">
+            <a:avLst/>
+          </a:prstGeom>
+        </p:spPr>
+        <p:style>
+          <a:lnRef idx="2">
+            <a:schemeClr val="accent1">
+              <a:shade val="50000"/>
+            </a:schemeClr>
+          </a:lnRef>
+          <a:fillRef idx="1">
+            <a:schemeClr val="accent1"/>
+          </a:fillRef>
+          <a:effectRef idx="0">
+            <a:schemeClr val="accent1"/>
+          </a:effectRef>
+          <a:fontRef idx="minor">
+            <a:schemeClr val="lt1"/>
+          </a:fontRef>
+        </p:style>
+        <p:txBody>
+          <a:bodyPr rtlCol="0" anchor="ctr"/>
+          <a:lstStyle/>
+          <a:p>
+            <a:pPr algn="ctr"/>
+            <a:r>
+              <a:rPr lang="en-US" altLang="zh-CN" dirty="0" smtClean="0"/>
+              <a:t>K</a:t>
+            </a:r>
+            <a:endParaRPr lang="zh-CN" altLang="en-US" dirty="0"/>
+          </a:p>
+        </p:txBody>
+      </p:sp>
+      <p:sp>
+        <p:nvSpPr>
+          <p:cNvPr id="55" name="矩形 54"/>
+          <p:cNvSpPr/>
+          <p:nvPr/>
+        </p:nvSpPr>
+        <p:spPr>
+          <a:xfrm>
+            <a:off x="3491880" y="4077072"/>
+            <a:ext cx="684076" cy="288032"/>
+          </a:xfrm>
+          <a:prstGeom prst="rect">
+            <a:avLst/>
+          </a:prstGeom>
+        </p:spPr>
+        <p:style>
+          <a:lnRef idx="2">
+            <a:schemeClr val="accent1">
+              <a:shade val="50000"/>
+            </a:schemeClr>
+          </a:lnRef>
+          <a:fillRef idx="1">
+            <a:schemeClr val="accent1"/>
+          </a:fillRef>
+          <a:effectRef idx="0">
+            <a:schemeClr val="accent1"/>
+          </a:effectRef>
+          <a:fontRef idx="minor">
+            <a:schemeClr val="lt1"/>
+          </a:fontRef>
+        </p:style>
+        <p:txBody>
+          <a:bodyPr rtlCol="0" anchor="ctr"/>
+          <a:lstStyle/>
+          <a:p>
+            <a:pPr algn="ctr"/>
+            <a:r>
+              <a:rPr lang="en-US" altLang="zh-CN" dirty="0"/>
+              <a:t>V</a:t>
+            </a:r>
+            <a:endParaRPr lang="zh-CN" altLang="en-US" dirty="0"/>
+          </a:p>
+        </p:txBody>
+      </p:sp>
+      <p:sp>
+        <p:nvSpPr>
+          <p:cNvPr id="57" name="矩形 56"/>
+          <p:cNvSpPr/>
+          <p:nvPr/>
+        </p:nvSpPr>
+        <p:spPr>
+          <a:xfrm>
+            <a:off x="6142789" y="2276872"/>
+            <a:ext cx="684076" cy="288032"/>
+          </a:xfrm>
+          <a:prstGeom prst="rect">
+            <a:avLst/>
+          </a:prstGeom>
+        </p:spPr>
+        <p:style>
+          <a:lnRef idx="2">
+            <a:schemeClr val="accent1">
+              <a:shade val="50000"/>
+            </a:schemeClr>
+          </a:lnRef>
+          <a:fillRef idx="1">
+            <a:schemeClr val="accent1"/>
+          </a:fillRef>
+          <a:effectRef idx="0">
+            <a:schemeClr val="accent1"/>
+          </a:effectRef>
+          <a:fontRef idx="minor">
+            <a:schemeClr val="lt1"/>
+          </a:fontRef>
+        </p:style>
+        <p:txBody>
+          <a:bodyPr rtlCol="0" anchor="ctr"/>
+          <a:lstStyle/>
+          <a:p>
+            <a:pPr algn="ctr"/>
+            <a:r>
+              <a:rPr lang="en-US" altLang="zh-CN" dirty="0"/>
+              <a:t>V</a:t>
+            </a:r>
+            <a:endParaRPr lang="zh-CN" altLang="en-US" dirty="0"/>
+          </a:p>
+        </p:txBody>
+      </p:sp>
+      <p:cxnSp>
+        <p:nvCxnSpPr>
+          <p:cNvPr id="59" name="直接箭头连接符 58"/>
+          <p:cNvCxnSpPr>
+            <a:stCxn id="32" idx="0"/>
+            <a:endCxn id="57" idx="2"/>
+          </p:cNvCxnSpPr>
+          <p:nvPr/>
+        </p:nvCxnSpPr>
+        <p:spPr>
+          <a:xfrm flipH="1" flipV="1">
+            <a:off x="6484827" y="2564904"/>
+            <a:ext cx="6136" cy="331914"/>
+          </a:xfrm>
+          <a:prstGeom prst="straightConnector1">
+            <a:avLst/>
+          </a:prstGeom>
+          <a:ln>
+            <a:solidFill>
+              <a:schemeClr val="tx1"/>
+            </a:solidFill>
+            <a:tailEnd type="arrow"/>
+          </a:ln>
+        </p:spPr>
+        <p:style>
+          <a:lnRef idx="1">
+            <a:schemeClr val="accent1"/>
+          </a:lnRef>
+          <a:fillRef idx="0">
+            <a:schemeClr val="accent1"/>
+          </a:fillRef>
+          <a:effectRef idx="0">
+            <a:schemeClr val="accent1"/>
+          </a:effectRef>
+          <a:fontRef idx="minor">
+            <a:schemeClr val="tx1"/>
+          </a:fontRef>
+        </p:style>
+      </p:cxnSp>
+      <p:sp>
+        <p:nvSpPr>
+          <p:cNvPr id="60" name="矩形 59"/>
+          <p:cNvSpPr/>
+          <p:nvPr/>
+        </p:nvSpPr>
+        <p:spPr>
+          <a:xfrm>
+            <a:off x="8387916" y="2442829"/>
+            <a:ext cx="684076" cy="288032"/>
+          </a:xfrm>
+          <a:prstGeom prst="rect">
+            <a:avLst/>
+          </a:prstGeom>
+        </p:spPr>
+        <p:style>
+          <a:lnRef idx="2">
+            <a:schemeClr val="accent1">
+              <a:shade val="50000"/>
+            </a:schemeClr>
+          </a:lnRef>
+          <a:fillRef idx="1">
+            <a:schemeClr val="accent1"/>
+          </a:fillRef>
+          <a:effectRef idx="0">
+            <a:schemeClr val="accent1"/>
+          </a:effectRef>
+          <a:fontRef idx="minor">
+            <a:schemeClr val="lt1"/>
+          </a:fontRef>
+        </p:style>
+        <p:txBody>
+          <a:bodyPr rtlCol="0" anchor="ctr"/>
+          <a:lstStyle/>
+          <a:p>
+            <a:pPr algn="ctr"/>
+            <a:r>
+              <a:rPr lang="en-US" altLang="zh-CN" dirty="0" smtClean="0"/>
+              <a:t>K0</a:t>
+            </a:r>
+            <a:endParaRPr lang="zh-CN" altLang="en-US" dirty="0"/>
+          </a:p>
+        </p:txBody>
+      </p:sp>
+      <p:sp>
+        <p:nvSpPr>
+          <p:cNvPr id="61" name="矩形 60"/>
+          <p:cNvSpPr/>
+          <p:nvPr/>
+        </p:nvSpPr>
+        <p:spPr>
+          <a:xfrm>
+            <a:off x="8391111" y="2921851"/>
+            <a:ext cx="684076" cy="288032"/>
+          </a:xfrm>
+          <a:prstGeom prst="rect">
+            <a:avLst/>
+          </a:prstGeom>
+        </p:spPr>
+        <p:style>
+          <a:lnRef idx="2">
+            <a:schemeClr val="accent1">
+              <a:shade val="50000"/>
+            </a:schemeClr>
+          </a:lnRef>
+          <a:fillRef idx="1">
+            <a:schemeClr val="accent1"/>
+          </a:fillRef>
+          <a:effectRef idx="0">
+            <a:schemeClr val="accent1"/>
+          </a:effectRef>
+          <a:fontRef idx="minor">
+            <a:schemeClr val="lt1"/>
+          </a:fontRef>
+        </p:style>
+        <p:txBody>
+          <a:bodyPr rtlCol="0" anchor="ctr"/>
+          <a:lstStyle/>
+          <a:p>
+            <a:pPr algn="ctr"/>
+            <a:r>
+              <a:rPr lang="en-US" altLang="zh-CN" dirty="0" smtClean="0"/>
+              <a:t>K1</a:t>
+            </a:r>
+            <a:endParaRPr lang="zh-CN" altLang="en-US" dirty="0"/>
+          </a:p>
+        </p:txBody>
+      </p:sp>
+      <p:sp>
+        <p:nvSpPr>
+          <p:cNvPr id="62" name="矩形 61"/>
+          <p:cNvSpPr/>
+          <p:nvPr/>
+        </p:nvSpPr>
+        <p:spPr>
+          <a:xfrm>
+            <a:off x="8391111" y="3444720"/>
+            <a:ext cx="684076" cy="288032"/>
+          </a:xfrm>
+          <a:prstGeom prst="rect">
+            <a:avLst/>
+          </a:prstGeom>
+        </p:spPr>
+        <p:style>
+          <a:lnRef idx="2">
+            <a:schemeClr val="accent1">
+              <a:shade val="50000"/>
+            </a:schemeClr>
+          </a:lnRef>
+          <a:fillRef idx="1">
+            <a:schemeClr val="accent1"/>
+          </a:fillRef>
+          <a:effectRef idx="0">
+            <a:schemeClr val="accent1"/>
+          </a:effectRef>
+          <a:fontRef idx="minor">
+            <a:schemeClr val="lt1"/>
+          </a:fontRef>
+        </p:style>
+        <p:txBody>
+          <a:bodyPr rtlCol="0" anchor="ctr"/>
+          <a:lstStyle/>
+          <a:p>
+            <a:pPr algn="ctr"/>
+            <a:r>
+              <a:rPr lang="en-US" altLang="zh-CN" dirty="0" smtClean="0"/>
+              <a:t>K2</a:t>
+            </a:r>
+            <a:endParaRPr lang="zh-CN" altLang="en-US" dirty="0"/>
+          </a:p>
+        </p:txBody>
+      </p:sp>
+      <p:sp>
+        <p:nvSpPr>
+          <p:cNvPr id="63" name="圆角矩形 62"/>
+          <p:cNvSpPr/>
+          <p:nvPr/>
+        </p:nvSpPr>
+        <p:spPr>
+          <a:xfrm>
+            <a:off x="2483768" y="1196752"/>
+            <a:ext cx="1350150" cy="360040"/>
+          </a:xfrm>
+          <a:prstGeom prst="roundRect">
+            <a:avLst/>
+          </a:prstGeom>
+        </p:spPr>
+        <p:style>
+          <a:lnRef idx="2">
+            <a:schemeClr val="accent1">
+              <a:shade val="50000"/>
+            </a:schemeClr>
+          </a:lnRef>
+          <a:fillRef idx="1">
+            <a:schemeClr val="accent1"/>
+          </a:fillRef>
+          <a:effectRef idx="0">
+            <a:schemeClr val="accent1"/>
+          </a:effectRef>
+          <a:fontRef idx="minor">
+            <a:schemeClr val="lt1"/>
+          </a:fontRef>
+        </p:style>
+        <p:txBody>
+          <a:bodyPr rtlCol="0" anchor="ctr"/>
+          <a:lstStyle/>
+          <a:p>
+            <a:pPr algn="ctr"/>
+            <a:r>
+              <a:rPr lang="en-US" altLang="zh-CN" dirty="0" smtClean="0"/>
+              <a:t>K : key</a:t>
+            </a:r>
+            <a:endParaRPr lang="zh-CN" altLang="en-US" dirty="0"/>
+          </a:p>
+        </p:txBody>
+      </p:sp>
+      <p:sp>
+        <p:nvSpPr>
+          <p:cNvPr id="64" name="圆角矩形 63"/>
+          <p:cNvSpPr/>
+          <p:nvPr/>
+        </p:nvSpPr>
+        <p:spPr>
+          <a:xfrm>
+            <a:off x="5166066" y="1196752"/>
+            <a:ext cx="1350150" cy="360040"/>
+          </a:xfrm>
+          <a:prstGeom prst="roundRect">
+            <a:avLst/>
+          </a:prstGeom>
+        </p:spPr>
+        <p:style>
+          <a:lnRef idx="2">
+            <a:schemeClr val="accent1">
+              <a:shade val="50000"/>
+            </a:schemeClr>
+          </a:lnRef>
+          <a:fillRef idx="1">
+            <a:schemeClr val="accent1"/>
+          </a:fillRef>
+          <a:effectRef idx="0">
+            <a:schemeClr val="accent1"/>
+          </a:effectRef>
+          <a:fontRef idx="minor">
+            <a:schemeClr val="lt1"/>
+          </a:fontRef>
+        </p:style>
+        <p:txBody>
+          <a:bodyPr rtlCol="0" anchor="ctr"/>
+          <a:lstStyle/>
+          <a:p>
+            <a:pPr algn="ctr"/>
+            <a:r>
+              <a:rPr lang="en-US" altLang="zh-CN" dirty="0" smtClean="0"/>
+              <a:t>V : value</a:t>
+            </a:r>
+            <a:endParaRPr lang="zh-CN" altLang="en-US" dirty="0"/>
+          </a:p>
+        </p:txBody>
+      </p:sp>
     </p:spTree>
     <p:extLst>
       <p:ext uri="{BB962C8B-B14F-4D97-AF65-F5344CB8AC3E}">
         <p14:creationId xmlns:p14="http://schemas.microsoft.com/office/powerpoint/2010/main" val="2758913000"/>
+      </p:ext>
+    </p:extLst>
+  </p:cSld>
+  <p:clrMapOvr>
+    <a:masterClrMapping/>
+  </p:clrMapOvr>
+</p:sld>
+</file>
+
+<file path=ppt/slides/slide9.xml><?xml version="1.0" encoding="utf-8"?>
+<p:sld xmlns:a="http://schemas.openxmlformats.org/drawingml/2006/main" xmlns:r="http://schemas.openxmlformats.org/officeDocument/2006/relationships" xmlns:p="http://schemas.openxmlformats.org/presentationml/2006/main">
+  <p:cSld>
+    <p:spTree>
+      <p:nvGrpSpPr>
+        <p:cNvPr id="1" name=""/>
+        <p:cNvGrpSpPr/>
+        <p:nvPr/>
+      </p:nvGrpSpPr>
+      <p:grpSpPr>
+        <a:xfrm>
+          <a:off x="0" y="0"/>
+          <a:ext cx="0" cy="0"/>
+          <a:chOff x="0" y="0"/>
+          <a:chExt cx="0" cy="0"/>
+        </a:xfrm>
+      </p:grpSpPr>
+    </p:spTree>
+    <p:extLst>
+      <p:ext uri="{BB962C8B-B14F-4D97-AF65-F5344CB8AC3E}">
+        <p14:creationId xmlns:p14="http://schemas.microsoft.com/office/powerpoint/2010/main" val="2405117550"/>
       </p:ext>
     </p:extLst>
   </p:cSld>

--- a/JDS5/JDS5.pptx
+++ b/JDS5/JDS5.pptx
@@ -14,9 +14,16 @@
     <p:sldId id="259" r:id="rId8"/>
     <p:sldId id="263" r:id="rId9"/>
     <p:sldId id="264" r:id="rId10"/>
-    <p:sldId id="265" r:id="rId11"/>
-    <p:sldId id="266" r:id="rId12"/>
-    <p:sldId id="267" r:id="rId13"/>
+    <p:sldId id="268" r:id="rId11"/>
+    <p:sldId id="265" r:id="rId12"/>
+    <p:sldId id="266" r:id="rId13"/>
+    <p:sldId id="269" r:id="rId14"/>
+    <p:sldId id="270" r:id="rId15"/>
+    <p:sldId id="271" r:id="rId16"/>
+    <p:sldId id="267" r:id="rId17"/>
+    <p:sldId id="272" r:id="rId18"/>
+    <p:sldId id="273" r:id="rId19"/>
+    <p:sldId id="274" r:id="rId20"/>
   </p:sldIdLst>
   <p:sldSz cx="9144000" cy="6858000" type="screen4x3"/>
   <p:notesSz cx="6858000" cy="9144000"/>
@@ -299,7 +306,7 @@
           <a:p>
             <a:fld id="{530820CF-B880-4189-942D-D702A7CBA730}" type="datetimeFigureOut">
               <a:rPr lang="zh-CN" altLang="en-US" smtClean="0"/>
-              <a:t>2018/9/9</a:t>
+              <a:t>2018/9/11</a:t>
             </a:fld>
             <a:endParaRPr lang="zh-CN" altLang="en-US"/>
           </a:p>
@@ -464,7 +471,7 @@
           <a:p>
             <a:fld id="{530820CF-B880-4189-942D-D702A7CBA730}" type="datetimeFigureOut">
               <a:rPr lang="zh-CN" altLang="en-US" smtClean="0"/>
-              <a:t>2018/9/9</a:t>
+              <a:t>2018/9/11</a:t>
             </a:fld>
             <a:endParaRPr lang="zh-CN" altLang="en-US"/>
           </a:p>
@@ -639,7 +646,7 @@
           <a:p>
             <a:fld id="{530820CF-B880-4189-942D-D702A7CBA730}" type="datetimeFigureOut">
               <a:rPr lang="zh-CN" altLang="en-US" smtClean="0"/>
-              <a:t>2018/9/9</a:t>
+              <a:t>2018/9/11</a:t>
             </a:fld>
             <a:endParaRPr lang="zh-CN" altLang="en-US"/>
           </a:p>
@@ -804,7 +811,7 @@
           <a:p>
             <a:fld id="{530820CF-B880-4189-942D-D702A7CBA730}" type="datetimeFigureOut">
               <a:rPr lang="zh-CN" altLang="en-US" smtClean="0"/>
-              <a:t>2018/9/9</a:t>
+              <a:t>2018/9/11</a:t>
             </a:fld>
             <a:endParaRPr lang="zh-CN" altLang="en-US"/>
           </a:p>
@@ -1045,7 +1052,7 @@
           <a:p>
             <a:fld id="{530820CF-B880-4189-942D-D702A7CBA730}" type="datetimeFigureOut">
               <a:rPr lang="zh-CN" altLang="en-US" smtClean="0"/>
-              <a:t>2018/9/9</a:t>
+              <a:t>2018/9/11</a:t>
             </a:fld>
             <a:endParaRPr lang="zh-CN" altLang="en-US"/>
           </a:p>
@@ -1328,7 +1335,7 @@
           <a:p>
             <a:fld id="{530820CF-B880-4189-942D-D702A7CBA730}" type="datetimeFigureOut">
               <a:rPr lang="zh-CN" altLang="en-US" smtClean="0"/>
-              <a:t>2018/9/9</a:t>
+              <a:t>2018/9/11</a:t>
             </a:fld>
             <a:endParaRPr lang="zh-CN" altLang="en-US"/>
           </a:p>
@@ -1745,7 +1752,7 @@
           <a:p>
             <a:fld id="{530820CF-B880-4189-942D-D702A7CBA730}" type="datetimeFigureOut">
               <a:rPr lang="zh-CN" altLang="en-US" smtClean="0"/>
-              <a:t>2018/9/9</a:t>
+              <a:t>2018/9/11</a:t>
             </a:fld>
             <a:endParaRPr lang="zh-CN" altLang="en-US"/>
           </a:p>
@@ -1858,7 +1865,7 @@
           <a:p>
             <a:fld id="{530820CF-B880-4189-942D-D702A7CBA730}" type="datetimeFigureOut">
               <a:rPr lang="zh-CN" altLang="en-US" smtClean="0"/>
-              <a:t>2018/9/9</a:t>
+              <a:t>2018/9/11</a:t>
             </a:fld>
             <a:endParaRPr lang="zh-CN" altLang="en-US"/>
           </a:p>
@@ -1948,7 +1955,7 @@
           <a:p>
             <a:fld id="{530820CF-B880-4189-942D-D702A7CBA730}" type="datetimeFigureOut">
               <a:rPr lang="zh-CN" altLang="en-US" smtClean="0"/>
-              <a:t>2018/9/9</a:t>
+              <a:t>2018/9/11</a:t>
             </a:fld>
             <a:endParaRPr lang="zh-CN" altLang="en-US"/>
           </a:p>
@@ -2220,7 +2227,7 @@
           <a:p>
             <a:fld id="{530820CF-B880-4189-942D-D702A7CBA730}" type="datetimeFigureOut">
               <a:rPr lang="zh-CN" altLang="en-US" smtClean="0"/>
-              <a:t>2018/9/9</a:t>
+              <a:t>2018/9/11</a:t>
             </a:fld>
             <a:endParaRPr lang="zh-CN" altLang="en-US"/>
           </a:p>
@@ -2468,7 +2475,7 @@
           <a:p>
             <a:fld id="{530820CF-B880-4189-942D-D702A7CBA730}" type="datetimeFigureOut">
               <a:rPr lang="zh-CN" altLang="en-US" smtClean="0"/>
-              <a:t>2018/9/9</a:t>
+              <a:t>2018/9/11</a:t>
             </a:fld>
             <a:endParaRPr lang="zh-CN" altLang="en-US"/>
           </a:p>
@@ -2676,7 +2683,7 @@
           <a:p>
             <a:fld id="{530820CF-B880-4189-942D-D702A7CBA730}" type="datetimeFigureOut">
               <a:rPr lang="zh-CN" altLang="en-US" smtClean="0"/>
-              <a:t>2018/9/9</a:t>
+              <a:t>2018/9/11</a:t>
             </a:fld>
             <a:endParaRPr lang="zh-CN" altLang="en-US"/>
           </a:p>
@@ -3120,10 +3127,741 @@
           <a:chExt cx="0" cy="0"/>
         </a:xfrm>
       </p:grpSpPr>
+      <p:sp>
+        <p:nvSpPr>
+          <p:cNvPr id="2" name="矩形 1"/>
+          <p:cNvSpPr/>
+          <p:nvPr/>
+        </p:nvSpPr>
+        <p:spPr>
+          <a:xfrm>
+            <a:off x="395536" y="476672"/>
+            <a:ext cx="3024336" cy="504056"/>
+          </a:xfrm>
+          <a:prstGeom prst="rect">
+            <a:avLst/>
+          </a:prstGeom>
+        </p:spPr>
+        <p:style>
+          <a:lnRef idx="2">
+            <a:schemeClr val="accent1">
+              <a:shade val="50000"/>
+            </a:schemeClr>
+          </a:lnRef>
+          <a:fillRef idx="1">
+            <a:schemeClr val="accent1"/>
+          </a:fillRef>
+          <a:effectRef idx="0">
+            <a:schemeClr val="accent1"/>
+          </a:effectRef>
+          <a:fontRef idx="minor">
+            <a:schemeClr val="lt1"/>
+          </a:fontRef>
+        </p:style>
+        <p:txBody>
+          <a:bodyPr rtlCol="0" anchor="ctr"/>
+          <a:lstStyle/>
+          <a:p>
+            <a:pPr algn="ctr"/>
+            <a:r>
+              <a:rPr lang="en-US" altLang="zh-CN" dirty="0" err="1" smtClean="0"/>
+              <a:t>CuckooHashTable</a:t>
+            </a:r>
+            <a:endParaRPr lang="zh-CN" altLang="en-US" dirty="0"/>
+          </a:p>
+        </p:txBody>
+      </p:sp>
+      <p:sp>
+        <p:nvSpPr>
+          <p:cNvPr id="3" name="矩形 2"/>
+          <p:cNvSpPr/>
+          <p:nvPr/>
+        </p:nvSpPr>
+        <p:spPr>
+          <a:xfrm>
+            <a:off x="2627784" y="2420888"/>
+            <a:ext cx="1224136" cy="432048"/>
+          </a:xfrm>
+          <a:prstGeom prst="rect">
+            <a:avLst/>
+          </a:prstGeom>
+        </p:spPr>
+        <p:style>
+          <a:lnRef idx="2">
+            <a:schemeClr val="accent1">
+              <a:shade val="50000"/>
+            </a:schemeClr>
+          </a:lnRef>
+          <a:fillRef idx="1">
+            <a:schemeClr val="accent1"/>
+          </a:fillRef>
+          <a:effectRef idx="0">
+            <a:schemeClr val="accent1"/>
+          </a:effectRef>
+          <a:fontRef idx="minor">
+            <a:schemeClr val="lt1"/>
+          </a:fontRef>
+        </p:style>
+        <p:txBody>
+          <a:bodyPr rtlCol="0" anchor="ctr"/>
+          <a:lstStyle/>
+          <a:p>
+            <a:pPr algn="ctr"/>
+            <a:r>
+              <a:rPr lang="en-US" altLang="zh-CN" dirty="0" smtClean="0"/>
+              <a:t>Table</a:t>
+            </a:r>
+            <a:endParaRPr lang="zh-CN" altLang="en-US" dirty="0"/>
+          </a:p>
+        </p:txBody>
+      </p:sp>
+      <p:sp>
+        <p:nvSpPr>
+          <p:cNvPr id="4" name="矩形 3"/>
+          <p:cNvSpPr/>
+          <p:nvPr/>
+        </p:nvSpPr>
+        <p:spPr>
+          <a:xfrm>
+            <a:off x="2627784" y="2852936"/>
+            <a:ext cx="612068" cy="432048"/>
+          </a:xfrm>
+          <a:prstGeom prst="rect">
+            <a:avLst/>
+          </a:prstGeom>
+        </p:spPr>
+        <p:style>
+          <a:lnRef idx="2">
+            <a:schemeClr val="accent1">
+              <a:shade val="50000"/>
+            </a:schemeClr>
+          </a:lnRef>
+          <a:fillRef idx="1">
+            <a:schemeClr val="accent1"/>
+          </a:fillRef>
+          <a:effectRef idx="0">
+            <a:schemeClr val="accent1"/>
+          </a:effectRef>
+          <a:fontRef idx="minor">
+            <a:schemeClr val="lt1"/>
+          </a:fontRef>
+        </p:style>
+        <p:txBody>
+          <a:bodyPr rtlCol="0" anchor="ctr"/>
+          <a:lstStyle/>
+          <a:p>
+            <a:pPr algn="ctr"/>
+            <a:r>
+              <a:rPr lang="en-US" altLang="zh-CN" dirty="0" smtClean="0"/>
+              <a:t>0</a:t>
+            </a:r>
+            <a:endParaRPr lang="zh-CN" altLang="en-US" dirty="0"/>
+          </a:p>
+        </p:txBody>
+      </p:sp>
+      <p:sp>
+        <p:nvSpPr>
+          <p:cNvPr id="5" name="矩形 4"/>
+          <p:cNvSpPr/>
+          <p:nvPr/>
+        </p:nvSpPr>
+        <p:spPr>
+          <a:xfrm>
+            <a:off x="4644008" y="3118250"/>
+            <a:ext cx="612068" cy="432048"/>
+          </a:xfrm>
+          <a:prstGeom prst="rect">
+            <a:avLst/>
+          </a:prstGeom>
+        </p:spPr>
+        <p:style>
+          <a:lnRef idx="2">
+            <a:schemeClr val="accent1">
+              <a:shade val="50000"/>
+            </a:schemeClr>
+          </a:lnRef>
+          <a:fillRef idx="1">
+            <a:schemeClr val="accent1"/>
+          </a:fillRef>
+          <a:effectRef idx="0">
+            <a:schemeClr val="accent1"/>
+          </a:effectRef>
+          <a:fontRef idx="minor">
+            <a:schemeClr val="lt1"/>
+          </a:fontRef>
+        </p:style>
+        <p:txBody>
+          <a:bodyPr rtlCol="0" anchor="ctr"/>
+          <a:lstStyle/>
+          <a:p>
+            <a:pPr algn="ctr"/>
+            <a:r>
+              <a:rPr lang="en-US" altLang="zh-CN" dirty="0" smtClean="0"/>
+              <a:t>A</a:t>
+            </a:r>
+            <a:endParaRPr lang="zh-CN" altLang="en-US" dirty="0"/>
+          </a:p>
+        </p:txBody>
+      </p:sp>
+      <p:sp>
+        <p:nvSpPr>
+          <p:cNvPr id="6" name="矩形 5"/>
+          <p:cNvSpPr/>
+          <p:nvPr/>
+        </p:nvSpPr>
+        <p:spPr>
+          <a:xfrm>
+            <a:off x="2627784" y="3284984"/>
+            <a:ext cx="612068" cy="432048"/>
+          </a:xfrm>
+          <a:prstGeom prst="rect">
+            <a:avLst/>
+          </a:prstGeom>
+        </p:spPr>
+        <p:style>
+          <a:lnRef idx="2">
+            <a:schemeClr val="accent1">
+              <a:shade val="50000"/>
+            </a:schemeClr>
+          </a:lnRef>
+          <a:fillRef idx="1">
+            <a:schemeClr val="accent1"/>
+          </a:fillRef>
+          <a:effectRef idx="0">
+            <a:schemeClr val="accent1"/>
+          </a:effectRef>
+          <a:fontRef idx="minor">
+            <a:schemeClr val="lt1"/>
+          </a:fontRef>
+        </p:style>
+        <p:txBody>
+          <a:bodyPr rtlCol="0" anchor="ctr"/>
+          <a:lstStyle/>
+          <a:p>
+            <a:pPr algn="ctr"/>
+            <a:r>
+              <a:rPr lang="en-US" altLang="zh-CN" dirty="0" smtClean="0"/>
+              <a:t>1</a:t>
+            </a:r>
+            <a:endParaRPr lang="zh-CN" altLang="en-US" dirty="0"/>
+          </a:p>
+        </p:txBody>
+      </p:sp>
+      <p:sp>
+        <p:nvSpPr>
+          <p:cNvPr id="7" name="矩形 6"/>
+          <p:cNvSpPr/>
+          <p:nvPr/>
+        </p:nvSpPr>
+        <p:spPr>
+          <a:xfrm>
+            <a:off x="3239852" y="2852936"/>
+            <a:ext cx="612068" cy="432048"/>
+          </a:xfrm>
+          <a:prstGeom prst="rect">
+            <a:avLst/>
+          </a:prstGeom>
+        </p:spPr>
+        <p:style>
+          <a:lnRef idx="2">
+            <a:schemeClr val="accent1">
+              <a:shade val="50000"/>
+            </a:schemeClr>
+          </a:lnRef>
+          <a:fillRef idx="1">
+            <a:schemeClr val="accent1"/>
+          </a:fillRef>
+          <a:effectRef idx="0">
+            <a:schemeClr val="accent1"/>
+          </a:effectRef>
+          <a:fontRef idx="minor">
+            <a:schemeClr val="lt1"/>
+          </a:fontRef>
+        </p:style>
+        <p:txBody>
+          <a:bodyPr rtlCol="0" anchor="ctr"/>
+          <a:lstStyle/>
+          <a:p>
+            <a:pPr algn="ctr"/>
+            <a:r>
+              <a:rPr lang="en-US" altLang="zh-CN" dirty="0" smtClean="0"/>
+              <a:t>B</a:t>
+            </a:r>
+            <a:endParaRPr lang="zh-CN" altLang="en-US" dirty="0"/>
+          </a:p>
+        </p:txBody>
+      </p:sp>
+      <p:sp>
+        <p:nvSpPr>
+          <p:cNvPr id="8" name="矩形 7"/>
+          <p:cNvSpPr/>
+          <p:nvPr/>
+        </p:nvSpPr>
+        <p:spPr>
+          <a:xfrm>
+            <a:off x="3239852" y="3284984"/>
+            <a:ext cx="612068" cy="432048"/>
+          </a:xfrm>
+          <a:prstGeom prst="rect">
+            <a:avLst/>
+          </a:prstGeom>
+        </p:spPr>
+        <p:style>
+          <a:lnRef idx="2">
+            <a:schemeClr val="accent1">
+              <a:shade val="50000"/>
+            </a:schemeClr>
+          </a:lnRef>
+          <a:fillRef idx="1">
+            <a:schemeClr val="accent1"/>
+          </a:fillRef>
+          <a:effectRef idx="0">
+            <a:schemeClr val="accent1"/>
+          </a:effectRef>
+          <a:fontRef idx="minor">
+            <a:schemeClr val="lt1"/>
+          </a:fontRef>
+        </p:style>
+        <p:txBody>
+          <a:bodyPr rtlCol="0" anchor="ctr"/>
+          <a:lstStyle/>
+          <a:p>
+            <a:pPr algn="ctr"/>
+            <a:endParaRPr lang="zh-CN" altLang="en-US"/>
+          </a:p>
+        </p:txBody>
+      </p:sp>
+      <p:sp>
+        <p:nvSpPr>
+          <p:cNvPr id="9" name="矩形 8"/>
+          <p:cNvSpPr/>
+          <p:nvPr/>
+        </p:nvSpPr>
+        <p:spPr>
+          <a:xfrm>
+            <a:off x="2627784" y="3717032"/>
+            <a:ext cx="612068" cy="432048"/>
+          </a:xfrm>
+          <a:prstGeom prst="rect">
+            <a:avLst/>
+          </a:prstGeom>
+        </p:spPr>
+        <p:style>
+          <a:lnRef idx="2">
+            <a:schemeClr val="accent1">
+              <a:shade val="50000"/>
+            </a:schemeClr>
+          </a:lnRef>
+          <a:fillRef idx="1">
+            <a:schemeClr val="accent1"/>
+          </a:fillRef>
+          <a:effectRef idx="0">
+            <a:schemeClr val="accent1"/>
+          </a:effectRef>
+          <a:fontRef idx="minor">
+            <a:schemeClr val="lt1"/>
+          </a:fontRef>
+        </p:style>
+        <p:txBody>
+          <a:bodyPr rtlCol="0" anchor="ctr"/>
+          <a:lstStyle/>
+          <a:p>
+            <a:pPr algn="ctr"/>
+            <a:r>
+              <a:rPr lang="en-US" altLang="zh-CN" dirty="0" smtClean="0"/>
+              <a:t>2</a:t>
+            </a:r>
+            <a:endParaRPr lang="zh-CN" altLang="en-US" dirty="0"/>
+          </a:p>
+        </p:txBody>
+      </p:sp>
+      <p:sp>
+        <p:nvSpPr>
+          <p:cNvPr id="10" name="矩形 9"/>
+          <p:cNvSpPr/>
+          <p:nvPr/>
+        </p:nvSpPr>
+        <p:spPr>
+          <a:xfrm>
+            <a:off x="2627784" y="4149080"/>
+            <a:ext cx="612068" cy="432048"/>
+          </a:xfrm>
+          <a:prstGeom prst="rect">
+            <a:avLst/>
+          </a:prstGeom>
+        </p:spPr>
+        <p:style>
+          <a:lnRef idx="2">
+            <a:schemeClr val="accent1">
+              <a:shade val="50000"/>
+            </a:schemeClr>
+          </a:lnRef>
+          <a:fillRef idx="1">
+            <a:schemeClr val="accent1"/>
+          </a:fillRef>
+          <a:effectRef idx="0">
+            <a:schemeClr val="accent1"/>
+          </a:effectRef>
+          <a:fontRef idx="minor">
+            <a:schemeClr val="lt1"/>
+          </a:fontRef>
+        </p:style>
+        <p:txBody>
+          <a:bodyPr rtlCol="0" anchor="ctr"/>
+          <a:lstStyle/>
+          <a:p>
+            <a:pPr algn="ctr"/>
+            <a:r>
+              <a:rPr lang="en-US" altLang="zh-CN" dirty="0" smtClean="0"/>
+              <a:t>3</a:t>
+            </a:r>
+            <a:endParaRPr lang="zh-CN" altLang="en-US" dirty="0"/>
+          </a:p>
+        </p:txBody>
+      </p:sp>
+      <p:sp>
+        <p:nvSpPr>
+          <p:cNvPr id="11" name="矩形 10"/>
+          <p:cNvSpPr/>
+          <p:nvPr/>
+        </p:nvSpPr>
+        <p:spPr>
+          <a:xfrm>
+            <a:off x="3239852" y="4149080"/>
+            <a:ext cx="612068" cy="432048"/>
+          </a:xfrm>
+          <a:prstGeom prst="rect">
+            <a:avLst/>
+          </a:prstGeom>
+        </p:spPr>
+        <p:style>
+          <a:lnRef idx="2">
+            <a:schemeClr val="accent1">
+              <a:shade val="50000"/>
+            </a:schemeClr>
+          </a:lnRef>
+          <a:fillRef idx="1">
+            <a:schemeClr val="accent1"/>
+          </a:fillRef>
+          <a:effectRef idx="0">
+            <a:schemeClr val="accent1"/>
+          </a:effectRef>
+          <a:fontRef idx="minor">
+            <a:schemeClr val="lt1"/>
+          </a:fontRef>
+        </p:style>
+        <p:txBody>
+          <a:bodyPr rtlCol="0" anchor="ctr"/>
+          <a:lstStyle/>
+          <a:p>
+            <a:pPr algn="ctr"/>
+            <a:endParaRPr lang="zh-CN" altLang="en-US"/>
+          </a:p>
+        </p:txBody>
+      </p:sp>
+      <p:sp>
+        <p:nvSpPr>
+          <p:cNvPr id="12" name="矩形 11"/>
+          <p:cNvSpPr/>
+          <p:nvPr/>
+        </p:nvSpPr>
+        <p:spPr>
+          <a:xfrm>
+            <a:off x="2627784" y="4581128"/>
+            <a:ext cx="612068" cy="432048"/>
+          </a:xfrm>
+          <a:prstGeom prst="rect">
+            <a:avLst/>
+          </a:prstGeom>
+        </p:spPr>
+        <p:style>
+          <a:lnRef idx="2">
+            <a:schemeClr val="accent1">
+              <a:shade val="50000"/>
+            </a:schemeClr>
+          </a:lnRef>
+          <a:fillRef idx="1">
+            <a:schemeClr val="accent1"/>
+          </a:fillRef>
+          <a:effectRef idx="0">
+            <a:schemeClr val="accent1"/>
+          </a:effectRef>
+          <a:fontRef idx="minor">
+            <a:schemeClr val="lt1"/>
+          </a:fontRef>
+        </p:style>
+        <p:txBody>
+          <a:bodyPr rtlCol="0" anchor="ctr"/>
+          <a:lstStyle/>
+          <a:p>
+            <a:pPr algn="ctr"/>
+            <a:r>
+              <a:rPr lang="en-US" altLang="zh-CN" dirty="0" smtClean="0"/>
+              <a:t>4</a:t>
+            </a:r>
+            <a:endParaRPr lang="zh-CN" altLang="en-US" dirty="0"/>
+          </a:p>
+        </p:txBody>
+      </p:sp>
+      <p:sp>
+        <p:nvSpPr>
+          <p:cNvPr id="13" name="矩形 12"/>
+          <p:cNvSpPr/>
+          <p:nvPr/>
+        </p:nvSpPr>
+        <p:spPr>
+          <a:xfrm>
+            <a:off x="3239852" y="4581128"/>
+            <a:ext cx="612068" cy="432048"/>
+          </a:xfrm>
+          <a:prstGeom prst="rect">
+            <a:avLst/>
+          </a:prstGeom>
+        </p:spPr>
+        <p:style>
+          <a:lnRef idx="2">
+            <a:schemeClr val="accent1">
+              <a:shade val="50000"/>
+            </a:schemeClr>
+          </a:lnRef>
+          <a:fillRef idx="1">
+            <a:schemeClr val="accent1"/>
+          </a:fillRef>
+          <a:effectRef idx="0">
+            <a:schemeClr val="accent1"/>
+          </a:effectRef>
+          <a:fontRef idx="minor">
+            <a:schemeClr val="lt1"/>
+          </a:fontRef>
+        </p:style>
+        <p:txBody>
+          <a:bodyPr rtlCol="0" anchor="ctr"/>
+          <a:lstStyle/>
+          <a:p>
+            <a:pPr algn="ctr"/>
+            <a:endParaRPr lang="zh-CN" altLang="en-US"/>
+          </a:p>
+        </p:txBody>
+      </p:sp>
+      <p:sp>
+        <p:nvSpPr>
+          <p:cNvPr id="14" name="圆角矩形 13"/>
+          <p:cNvSpPr/>
+          <p:nvPr/>
+        </p:nvSpPr>
+        <p:spPr>
+          <a:xfrm>
+            <a:off x="971600" y="1376772"/>
+            <a:ext cx="1962218" cy="504056"/>
+          </a:xfrm>
+          <a:prstGeom prst="roundRect">
+            <a:avLst/>
+          </a:prstGeom>
+        </p:spPr>
+        <p:style>
+          <a:lnRef idx="2">
+            <a:schemeClr val="accent1">
+              <a:shade val="50000"/>
+            </a:schemeClr>
+          </a:lnRef>
+          <a:fillRef idx="1">
+            <a:schemeClr val="accent1"/>
+          </a:fillRef>
+          <a:effectRef idx="0">
+            <a:schemeClr val="accent1"/>
+          </a:effectRef>
+          <a:fontRef idx="minor">
+            <a:schemeClr val="lt1"/>
+          </a:fontRef>
+        </p:style>
+        <p:txBody>
+          <a:bodyPr rtlCol="0" anchor="ctr"/>
+          <a:lstStyle/>
+          <a:p>
+            <a:pPr algn="ctr"/>
+            <a:r>
+              <a:rPr lang="en-US" altLang="zh-CN" dirty="0" smtClean="0"/>
+              <a:t>Insert B </a:t>
+            </a:r>
+          </a:p>
+          <a:p>
+            <a:pPr algn="ctr"/>
+            <a:r>
+              <a:rPr lang="zh-CN" altLang="en-US" dirty="0" smtClean="0"/>
+              <a:t>假设与 </a:t>
+            </a:r>
+            <a:r>
+              <a:rPr lang="en-US" altLang="zh-CN" dirty="0" smtClean="0"/>
+              <a:t>A</a:t>
+            </a:r>
+            <a:r>
+              <a:rPr lang="zh-CN" altLang="en-US" dirty="0" smtClean="0"/>
+              <a:t>冲突</a:t>
+            </a:r>
+            <a:endParaRPr lang="zh-CN" altLang="en-US" dirty="0"/>
+          </a:p>
+        </p:txBody>
+      </p:sp>
+      <p:cxnSp>
+        <p:nvCxnSpPr>
+          <p:cNvPr id="16" name="直接箭头连接符 15"/>
+          <p:cNvCxnSpPr>
+            <a:stCxn id="7" idx="3"/>
+            <a:endCxn id="5" idx="1"/>
+          </p:cNvCxnSpPr>
+          <p:nvPr/>
+        </p:nvCxnSpPr>
+        <p:spPr>
+          <a:xfrm>
+            <a:off x="3851920" y="3068960"/>
+            <a:ext cx="792088" cy="265314"/>
+          </a:xfrm>
+          <a:prstGeom prst="straightConnector1">
+            <a:avLst/>
+          </a:prstGeom>
+          <a:ln>
+            <a:solidFill>
+              <a:schemeClr val="tx1"/>
+            </a:solidFill>
+            <a:tailEnd type="arrow"/>
+          </a:ln>
+        </p:spPr>
+        <p:style>
+          <a:lnRef idx="1">
+            <a:schemeClr val="accent1"/>
+          </a:lnRef>
+          <a:fillRef idx="0">
+            <a:schemeClr val="accent1"/>
+          </a:fillRef>
+          <a:effectRef idx="0">
+            <a:schemeClr val="accent1"/>
+          </a:effectRef>
+          <a:fontRef idx="minor">
+            <a:schemeClr val="tx1"/>
+          </a:fontRef>
+        </p:style>
+      </p:cxnSp>
+      <p:cxnSp>
+        <p:nvCxnSpPr>
+          <p:cNvPr id="20" name="直接箭头连接符 19"/>
+          <p:cNvCxnSpPr>
+            <a:stCxn id="5" idx="1"/>
+          </p:cNvCxnSpPr>
+          <p:nvPr/>
+        </p:nvCxnSpPr>
+        <p:spPr>
+          <a:xfrm flipH="1">
+            <a:off x="3635896" y="3334274"/>
+            <a:ext cx="1008112" cy="598782"/>
+          </a:xfrm>
+          <a:prstGeom prst="straightConnector1">
+            <a:avLst/>
+          </a:prstGeom>
+          <a:ln>
+            <a:solidFill>
+              <a:schemeClr val="tx1"/>
+            </a:solidFill>
+            <a:tailEnd type="arrow"/>
+          </a:ln>
+        </p:spPr>
+        <p:style>
+          <a:lnRef idx="1">
+            <a:schemeClr val="accent1"/>
+          </a:lnRef>
+          <a:fillRef idx="0">
+            <a:schemeClr val="accent1"/>
+          </a:fillRef>
+          <a:effectRef idx="0">
+            <a:schemeClr val="accent1"/>
+          </a:effectRef>
+          <a:fontRef idx="minor">
+            <a:schemeClr val="tx1"/>
+          </a:fontRef>
+        </p:style>
+      </p:cxnSp>
+      <p:sp>
+        <p:nvSpPr>
+          <p:cNvPr id="21" name="圆角矩形 20"/>
+          <p:cNvSpPr/>
+          <p:nvPr/>
+        </p:nvSpPr>
+        <p:spPr>
+          <a:xfrm>
+            <a:off x="5076056" y="1628800"/>
+            <a:ext cx="2952328" cy="936104"/>
+          </a:xfrm>
+          <a:prstGeom prst="roundRect">
+            <a:avLst/>
+          </a:prstGeom>
+        </p:spPr>
+        <p:style>
+          <a:lnRef idx="2">
+            <a:schemeClr val="accent1">
+              <a:shade val="50000"/>
+            </a:schemeClr>
+          </a:lnRef>
+          <a:fillRef idx="1">
+            <a:schemeClr val="accent1"/>
+          </a:fillRef>
+          <a:effectRef idx="0">
+            <a:schemeClr val="accent1"/>
+          </a:effectRef>
+          <a:fontRef idx="minor">
+            <a:schemeClr val="lt1"/>
+          </a:fontRef>
+        </p:style>
+        <p:txBody>
+          <a:bodyPr rtlCol="0" anchor="ctr"/>
+          <a:lstStyle/>
+          <a:p>
+            <a:pPr algn="ctr"/>
+            <a:r>
+              <a:rPr lang="en-US" altLang="zh-CN" dirty="0" smtClean="0"/>
+              <a:t>B </a:t>
+            </a:r>
+            <a:r>
+              <a:rPr lang="zh-CN" altLang="en-US" dirty="0" smtClean="0"/>
+              <a:t>替换 </a:t>
+            </a:r>
+            <a:r>
+              <a:rPr lang="en-US" altLang="zh-CN" dirty="0" smtClean="0"/>
+              <a:t>A </a:t>
+            </a:r>
+            <a:r>
+              <a:rPr lang="zh-CN" altLang="en-US" dirty="0" smtClean="0"/>
+              <a:t>的位置</a:t>
+            </a:r>
+            <a:endParaRPr lang="en-US" altLang="zh-CN" dirty="0" smtClean="0"/>
+          </a:p>
+          <a:p>
+            <a:pPr algn="ctr"/>
+            <a:r>
+              <a:rPr lang="en-US" altLang="zh-CN" dirty="0" smtClean="0"/>
+              <a:t>A </a:t>
+            </a:r>
+            <a:r>
+              <a:rPr lang="zh-CN" altLang="en-US" dirty="0" smtClean="0"/>
+              <a:t>重新找位置 </a:t>
+            </a:r>
+            <a:r>
+              <a:rPr lang="en-US" altLang="zh-CN" dirty="0" smtClean="0"/>
+              <a:t>insert</a:t>
+            </a:r>
+          </a:p>
+          <a:p>
+            <a:pPr algn="ctr"/>
+            <a:r>
+              <a:rPr lang="zh-CN" altLang="en-US" dirty="0" smtClean="0"/>
+              <a:t>直到插入完成</a:t>
+            </a:r>
+            <a:endParaRPr lang="zh-CN" altLang="en-US" dirty="0"/>
+          </a:p>
+        </p:txBody>
+      </p:sp>
     </p:spTree>
     <p:extLst>
       <p:ext uri="{BB962C8B-B14F-4D97-AF65-F5344CB8AC3E}">
-        <p14:creationId xmlns:p14="http://schemas.microsoft.com/office/powerpoint/2010/main" val="1509333964"/>
+        <p14:creationId xmlns:p14="http://schemas.microsoft.com/office/powerpoint/2010/main" val="3500667678"/>
       </p:ext>
     </p:extLst>
   </p:cSld>
@@ -3150,6 +3888,1732 @@
           <a:chExt cx="0" cy="0"/>
         </a:xfrm>
       </p:grpSpPr>
+      <p:sp>
+        <p:nvSpPr>
+          <p:cNvPr id="2" name="矩形 1"/>
+          <p:cNvSpPr/>
+          <p:nvPr/>
+        </p:nvSpPr>
+        <p:spPr>
+          <a:xfrm>
+            <a:off x="395536" y="476672"/>
+            <a:ext cx="3024336" cy="504056"/>
+          </a:xfrm>
+          <a:prstGeom prst="rect">
+            <a:avLst/>
+          </a:prstGeom>
+        </p:spPr>
+        <p:style>
+          <a:lnRef idx="2">
+            <a:schemeClr val="accent1">
+              <a:shade val="50000"/>
+            </a:schemeClr>
+          </a:lnRef>
+          <a:fillRef idx="1">
+            <a:schemeClr val="accent1"/>
+          </a:fillRef>
+          <a:effectRef idx="0">
+            <a:schemeClr val="accent1"/>
+          </a:effectRef>
+          <a:fontRef idx="minor">
+            <a:schemeClr val="lt1"/>
+          </a:fontRef>
+        </p:style>
+        <p:txBody>
+          <a:bodyPr rtlCol="0" anchor="ctr"/>
+          <a:lstStyle/>
+          <a:p>
+            <a:pPr algn="ctr"/>
+            <a:r>
+              <a:rPr lang="en-US" altLang="zh-CN" dirty="0" err="1"/>
+              <a:t>HopScotchHashTable</a:t>
+            </a:r>
+            <a:r>
+              <a:rPr lang="en-US" altLang="zh-CN" dirty="0"/>
+              <a:t> </a:t>
+            </a:r>
+            <a:endParaRPr lang="zh-CN" altLang="en-US" dirty="0"/>
+          </a:p>
+        </p:txBody>
+      </p:sp>
+      <p:sp>
+        <p:nvSpPr>
+          <p:cNvPr id="3" name="圆角矩形 2"/>
+          <p:cNvSpPr/>
+          <p:nvPr/>
+        </p:nvSpPr>
+        <p:spPr>
+          <a:xfrm>
+            <a:off x="3848370" y="476672"/>
+            <a:ext cx="1947766" cy="504056"/>
+          </a:xfrm>
+          <a:prstGeom prst="roundRect">
+            <a:avLst/>
+          </a:prstGeom>
+        </p:spPr>
+        <p:style>
+          <a:lnRef idx="2">
+            <a:schemeClr val="accent1">
+              <a:shade val="50000"/>
+            </a:schemeClr>
+          </a:lnRef>
+          <a:fillRef idx="1">
+            <a:schemeClr val="accent1"/>
+          </a:fillRef>
+          <a:effectRef idx="0">
+            <a:schemeClr val="accent1"/>
+          </a:effectRef>
+          <a:fontRef idx="minor">
+            <a:schemeClr val="lt1"/>
+          </a:fontRef>
+        </p:style>
+        <p:txBody>
+          <a:bodyPr rtlCol="0" anchor="ctr"/>
+          <a:lstStyle/>
+          <a:p>
+            <a:pPr algn="ctr"/>
+            <a:r>
+              <a:rPr lang="zh-CN" altLang="en-US" dirty="0" smtClean="0"/>
+              <a:t>跳房子</a:t>
+            </a:r>
+            <a:endParaRPr lang="zh-CN" altLang="en-US" dirty="0"/>
+          </a:p>
+        </p:txBody>
+      </p:sp>
+      <p:sp>
+        <p:nvSpPr>
+          <p:cNvPr id="4" name="矩形 3"/>
+          <p:cNvSpPr/>
+          <p:nvPr/>
+        </p:nvSpPr>
+        <p:spPr>
+          <a:xfrm>
+            <a:off x="1259632" y="1772816"/>
+            <a:ext cx="2592288" cy="432048"/>
+          </a:xfrm>
+          <a:prstGeom prst="rect">
+            <a:avLst/>
+          </a:prstGeom>
+        </p:spPr>
+        <p:style>
+          <a:lnRef idx="2">
+            <a:schemeClr val="accent1">
+              <a:shade val="50000"/>
+            </a:schemeClr>
+          </a:lnRef>
+          <a:fillRef idx="1">
+            <a:schemeClr val="accent1"/>
+          </a:fillRef>
+          <a:effectRef idx="0">
+            <a:schemeClr val="accent1"/>
+          </a:effectRef>
+          <a:fontRef idx="minor">
+            <a:schemeClr val="lt1"/>
+          </a:fontRef>
+        </p:style>
+        <p:txBody>
+          <a:bodyPr rtlCol="0" anchor="ctr"/>
+          <a:lstStyle/>
+          <a:p>
+            <a:pPr algn="ctr"/>
+            <a:r>
+              <a:rPr lang="en-US" altLang="zh-CN" dirty="0" smtClean="0"/>
+              <a:t>Table</a:t>
+            </a:r>
+            <a:endParaRPr lang="zh-CN" altLang="en-US" dirty="0"/>
+          </a:p>
+        </p:txBody>
+      </p:sp>
+      <p:sp>
+        <p:nvSpPr>
+          <p:cNvPr id="23" name="矩形 22"/>
+          <p:cNvSpPr/>
+          <p:nvPr/>
+        </p:nvSpPr>
+        <p:spPr>
+          <a:xfrm>
+            <a:off x="1259632" y="2204864"/>
+            <a:ext cx="864096" cy="432048"/>
+          </a:xfrm>
+          <a:prstGeom prst="rect">
+            <a:avLst/>
+          </a:prstGeom>
+        </p:spPr>
+        <p:style>
+          <a:lnRef idx="2">
+            <a:schemeClr val="accent1">
+              <a:shade val="50000"/>
+            </a:schemeClr>
+          </a:lnRef>
+          <a:fillRef idx="1">
+            <a:schemeClr val="accent1"/>
+          </a:fillRef>
+          <a:effectRef idx="0">
+            <a:schemeClr val="accent1"/>
+          </a:effectRef>
+          <a:fontRef idx="minor">
+            <a:schemeClr val="lt1"/>
+          </a:fontRef>
+        </p:style>
+        <p:txBody>
+          <a:bodyPr rtlCol="0" anchor="ctr"/>
+          <a:lstStyle/>
+          <a:p>
+            <a:pPr algn="ctr"/>
+            <a:r>
+              <a:rPr lang="en-US" altLang="zh-CN" dirty="0" smtClean="0"/>
+              <a:t>index</a:t>
+            </a:r>
+            <a:endParaRPr lang="zh-CN" altLang="en-US" dirty="0"/>
+          </a:p>
+        </p:txBody>
+      </p:sp>
+      <p:sp>
+        <p:nvSpPr>
+          <p:cNvPr id="24" name="矩形 23"/>
+          <p:cNvSpPr/>
+          <p:nvPr/>
+        </p:nvSpPr>
+        <p:spPr>
+          <a:xfrm>
+            <a:off x="2123728" y="2204864"/>
+            <a:ext cx="864096" cy="432048"/>
+          </a:xfrm>
+          <a:prstGeom prst="rect">
+            <a:avLst/>
+          </a:prstGeom>
+        </p:spPr>
+        <p:style>
+          <a:lnRef idx="2">
+            <a:schemeClr val="accent1">
+              <a:shade val="50000"/>
+            </a:schemeClr>
+          </a:lnRef>
+          <a:fillRef idx="1">
+            <a:schemeClr val="accent1"/>
+          </a:fillRef>
+          <a:effectRef idx="0">
+            <a:schemeClr val="accent1"/>
+          </a:effectRef>
+          <a:fontRef idx="minor">
+            <a:schemeClr val="lt1"/>
+          </a:fontRef>
+        </p:style>
+        <p:txBody>
+          <a:bodyPr rtlCol="0" anchor="ctr"/>
+          <a:lstStyle/>
+          <a:p>
+            <a:pPr algn="ctr"/>
+            <a:r>
+              <a:rPr lang="en-US" altLang="zh-CN" dirty="0" smtClean="0"/>
+              <a:t>item</a:t>
+            </a:r>
+            <a:endParaRPr lang="zh-CN" altLang="en-US" dirty="0"/>
+          </a:p>
+        </p:txBody>
+      </p:sp>
+      <p:sp>
+        <p:nvSpPr>
+          <p:cNvPr id="25" name="矩形 24"/>
+          <p:cNvSpPr/>
+          <p:nvPr/>
+        </p:nvSpPr>
+        <p:spPr>
+          <a:xfrm>
+            <a:off x="2987824" y="2204864"/>
+            <a:ext cx="864096" cy="432048"/>
+          </a:xfrm>
+          <a:prstGeom prst="rect">
+            <a:avLst/>
+          </a:prstGeom>
+        </p:spPr>
+        <p:style>
+          <a:lnRef idx="2">
+            <a:schemeClr val="accent1">
+              <a:shade val="50000"/>
+            </a:schemeClr>
+          </a:lnRef>
+          <a:fillRef idx="1">
+            <a:schemeClr val="accent1"/>
+          </a:fillRef>
+          <a:effectRef idx="0">
+            <a:schemeClr val="accent1"/>
+          </a:effectRef>
+          <a:fontRef idx="minor">
+            <a:schemeClr val="lt1"/>
+          </a:fontRef>
+        </p:style>
+        <p:txBody>
+          <a:bodyPr rtlCol="0" anchor="ctr"/>
+          <a:lstStyle/>
+          <a:p>
+            <a:pPr algn="ctr"/>
+            <a:r>
+              <a:rPr lang="en-US" altLang="zh-CN" dirty="0" smtClean="0"/>
+              <a:t>Hop</a:t>
+            </a:r>
+            <a:endParaRPr lang="zh-CN" altLang="en-US" dirty="0"/>
+          </a:p>
+        </p:txBody>
+      </p:sp>
+      <p:sp>
+        <p:nvSpPr>
+          <p:cNvPr id="26" name="矩形 25"/>
+          <p:cNvSpPr/>
+          <p:nvPr/>
+        </p:nvSpPr>
+        <p:spPr>
+          <a:xfrm>
+            <a:off x="1259632" y="2636912"/>
+            <a:ext cx="864096" cy="432048"/>
+          </a:xfrm>
+          <a:prstGeom prst="rect">
+            <a:avLst/>
+          </a:prstGeom>
+        </p:spPr>
+        <p:style>
+          <a:lnRef idx="2">
+            <a:schemeClr val="accent1">
+              <a:shade val="50000"/>
+            </a:schemeClr>
+          </a:lnRef>
+          <a:fillRef idx="1">
+            <a:schemeClr val="accent1"/>
+          </a:fillRef>
+          <a:effectRef idx="0">
+            <a:schemeClr val="accent1"/>
+          </a:effectRef>
+          <a:fontRef idx="minor">
+            <a:schemeClr val="lt1"/>
+          </a:fontRef>
+        </p:style>
+        <p:txBody>
+          <a:bodyPr rtlCol="0" anchor="ctr"/>
+          <a:lstStyle/>
+          <a:p>
+            <a:pPr algn="ctr"/>
+            <a:r>
+              <a:rPr lang="en-US" altLang="zh-CN" dirty="0"/>
+              <a:t>0</a:t>
+            </a:r>
+            <a:endParaRPr lang="zh-CN" altLang="en-US" dirty="0"/>
+          </a:p>
+        </p:txBody>
+      </p:sp>
+      <p:sp>
+        <p:nvSpPr>
+          <p:cNvPr id="27" name="矩形 26"/>
+          <p:cNvSpPr/>
+          <p:nvPr/>
+        </p:nvSpPr>
+        <p:spPr>
+          <a:xfrm>
+            <a:off x="2123728" y="2636912"/>
+            <a:ext cx="864096" cy="432048"/>
+          </a:xfrm>
+          <a:prstGeom prst="rect">
+            <a:avLst/>
+          </a:prstGeom>
+        </p:spPr>
+        <p:style>
+          <a:lnRef idx="2">
+            <a:schemeClr val="accent1">
+              <a:shade val="50000"/>
+            </a:schemeClr>
+          </a:lnRef>
+          <a:fillRef idx="1">
+            <a:schemeClr val="accent1"/>
+          </a:fillRef>
+          <a:effectRef idx="0">
+            <a:schemeClr val="accent1"/>
+          </a:effectRef>
+          <a:fontRef idx="minor">
+            <a:schemeClr val="lt1"/>
+          </a:fontRef>
+        </p:style>
+        <p:txBody>
+          <a:bodyPr rtlCol="0" anchor="ctr"/>
+          <a:lstStyle/>
+          <a:p>
+            <a:pPr algn="ctr"/>
+            <a:r>
+              <a:rPr lang="en-US" altLang="zh-CN" dirty="0" smtClean="0"/>
+              <a:t>C</a:t>
+            </a:r>
+            <a:endParaRPr lang="zh-CN" altLang="en-US" dirty="0"/>
+          </a:p>
+        </p:txBody>
+      </p:sp>
+      <p:sp>
+        <p:nvSpPr>
+          <p:cNvPr id="28" name="矩形 27"/>
+          <p:cNvSpPr/>
+          <p:nvPr/>
+        </p:nvSpPr>
+        <p:spPr>
+          <a:xfrm>
+            <a:off x="2987824" y="2636912"/>
+            <a:ext cx="864096" cy="432048"/>
+          </a:xfrm>
+          <a:prstGeom prst="rect">
+            <a:avLst/>
+          </a:prstGeom>
+        </p:spPr>
+        <p:style>
+          <a:lnRef idx="2">
+            <a:schemeClr val="accent1">
+              <a:shade val="50000"/>
+            </a:schemeClr>
+          </a:lnRef>
+          <a:fillRef idx="1">
+            <a:schemeClr val="accent1"/>
+          </a:fillRef>
+          <a:effectRef idx="0">
+            <a:schemeClr val="accent1"/>
+          </a:effectRef>
+          <a:fontRef idx="minor">
+            <a:schemeClr val="lt1"/>
+          </a:fontRef>
+        </p:style>
+        <p:txBody>
+          <a:bodyPr rtlCol="0" anchor="ctr"/>
+          <a:lstStyle/>
+          <a:p>
+            <a:pPr algn="ctr"/>
+            <a:r>
+              <a:rPr lang="en-US" altLang="zh-CN" dirty="0" smtClean="0"/>
+              <a:t>1000</a:t>
+            </a:r>
+            <a:endParaRPr lang="zh-CN" altLang="en-US" dirty="0"/>
+          </a:p>
+        </p:txBody>
+      </p:sp>
+      <p:sp>
+        <p:nvSpPr>
+          <p:cNvPr id="29" name="矩形 28"/>
+          <p:cNvSpPr/>
+          <p:nvPr/>
+        </p:nvSpPr>
+        <p:spPr>
+          <a:xfrm>
+            <a:off x="1259632" y="3068960"/>
+            <a:ext cx="864096" cy="432048"/>
+          </a:xfrm>
+          <a:prstGeom prst="rect">
+            <a:avLst/>
+          </a:prstGeom>
+        </p:spPr>
+        <p:style>
+          <a:lnRef idx="2">
+            <a:schemeClr val="accent1">
+              <a:shade val="50000"/>
+            </a:schemeClr>
+          </a:lnRef>
+          <a:fillRef idx="1">
+            <a:schemeClr val="accent1"/>
+          </a:fillRef>
+          <a:effectRef idx="0">
+            <a:schemeClr val="accent1"/>
+          </a:effectRef>
+          <a:fontRef idx="minor">
+            <a:schemeClr val="lt1"/>
+          </a:fontRef>
+        </p:style>
+        <p:txBody>
+          <a:bodyPr rtlCol="0" anchor="ctr"/>
+          <a:lstStyle/>
+          <a:p>
+            <a:pPr algn="ctr"/>
+            <a:r>
+              <a:rPr lang="en-US" altLang="zh-CN" dirty="0" smtClean="0"/>
+              <a:t>1</a:t>
+            </a:r>
+            <a:endParaRPr lang="zh-CN" altLang="en-US" dirty="0"/>
+          </a:p>
+        </p:txBody>
+      </p:sp>
+      <p:sp>
+        <p:nvSpPr>
+          <p:cNvPr id="30" name="矩形 29"/>
+          <p:cNvSpPr/>
+          <p:nvPr/>
+        </p:nvSpPr>
+        <p:spPr>
+          <a:xfrm>
+            <a:off x="2123728" y="3068960"/>
+            <a:ext cx="864096" cy="432048"/>
+          </a:xfrm>
+          <a:prstGeom prst="rect">
+            <a:avLst/>
+          </a:prstGeom>
+        </p:spPr>
+        <p:style>
+          <a:lnRef idx="2">
+            <a:schemeClr val="accent1">
+              <a:shade val="50000"/>
+            </a:schemeClr>
+          </a:lnRef>
+          <a:fillRef idx="1">
+            <a:schemeClr val="accent1"/>
+          </a:fillRef>
+          <a:effectRef idx="0">
+            <a:schemeClr val="accent1"/>
+          </a:effectRef>
+          <a:fontRef idx="minor">
+            <a:schemeClr val="lt1"/>
+          </a:fontRef>
+        </p:style>
+        <p:txBody>
+          <a:bodyPr rtlCol="0" anchor="ctr"/>
+          <a:lstStyle/>
+          <a:p>
+            <a:pPr algn="ctr"/>
+            <a:r>
+              <a:rPr lang="en-US" altLang="zh-CN" dirty="0" smtClean="0"/>
+              <a:t>A</a:t>
+            </a:r>
+            <a:endParaRPr lang="zh-CN" altLang="en-US" dirty="0"/>
+          </a:p>
+        </p:txBody>
+      </p:sp>
+      <p:sp>
+        <p:nvSpPr>
+          <p:cNvPr id="31" name="矩形 30"/>
+          <p:cNvSpPr/>
+          <p:nvPr/>
+        </p:nvSpPr>
+        <p:spPr>
+          <a:xfrm>
+            <a:off x="2987824" y="3068960"/>
+            <a:ext cx="864096" cy="432048"/>
+          </a:xfrm>
+          <a:prstGeom prst="rect">
+            <a:avLst/>
+          </a:prstGeom>
+        </p:spPr>
+        <p:style>
+          <a:lnRef idx="2">
+            <a:schemeClr val="accent1">
+              <a:shade val="50000"/>
+            </a:schemeClr>
+          </a:lnRef>
+          <a:fillRef idx="1">
+            <a:schemeClr val="accent1"/>
+          </a:fillRef>
+          <a:effectRef idx="0">
+            <a:schemeClr val="accent1"/>
+          </a:effectRef>
+          <a:fontRef idx="minor">
+            <a:schemeClr val="lt1"/>
+          </a:fontRef>
+        </p:style>
+        <p:txBody>
+          <a:bodyPr rtlCol="0" anchor="ctr"/>
+          <a:lstStyle/>
+          <a:p>
+            <a:pPr algn="ctr"/>
+            <a:r>
+              <a:rPr lang="en-US" altLang="zh-CN" dirty="0" smtClean="0"/>
+              <a:t>1100</a:t>
+            </a:r>
+            <a:endParaRPr lang="zh-CN" altLang="en-US" dirty="0"/>
+          </a:p>
+        </p:txBody>
+      </p:sp>
+      <p:sp>
+        <p:nvSpPr>
+          <p:cNvPr id="32" name="矩形 31"/>
+          <p:cNvSpPr/>
+          <p:nvPr/>
+        </p:nvSpPr>
+        <p:spPr>
+          <a:xfrm>
+            <a:off x="1259632" y="3501008"/>
+            <a:ext cx="864096" cy="432048"/>
+          </a:xfrm>
+          <a:prstGeom prst="rect">
+            <a:avLst/>
+          </a:prstGeom>
+        </p:spPr>
+        <p:style>
+          <a:lnRef idx="2">
+            <a:schemeClr val="accent1">
+              <a:shade val="50000"/>
+            </a:schemeClr>
+          </a:lnRef>
+          <a:fillRef idx="1">
+            <a:schemeClr val="accent1"/>
+          </a:fillRef>
+          <a:effectRef idx="0">
+            <a:schemeClr val="accent1"/>
+          </a:effectRef>
+          <a:fontRef idx="minor">
+            <a:schemeClr val="lt1"/>
+          </a:fontRef>
+        </p:style>
+        <p:txBody>
+          <a:bodyPr rtlCol="0" anchor="ctr"/>
+          <a:lstStyle/>
+          <a:p>
+            <a:pPr algn="ctr"/>
+            <a:r>
+              <a:rPr lang="en-US" altLang="zh-CN" dirty="0" smtClean="0"/>
+              <a:t>2</a:t>
+            </a:r>
+            <a:endParaRPr lang="zh-CN" altLang="en-US" dirty="0"/>
+          </a:p>
+        </p:txBody>
+      </p:sp>
+      <p:sp>
+        <p:nvSpPr>
+          <p:cNvPr id="33" name="矩形 32"/>
+          <p:cNvSpPr/>
+          <p:nvPr/>
+        </p:nvSpPr>
+        <p:spPr>
+          <a:xfrm>
+            <a:off x="2123728" y="3501008"/>
+            <a:ext cx="864096" cy="432048"/>
+          </a:xfrm>
+          <a:prstGeom prst="rect">
+            <a:avLst/>
+          </a:prstGeom>
+        </p:spPr>
+        <p:style>
+          <a:lnRef idx="2">
+            <a:schemeClr val="accent1">
+              <a:shade val="50000"/>
+            </a:schemeClr>
+          </a:lnRef>
+          <a:fillRef idx="1">
+            <a:schemeClr val="accent1"/>
+          </a:fillRef>
+          <a:effectRef idx="0">
+            <a:schemeClr val="accent1"/>
+          </a:effectRef>
+          <a:fontRef idx="minor">
+            <a:schemeClr val="lt1"/>
+          </a:fontRef>
+        </p:style>
+        <p:txBody>
+          <a:bodyPr rtlCol="0" anchor="ctr"/>
+          <a:lstStyle/>
+          <a:p>
+            <a:pPr algn="ctr"/>
+            <a:r>
+              <a:rPr lang="en-US" altLang="zh-CN" dirty="0" smtClean="0"/>
+              <a:t>D</a:t>
+            </a:r>
+            <a:endParaRPr lang="zh-CN" altLang="en-US" dirty="0"/>
+          </a:p>
+        </p:txBody>
+      </p:sp>
+      <p:sp>
+        <p:nvSpPr>
+          <p:cNvPr id="34" name="矩形 33"/>
+          <p:cNvSpPr/>
+          <p:nvPr/>
+        </p:nvSpPr>
+        <p:spPr>
+          <a:xfrm>
+            <a:off x="2987824" y="3501008"/>
+            <a:ext cx="864096" cy="432048"/>
+          </a:xfrm>
+          <a:prstGeom prst="rect">
+            <a:avLst/>
+          </a:prstGeom>
+        </p:spPr>
+        <p:style>
+          <a:lnRef idx="2">
+            <a:schemeClr val="accent1">
+              <a:shade val="50000"/>
+            </a:schemeClr>
+          </a:lnRef>
+          <a:fillRef idx="1">
+            <a:schemeClr val="accent1"/>
+          </a:fillRef>
+          <a:effectRef idx="0">
+            <a:schemeClr val="accent1"/>
+          </a:effectRef>
+          <a:fontRef idx="minor">
+            <a:schemeClr val="lt1"/>
+          </a:fontRef>
+        </p:style>
+        <p:txBody>
+          <a:bodyPr rtlCol="0" anchor="ctr"/>
+          <a:lstStyle/>
+          <a:p>
+            <a:pPr algn="ctr"/>
+            <a:r>
+              <a:rPr lang="en-US" altLang="zh-CN" dirty="0" smtClean="0"/>
+              <a:t>0</a:t>
+            </a:r>
+            <a:r>
+              <a:rPr lang="en-US" altLang="zh-CN" dirty="0"/>
+              <a:t>1</a:t>
+            </a:r>
+            <a:r>
+              <a:rPr lang="en-US" altLang="zh-CN" dirty="0" smtClean="0"/>
+              <a:t>00</a:t>
+            </a:r>
+            <a:endParaRPr lang="zh-CN" altLang="en-US" dirty="0"/>
+          </a:p>
+        </p:txBody>
+      </p:sp>
+      <p:sp>
+        <p:nvSpPr>
+          <p:cNvPr id="35" name="矩形 34"/>
+          <p:cNvSpPr/>
+          <p:nvPr/>
+        </p:nvSpPr>
+        <p:spPr>
+          <a:xfrm>
+            <a:off x="1259632" y="3933056"/>
+            <a:ext cx="864096" cy="432048"/>
+          </a:xfrm>
+          <a:prstGeom prst="rect">
+            <a:avLst/>
+          </a:prstGeom>
+        </p:spPr>
+        <p:style>
+          <a:lnRef idx="2">
+            <a:schemeClr val="accent1">
+              <a:shade val="50000"/>
+            </a:schemeClr>
+          </a:lnRef>
+          <a:fillRef idx="1">
+            <a:schemeClr val="accent1"/>
+          </a:fillRef>
+          <a:effectRef idx="0">
+            <a:schemeClr val="accent1"/>
+          </a:effectRef>
+          <a:fontRef idx="minor">
+            <a:schemeClr val="lt1"/>
+          </a:fontRef>
+        </p:style>
+        <p:txBody>
+          <a:bodyPr rtlCol="0" anchor="ctr"/>
+          <a:lstStyle/>
+          <a:p>
+            <a:pPr algn="ctr"/>
+            <a:r>
+              <a:rPr lang="en-US" altLang="zh-CN" dirty="0" smtClean="0"/>
+              <a:t>3</a:t>
+            </a:r>
+            <a:endParaRPr lang="zh-CN" altLang="en-US" dirty="0"/>
+          </a:p>
+        </p:txBody>
+      </p:sp>
+      <p:sp>
+        <p:nvSpPr>
+          <p:cNvPr id="36" name="矩形 35"/>
+          <p:cNvSpPr/>
+          <p:nvPr/>
+        </p:nvSpPr>
+        <p:spPr>
+          <a:xfrm>
+            <a:off x="2123728" y="3933056"/>
+            <a:ext cx="864096" cy="432048"/>
+          </a:xfrm>
+          <a:prstGeom prst="rect">
+            <a:avLst/>
+          </a:prstGeom>
+        </p:spPr>
+        <p:style>
+          <a:lnRef idx="2">
+            <a:schemeClr val="accent1">
+              <a:shade val="50000"/>
+            </a:schemeClr>
+          </a:lnRef>
+          <a:fillRef idx="1">
+            <a:schemeClr val="accent1"/>
+          </a:fillRef>
+          <a:effectRef idx="0">
+            <a:schemeClr val="accent1"/>
+          </a:effectRef>
+          <a:fontRef idx="minor">
+            <a:schemeClr val="lt1"/>
+          </a:fontRef>
+        </p:style>
+        <p:txBody>
+          <a:bodyPr rtlCol="0" anchor="ctr"/>
+          <a:lstStyle/>
+          <a:p>
+            <a:pPr algn="ctr"/>
+            <a:r>
+              <a:rPr lang="en-US" altLang="zh-CN" dirty="0" smtClean="0"/>
+              <a:t>B</a:t>
+            </a:r>
+            <a:endParaRPr lang="zh-CN" altLang="en-US" dirty="0"/>
+          </a:p>
+        </p:txBody>
+      </p:sp>
+      <p:sp>
+        <p:nvSpPr>
+          <p:cNvPr id="37" name="矩形 36"/>
+          <p:cNvSpPr/>
+          <p:nvPr/>
+        </p:nvSpPr>
+        <p:spPr>
+          <a:xfrm>
+            <a:off x="2987824" y="3933056"/>
+            <a:ext cx="864096" cy="432048"/>
+          </a:xfrm>
+          <a:prstGeom prst="rect">
+            <a:avLst/>
+          </a:prstGeom>
+        </p:spPr>
+        <p:style>
+          <a:lnRef idx="2">
+            <a:schemeClr val="accent1">
+              <a:shade val="50000"/>
+            </a:schemeClr>
+          </a:lnRef>
+          <a:fillRef idx="1">
+            <a:schemeClr val="accent1"/>
+          </a:fillRef>
+          <a:effectRef idx="0">
+            <a:schemeClr val="accent1"/>
+          </a:effectRef>
+          <a:fontRef idx="minor">
+            <a:schemeClr val="lt1"/>
+          </a:fontRef>
+        </p:style>
+        <p:txBody>
+          <a:bodyPr rtlCol="0" anchor="ctr"/>
+          <a:lstStyle/>
+          <a:p>
+            <a:pPr algn="ctr"/>
+            <a:r>
+              <a:rPr lang="en-US" altLang="zh-CN" dirty="0" smtClean="0"/>
+              <a:t>0000</a:t>
+            </a:r>
+            <a:endParaRPr lang="zh-CN" altLang="en-US" dirty="0"/>
+          </a:p>
+        </p:txBody>
+      </p:sp>
+      <p:sp>
+        <p:nvSpPr>
+          <p:cNvPr id="38" name="矩形 37"/>
+          <p:cNvSpPr/>
+          <p:nvPr/>
+        </p:nvSpPr>
+        <p:spPr>
+          <a:xfrm>
+            <a:off x="1259632" y="4365104"/>
+            <a:ext cx="864096" cy="432048"/>
+          </a:xfrm>
+          <a:prstGeom prst="rect">
+            <a:avLst/>
+          </a:prstGeom>
+        </p:spPr>
+        <p:style>
+          <a:lnRef idx="2">
+            <a:schemeClr val="accent1">
+              <a:shade val="50000"/>
+            </a:schemeClr>
+          </a:lnRef>
+          <a:fillRef idx="1">
+            <a:schemeClr val="accent1"/>
+          </a:fillRef>
+          <a:effectRef idx="0">
+            <a:schemeClr val="accent1"/>
+          </a:effectRef>
+          <a:fontRef idx="minor">
+            <a:schemeClr val="lt1"/>
+          </a:fontRef>
+        </p:style>
+        <p:txBody>
+          <a:bodyPr rtlCol="0" anchor="ctr"/>
+          <a:lstStyle/>
+          <a:p>
+            <a:pPr algn="ctr"/>
+            <a:r>
+              <a:rPr lang="en-US" altLang="zh-CN" dirty="0"/>
+              <a:t>4</a:t>
+            </a:r>
+            <a:endParaRPr lang="zh-CN" altLang="en-US" dirty="0"/>
+          </a:p>
+        </p:txBody>
+      </p:sp>
+      <p:sp>
+        <p:nvSpPr>
+          <p:cNvPr id="39" name="矩形 38"/>
+          <p:cNvSpPr/>
+          <p:nvPr/>
+        </p:nvSpPr>
+        <p:spPr>
+          <a:xfrm>
+            <a:off x="2123728" y="4365104"/>
+            <a:ext cx="864096" cy="432048"/>
+          </a:xfrm>
+          <a:prstGeom prst="rect">
+            <a:avLst/>
+          </a:prstGeom>
+        </p:spPr>
+        <p:style>
+          <a:lnRef idx="2">
+            <a:schemeClr val="accent1">
+              <a:shade val="50000"/>
+            </a:schemeClr>
+          </a:lnRef>
+          <a:fillRef idx="1">
+            <a:schemeClr val="accent1"/>
+          </a:fillRef>
+          <a:effectRef idx="0">
+            <a:schemeClr val="accent1"/>
+          </a:effectRef>
+          <a:fontRef idx="minor">
+            <a:schemeClr val="lt1"/>
+          </a:fontRef>
+        </p:style>
+        <p:txBody>
+          <a:bodyPr rtlCol="0" anchor="ctr"/>
+          <a:lstStyle/>
+          <a:p>
+            <a:pPr algn="ctr"/>
+            <a:endParaRPr lang="zh-CN" altLang="en-US" dirty="0"/>
+          </a:p>
+        </p:txBody>
+      </p:sp>
+      <p:sp>
+        <p:nvSpPr>
+          <p:cNvPr id="40" name="矩形 39"/>
+          <p:cNvSpPr/>
+          <p:nvPr/>
+        </p:nvSpPr>
+        <p:spPr>
+          <a:xfrm>
+            <a:off x="2987824" y="4365104"/>
+            <a:ext cx="864096" cy="432048"/>
+          </a:xfrm>
+          <a:prstGeom prst="rect">
+            <a:avLst/>
+          </a:prstGeom>
+        </p:spPr>
+        <p:style>
+          <a:lnRef idx="2">
+            <a:schemeClr val="accent1">
+              <a:shade val="50000"/>
+            </a:schemeClr>
+          </a:lnRef>
+          <a:fillRef idx="1">
+            <a:schemeClr val="accent1"/>
+          </a:fillRef>
+          <a:effectRef idx="0">
+            <a:schemeClr val="accent1"/>
+          </a:effectRef>
+          <a:fontRef idx="minor">
+            <a:schemeClr val="lt1"/>
+          </a:fontRef>
+        </p:style>
+        <p:txBody>
+          <a:bodyPr rtlCol="0" anchor="ctr"/>
+          <a:lstStyle/>
+          <a:p>
+            <a:pPr algn="ctr"/>
+            <a:endParaRPr lang="zh-CN" altLang="en-US" dirty="0"/>
+          </a:p>
+        </p:txBody>
+      </p:sp>
+      <p:cxnSp>
+        <p:nvCxnSpPr>
+          <p:cNvPr id="42" name="直接箭头连接符 41"/>
+          <p:cNvCxnSpPr>
+            <a:stCxn id="28" idx="3"/>
+            <a:endCxn id="44" idx="1"/>
+          </p:cNvCxnSpPr>
+          <p:nvPr/>
+        </p:nvCxnSpPr>
+        <p:spPr>
+          <a:xfrm flipV="1">
+            <a:off x="3851920" y="1835291"/>
+            <a:ext cx="1167747" cy="1017645"/>
+          </a:xfrm>
+          <a:prstGeom prst="straightConnector1">
+            <a:avLst/>
+          </a:prstGeom>
+          <a:ln>
+            <a:solidFill>
+              <a:schemeClr val="tx1"/>
+            </a:solidFill>
+            <a:tailEnd type="arrow"/>
+          </a:ln>
+        </p:spPr>
+        <p:style>
+          <a:lnRef idx="1">
+            <a:schemeClr val="accent1"/>
+          </a:lnRef>
+          <a:fillRef idx="0">
+            <a:schemeClr val="accent1"/>
+          </a:fillRef>
+          <a:effectRef idx="0">
+            <a:schemeClr val="accent1"/>
+          </a:effectRef>
+          <a:fontRef idx="minor">
+            <a:schemeClr val="tx1"/>
+          </a:fontRef>
+        </p:style>
+      </p:cxnSp>
+      <p:sp>
+        <p:nvSpPr>
+          <p:cNvPr id="44" name="圆角矩形 43"/>
+          <p:cNvSpPr/>
+          <p:nvPr/>
+        </p:nvSpPr>
+        <p:spPr>
+          <a:xfrm>
+            <a:off x="5019667" y="1412776"/>
+            <a:ext cx="2520280" cy="845029"/>
+          </a:xfrm>
+          <a:prstGeom prst="roundRect">
+            <a:avLst/>
+          </a:prstGeom>
+        </p:spPr>
+        <p:style>
+          <a:lnRef idx="2">
+            <a:schemeClr val="accent1">
+              <a:shade val="50000"/>
+            </a:schemeClr>
+          </a:lnRef>
+          <a:fillRef idx="1">
+            <a:schemeClr val="accent1"/>
+          </a:fillRef>
+          <a:effectRef idx="0">
+            <a:schemeClr val="accent1"/>
+          </a:effectRef>
+          <a:fontRef idx="minor">
+            <a:schemeClr val="lt1"/>
+          </a:fontRef>
+        </p:style>
+        <p:txBody>
+          <a:bodyPr rtlCol="0" anchor="ctr"/>
+          <a:lstStyle/>
+          <a:p>
+            <a:pPr algn="ctr"/>
+            <a:r>
+              <a:rPr lang="en-US" altLang="zh-CN" dirty="0" smtClean="0"/>
+              <a:t>Hop </a:t>
+            </a:r>
+            <a:r>
+              <a:rPr lang="zh-CN" altLang="en-US" dirty="0" smtClean="0"/>
+              <a:t>首位数为本身</a:t>
+            </a:r>
+            <a:endParaRPr lang="en-US" altLang="zh-CN" dirty="0" smtClean="0"/>
+          </a:p>
+          <a:p>
+            <a:pPr algn="ctr"/>
+            <a:r>
+              <a:rPr lang="zh-CN" altLang="en-US" dirty="0" smtClean="0"/>
+              <a:t>后面三位为尾随位置</a:t>
+            </a:r>
+            <a:endParaRPr lang="en-US" altLang="zh-CN" dirty="0" smtClean="0"/>
+          </a:p>
+          <a:p>
+            <a:pPr algn="ctr"/>
+            <a:r>
+              <a:rPr lang="zh-CN" altLang="en-US" dirty="0" smtClean="0"/>
+              <a:t>且数值中最多两个 </a:t>
+            </a:r>
+            <a:r>
+              <a:rPr lang="en-US" altLang="zh-CN" dirty="0" smtClean="0"/>
+              <a:t>1</a:t>
+            </a:r>
+            <a:endParaRPr lang="zh-CN" altLang="en-US" dirty="0"/>
+          </a:p>
+        </p:txBody>
+      </p:sp>
+      <p:sp>
+        <p:nvSpPr>
+          <p:cNvPr id="46" name="圆角矩形 45"/>
+          <p:cNvSpPr/>
+          <p:nvPr/>
+        </p:nvSpPr>
+        <p:spPr>
+          <a:xfrm>
+            <a:off x="5019465" y="2509833"/>
+            <a:ext cx="2520280" cy="648072"/>
+          </a:xfrm>
+          <a:prstGeom prst="roundRect">
+            <a:avLst/>
+          </a:prstGeom>
+        </p:spPr>
+        <p:style>
+          <a:lnRef idx="2">
+            <a:schemeClr val="accent1">
+              <a:shade val="50000"/>
+            </a:schemeClr>
+          </a:lnRef>
+          <a:fillRef idx="1">
+            <a:schemeClr val="accent1"/>
+          </a:fillRef>
+          <a:effectRef idx="0">
+            <a:schemeClr val="accent1"/>
+          </a:effectRef>
+          <a:fontRef idx="minor">
+            <a:schemeClr val="lt1"/>
+          </a:fontRef>
+        </p:style>
+        <p:txBody>
+          <a:bodyPr rtlCol="0" anchor="ctr"/>
+          <a:lstStyle/>
+          <a:p>
+            <a:pPr algn="ctr"/>
+            <a:r>
+              <a:rPr lang="en-US" altLang="zh-CN" dirty="0" smtClean="0"/>
+              <a:t>1</a:t>
+            </a:r>
+            <a:r>
+              <a:rPr lang="zh-CN" altLang="en-US" dirty="0" smtClean="0"/>
+              <a:t>：存在</a:t>
+            </a:r>
+            <a:endParaRPr lang="en-US" altLang="zh-CN" dirty="0" smtClean="0"/>
+          </a:p>
+          <a:p>
+            <a:pPr algn="ctr"/>
+            <a:r>
+              <a:rPr lang="en-US" altLang="zh-CN" dirty="0" smtClean="0"/>
+              <a:t>0</a:t>
+            </a:r>
+            <a:r>
+              <a:rPr lang="zh-CN" altLang="en-US" dirty="0" smtClean="0"/>
+              <a:t>：不存在</a:t>
+            </a:r>
+            <a:endParaRPr lang="zh-CN" altLang="en-US" dirty="0"/>
+          </a:p>
+        </p:txBody>
+      </p:sp>
+      <p:cxnSp>
+        <p:nvCxnSpPr>
+          <p:cNvPr id="48" name="直接箭头连接符 47"/>
+          <p:cNvCxnSpPr>
+            <a:stCxn id="28" idx="3"/>
+            <a:endCxn id="46" idx="1"/>
+          </p:cNvCxnSpPr>
+          <p:nvPr/>
+        </p:nvCxnSpPr>
+        <p:spPr>
+          <a:xfrm flipV="1">
+            <a:off x="3851920" y="2833869"/>
+            <a:ext cx="1167545" cy="19067"/>
+          </a:xfrm>
+          <a:prstGeom prst="straightConnector1">
+            <a:avLst/>
+          </a:prstGeom>
+          <a:ln>
+            <a:solidFill>
+              <a:schemeClr val="tx1"/>
+            </a:solidFill>
+            <a:tailEnd type="arrow"/>
+          </a:ln>
+        </p:spPr>
+        <p:style>
+          <a:lnRef idx="1">
+            <a:schemeClr val="accent1"/>
+          </a:lnRef>
+          <a:fillRef idx="0">
+            <a:schemeClr val="accent1"/>
+          </a:fillRef>
+          <a:effectRef idx="0">
+            <a:schemeClr val="accent1"/>
+          </a:effectRef>
+          <a:fontRef idx="minor">
+            <a:schemeClr val="tx1"/>
+          </a:fontRef>
+        </p:style>
+      </p:cxnSp>
+      <p:cxnSp>
+        <p:nvCxnSpPr>
+          <p:cNvPr id="50" name="直接箭头连接符 49"/>
+          <p:cNvCxnSpPr>
+            <a:stCxn id="31" idx="3"/>
+            <a:endCxn id="51" idx="1"/>
+          </p:cNvCxnSpPr>
+          <p:nvPr/>
+        </p:nvCxnSpPr>
+        <p:spPr>
+          <a:xfrm>
+            <a:off x="3851920" y="3284984"/>
+            <a:ext cx="1080120" cy="622920"/>
+          </a:xfrm>
+          <a:prstGeom prst="straightConnector1">
+            <a:avLst/>
+          </a:prstGeom>
+          <a:ln>
+            <a:solidFill>
+              <a:schemeClr val="tx1"/>
+            </a:solidFill>
+            <a:tailEnd type="arrow"/>
+          </a:ln>
+        </p:spPr>
+        <p:style>
+          <a:lnRef idx="1">
+            <a:schemeClr val="accent1"/>
+          </a:lnRef>
+          <a:fillRef idx="0">
+            <a:schemeClr val="accent1"/>
+          </a:fillRef>
+          <a:effectRef idx="0">
+            <a:schemeClr val="accent1"/>
+          </a:effectRef>
+          <a:fontRef idx="minor">
+            <a:schemeClr val="tx1"/>
+          </a:fontRef>
+        </p:style>
+      </p:cxnSp>
+      <p:sp>
+        <p:nvSpPr>
+          <p:cNvPr id="51" name="圆角矩形 50"/>
+          <p:cNvSpPr/>
+          <p:nvPr/>
+        </p:nvSpPr>
+        <p:spPr>
+          <a:xfrm>
+            <a:off x="4932040" y="3553949"/>
+            <a:ext cx="3800805" cy="707909"/>
+          </a:xfrm>
+          <a:prstGeom prst="roundRect">
+            <a:avLst/>
+          </a:prstGeom>
+        </p:spPr>
+        <p:style>
+          <a:lnRef idx="2">
+            <a:schemeClr val="accent1">
+              <a:shade val="50000"/>
+            </a:schemeClr>
+          </a:lnRef>
+          <a:fillRef idx="1">
+            <a:schemeClr val="accent1"/>
+          </a:fillRef>
+          <a:effectRef idx="0">
+            <a:schemeClr val="accent1"/>
+          </a:effectRef>
+          <a:fontRef idx="minor">
+            <a:schemeClr val="lt1"/>
+          </a:fontRef>
+        </p:style>
+        <p:txBody>
+          <a:bodyPr rtlCol="0" anchor="ctr"/>
+          <a:lstStyle/>
+          <a:p>
+            <a:pPr algn="ctr"/>
+            <a:r>
+              <a:rPr lang="zh-CN" altLang="en-US" dirty="0" smtClean="0"/>
+              <a:t>① </a:t>
+            </a:r>
+            <a:r>
+              <a:rPr lang="en-US" altLang="zh-CN" dirty="0" smtClean="0"/>
+              <a:t>1</a:t>
+            </a:r>
+            <a:r>
+              <a:rPr lang="zh-CN" altLang="en-US" dirty="0" smtClean="0"/>
+              <a:t>：</a:t>
+            </a:r>
+            <a:r>
+              <a:rPr lang="en-US" altLang="zh-CN" dirty="0" smtClean="0"/>
+              <a:t>A</a:t>
+            </a:r>
+            <a:r>
+              <a:rPr lang="zh-CN" altLang="en-US" dirty="0"/>
+              <a:t> </a:t>
+            </a:r>
+            <a:r>
+              <a:rPr lang="zh-CN" altLang="en-US" dirty="0" smtClean="0"/>
+              <a:t>在本位</a:t>
+            </a:r>
+            <a:endParaRPr lang="en-US" altLang="zh-CN" dirty="0" smtClean="0"/>
+          </a:p>
+          <a:p>
+            <a:pPr algn="ctr"/>
+            <a:r>
+              <a:rPr lang="zh-CN" altLang="en-US" dirty="0" smtClean="0"/>
+              <a:t>② </a:t>
+            </a:r>
+            <a:r>
+              <a:rPr lang="en-US" altLang="zh-CN" dirty="0" smtClean="0"/>
+              <a:t>1</a:t>
+            </a:r>
+            <a:r>
+              <a:rPr lang="zh-CN" altLang="en-US" dirty="0" smtClean="0"/>
+              <a:t>：下一位存在（冲突）元素</a:t>
+            </a:r>
+            <a:endParaRPr lang="zh-CN" altLang="en-US" dirty="0"/>
+          </a:p>
+        </p:txBody>
+      </p:sp>
+      <p:sp>
+        <p:nvSpPr>
+          <p:cNvPr id="57" name="矩形 56"/>
+          <p:cNvSpPr/>
+          <p:nvPr/>
+        </p:nvSpPr>
+        <p:spPr>
+          <a:xfrm>
+            <a:off x="5868144" y="4725144"/>
+            <a:ext cx="864096" cy="432048"/>
+          </a:xfrm>
+          <a:prstGeom prst="rect">
+            <a:avLst/>
+          </a:prstGeom>
+        </p:spPr>
+        <p:style>
+          <a:lnRef idx="2">
+            <a:schemeClr val="accent1">
+              <a:shade val="50000"/>
+            </a:schemeClr>
+          </a:lnRef>
+          <a:fillRef idx="1">
+            <a:schemeClr val="accent1"/>
+          </a:fillRef>
+          <a:effectRef idx="0">
+            <a:schemeClr val="accent1"/>
+          </a:effectRef>
+          <a:fontRef idx="minor">
+            <a:schemeClr val="lt1"/>
+          </a:fontRef>
+        </p:style>
+        <p:txBody>
+          <a:bodyPr rtlCol="0" anchor="ctr"/>
+          <a:lstStyle/>
+          <a:p>
+            <a:pPr algn="ctr"/>
+            <a:r>
+              <a:rPr lang="en-US" altLang="zh-CN" dirty="0"/>
+              <a:t>0</a:t>
+            </a:r>
+            <a:endParaRPr lang="zh-CN" altLang="en-US" dirty="0"/>
+          </a:p>
+        </p:txBody>
+      </p:sp>
+      <p:sp>
+        <p:nvSpPr>
+          <p:cNvPr id="58" name="矩形 57"/>
+          <p:cNvSpPr/>
+          <p:nvPr/>
+        </p:nvSpPr>
+        <p:spPr>
+          <a:xfrm>
+            <a:off x="5004048" y="4725144"/>
+            <a:ext cx="864096" cy="432048"/>
+          </a:xfrm>
+          <a:prstGeom prst="rect">
+            <a:avLst/>
+          </a:prstGeom>
+        </p:spPr>
+        <p:style>
+          <a:lnRef idx="2">
+            <a:schemeClr val="accent1">
+              <a:shade val="50000"/>
+            </a:schemeClr>
+          </a:lnRef>
+          <a:fillRef idx="1">
+            <a:schemeClr val="accent1"/>
+          </a:fillRef>
+          <a:effectRef idx="0">
+            <a:schemeClr val="accent1"/>
+          </a:effectRef>
+          <a:fontRef idx="minor">
+            <a:schemeClr val="lt1"/>
+          </a:fontRef>
+        </p:style>
+        <p:txBody>
+          <a:bodyPr rtlCol="0" anchor="ctr"/>
+          <a:lstStyle/>
+          <a:p>
+            <a:pPr algn="ctr"/>
+            <a:r>
+              <a:rPr lang="en-US" altLang="zh-CN" dirty="0" smtClean="0"/>
+              <a:t>C</a:t>
+            </a:r>
+            <a:endParaRPr lang="zh-CN" altLang="en-US" dirty="0"/>
+          </a:p>
+        </p:txBody>
+      </p:sp>
+      <p:sp>
+        <p:nvSpPr>
+          <p:cNvPr id="59" name="矩形 58"/>
+          <p:cNvSpPr/>
+          <p:nvPr/>
+        </p:nvSpPr>
+        <p:spPr>
+          <a:xfrm>
+            <a:off x="5868144" y="5157192"/>
+            <a:ext cx="864096" cy="432048"/>
+          </a:xfrm>
+          <a:prstGeom prst="rect">
+            <a:avLst/>
+          </a:prstGeom>
+        </p:spPr>
+        <p:style>
+          <a:lnRef idx="2">
+            <a:schemeClr val="accent1">
+              <a:shade val="50000"/>
+            </a:schemeClr>
+          </a:lnRef>
+          <a:fillRef idx="1">
+            <a:schemeClr val="accent1"/>
+          </a:fillRef>
+          <a:effectRef idx="0">
+            <a:schemeClr val="accent1"/>
+          </a:effectRef>
+          <a:fontRef idx="minor">
+            <a:schemeClr val="lt1"/>
+          </a:fontRef>
+        </p:style>
+        <p:txBody>
+          <a:bodyPr rtlCol="0" anchor="ctr"/>
+          <a:lstStyle/>
+          <a:p>
+            <a:pPr algn="ctr"/>
+            <a:r>
+              <a:rPr lang="en-US" altLang="zh-CN" dirty="0" smtClean="0"/>
+              <a:t>1</a:t>
+            </a:r>
+            <a:endParaRPr lang="zh-CN" altLang="en-US" dirty="0"/>
+          </a:p>
+        </p:txBody>
+      </p:sp>
+      <p:sp>
+        <p:nvSpPr>
+          <p:cNvPr id="60" name="矩形 59"/>
+          <p:cNvSpPr/>
+          <p:nvPr/>
+        </p:nvSpPr>
+        <p:spPr>
+          <a:xfrm>
+            <a:off x="5004048" y="5157192"/>
+            <a:ext cx="864096" cy="432048"/>
+          </a:xfrm>
+          <a:prstGeom prst="rect">
+            <a:avLst/>
+          </a:prstGeom>
+        </p:spPr>
+        <p:style>
+          <a:lnRef idx="2">
+            <a:schemeClr val="accent1">
+              <a:shade val="50000"/>
+            </a:schemeClr>
+          </a:lnRef>
+          <a:fillRef idx="1">
+            <a:schemeClr val="accent1"/>
+          </a:fillRef>
+          <a:effectRef idx="0">
+            <a:schemeClr val="accent1"/>
+          </a:effectRef>
+          <a:fontRef idx="minor">
+            <a:schemeClr val="lt1"/>
+          </a:fontRef>
+        </p:style>
+        <p:txBody>
+          <a:bodyPr rtlCol="0" anchor="ctr"/>
+          <a:lstStyle/>
+          <a:p>
+            <a:pPr algn="ctr"/>
+            <a:r>
+              <a:rPr lang="en-US" altLang="zh-CN" dirty="0" smtClean="0"/>
+              <a:t>A</a:t>
+            </a:r>
+            <a:endParaRPr lang="zh-CN" altLang="en-US" dirty="0"/>
+          </a:p>
+        </p:txBody>
+      </p:sp>
+      <p:sp>
+        <p:nvSpPr>
+          <p:cNvPr id="61" name="矩形 60"/>
+          <p:cNvSpPr/>
+          <p:nvPr/>
+        </p:nvSpPr>
+        <p:spPr>
+          <a:xfrm>
+            <a:off x="5868144" y="5589240"/>
+            <a:ext cx="864096" cy="432048"/>
+          </a:xfrm>
+          <a:prstGeom prst="rect">
+            <a:avLst/>
+          </a:prstGeom>
+        </p:spPr>
+        <p:style>
+          <a:lnRef idx="2">
+            <a:schemeClr val="accent1">
+              <a:shade val="50000"/>
+            </a:schemeClr>
+          </a:lnRef>
+          <a:fillRef idx="1">
+            <a:schemeClr val="accent1"/>
+          </a:fillRef>
+          <a:effectRef idx="0">
+            <a:schemeClr val="accent1"/>
+          </a:effectRef>
+          <a:fontRef idx="minor">
+            <a:schemeClr val="lt1"/>
+          </a:fontRef>
+        </p:style>
+        <p:txBody>
+          <a:bodyPr rtlCol="0" anchor="ctr"/>
+          <a:lstStyle/>
+          <a:p>
+            <a:pPr algn="ctr"/>
+            <a:r>
+              <a:rPr lang="en-US" altLang="zh-CN" dirty="0"/>
+              <a:t>1</a:t>
+            </a:r>
+            <a:endParaRPr lang="zh-CN" altLang="en-US" dirty="0"/>
+          </a:p>
+        </p:txBody>
+      </p:sp>
+      <p:sp>
+        <p:nvSpPr>
+          <p:cNvPr id="62" name="矩形 61"/>
+          <p:cNvSpPr/>
+          <p:nvPr/>
+        </p:nvSpPr>
+        <p:spPr>
+          <a:xfrm>
+            <a:off x="5004048" y="5589240"/>
+            <a:ext cx="864096" cy="432048"/>
+          </a:xfrm>
+          <a:prstGeom prst="rect">
+            <a:avLst/>
+          </a:prstGeom>
+        </p:spPr>
+        <p:style>
+          <a:lnRef idx="2">
+            <a:schemeClr val="accent1">
+              <a:shade val="50000"/>
+            </a:schemeClr>
+          </a:lnRef>
+          <a:fillRef idx="1">
+            <a:schemeClr val="accent1"/>
+          </a:fillRef>
+          <a:effectRef idx="0">
+            <a:schemeClr val="accent1"/>
+          </a:effectRef>
+          <a:fontRef idx="minor">
+            <a:schemeClr val="lt1"/>
+          </a:fontRef>
+        </p:style>
+        <p:txBody>
+          <a:bodyPr rtlCol="0" anchor="ctr"/>
+          <a:lstStyle/>
+          <a:p>
+            <a:pPr algn="ctr"/>
+            <a:r>
+              <a:rPr lang="en-US" altLang="zh-CN" dirty="0" smtClean="0"/>
+              <a:t>D</a:t>
+            </a:r>
+            <a:endParaRPr lang="zh-CN" altLang="en-US" dirty="0"/>
+          </a:p>
+        </p:txBody>
+      </p:sp>
+      <p:sp>
+        <p:nvSpPr>
+          <p:cNvPr id="63" name="矩形 62"/>
+          <p:cNvSpPr/>
+          <p:nvPr/>
+        </p:nvSpPr>
+        <p:spPr>
+          <a:xfrm>
+            <a:off x="5868144" y="6021288"/>
+            <a:ext cx="864096" cy="432048"/>
+          </a:xfrm>
+          <a:prstGeom prst="rect">
+            <a:avLst/>
+          </a:prstGeom>
+        </p:spPr>
+        <p:style>
+          <a:lnRef idx="2">
+            <a:schemeClr val="accent1">
+              <a:shade val="50000"/>
+            </a:schemeClr>
+          </a:lnRef>
+          <a:fillRef idx="1">
+            <a:schemeClr val="accent1"/>
+          </a:fillRef>
+          <a:effectRef idx="0">
+            <a:schemeClr val="accent1"/>
+          </a:effectRef>
+          <a:fontRef idx="minor">
+            <a:schemeClr val="lt1"/>
+          </a:fontRef>
+        </p:style>
+        <p:txBody>
+          <a:bodyPr rtlCol="0" anchor="ctr"/>
+          <a:lstStyle/>
+          <a:p>
+            <a:pPr algn="ctr"/>
+            <a:r>
+              <a:rPr lang="en-US" altLang="zh-CN" dirty="0"/>
+              <a:t>2</a:t>
+            </a:r>
+            <a:endParaRPr lang="zh-CN" altLang="en-US" dirty="0"/>
+          </a:p>
+        </p:txBody>
+      </p:sp>
+      <p:sp>
+        <p:nvSpPr>
+          <p:cNvPr id="64" name="矩形 63"/>
+          <p:cNvSpPr/>
+          <p:nvPr/>
+        </p:nvSpPr>
+        <p:spPr>
+          <a:xfrm>
+            <a:off x="5004048" y="6021288"/>
+            <a:ext cx="864096" cy="432048"/>
+          </a:xfrm>
+          <a:prstGeom prst="rect">
+            <a:avLst/>
+          </a:prstGeom>
+        </p:spPr>
+        <p:style>
+          <a:lnRef idx="2">
+            <a:schemeClr val="accent1">
+              <a:shade val="50000"/>
+            </a:schemeClr>
+          </a:lnRef>
+          <a:fillRef idx="1">
+            <a:schemeClr val="accent1"/>
+          </a:fillRef>
+          <a:effectRef idx="0">
+            <a:schemeClr val="accent1"/>
+          </a:effectRef>
+          <a:fontRef idx="minor">
+            <a:schemeClr val="lt1"/>
+          </a:fontRef>
+        </p:style>
+        <p:txBody>
+          <a:bodyPr rtlCol="0" anchor="ctr"/>
+          <a:lstStyle/>
+          <a:p>
+            <a:pPr algn="ctr"/>
+            <a:r>
+              <a:rPr lang="en-US" altLang="zh-CN" dirty="0"/>
+              <a:t>B</a:t>
+            </a:r>
+            <a:endParaRPr lang="zh-CN" altLang="en-US" dirty="0"/>
+          </a:p>
+        </p:txBody>
+      </p:sp>
+      <p:sp>
+        <p:nvSpPr>
+          <p:cNvPr id="67" name="圆角矩形 66"/>
+          <p:cNvSpPr/>
+          <p:nvPr/>
+        </p:nvSpPr>
+        <p:spPr>
+          <a:xfrm>
+            <a:off x="7417026" y="5277476"/>
+            <a:ext cx="1656184" cy="576064"/>
+          </a:xfrm>
+          <a:prstGeom prst="roundRect">
+            <a:avLst/>
+          </a:prstGeom>
+        </p:spPr>
+        <p:style>
+          <a:lnRef idx="2">
+            <a:schemeClr val="accent1">
+              <a:shade val="50000"/>
+            </a:schemeClr>
+          </a:lnRef>
+          <a:fillRef idx="1">
+            <a:schemeClr val="accent1"/>
+          </a:fillRef>
+          <a:effectRef idx="0">
+            <a:schemeClr val="accent1"/>
+          </a:effectRef>
+          <a:fontRef idx="minor">
+            <a:schemeClr val="lt1"/>
+          </a:fontRef>
+        </p:style>
+        <p:txBody>
+          <a:bodyPr rtlCol="0" anchor="ctr"/>
+          <a:lstStyle/>
+          <a:p>
+            <a:pPr algn="ctr"/>
+            <a:r>
+              <a:rPr lang="zh-CN" altLang="en-US" dirty="0" smtClean="0"/>
+              <a:t>冲突位置</a:t>
+            </a:r>
+            <a:endParaRPr lang="zh-CN" altLang="en-US" dirty="0"/>
+          </a:p>
+        </p:txBody>
+      </p:sp>
+      <p:cxnSp>
+        <p:nvCxnSpPr>
+          <p:cNvPr id="69" name="直接箭头连接符 68"/>
+          <p:cNvCxnSpPr>
+            <a:stCxn id="59" idx="3"/>
+            <a:endCxn id="67" idx="1"/>
+          </p:cNvCxnSpPr>
+          <p:nvPr/>
+        </p:nvCxnSpPr>
+        <p:spPr>
+          <a:xfrm>
+            <a:off x="6732240" y="5373216"/>
+            <a:ext cx="684786" cy="192292"/>
+          </a:xfrm>
+          <a:prstGeom prst="straightConnector1">
+            <a:avLst/>
+          </a:prstGeom>
+          <a:ln>
+            <a:solidFill>
+              <a:schemeClr val="tx1"/>
+            </a:solidFill>
+            <a:tailEnd type="arrow"/>
+          </a:ln>
+        </p:spPr>
+        <p:style>
+          <a:lnRef idx="1">
+            <a:schemeClr val="accent1"/>
+          </a:lnRef>
+          <a:fillRef idx="0">
+            <a:schemeClr val="accent1"/>
+          </a:fillRef>
+          <a:effectRef idx="0">
+            <a:schemeClr val="accent1"/>
+          </a:effectRef>
+          <a:fontRef idx="minor">
+            <a:schemeClr val="tx1"/>
+          </a:fontRef>
+        </p:style>
+      </p:cxnSp>
+      <p:cxnSp>
+        <p:nvCxnSpPr>
+          <p:cNvPr id="71" name="直接箭头连接符 70"/>
+          <p:cNvCxnSpPr>
+            <a:stCxn id="61" idx="3"/>
+          </p:cNvCxnSpPr>
+          <p:nvPr/>
+        </p:nvCxnSpPr>
+        <p:spPr>
+          <a:xfrm flipV="1">
+            <a:off x="6732240" y="5565508"/>
+            <a:ext cx="684786" cy="239756"/>
+          </a:xfrm>
+          <a:prstGeom prst="straightConnector1">
+            <a:avLst/>
+          </a:prstGeom>
+          <a:ln>
+            <a:solidFill>
+              <a:schemeClr val="tx1"/>
+            </a:solidFill>
+            <a:tailEnd type="arrow"/>
+          </a:ln>
+        </p:spPr>
+        <p:style>
+          <a:lnRef idx="1">
+            <a:schemeClr val="accent1"/>
+          </a:lnRef>
+          <a:fillRef idx="0">
+            <a:schemeClr val="accent1"/>
+          </a:fillRef>
+          <a:effectRef idx="0">
+            <a:schemeClr val="accent1"/>
+          </a:effectRef>
+          <a:fontRef idx="minor">
+            <a:schemeClr val="tx1"/>
+          </a:fontRef>
+        </p:style>
+      </p:cxnSp>
     </p:spTree>
     <p:extLst>
       <p:ext uri="{BB962C8B-B14F-4D97-AF65-F5344CB8AC3E}">
@@ -3180,10 +5644,5484 @@
           <a:chExt cx="0" cy="0"/>
         </a:xfrm>
       </p:grpSpPr>
+      <p:sp>
+        <p:nvSpPr>
+          <p:cNvPr id="2" name="矩形 1"/>
+          <p:cNvSpPr/>
+          <p:nvPr/>
+        </p:nvSpPr>
+        <p:spPr>
+          <a:xfrm>
+            <a:off x="395536" y="476672"/>
+            <a:ext cx="3024336" cy="504056"/>
+          </a:xfrm>
+          <a:prstGeom prst="rect">
+            <a:avLst/>
+          </a:prstGeom>
+        </p:spPr>
+        <p:style>
+          <a:lnRef idx="2">
+            <a:schemeClr val="accent1">
+              <a:shade val="50000"/>
+            </a:schemeClr>
+          </a:lnRef>
+          <a:fillRef idx="1">
+            <a:schemeClr val="accent1"/>
+          </a:fillRef>
+          <a:effectRef idx="0">
+            <a:schemeClr val="accent1"/>
+          </a:effectRef>
+          <a:fontRef idx="minor">
+            <a:schemeClr val="lt1"/>
+          </a:fontRef>
+        </p:style>
+        <p:txBody>
+          <a:bodyPr rtlCol="0" anchor="ctr"/>
+          <a:lstStyle/>
+          <a:p>
+            <a:pPr algn="ctr"/>
+            <a:r>
+              <a:rPr lang="en-US" altLang="zh-CN" dirty="0" err="1"/>
+              <a:t>HopScotchHashTable</a:t>
+            </a:r>
+            <a:r>
+              <a:rPr lang="en-US" altLang="zh-CN" dirty="0"/>
+              <a:t> </a:t>
+            </a:r>
+            <a:endParaRPr lang="zh-CN" altLang="en-US" dirty="0"/>
+          </a:p>
+        </p:txBody>
+      </p:sp>
+      <p:sp>
+        <p:nvSpPr>
+          <p:cNvPr id="3" name="矩形 2"/>
+          <p:cNvSpPr/>
+          <p:nvPr/>
+        </p:nvSpPr>
+        <p:spPr>
+          <a:xfrm>
+            <a:off x="1259632" y="1772816"/>
+            <a:ext cx="2592288" cy="432048"/>
+          </a:xfrm>
+          <a:prstGeom prst="rect">
+            <a:avLst/>
+          </a:prstGeom>
+        </p:spPr>
+        <p:style>
+          <a:lnRef idx="2">
+            <a:schemeClr val="accent1">
+              <a:shade val="50000"/>
+            </a:schemeClr>
+          </a:lnRef>
+          <a:fillRef idx="1">
+            <a:schemeClr val="accent1"/>
+          </a:fillRef>
+          <a:effectRef idx="0">
+            <a:schemeClr val="accent1"/>
+          </a:effectRef>
+          <a:fontRef idx="minor">
+            <a:schemeClr val="lt1"/>
+          </a:fontRef>
+        </p:style>
+        <p:txBody>
+          <a:bodyPr rtlCol="0" anchor="ctr"/>
+          <a:lstStyle/>
+          <a:p>
+            <a:pPr algn="ctr"/>
+            <a:r>
+              <a:rPr lang="en-US" altLang="zh-CN" dirty="0" smtClean="0"/>
+              <a:t>Table</a:t>
+            </a:r>
+            <a:endParaRPr lang="zh-CN" altLang="en-US" dirty="0"/>
+          </a:p>
+        </p:txBody>
+      </p:sp>
+      <p:sp>
+        <p:nvSpPr>
+          <p:cNvPr id="4" name="矩形 3"/>
+          <p:cNvSpPr/>
+          <p:nvPr/>
+        </p:nvSpPr>
+        <p:spPr>
+          <a:xfrm>
+            <a:off x="1259632" y="2204864"/>
+            <a:ext cx="864096" cy="432048"/>
+          </a:xfrm>
+          <a:prstGeom prst="rect">
+            <a:avLst/>
+          </a:prstGeom>
+        </p:spPr>
+        <p:style>
+          <a:lnRef idx="2">
+            <a:schemeClr val="accent1">
+              <a:shade val="50000"/>
+            </a:schemeClr>
+          </a:lnRef>
+          <a:fillRef idx="1">
+            <a:schemeClr val="accent1"/>
+          </a:fillRef>
+          <a:effectRef idx="0">
+            <a:schemeClr val="accent1"/>
+          </a:effectRef>
+          <a:fontRef idx="minor">
+            <a:schemeClr val="lt1"/>
+          </a:fontRef>
+        </p:style>
+        <p:txBody>
+          <a:bodyPr rtlCol="0" anchor="ctr"/>
+          <a:lstStyle/>
+          <a:p>
+            <a:pPr algn="ctr"/>
+            <a:r>
+              <a:rPr lang="en-US" altLang="zh-CN" dirty="0" smtClean="0"/>
+              <a:t>index</a:t>
+            </a:r>
+            <a:endParaRPr lang="zh-CN" altLang="en-US" dirty="0"/>
+          </a:p>
+        </p:txBody>
+      </p:sp>
+      <p:sp>
+        <p:nvSpPr>
+          <p:cNvPr id="5" name="矩形 4"/>
+          <p:cNvSpPr/>
+          <p:nvPr/>
+        </p:nvSpPr>
+        <p:spPr>
+          <a:xfrm>
+            <a:off x="2123728" y="2204864"/>
+            <a:ext cx="864096" cy="432048"/>
+          </a:xfrm>
+          <a:prstGeom prst="rect">
+            <a:avLst/>
+          </a:prstGeom>
+        </p:spPr>
+        <p:style>
+          <a:lnRef idx="2">
+            <a:schemeClr val="accent1">
+              <a:shade val="50000"/>
+            </a:schemeClr>
+          </a:lnRef>
+          <a:fillRef idx="1">
+            <a:schemeClr val="accent1"/>
+          </a:fillRef>
+          <a:effectRef idx="0">
+            <a:schemeClr val="accent1"/>
+          </a:effectRef>
+          <a:fontRef idx="minor">
+            <a:schemeClr val="lt1"/>
+          </a:fontRef>
+        </p:style>
+        <p:txBody>
+          <a:bodyPr rtlCol="0" anchor="ctr"/>
+          <a:lstStyle/>
+          <a:p>
+            <a:pPr algn="ctr"/>
+            <a:r>
+              <a:rPr lang="en-US" altLang="zh-CN" dirty="0" smtClean="0"/>
+              <a:t>item</a:t>
+            </a:r>
+            <a:endParaRPr lang="zh-CN" altLang="en-US" dirty="0"/>
+          </a:p>
+        </p:txBody>
+      </p:sp>
+      <p:sp>
+        <p:nvSpPr>
+          <p:cNvPr id="6" name="矩形 5"/>
+          <p:cNvSpPr/>
+          <p:nvPr/>
+        </p:nvSpPr>
+        <p:spPr>
+          <a:xfrm>
+            <a:off x="2987824" y="2204864"/>
+            <a:ext cx="864096" cy="432048"/>
+          </a:xfrm>
+          <a:prstGeom prst="rect">
+            <a:avLst/>
+          </a:prstGeom>
+        </p:spPr>
+        <p:style>
+          <a:lnRef idx="2">
+            <a:schemeClr val="accent1">
+              <a:shade val="50000"/>
+            </a:schemeClr>
+          </a:lnRef>
+          <a:fillRef idx="1">
+            <a:schemeClr val="accent1"/>
+          </a:fillRef>
+          <a:effectRef idx="0">
+            <a:schemeClr val="accent1"/>
+          </a:effectRef>
+          <a:fontRef idx="minor">
+            <a:schemeClr val="lt1"/>
+          </a:fontRef>
+        </p:style>
+        <p:txBody>
+          <a:bodyPr rtlCol="0" anchor="ctr"/>
+          <a:lstStyle/>
+          <a:p>
+            <a:pPr algn="ctr"/>
+            <a:r>
+              <a:rPr lang="en-US" altLang="zh-CN" dirty="0" smtClean="0"/>
+              <a:t>Hop</a:t>
+            </a:r>
+            <a:endParaRPr lang="zh-CN" altLang="en-US" dirty="0"/>
+          </a:p>
+        </p:txBody>
+      </p:sp>
+      <p:sp>
+        <p:nvSpPr>
+          <p:cNvPr id="7" name="矩形 6"/>
+          <p:cNvSpPr/>
+          <p:nvPr/>
+        </p:nvSpPr>
+        <p:spPr>
+          <a:xfrm>
+            <a:off x="1259632" y="2636912"/>
+            <a:ext cx="864096" cy="432048"/>
+          </a:xfrm>
+          <a:prstGeom prst="rect">
+            <a:avLst/>
+          </a:prstGeom>
+        </p:spPr>
+        <p:style>
+          <a:lnRef idx="2">
+            <a:schemeClr val="accent1">
+              <a:shade val="50000"/>
+            </a:schemeClr>
+          </a:lnRef>
+          <a:fillRef idx="1">
+            <a:schemeClr val="accent1"/>
+          </a:fillRef>
+          <a:effectRef idx="0">
+            <a:schemeClr val="accent1"/>
+          </a:effectRef>
+          <a:fontRef idx="minor">
+            <a:schemeClr val="lt1"/>
+          </a:fontRef>
+        </p:style>
+        <p:txBody>
+          <a:bodyPr rtlCol="0" anchor="ctr"/>
+          <a:lstStyle/>
+          <a:p>
+            <a:pPr algn="ctr"/>
+            <a:r>
+              <a:rPr lang="en-US" altLang="zh-CN" dirty="0"/>
+              <a:t>0</a:t>
+            </a:r>
+            <a:endParaRPr lang="zh-CN" altLang="en-US" dirty="0"/>
+          </a:p>
+        </p:txBody>
+      </p:sp>
+      <p:sp>
+        <p:nvSpPr>
+          <p:cNvPr id="8" name="矩形 7"/>
+          <p:cNvSpPr/>
+          <p:nvPr/>
+        </p:nvSpPr>
+        <p:spPr>
+          <a:xfrm>
+            <a:off x="2123728" y="2636912"/>
+            <a:ext cx="864096" cy="432048"/>
+          </a:xfrm>
+          <a:prstGeom prst="rect">
+            <a:avLst/>
+          </a:prstGeom>
+        </p:spPr>
+        <p:style>
+          <a:lnRef idx="2">
+            <a:schemeClr val="accent1">
+              <a:shade val="50000"/>
+            </a:schemeClr>
+          </a:lnRef>
+          <a:fillRef idx="1">
+            <a:schemeClr val="accent1"/>
+          </a:fillRef>
+          <a:effectRef idx="0">
+            <a:schemeClr val="accent1"/>
+          </a:effectRef>
+          <a:fontRef idx="minor">
+            <a:schemeClr val="lt1"/>
+          </a:fontRef>
+        </p:style>
+        <p:txBody>
+          <a:bodyPr rtlCol="0" anchor="ctr"/>
+          <a:lstStyle/>
+          <a:p>
+            <a:pPr algn="ctr"/>
+            <a:r>
+              <a:rPr lang="en-US" altLang="zh-CN" dirty="0" smtClean="0"/>
+              <a:t>C</a:t>
+            </a:r>
+            <a:endParaRPr lang="zh-CN" altLang="en-US" dirty="0"/>
+          </a:p>
+        </p:txBody>
+      </p:sp>
+      <p:sp>
+        <p:nvSpPr>
+          <p:cNvPr id="9" name="矩形 8"/>
+          <p:cNvSpPr/>
+          <p:nvPr/>
+        </p:nvSpPr>
+        <p:spPr>
+          <a:xfrm>
+            <a:off x="2987824" y="2636912"/>
+            <a:ext cx="864096" cy="432048"/>
+          </a:xfrm>
+          <a:prstGeom prst="rect">
+            <a:avLst/>
+          </a:prstGeom>
+        </p:spPr>
+        <p:style>
+          <a:lnRef idx="2">
+            <a:schemeClr val="accent1">
+              <a:shade val="50000"/>
+            </a:schemeClr>
+          </a:lnRef>
+          <a:fillRef idx="1">
+            <a:schemeClr val="accent1"/>
+          </a:fillRef>
+          <a:effectRef idx="0">
+            <a:schemeClr val="accent1"/>
+          </a:effectRef>
+          <a:fontRef idx="minor">
+            <a:schemeClr val="lt1"/>
+          </a:fontRef>
+        </p:style>
+        <p:txBody>
+          <a:bodyPr rtlCol="0" anchor="ctr"/>
+          <a:lstStyle/>
+          <a:p>
+            <a:pPr algn="ctr"/>
+            <a:r>
+              <a:rPr lang="en-US" altLang="zh-CN" dirty="0" smtClean="0"/>
+              <a:t>1000</a:t>
+            </a:r>
+            <a:endParaRPr lang="zh-CN" altLang="en-US" dirty="0"/>
+          </a:p>
+        </p:txBody>
+      </p:sp>
+      <p:sp>
+        <p:nvSpPr>
+          <p:cNvPr id="10" name="矩形 9"/>
+          <p:cNvSpPr/>
+          <p:nvPr/>
+        </p:nvSpPr>
+        <p:spPr>
+          <a:xfrm>
+            <a:off x="1259632" y="3068960"/>
+            <a:ext cx="864096" cy="432048"/>
+          </a:xfrm>
+          <a:prstGeom prst="rect">
+            <a:avLst/>
+          </a:prstGeom>
+        </p:spPr>
+        <p:style>
+          <a:lnRef idx="2">
+            <a:schemeClr val="accent1">
+              <a:shade val="50000"/>
+            </a:schemeClr>
+          </a:lnRef>
+          <a:fillRef idx="1">
+            <a:schemeClr val="accent1"/>
+          </a:fillRef>
+          <a:effectRef idx="0">
+            <a:schemeClr val="accent1"/>
+          </a:effectRef>
+          <a:fontRef idx="minor">
+            <a:schemeClr val="lt1"/>
+          </a:fontRef>
+        </p:style>
+        <p:txBody>
+          <a:bodyPr rtlCol="0" anchor="ctr"/>
+          <a:lstStyle/>
+          <a:p>
+            <a:pPr algn="ctr"/>
+            <a:r>
+              <a:rPr lang="en-US" altLang="zh-CN" dirty="0" smtClean="0"/>
+              <a:t>1</a:t>
+            </a:r>
+            <a:endParaRPr lang="zh-CN" altLang="en-US" dirty="0"/>
+          </a:p>
+        </p:txBody>
+      </p:sp>
+      <p:sp>
+        <p:nvSpPr>
+          <p:cNvPr id="11" name="矩形 10"/>
+          <p:cNvSpPr/>
+          <p:nvPr/>
+        </p:nvSpPr>
+        <p:spPr>
+          <a:xfrm>
+            <a:off x="2123728" y="3068960"/>
+            <a:ext cx="864096" cy="432048"/>
+          </a:xfrm>
+          <a:prstGeom prst="rect">
+            <a:avLst/>
+          </a:prstGeom>
+        </p:spPr>
+        <p:style>
+          <a:lnRef idx="2">
+            <a:schemeClr val="accent1">
+              <a:shade val="50000"/>
+            </a:schemeClr>
+          </a:lnRef>
+          <a:fillRef idx="1">
+            <a:schemeClr val="accent1"/>
+          </a:fillRef>
+          <a:effectRef idx="0">
+            <a:schemeClr val="accent1"/>
+          </a:effectRef>
+          <a:fontRef idx="minor">
+            <a:schemeClr val="lt1"/>
+          </a:fontRef>
+        </p:style>
+        <p:txBody>
+          <a:bodyPr rtlCol="0" anchor="ctr"/>
+          <a:lstStyle/>
+          <a:p>
+            <a:pPr algn="ctr"/>
+            <a:r>
+              <a:rPr lang="en-US" altLang="zh-CN" dirty="0" smtClean="0"/>
+              <a:t>A</a:t>
+            </a:r>
+            <a:endParaRPr lang="zh-CN" altLang="en-US" dirty="0"/>
+          </a:p>
+        </p:txBody>
+      </p:sp>
+      <p:sp>
+        <p:nvSpPr>
+          <p:cNvPr id="12" name="矩形 11"/>
+          <p:cNvSpPr/>
+          <p:nvPr/>
+        </p:nvSpPr>
+        <p:spPr>
+          <a:xfrm>
+            <a:off x="2987824" y="3068960"/>
+            <a:ext cx="864096" cy="432048"/>
+          </a:xfrm>
+          <a:prstGeom prst="rect">
+            <a:avLst/>
+          </a:prstGeom>
+        </p:spPr>
+        <p:style>
+          <a:lnRef idx="2">
+            <a:schemeClr val="accent1">
+              <a:shade val="50000"/>
+            </a:schemeClr>
+          </a:lnRef>
+          <a:fillRef idx="1">
+            <a:schemeClr val="accent1"/>
+          </a:fillRef>
+          <a:effectRef idx="0">
+            <a:schemeClr val="accent1"/>
+          </a:effectRef>
+          <a:fontRef idx="minor">
+            <a:schemeClr val="lt1"/>
+          </a:fontRef>
+        </p:style>
+        <p:txBody>
+          <a:bodyPr rtlCol="0" anchor="ctr"/>
+          <a:lstStyle/>
+          <a:p>
+            <a:pPr algn="ctr"/>
+            <a:r>
+              <a:rPr lang="en-US" altLang="zh-CN" dirty="0" smtClean="0"/>
+              <a:t>1100</a:t>
+            </a:r>
+            <a:endParaRPr lang="zh-CN" altLang="en-US" dirty="0"/>
+          </a:p>
+        </p:txBody>
+      </p:sp>
+      <p:sp>
+        <p:nvSpPr>
+          <p:cNvPr id="13" name="矩形 12"/>
+          <p:cNvSpPr/>
+          <p:nvPr/>
+        </p:nvSpPr>
+        <p:spPr>
+          <a:xfrm>
+            <a:off x="1259632" y="3501008"/>
+            <a:ext cx="864096" cy="432048"/>
+          </a:xfrm>
+          <a:prstGeom prst="rect">
+            <a:avLst/>
+          </a:prstGeom>
+        </p:spPr>
+        <p:style>
+          <a:lnRef idx="2">
+            <a:schemeClr val="accent1">
+              <a:shade val="50000"/>
+            </a:schemeClr>
+          </a:lnRef>
+          <a:fillRef idx="1">
+            <a:schemeClr val="accent1"/>
+          </a:fillRef>
+          <a:effectRef idx="0">
+            <a:schemeClr val="accent1"/>
+          </a:effectRef>
+          <a:fontRef idx="minor">
+            <a:schemeClr val="lt1"/>
+          </a:fontRef>
+        </p:style>
+        <p:txBody>
+          <a:bodyPr rtlCol="0" anchor="ctr"/>
+          <a:lstStyle/>
+          <a:p>
+            <a:pPr algn="ctr"/>
+            <a:r>
+              <a:rPr lang="en-US" altLang="zh-CN" dirty="0" smtClean="0"/>
+              <a:t>2</a:t>
+            </a:r>
+            <a:endParaRPr lang="zh-CN" altLang="en-US" dirty="0"/>
+          </a:p>
+        </p:txBody>
+      </p:sp>
+      <p:sp>
+        <p:nvSpPr>
+          <p:cNvPr id="14" name="矩形 13"/>
+          <p:cNvSpPr/>
+          <p:nvPr/>
+        </p:nvSpPr>
+        <p:spPr>
+          <a:xfrm>
+            <a:off x="2123728" y="3501008"/>
+            <a:ext cx="864096" cy="432048"/>
+          </a:xfrm>
+          <a:prstGeom prst="rect">
+            <a:avLst/>
+          </a:prstGeom>
+        </p:spPr>
+        <p:style>
+          <a:lnRef idx="2">
+            <a:schemeClr val="accent1">
+              <a:shade val="50000"/>
+            </a:schemeClr>
+          </a:lnRef>
+          <a:fillRef idx="1">
+            <a:schemeClr val="accent1"/>
+          </a:fillRef>
+          <a:effectRef idx="0">
+            <a:schemeClr val="accent1"/>
+          </a:effectRef>
+          <a:fontRef idx="minor">
+            <a:schemeClr val="lt1"/>
+          </a:fontRef>
+        </p:style>
+        <p:txBody>
+          <a:bodyPr rtlCol="0" anchor="ctr"/>
+          <a:lstStyle/>
+          <a:p>
+            <a:pPr algn="ctr"/>
+            <a:r>
+              <a:rPr lang="en-US" altLang="zh-CN" dirty="0" smtClean="0"/>
+              <a:t>D</a:t>
+            </a:r>
+            <a:endParaRPr lang="zh-CN" altLang="en-US" dirty="0"/>
+          </a:p>
+        </p:txBody>
+      </p:sp>
+      <p:sp>
+        <p:nvSpPr>
+          <p:cNvPr id="15" name="矩形 14"/>
+          <p:cNvSpPr/>
+          <p:nvPr/>
+        </p:nvSpPr>
+        <p:spPr>
+          <a:xfrm>
+            <a:off x="2987824" y="3501008"/>
+            <a:ext cx="864096" cy="432048"/>
+          </a:xfrm>
+          <a:prstGeom prst="rect">
+            <a:avLst/>
+          </a:prstGeom>
+        </p:spPr>
+        <p:style>
+          <a:lnRef idx="2">
+            <a:schemeClr val="accent1">
+              <a:shade val="50000"/>
+            </a:schemeClr>
+          </a:lnRef>
+          <a:fillRef idx="1">
+            <a:schemeClr val="accent1"/>
+          </a:fillRef>
+          <a:effectRef idx="0">
+            <a:schemeClr val="accent1"/>
+          </a:effectRef>
+          <a:fontRef idx="minor">
+            <a:schemeClr val="lt1"/>
+          </a:fontRef>
+        </p:style>
+        <p:txBody>
+          <a:bodyPr rtlCol="0" anchor="ctr"/>
+          <a:lstStyle/>
+          <a:p>
+            <a:pPr algn="ctr"/>
+            <a:r>
+              <a:rPr lang="en-US" altLang="zh-CN" dirty="0" smtClean="0"/>
+              <a:t>0</a:t>
+            </a:r>
+            <a:r>
+              <a:rPr lang="en-US" altLang="zh-CN" dirty="0"/>
+              <a:t>1</a:t>
+            </a:r>
+            <a:r>
+              <a:rPr lang="en-US" altLang="zh-CN" dirty="0" smtClean="0"/>
+              <a:t>00</a:t>
+            </a:r>
+            <a:endParaRPr lang="zh-CN" altLang="en-US" dirty="0"/>
+          </a:p>
+        </p:txBody>
+      </p:sp>
+      <p:sp>
+        <p:nvSpPr>
+          <p:cNvPr id="16" name="矩形 15"/>
+          <p:cNvSpPr/>
+          <p:nvPr/>
+        </p:nvSpPr>
+        <p:spPr>
+          <a:xfrm>
+            <a:off x="1259632" y="3933056"/>
+            <a:ext cx="864096" cy="432048"/>
+          </a:xfrm>
+          <a:prstGeom prst="rect">
+            <a:avLst/>
+          </a:prstGeom>
+        </p:spPr>
+        <p:style>
+          <a:lnRef idx="2">
+            <a:schemeClr val="accent1">
+              <a:shade val="50000"/>
+            </a:schemeClr>
+          </a:lnRef>
+          <a:fillRef idx="1">
+            <a:schemeClr val="accent1"/>
+          </a:fillRef>
+          <a:effectRef idx="0">
+            <a:schemeClr val="accent1"/>
+          </a:effectRef>
+          <a:fontRef idx="minor">
+            <a:schemeClr val="lt1"/>
+          </a:fontRef>
+        </p:style>
+        <p:txBody>
+          <a:bodyPr rtlCol="0" anchor="ctr"/>
+          <a:lstStyle/>
+          <a:p>
+            <a:pPr algn="ctr"/>
+            <a:r>
+              <a:rPr lang="en-US" altLang="zh-CN" dirty="0" smtClean="0"/>
+              <a:t>3</a:t>
+            </a:r>
+            <a:endParaRPr lang="zh-CN" altLang="en-US" dirty="0"/>
+          </a:p>
+        </p:txBody>
+      </p:sp>
+      <p:sp>
+        <p:nvSpPr>
+          <p:cNvPr id="17" name="矩形 16"/>
+          <p:cNvSpPr/>
+          <p:nvPr/>
+        </p:nvSpPr>
+        <p:spPr>
+          <a:xfrm>
+            <a:off x="2123728" y="3933056"/>
+            <a:ext cx="864096" cy="432048"/>
+          </a:xfrm>
+          <a:prstGeom prst="rect">
+            <a:avLst/>
+          </a:prstGeom>
+        </p:spPr>
+        <p:style>
+          <a:lnRef idx="2">
+            <a:schemeClr val="accent1">
+              <a:shade val="50000"/>
+            </a:schemeClr>
+          </a:lnRef>
+          <a:fillRef idx="1">
+            <a:schemeClr val="accent1"/>
+          </a:fillRef>
+          <a:effectRef idx="0">
+            <a:schemeClr val="accent1"/>
+          </a:effectRef>
+          <a:fontRef idx="minor">
+            <a:schemeClr val="lt1"/>
+          </a:fontRef>
+        </p:style>
+        <p:txBody>
+          <a:bodyPr rtlCol="0" anchor="ctr"/>
+          <a:lstStyle/>
+          <a:p>
+            <a:pPr algn="ctr"/>
+            <a:r>
+              <a:rPr lang="en-US" altLang="zh-CN" dirty="0" smtClean="0"/>
+              <a:t>B</a:t>
+            </a:r>
+            <a:endParaRPr lang="zh-CN" altLang="en-US" dirty="0"/>
+          </a:p>
+        </p:txBody>
+      </p:sp>
+      <p:sp>
+        <p:nvSpPr>
+          <p:cNvPr id="18" name="矩形 17"/>
+          <p:cNvSpPr/>
+          <p:nvPr/>
+        </p:nvSpPr>
+        <p:spPr>
+          <a:xfrm>
+            <a:off x="2987824" y="3933056"/>
+            <a:ext cx="864096" cy="432048"/>
+          </a:xfrm>
+          <a:prstGeom prst="rect">
+            <a:avLst/>
+          </a:prstGeom>
+        </p:spPr>
+        <p:style>
+          <a:lnRef idx="2">
+            <a:schemeClr val="accent1">
+              <a:shade val="50000"/>
+            </a:schemeClr>
+          </a:lnRef>
+          <a:fillRef idx="1">
+            <a:schemeClr val="accent1"/>
+          </a:fillRef>
+          <a:effectRef idx="0">
+            <a:schemeClr val="accent1"/>
+          </a:effectRef>
+          <a:fontRef idx="minor">
+            <a:schemeClr val="lt1"/>
+          </a:fontRef>
+        </p:style>
+        <p:txBody>
+          <a:bodyPr rtlCol="0" anchor="ctr"/>
+          <a:lstStyle/>
+          <a:p>
+            <a:pPr algn="ctr"/>
+            <a:r>
+              <a:rPr lang="en-US" altLang="zh-CN" dirty="0" smtClean="0"/>
+              <a:t>0000</a:t>
+            </a:r>
+            <a:endParaRPr lang="zh-CN" altLang="en-US" dirty="0"/>
+          </a:p>
+        </p:txBody>
+      </p:sp>
+      <p:sp>
+        <p:nvSpPr>
+          <p:cNvPr id="19" name="矩形 18"/>
+          <p:cNvSpPr/>
+          <p:nvPr/>
+        </p:nvSpPr>
+        <p:spPr>
+          <a:xfrm>
+            <a:off x="1259632" y="4365104"/>
+            <a:ext cx="864096" cy="432048"/>
+          </a:xfrm>
+          <a:prstGeom prst="rect">
+            <a:avLst/>
+          </a:prstGeom>
+        </p:spPr>
+        <p:style>
+          <a:lnRef idx="2">
+            <a:schemeClr val="accent1">
+              <a:shade val="50000"/>
+            </a:schemeClr>
+          </a:lnRef>
+          <a:fillRef idx="1">
+            <a:schemeClr val="accent1"/>
+          </a:fillRef>
+          <a:effectRef idx="0">
+            <a:schemeClr val="accent1"/>
+          </a:effectRef>
+          <a:fontRef idx="minor">
+            <a:schemeClr val="lt1"/>
+          </a:fontRef>
+        </p:style>
+        <p:txBody>
+          <a:bodyPr rtlCol="0" anchor="ctr"/>
+          <a:lstStyle/>
+          <a:p>
+            <a:pPr algn="ctr"/>
+            <a:r>
+              <a:rPr lang="en-US" altLang="zh-CN" dirty="0"/>
+              <a:t>4</a:t>
+            </a:r>
+            <a:endParaRPr lang="zh-CN" altLang="en-US" dirty="0"/>
+          </a:p>
+        </p:txBody>
+      </p:sp>
+      <p:sp>
+        <p:nvSpPr>
+          <p:cNvPr id="20" name="矩形 19"/>
+          <p:cNvSpPr/>
+          <p:nvPr/>
+        </p:nvSpPr>
+        <p:spPr>
+          <a:xfrm>
+            <a:off x="2123728" y="4365104"/>
+            <a:ext cx="864096" cy="432048"/>
+          </a:xfrm>
+          <a:prstGeom prst="rect">
+            <a:avLst/>
+          </a:prstGeom>
+        </p:spPr>
+        <p:style>
+          <a:lnRef idx="2">
+            <a:schemeClr val="accent1">
+              <a:shade val="50000"/>
+            </a:schemeClr>
+          </a:lnRef>
+          <a:fillRef idx="1">
+            <a:schemeClr val="accent1"/>
+          </a:fillRef>
+          <a:effectRef idx="0">
+            <a:schemeClr val="accent1"/>
+          </a:effectRef>
+          <a:fontRef idx="minor">
+            <a:schemeClr val="lt1"/>
+          </a:fontRef>
+        </p:style>
+        <p:txBody>
+          <a:bodyPr rtlCol="0" anchor="ctr"/>
+          <a:lstStyle/>
+          <a:p>
+            <a:pPr algn="ctr"/>
+            <a:endParaRPr lang="zh-CN" altLang="en-US" dirty="0"/>
+          </a:p>
+        </p:txBody>
+      </p:sp>
+      <p:sp>
+        <p:nvSpPr>
+          <p:cNvPr id="21" name="矩形 20"/>
+          <p:cNvSpPr/>
+          <p:nvPr/>
+        </p:nvSpPr>
+        <p:spPr>
+          <a:xfrm>
+            <a:off x="2987824" y="4365104"/>
+            <a:ext cx="864096" cy="432048"/>
+          </a:xfrm>
+          <a:prstGeom prst="rect">
+            <a:avLst/>
+          </a:prstGeom>
+        </p:spPr>
+        <p:style>
+          <a:lnRef idx="2">
+            <a:schemeClr val="accent1">
+              <a:shade val="50000"/>
+            </a:schemeClr>
+          </a:lnRef>
+          <a:fillRef idx="1">
+            <a:schemeClr val="accent1"/>
+          </a:fillRef>
+          <a:effectRef idx="0">
+            <a:schemeClr val="accent1"/>
+          </a:effectRef>
+          <a:fontRef idx="minor">
+            <a:schemeClr val="lt1"/>
+          </a:fontRef>
+        </p:style>
+        <p:txBody>
+          <a:bodyPr rtlCol="0" anchor="ctr"/>
+          <a:lstStyle/>
+          <a:p>
+            <a:pPr algn="ctr"/>
+            <a:endParaRPr lang="zh-CN" altLang="en-US" dirty="0"/>
+          </a:p>
+        </p:txBody>
+      </p:sp>
+      <p:sp>
+        <p:nvSpPr>
+          <p:cNvPr id="22" name="圆角矩形 21"/>
+          <p:cNvSpPr/>
+          <p:nvPr/>
+        </p:nvSpPr>
+        <p:spPr>
+          <a:xfrm>
+            <a:off x="4355976" y="430931"/>
+            <a:ext cx="2160240" cy="504056"/>
+          </a:xfrm>
+          <a:prstGeom prst="roundRect">
+            <a:avLst/>
+          </a:prstGeom>
+        </p:spPr>
+        <p:style>
+          <a:lnRef idx="2">
+            <a:schemeClr val="accent1">
+              <a:shade val="50000"/>
+            </a:schemeClr>
+          </a:lnRef>
+          <a:fillRef idx="1">
+            <a:schemeClr val="accent1"/>
+          </a:fillRef>
+          <a:effectRef idx="0">
+            <a:schemeClr val="accent1"/>
+          </a:effectRef>
+          <a:fontRef idx="minor">
+            <a:schemeClr val="lt1"/>
+          </a:fontRef>
+        </p:style>
+        <p:txBody>
+          <a:bodyPr rtlCol="0" anchor="ctr"/>
+          <a:lstStyle/>
+          <a:p>
+            <a:pPr algn="ctr"/>
+            <a:r>
+              <a:rPr lang="en-US" altLang="zh-CN" dirty="0" smtClean="0"/>
+              <a:t>Insert E</a:t>
+            </a:r>
+          </a:p>
+          <a:p>
+            <a:pPr algn="ctr"/>
+            <a:r>
+              <a:rPr lang="zh-CN" altLang="en-US" dirty="0" smtClean="0"/>
+              <a:t>假设与 </a:t>
+            </a:r>
+            <a:r>
+              <a:rPr lang="en-US" altLang="zh-CN" dirty="0" smtClean="0"/>
+              <a:t>C </a:t>
+            </a:r>
+            <a:r>
+              <a:rPr lang="zh-CN" altLang="en-US" dirty="0"/>
+              <a:t>冲突</a:t>
+            </a:r>
+          </a:p>
+        </p:txBody>
+      </p:sp>
+      <p:sp>
+        <p:nvSpPr>
+          <p:cNvPr id="23" name="圆角矩形 22"/>
+          <p:cNvSpPr/>
+          <p:nvPr/>
+        </p:nvSpPr>
+        <p:spPr>
+          <a:xfrm>
+            <a:off x="2123728" y="5373216"/>
+            <a:ext cx="2520280" cy="504056"/>
+          </a:xfrm>
+          <a:prstGeom prst="roundRect">
+            <a:avLst/>
+          </a:prstGeom>
+        </p:spPr>
+        <p:style>
+          <a:lnRef idx="2">
+            <a:schemeClr val="accent1">
+              <a:shade val="50000"/>
+            </a:schemeClr>
+          </a:lnRef>
+          <a:fillRef idx="1">
+            <a:schemeClr val="accent1"/>
+          </a:fillRef>
+          <a:effectRef idx="0">
+            <a:schemeClr val="accent1"/>
+          </a:effectRef>
+          <a:fontRef idx="minor">
+            <a:schemeClr val="lt1"/>
+          </a:fontRef>
+        </p:style>
+        <p:txBody>
+          <a:bodyPr rtlCol="0" anchor="ctr"/>
+          <a:lstStyle/>
+          <a:p>
+            <a:pPr algn="ctr"/>
+            <a:r>
+              <a:rPr lang="en-US" altLang="zh-CN" dirty="0" smtClean="0"/>
+              <a:t>E </a:t>
+            </a:r>
+            <a:r>
+              <a:rPr lang="zh-CN" altLang="en-US" dirty="0" smtClean="0"/>
+              <a:t>插入 </a:t>
+            </a:r>
+            <a:r>
+              <a:rPr lang="en-US" altLang="zh-CN" dirty="0" smtClean="0"/>
+              <a:t>4 </a:t>
+            </a:r>
+            <a:r>
+              <a:rPr lang="zh-CN" altLang="en-US" dirty="0" smtClean="0"/>
+              <a:t>号位太远</a:t>
+            </a:r>
+            <a:endParaRPr lang="en-US" altLang="zh-CN" dirty="0" smtClean="0"/>
+          </a:p>
+          <a:p>
+            <a:pPr algn="ctr"/>
+            <a:r>
+              <a:rPr lang="zh-CN" altLang="en-US" dirty="0"/>
+              <a:t>超出</a:t>
+            </a:r>
+            <a:r>
+              <a:rPr lang="zh-CN" altLang="en-US" dirty="0" smtClean="0"/>
+              <a:t>了</a:t>
+            </a:r>
+            <a:r>
+              <a:rPr lang="en-US" altLang="zh-CN" dirty="0" smtClean="0"/>
+              <a:t>Hop</a:t>
+            </a:r>
+            <a:r>
+              <a:rPr lang="zh-CN" altLang="en-US" dirty="0" smtClean="0"/>
+              <a:t>范围（</a:t>
+            </a:r>
+            <a:r>
+              <a:rPr lang="en-US" altLang="zh-CN" dirty="0" smtClean="0"/>
+              <a:t>0~3</a:t>
+            </a:r>
+            <a:r>
+              <a:rPr lang="zh-CN" altLang="en-US" dirty="0" smtClean="0"/>
+              <a:t>）</a:t>
+            </a:r>
+            <a:endParaRPr lang="zh-CN" altLang="en-US" dirty="0"/>
+          </a:p>
+        </p:txBody>
+      </p:sp>
+      <p:cxnSp>
+        <p:nvCxnSpPr>
+          <p:cNvPr id="25" name="直接箭头连接符 24"/>
+          <p:cNvCxnSpPr>
+            <a:stCxn id="23" idx="0"/>
+          </p:cNvCxnSpPr>
+          <p:nvPr/>
+        </p:nvCxnSpPr>
+        <p:spPr>
+          <a:xfrm flipH="1" flipV="1">
+            <a:off x="2699792" y="4797152"/>
+            <a:ext cx="684076" cy="576064"/>
+          </a:xfrm>
+          <a:prstGeom prst="straightConnector1">
+            <a:avLst/>
+          </a:prstGeom>
+          <a:ln>
+            <a:solidFill>
+              <a:schemeClr val="tx1"/>
+            </a:solidFill>
+            <a:tailEnd type="arrow"/>
+          </a:ln>
+        </p:spPr>
+        <p:style>
+          <a:lnRef idx="1">
+            <a:schemeClr val="accent1"/>
+          </a:lnRef>
+          <a:fillRef idx="0">
+            <a:schemeClr val="accent1"/>
+          </a:fillRef>
+          <a:effectRef idx="0">
+            <a:schemeClr val="accent1"/>
+          </a:effectRef>
+          <a:fontRef idx="minor">
+            <a:schemeClr val="tx1"/>
+          </a:fontRef>
+        </p:style>
+      </p:cxnSp>
+      <p:cxnSp>
+        <p:nvCxnSpPr>
+          <p:cNvPr id="27" name="直接箭头连接符 26"/>
+          <p:cNvCxnSpPr>
+            <a:stCxn id="22" idx="2"/>
+            <a:endCxn id="9" idx="3"/>
+          </p:cNvCxnSpPr>
+          <p:nvPr/>
+        </p:nvCxnSpPr>
+        <p:spPr>
+          <a:xfrm flipH="1">
+            <a:off x="3851920" y="934987"/>
+            <a:ext cx="1584176" cy="1917949"/>
+          </a:xfrm>
+          <a:prstGeom prst="straightConnector1">
+            <a:avLst/>
+          </a:prstGeom>
+          <a:ln>
+            <a:solidFill>
+              <a:schemeClr val="tx1"/>
+            </a:solidFill>
+            <a:tailEnd type="arrow"/>
+          </a:ln>
+        </p:spPr>
+        <p:style>
+          <a:lnRef idx="1">
+            <a:schemeClr val="accent1"/>
+          </a:lnRef>
+          <a:fillRef idx="0">
+            <a:schemeClr val="accent1"/>
+          </a:fillRef>
+          <a:effectRef idx="0">
+            <a:schemeClr val="accent1"/>
+          </a:effectRef>
+          <a:fontRef idx="minor">
+            <a:schemeClr val="tx1"/>
+          </a:fontRef>
+        </p:style>
+      </p:cxnSp>
     </p:spTree>
     <p:extLst>
       <p:ext uri="{BB962C8B-B14F-4D97-AF65-F5344CB8AC3E}">
         <p14:creationId xmlns:p14="http://schemas.microsoft.com/office/powerpoint/2010/main" val="1509333964"/>
+      </p:ext>
+    </p:extLst>
+  </p:cSld>
+  <p:clrMapOvr>
+    <a:masterClrMapping/>
+  </p:clrMapOvr>
+</p:sld>
+</file>
+
+<file path=ppt/slides/slide13.xml><?xml version="1.0" encoding="utf-8"?>
+<p:sld xmlns:a="http://schemas.openxmlformats.org/drawingml/2006/main" xmlns:r="http://schemas.openxmlformats.org/officeDocument/2006/relationships" xmlns:p="http://schemas.openxmlformats.org/presentationml/2006/main">
+  <p:cSld>
+    <p:spTree>
+      <p:nvGrpSpPr>
+        <p:cNvPr id="1" name=""/>
+        <p:cNvGrpSpPr/>
+        <p:nvPr/>
+      </p:nvGrpSpPr>
+      <p:grpSpPr>
+        <a:xfrm>
+          <a:off x="0" y="0"/>
+          <a:ext cx="0" cy="0"/>
+          <a:chOff x="0" y="0"/>
+          <a:chExt cx="0" cy="0"/>
+        </a:xfrm>
+      </p:grpSpPr>
+      <p:sp>
+        <p:nvSpPr>
+          <p:cNvPr id="2" name="矩形 1"/>
+          <p:cNvSpPr/>
+          <p:nvPr/>
+        </p:nvSpPr>
+        <p:spPr>
+          <a:xfrm>
+            <a:off x="395536" y="476672"/>
+            <a:ext cx="3024336" cy="504056"/>
+          </a:xfrm>
+          <a:prstGeom prst="rect">
+            <a:avLst/>
+          </a:prstGeom>
+        </p:spPr>
+        <p:style>
+          <a:lnRef idx="2">
+            <a:schemeClr val="accent1">
+              <a:shade val="50000"/>
+            </a:schemeClr>
+          </a:lnRef>
+          <a:fillRef idx="1">
+            <a:schemeClr val="accent1"/>
+          </a:fillRef>
+          <a:effectRef idx="0">
+            <a:schemeClr val="accent1"/>
+          </a:effectRef>
+          <a:fontRef idx="minor">
+            <a:schemeClr val="lt1"/>
+          </a:fontRef>
+        </p:style>
+        <p:txBody>
+          <a:bodyPr rtlCol="0" anchor="ctr"/>
+          <a:lstStyle/>
+          <a:p>
+            <a:pPr algn="ctr"/>
+            <a:r>
+              <a:rPr lang="en-US" altLang="zh-CN" dirty="0" err="1"/>
+              <a:t>HopScotchHashTable</a:t>
+            </a:r>
+            <a:r>
+              <a:rPr lang="en-US" altLang="zh-CN" dirty="0"/>
+              <a:t> </a:t>
+            </a:r>
+            <a:endParaRPr lang="zh-CN" altLang="en-US" dirty="0"/>
+          </a:p>
+        </p:txBody>
+      </p:sp>
+      <p:sp>
+        <p:nvSpPr>
+          <p:cNvPr id="3" name="矩形 2"/>
+          <p:cNvSpPr/>
+          <p:nvPr/>
+        </p:nvSpPr>
+        <p:spPr>
+          <a:xfrm>
+            <a:off x="1259632" y="1772816"/>
+            <a:ext cx="2592288" cy="432048"/>
+          </a:xfrm>
+          <a:prstGeom prst="rect">
+            <a:avLst/>
+          </a:prstGeom>
+        </p:spPr>
+        <p:style>
+          <a:lnRef idx="2">
+            <a:schemeClr val="accent1">
+              <a:shade val="50000"/>
+            </a:schemeClr>
+          </a:lnRef>
+          <a:fillRef idx="1">
+            <a:schemeClr val="accent1"/>
+          </a:fillRef>
+          <a:effectRef idx="0">
+            <a:schemeClr val="accent1"/>
+          </a:effectRef>
+          <a:fontRef idx="minor">
+            <a:schemeClr val="lt1"/>
+          </a:fontRef>
+        </p:style>
+        <p:txBody>
+          <a:bodyPr rtlCol="0" anchor="ctr"/>
+          <a:lstStyle/>
+          <a:p>
+            <a:pPr algn="ctr"/>
+            <a:r>
+              <a:rPr lang="en-US" altLang="zh-CN" dirty="0" smtClean="0"/>
+              <a:t>Table</a:t>
+            </a:r>
+            <a:endParaRPr lang="zh-CN" altLang="en-US" dirty="0"/>
+          </a:p>
+        </p:txBody>
+      </p:sp>
+      <p:sp>
+        <p:nvSpPr>
+          <p:cNvPr id="4" name="矩形 3"/>
+          <p:cNvSpPr/>
+          <p:nvPr/>
+        </p:nvSpPr>
+        <p:spPr>
+          <a:xfrm>
+            <a:off x="1259632" y="2204864"/>
+            <a:ext cx="864096" cy="432048"/>
+          </a:xfrm>
+          <a:prstGeom prst="rect">
+            <a:avLst/>
+          </a:prstGeom>
+        </p:spPr>
+        <p:style>
+          <a:lnRef idx="2">
+            <a:schemeClr val="accent1">
+              <a:shade val="50000"/>
+            </a:schemeClr>
+          </a:lnRef>
+          <a:fillRef idx="1">
+            <a:schemeClr val="accent1"/>
+          </a:fillRef>
+          <a:effectRef idx="0">
+            <a:schemeClr val="accent1"/>
+          </a:effectRef>
+          <a:fontRef idx="minor">
+            <a:schemeClr val="lt1"/>
+          </a:fontRef>
+        </p:style>
+        <p:txBody>
+          <a:bodyPr rtlCol="0" anchor="ctr"/>
+          <a:lstStyle/>
+          <a:p>
+            <a:pPr algn="ctr"/>
+            <a:r>
+              <a:rPr lang="en-US" altLang="zh-CN" dirty="0" smtClean="0"/>
+              <a:t>index</a:t>
+            </a:r>
+            <a:endParaRPr lang="zh-CN" altLang="en-US" dirty="0"/>
+          </a:p>
+        </p:txBody>
+      </p:sp>
+      <p:sp>
+        <p:nvSpPr>
+          <p:cNvPr id="5" name="矩形 4"/>
+          <p:cNvSpPr/>
+          <p:nvPr/>
+        </p:nvSpPr>
+        <p:spPr>
+          <a:xfrm>
+            <a:off x="2123728" y="2204864"/>
+            <a:ext cx="864096" cy="432048"/>
+          </a:xfrm>
+          <a:prstGeom prst="rect">
+            <a:avLst/>
+          </a:prstGeom>
+        </p:spPr>
+        <p:style>
+          <a:lnRef idx="2">
+            <a:schemeClr val="accent1">
+              <a:shade val="50000"/>
+            </a:schemeClr>
+          </a:lnRef>
+          <a:fillRef idx="1">
+            <a:schemeClr val="accent1"/>
+          </a:fillRef>
+          <a:effectRef idx="0">
+            <a:schemeClr val="accent1"/>
+          </a:effectRef>
+          <a:fontRef idx="minor">
+            <a:schemeClr val="lt1"/>
+          </a:fontRef>
+        </p:style>
+        <p:txBody>
+          <a:bodyPr rtlCol="0" anchor="ctr"/>
+          <a:lstStyle/>
+          <a:p>
+            <a:pPr algn="ctr"/>
+            <a:r>
+              <a:rPr lang="en-US" altLang="zh-CN" dirty="0" smtClean="0"/>
+              <a:t>item</a:t>
+            </a:r>
+            <a:endParaRPr lang="zh-CN" altLang="en-US" dirty="0"/>
+          </a:p>
+        </p:txBody>
+      </p:sp>
+      <p:sp>
+        <p:nvSpPr>
+          <p:cNvPr id="6" name="矩形 5"/>
+          <p:cNvSpPr/>
+          <p:nvPr/>
+        </p:nvSpPr>
+        <p:spPr>
+          <a:xfrm>
+            <a:off x="2987824" y="2204864"/>
+            <a:ext cx="864096" cy="432048"/>
+          </a:xfrm>
+          <a:prstGeom prst="rect">
+            <a:avLst/>
+          </a:prstGeom>
+        </p:spPr>
+        <p:style>
+          <a:lnRef idx="2">
+            <a:schemeClr val="accent1">
+              <a:shade val="50000"/>
+            </a:schemeClr>
+          </a:lnRef>
+          <a:fillRef idx="1">
+            <a:schemeClr val="accent1"/>
+          </a:fillRef>
+          <a:effectRef idx="0">
+            <a:schemeClr val="accent1"/>
+          </a:effectRef>
+          <a:fontRef idx="minor">
+            <a:schemeClr val="lt1"/>
+          </a:fontRef>
+        </p:style>
+        <p:txBody>
+          <a:bodyPr rtlCol="0" anchor="ctr"/>
+          <a:lstStyle/>
+          <a:p>
+            <a:pPr algn="ctr"/>
+            <a:r>
+              <a:rPr lang="en-US" altLang="zh-CN" dirty="0" smtClean="0"/>
+              <a:t>Hop</a:t>
+            </a:r>
+            <a:endParaRPr lang="zh-CN" altLang="en-US" dirty="0"/>
+          </a:p>
+        </p:txBody>
+      </p:sp>
+      <p:sp>
+        <p:nvSpPr>
+          <p:cNvPr id="7" name="矩形 6"/>
+          <p:cNvSpPr/>
+          <p:nvPr/>
+        </p:nvSpPr>
+        <p:spPr>
+          <a:xfrm>
+            <a:off x="1259632" y="2636912"/>
+            <a:ext cx="864096" cy="432048"/>
+          </a:xfrm>
+          <a:prstGeom prst="rect">
+            <a:avLst/>
+          </a:prstGeom>
+        </p:spPr>
+        <p:style>
+          <a:lnRef idx="2">
+            <a:schemeClr val="accent1">
+              <a:shade val="50000"/>
+            </a:schemeClr>
+          </a:lnRef>
+          <a:fillRef idx="1">
+            <a:schemeClr val="accent1"/>
+          </a:fillRef>
+          <a:effectRef idx="0">
+            <a:schemeClr val="accent1"/>
+          </a:effectRef>
+          <a:fontRef idx="minor">
+            <a:schemeClr val="lt1"/>
+          </a:fontRef>
+        </p:style>
+        <p:txBody>
+          <a:bodyPr rtlCol="0" anchor="ctr"/>
+          <a:lstStyle/>
+          <a:p>
+            <a:pPr algn="ctr"/>
+            <a:r>
+              <a:rPr lang="en-US" altLang="zh-CN" dirty="0"/>
+              <a:t>0</a:t>
+            </a:r>
+            <a:endParaRPr lang="zh-CN" altLang="en-US" dirty="0"/>
+          </a:p>
+        </p:txBody>
+      </p:sp>
+      <p:sp>
+        <p:nvSpPr>
+          <p:cNvPr id="8" name="矩形 7"/>
+          <p:cNvSpPr/>
+          <p:nvPr/>
+        </p:nvSpPr>
+        <p:spPr>
+          <a:xfrm>
+            <a:off x="2123728" y="2636912"/>
+            <a:ext cx="864096" cy="432048"/>
+          </a:xfrm>
+          <a:prstGeom prst="rect">
+            <a:avLst/>
+          </a:prstGeom>
+        </p:spPr>
+        <p:style>
+          <a:lnRef idx="2">
+            <a:schemeClr val="accent1">
+              <a:shade val="50000"/>
+            </a:schemeClr>
+          </a:lnRef>
+          <a:fillRef idx="1">
+            <a:schemeClr val="accent1"/>
+          </a:fillRef>
+          <a:effectRef idx="0">
+            <a:schemeClr val="accent1"/>
+          </a:effectRef>
+          <a:fontRef idx="minor">
+            <a:schemeClr val="lt1"/>
+          </a:fontRef>
+        </p:style>
+        <p:txBody>
+          <a:bodyPr rtlCol="0" anchor="ctr"/>
+          <a:lstStyle/>
+          <a:p>
+            <a:pPr algn="ctr"/>
+            <a:r>
+              <a:rPr lang="en-US" altLang="zh-CN" dirty="0" smtClean="0"/>
+              <a:t>C</a:t>
+            </a:r>
+            <a:endParaRPr lang="zh-CN" altLang="en-US" dirty="0"/>
+          </a:p>
+        </p:txBody>
+      </p:sp>
+      <p:sp>
+        <p:nvSpPr>
+          <p:cNvPr id="9" name="矩形 8"/>
+          <p:cNvSpPr/>
+          <p:nvPr/>
+        </p:nvSpPr>
+        <p:spPr>
+          <a:xfrm>
+            <a:off x="2987824" y="2636912"/>
+            <a:ext cx="864096" cy="432048"/>
+          </a:xfrm>
+          <a:prstGeom prst="rect">
+            <a:avLst/>
+          </a:prstGeom>
+        </p:spPr>
+        <p:style>
+          <a:lnRef idx="2">
+            <a:schemeClr val="accent1">
+              <a:shade val="50000"/>
+            </a:schemeClr>
+          </a:lnRef>
+          <a:fillRef idx="1">
+            <a:schemeClr val="accent1"/>
+          </a:fillRef>
+          <a:effectRef idx="0">
+            <a:schemeClr val="accent1"/>
+          </a:effectRef>
+          <a:fontRef idx="minor">
+            <a:schemeClr val="lt1"/>
+          </a:fontRef>
+        </p:style>
+        <p:txBody>
+          <a:bodyPr rtlCol="0" anchor="ctr"/>
+          <a:lstStyle/>
+          <a:p>
+            <a:pPr algn="ctr"/>
+            <a:r>
+              <a:rPr lang="en-US" altLang="zh-CN" dirty="0" smtClean="0"/>
+              <a:t>1000</a:t>
+            </a:r>
+            <a:endParaRPr lang="zh-CN" altLang="en-US" dirty="0"/>
+          </a:p>
+        </p:txBody>
+      </p:sp>
+      <p:sp>
+        <p:nvSpPr>
+          <p:cNvPr id="10" name="矩形 9"/>
+          <p:cNvSpPr/>
+          <p:nvPr/>
+        </p:nvSpPr>
+        <p:spPr>
+          <a:xfrm>
+            <a:off x="1259632" y="3068960"/>
+            <a:ext cx="864096" cy="432048"/>
+          </a:xfrm>
+          <a:prstGeom prst="rect">
+            <a:avLst/>
+          </a:prstGeom>
+        </p:spPr>
+        <p:style>
+          <a:lnRef idx="2">
+            <a:schemeClr val="accent1">
+              <a:shade val="50000"/>
+            </a:schemeClr>
+          </a:lnRef>
+          <a:fillRef idx="1">
+            <a:schemeClr val="accent1"/>
+          </a:fillRef>
+          <a:effectRef idx="0">
+            <a:schemeClr val="accent1"/>
+          </a:effectRef>
+          <a:fontRef idx="minor">
+            <a:schemeClr val="lt1"/>
+          </a:fontRef>
+        </p:style>
+        <p:txBody>
+          <a:bodyPr rtlCol="0" anchor="ctr"/>
+          <a:lstStyle/>
+          <a:p>
+            <a:pPr algn="ctr"/>
+            <a:r>
+              <a:rPr lang="en-US" altLang="zh-CN" dirty="0" smtClean="0"/>
+              <a:t>1</a:t>
+            </a:r>
+            <a:endParaRPr lang="zh-CN" altLang="en-US" dirty="0"/>
+          </a:p>
+        </p:txBody>
+      </p:sp>
+      <p:sp>
+        <p:nvSpPr>
+          <p:cNvPr id="11" name="矩形 10"/>
+          <p:cNvSpPr/>
+          <p:nvPr/>
+        </p:nvSpPr>
+        <p:spPr>
+          <a:xfrm>
+            <a:off x="2123728" y="3068960"/>
+            <a:ext cx="864096" cy="432048"/>
+          </a:xfrm>
+          <a:prstGeom prst="rect">
+            <a:avLst/>
+          </a:prstGeom>
+        </p:spPr>
+        <p:style>
+          <a:lnRef idx="2">
+            <a:schemeClr val="accent1">
+              <a:shade val="50000"/>
+            </a:schemeClr>
+          </a:lnRef>
+          <a:fillRef idx="1">
+            <a:schemeClr val="accent1"/>
+          </a:fillRef>
+          <a:effectRef idx="0">
+            <a:schemeClr val="accent1"/>
+          </a:effectRef>
+          <a:fontRef idx="minor">
+            <a:schemeClr val="lt1"/>
+          </a:fontRef>
+        </p:style>
+        <p:txBody>
+          <a:bodyPr rtlCol="0" anchor="ctr"/>
+          <a:lstStyle/>
+          <a:p>
+            <a:pPr algn="ctr"/>
+            <a:r>
+              <a:rPr lang="en-US" altLang="zh-CN" dirty="0" smtClean="0"/>
+              <a:t>A</a:t>
+            </a:r>
+            <a:endParaRPr lang="zh-CN" altLang="en-US" dirty="0"/>
+          </a:p>
+        </p:txBody>
+      </p:sp>
+      <p:sp>
+        <p:nvSpPr>
+          <p:cNvPr id="12" name="矩形 11"/>
+          <p:cNvSpPr/>
+          <p:nvPr/>
+        </p:nvSpPr>
+        <p:spPr>
+          <a:xfrm>
+            <a:off x="2987824" y="3068960"/>
+            <a:ext cx="864096" cy="432048"/>
+          </a:xfrm>
+          <a:prstGeom prst="rect">
+            <a:avLst/>
+          </a:prstGeom>
+        </p:spPr>
+        <p:style>
+          <a:lnRef idx="2">
+            <a:schemeClr val="accent1">
+              <a:shade val="50000"/>
+            </a:schemeClr>
+          </a:lnRef>
+          <a:fillRef idx="1">
+            <a:schemeClr val="accent1"/>
+          </a:fillRef>
+          <a:effectRef idx="0">
+            <a:schemeClr val="accent1"/>
+          </a:effectRef>
+          <a:fontRef idx="minor">
+            <a:schemeClr val="lt1"/>
+          </a:fontRef>
+        </p:style>
+        <p:txBody>
+          <a:bodyPr rtlCol="0" anchor="ctr"/>
+          <a:lstStyle/>
+          <a:p>
+            <a:pPr algn="ctr"/>
+            <a:r>
+              <a:rPr lang="en-US" altLang="zh-CN" dirty="0" smtClean="0"/>
+              <a:t>1100</a:t>
+            </a:r>
+            <a:endParaRPr lang="zh-CN" altLang="en-US" dirty="0"/>
+          </a:p>
+        </p:txBody>
+      </p:sp>
+      <p:sp>
+        <p:nvSpPr>
+          <p:cNvPr id="13" name="矩形 12"/>
+          <p:cNvSpPr/>
+          <p:nvPr/>
+        </p:nvSpPr>
+        <p:spPr>
+          <a:xfrm>
+            <a:off x="1259632" y="3501008"/>
+            <a:ext cx="864096" cy="432048"/>
+          </a:xfrm>
+          <a:prstGeom prst="rect">
+            <a:avLst/>
+          </a:prstGeom>
+        </p:spPr>
+        <p:style>
+          <a:lnRef idx="2">
+            <a:schemeClr val="accent1">
+              <a:shade val="50000"/>
+            </a:schemeClr>
+          </a:lnRef>
+          <a:fillRef idx="1">
+            <a:schemeClr val="accent1"/>
+          </a:fillRef>
+          <a:effectRef idx="0">
+            <a:schemeClr val="accent1"/>
+          </a:effectRef>
+          <a:fontRef idx="minor">
+            <a:schemeClr val="lt1"/>
+          </a:fontRef>
+        </p:style>
+        <p:txBody>
+          <a:bodyPr rtlCol="0" anchor="ctr"/>
+          <a:lstStyle/>
+          <a:p>
+            <a:pPr algn="ctr"/>
+            <a:r>
+              <a:rPr lang="en-US" altLang="zh-CN" dirty="0" smtClean="0"/>
+              <a:t>2</a:t>
+            </a:r>
+            <a:endParaRPr lang="zh-CN" altLang="en-US" dirty="0"/>
+          </a:p>
+        </p:txBody>
+      </p:sp>
+      <p:sp>
+        <p:nvSpPr>
+          <p:cNvPr id="14" name="矩形 13"/>
+          <p:cNvSpPr/>
+          <p:nvPr/>
+        </p:nvSpPr>
+        <p:spPr>
+          <a:xfrm>
+            <a:off x="2123728" y="3501008"/>
+            <a:ext cx="864096" cy="432048"/>
+          </a:xfrm>
+          <a:prstGeom prst="rect">
+            <a:avLst/>
+          </a:prstGeom>
+        </p:spPr>
+        <p:style>
+          <a:lnRef idx="2">
+            <a:schemeClr val="accent1">
+              <a:shade val="50000"/>
+            </a:schemeClr>
+          </a:lnRef>
+          <a:fillRef idx="1">
+            <a:schemeClr val="accent1"/>
+          </a:fillRef>
+          <a:effectRef idx="0">
+            <a:schemeClr val="accent1"/>
+          </a:effectRef>
+          <a:fontRef idx="minor">
+            <a:schemeClr val="lt1"/>
+          </a:fontRef>
+        </p:style>
+        <p:txBody>
+          <a:bodyPr rtlCol="0" anchor="ctr"/>
+          <a:lstStyle/>
+          <a:p>
+            <a:pPr algn="ctr"/>
+            <a:r>
+              <a:rPr lang="en-US" altLang="zh-CN" dirty="0" smtClean="0"/>
+              <a:t>D</a:t>
+            </a:r>
+            <a:endParaRPr lang="zh-CN" altLang="en-US" dirty="0"/>
+          </a:p>
+        </p:txBody>
+      </p:sp>
+      <p:sp>
+        <p:nvSpPr>
+          <p:cNvPr id="15" name="矩形 14"/>
+          <p:cNvSpPr/>
+          <p:nvPr/>
+        </p:nvSpPr>
+        <p:spPr>
+          <a:xfrm>
+            <a:off x="2987824" y="3501008"/>
+            <a:ext cx="864096" cy="432048"/>
+          </a:xfrm>
+          <a:prstGeom prst="rect">
+            <a:avLst/>
+          </a:prstGeom>
+        </p:spPr>
+        <p:style>
+          <a:lnRef idx="2">
+            <a:schemeClr val="accent1">
+              <a:shade val="50000"/>
+            </a:schemeClr>
+          </a:lnRef>
+          <a:fillRef idx="1">
+            <a:schemeClr val="accent1"/>
+          </a:fillRef>
+          <a:effectRef idx="0">
+            <a:schemeClr val="accent1"/>
+          </a:effectRef>
+          <a:fontRef idx="minor">
+            <a:schemeClr val="lt1"/>
+          </a:fontRef>
+        </p:style>
+        <p:txBody>
+          <a:bodyPr rtlCol="0" anchor="ctr"/>
+          <a:lstStyle/>
+          <a:p>
+            <a:pPr algn="ctr"/>
+            <a:r>
+              <a:rPr lang="en-US" altLang="zh-CN" dirty="0" smtClean="0"/>
+              <a:t>0</a:t>
+            </a:r>
+            <a:r>
+              <a:rPr lang="en-US" altLang="zh-CN" dirty="0"/>
+              <a:t>1</a:t>
+            </a:r>
+            <a:r>
+              <a:rPr lang="en-US" altLang="zh-CN" dirty="0" smtClean="0"/>
+              <a:t>00</a:t>
+            </a:r>
+            <a:endParaRPr lang="zh-CN" altLang="en-US" dirty="0"/>
+          </a:p>
+        </p:txBody>
+      </p:sp>
+      <p:sp>
+        <p:nvSpPr>
+          <p:cNvPr id="16" name="矩形 15"/>
+          <p:cNvSpPr/>
+          <p:nvPr/>
+        </p:nvSpPr>
+        <p:spPr>
+          <a:xfrm>
+            <a:off x="1259632" y="3933056"/>
+            <a:ext cx="864096" cy="432048"/>
+          </a:xfrm>
+          <a:prstGeom prst="rect">
+            <a:avLst/>
+          </a:prstGeom>
+        </p:spPr>
+        <p:style>
+          <a:lnRef idx="2">
+            <a:schemeClr val="accent1">
+              <a:shade val="50000"/>
+            </a:schemeClr>
+          </a:lnRef>
+          <a:fillRef idx="1">
+            <a:schemeClr val="accent1"/>
+          </a:fillRef>
+          <a:effectRef idx="0">
+            <a:schemeClr val="accent1"/>
+          </a:effectRef>
+          <a:fontRef idx="minor">
+            <a:schemeClr val="lt1"/>
+          </a:fontRef>
+        </p:style>
+        <p:txBody>
+          <a:bodyPr rtlCol="0" anchor="ctr"/>
+          <a:lstStyle/>
+          <a:p>
+            <a:pPr algn="ctr"/>
+            <a:r>
+              <a:rPr lang="en-US" altLang="zh-CN" dirty="0" smtClean="0"/>
+              <a:t>3</a:t>
+            </a:r>
+            <a:endParaRPr lang="zh-CN" altLang="en-US" dirty="0"/>
+          </a:p>
+        </p:txBody>
+      </p:sp>
+      <p:sp>
+        <p:nvSpPr>
+          <p:cNvPr id="17" name="矩形 16"/>
+          <p:cNvSpPr/>
+          <p:nvPr/>
+        </p:nvSpPr>
+        <p:spPr>
+          <a:xfrm>
+            <a:off x="2123728" y="3933056"/>
+            <a:ext cx="864096" cy="432048"/>
+          </a:xfrm>
+          <a:prstGeom prst="rect">
+            <a:avLst/>
+          </a:prstGeom>
+        </p:spPr>
+        <p:style>
+          <a:lnRef idx="2">
+            <a:schemeClr val="accent1">
+              <a:shade val="50000"/>
+            </a:schemeClr>
+          </a:lnRef>
+          <a:fillRef idx="1">
+            <a:schemeClr val="accent1"/>
+          </a:fillRef>
+          <a:effectRef idx="0">
+            <a:schemeClr val="accent1"/>
+          </a:effectRef>
+          <a:fontRef idx="minor">
+            <a:schemeClr val="lt1"/>
+          </a:fontRef>
+        </p:style>
+        <p:txBody>
+          <a:bodyPr rtlCol="0" anchor="ctr"/>
+          <a:lstStyle/>
+          <a:p>
+            <a:pPr algn="ctr"/>
+            <a:r>
+              <a:rPr lang="en-US" altLang="zh-CN" dirty="0" smtClean="0"/>
+              <a:t>B</a:t>
+            </a:r>
+            <a:endParaRPr lang="zh-CN" altLang="en-US" dirty="0"/>
+          </a:p>
+        </p:txBody>
+      </p:sp>
+      <p:sp>
+        <p:nvSpPr>
+          <p:cNvPr id="18" name="矩形 17"/>
+          <p:cNvSpPr/>
+          <p:nvPr/>
+        </p:nvSpPr>
+        <p:spPr>
+          <a:xfrm>
+            <a:off x="2987824" y="3933056"/>
+            <a:ext cx="864096" cy="432048"/>
+          </a:xfrm>
+          <a:prstGeom prst="rect">
+            <a:avLst/>
+          </a:prstGeom>
+        </p:spPr>
+        <p:style>
+          <a:lnRef idx="2">
+            <a:schemeClr val="accent1">
+              <a:shade val="50000"/>
+            </a:schemeClr>
+          </a:lnRef>
+          <a:fillRef idx="1">
+            <a:schemeClr val="accent1"/>
+          </a:fillRef>
+          <a:effectRef idx="0">
+            <a:schemeClr val="accent1"/>
+          </a:effectRef>
+          <a:fontRef idx="minor">
+            <a:schemeClr val="lt1"/>
+          </a:fontRef>
+        </p:style>
+        <p:txBody>
+          <a:bodyPr rtlCol="0" anchor="ctr"/>
+          <a:lstStyle/>
+          <a:p>
+            <a:pPr algn="ctr"/>
+            <a:r>
+              <a:rPr lang="en-US" altLang="zh-CN" dirty="0" smtClean="0"/>
+              <a:t>0000</a:t>
+            </a:r>
+            <a:endParaRPr lang="zh-CN" altLang="en-US" dirty="0"/>
+          </a:p>
+        </p:txBody>
+      </p:sp>
+      <p:sp>
+        <p:nvSpPr>
+          <p:cNvPr id="19" name="矩形 18"/>
+          <p:cNvSpPr/>
+          <p:nvPr/>
+        </p:nvSpPr>
+        <p:spPr>
+          <a:xfrm>
+            <a:off x="1259632" y="4365104"/>
+            <a:ext cx="864096" cy="432048"/>
+          </a:xfrm>
+          <a:prstGeom prst="rect">
+            <a:avLst/>
+          </a:prstGeom>
+        </p:spPr>
+        <p:style>
+          <a:lnRef idx="2">
+            <a:schemeClr val="accent1">
+              <a:shade val="50000"/>
+            </a:schemeClr>
+          </a:lnRef>
+          <a:fillRef idx="1">
+            <a:schemeClr val="accent1"/>
+          </a:fillRef>
+          <a:effectRef idx="0">
+            <a:schemeClr val="accent1"/>
+          </a:effectRef>
+          <a:fontRef idx="minor">
+            <a:schemeClr val="lt1"/>
+          </a:fontRef>
+        </p:style>
+        <p:txBody>
+          <a:bodyPr rtlCol="0" anchor="ctr"/>
+          <a:lstStyle/>
+          <a:p>
+            <a:pPr algn="ctr"/>
+            <a:r>
+              <a:rPr lang="en-US" altLang="zh-CN" dirty="0"/>
+              <a:t>4</a:t>
+            </a:r>
+            <a:endParaRPr lang="zh-CN" altLang="en-US" dirty="0"/>
+          </a:p>
+        </p:txBody>
+      </p:sp>
+      <p:sp>
+        <p:nvSpPr>
+          <p:cNvPr id="20" name="矩形 19"/>
+          <p:cNvSpPr/>
+          <p:nvPr/>
+        </p:nvSpPr>
+        <p:spPr>
+          <a:xfrm>
+            <a:off x="2123728" y="4365104"/>
+            <a:ext cx="864096" cy="432048"/>
+          </a:xfrm>
+          <a:prstGeom prst="rect">
+            <a:avLst/>
+          </a:prstGeom>
+        </p:spPr>
+        <p:style>
+          <a:lnRef idx="2">
+            <a:schemeClr val="accent1">
+              <a:shade val="50000"/>
+            </a:schemeClr>
+          </a:lnRef>
+          <a:fillRef idx="1">
+            <a:schemeClr val="accent1"/>
+          </a:fillRef>
+          <a:effectRef idx="0">
+            <a:schemeClr val="accent1"/>
+          </a:effectRef>
+          <a:fontRef idx="minor">
+            <a:schemeClr val="lt1"/>
+          </a:fontRef>
+        </p:style>
+        <p:txBody>
+          <a:bodyPr rtlCol="0" anchor="ctr"/>
+          <a:lstStyle/>
+          <a:p>
+            <a:pPr algn="ctr"/>
+            <a:endParaRPr lang="zh-CN" altLang="en-US" dirty="0"/>
+          </a:p>
+        </p:txBody>
+      </p:sp>
+      <p:sp>
+        <p:nvSpPr>
+          <p:cNvPr id="21" name="矩形 20"/>
+          <p:cNvSpPr/>
+          <p:nvPr/>
+        </p:nvSpPr>
+        <p:spPr>
+          <a:xfrm>
+            <a:off x="2987824" y="4365104"/>
+            <a:ext cx="864096" cy="432048"/>
+          </a:xfrm>
+          <a:prstGeom prst="rect">
+            <a:avLst/>
+          </a:prstGeom>
+        </p:spPr>
+        <p:style>
+          <a:lnRef idx="2">
+            <a:schemeClr val="accent1">
+              <a:shade val="50000"/>
+            </a:schemeClr>
+          </a:lnRef>
+          <a:fillRef idx="1">
+            <a:schemeClr val="accent1"/>
+          </a:fillRef>
+          <a:effectRef idx="0">
+            <a:schemeClr val="accent1"/>
+          </a:effectRef>
+          <a:fontRef idx="minor">
+            <a:schemeClr val="lt1"/>
+          </a:fontRef>
+        </p:style>
+        <p:txBody>
+          <a:bodyPr rtlCol="0" anchor="ctr"/>
+          <a:lstStyle/>
+          <a:p>
+            <a:pPr algn="ctr"/>
+            <a:endParaRPr lang="zh-CN" altLang="en-US" dirty="0"/>
+          </a:p>
+        </p:txBody>
+      </p:sp>
+      <p:sp>
+        <p:nvSpPr>
+          <p:cNvPr id="22" name="圆角矩形 21"/>
+          <p:cNvSpPr/>
+          <p:nvPr/>
+        </p:nvSpPr>
+        <p:spPr>
+          <a:xfrm>
+            <a:off x="4355976" y="430931"/>
+            <a:ext cx="2160240" cy="504056"/>
+          </a:xfrm>
+          <a:prstGeom prst="roundRect">
+            <a:avLst/>
+          </a:prstGeom>
+        </p:spPr>
+        <p:style>
+          <a:lnRef idx="2">
+            <a:schemeClr val="accent1">
+              <a:shade val="50000"/>
+            </a:schemeClr>
+          </a:lnRef>
+          <a:fillRef idx="1">
+            <a:schemeClr val="accent1"/>
+          </a:fillRef>
+          <a:effectRef idx="0">
+            <a:schemeClr val="accent1"/>
+          </a:effectRef>
+          <a:fontRef idx="minor">
+            <a:schemeClr val="lt1"/>
+          </a:fontRef>
+        </p:style>
+        <p:txBody>
+          <a:bodyPr rtlCol="0" anchor="ctr"/>
+          <a:lstStyle/>
+          <a:p>
+            <a:pPr algn="ctr"/>
+            <a:r>
+              <a:rPr lang="en-US" altLang="zh-CN" dirty="0" smtClean="0"/>
+              <a:t>Insert E</a:t>
+            </a:r>
+          </a:p>
+          <a:p>
+            <a:pPr algn="ctr"/>
+            <a:r>
+              <a:rPr lang="zh-CN" altLang="en-US" dirty="0" smtClean="0"/>
+              <a:t>假设与 </a:t>
+            </a:r>
+            <a:r>
+              <a:rPr lang="en-US" altLang="zh-CN" dirty="0" smtClean="0"/>
+              <a:t>C </a:t>
+            </a:r>
+            <a:r>
+              <a:rPr lang="zh-CN" altLang="en-US" dirty="0"/>
+              <a:t>冲突</a:t>
+            </a:r>
+          </a:p>
+        </p:txBody>
+      </p:sp>
+      <p:cxnSp>
+        <p:nvCxnSpPr>
+          <p:cNvPr id="26" name="直接箭头连接符 25"/>
+          <p:cNvCxnSpPr>
+            <a:stCxn id="15" idx="3"/>
+            <a:endCxn id="27" idx="1"/>
+          </p:cNvCxnSpPr>
+          <p:nvPr/>
+        </p:nvCxnSpPr>
+        <p:spPr>
+          <a:xfrm flipV="1">
+            <a:off x="3851920" y="3708513"/>
+            <a:ext cx="1039552" cy="8519"/>
+          </a:xfrm>
+          <a:prstGeom prst="straightConnector1">
+            <a:avLst/>
+          </a:prstGeom>
+          <a:ln>
+            <a:solidFill>
+              <a:schemeClr val="tx1"/>
+            </a:solidFill>
+            <a:tailEnd type="arrow"/>
+          </a:ln>
+        </p:spPr>
+        <p:style>
+          <a:lnRef idx="1">
+            <a:schemeClr val="accent1"/>
+          </a:lnRef>
+          <a:fillRef idx="0">
+            <a:schemeClr val="accent1"/>
+          </a:fillRef>
+          <a:effectRef idx="0">
+            <a:schemeClr val="accent1"/>
+          </a:effectRef>
+          <a:fontRef idx="minor">
+            <a:schemeClr val="tx1"/>
+          </a:fontRef>
+        </p:style>
+      </p:cxnSp>
+      <p:sp>
+        <p:nvSpPr>
+          <p:cNvPr id="27" name="圆角矩形 26"/>
+          <p:cNvSpPr/>
+          <p:nvPr/>
+        </p:nvSpPr>
+        <p:spPr>
+          <a:xfrm>
+            <a:off x="4891472" y="3420481"/>
+            <a:ext cx="2160240" cy="576064"/>
+          </a:xfrm>
+          <a:prstGeom prst="roundRect">
+            <a:avLst/>
+          </a:prstGeom>
+        </p:spPr>
+        <p:style>
+          <a:lnRef idx="2">
+            <a:schemeClr val="accent1">
+              <a:shade val="50000"/>
+            </a:schemeClr>
+          </a:lnRef>
+          <a:fillRef idx="1">
+            <a:schemeClr val="accent1"/>
+          </a:fillRef>
+          <a:effectRef idx="0">
+            <a:schemeClr val="accent1"/>
+          </a:effectRef>
+          <a:fontRef idx="minor">
+            <a:schemeClr val="lt1"/>
+          </a:fontRef>
+        </p:style>
+        <p:txBody>
+          <a:bodyPr rtlCol="0" anchor="ctr"/>
+          <a:lstStyle/>
+          <a:p>
+            <a:pPr algn="ctr"/>
+            <a:r>
+              <a:rPr lang="en-US" altLang="zh-CN" dirty="0" smtClean="0"/>
+              <a:t>D </a:t>
+            </a:r>
+            <a:r>
+              <a:rPr lang="zh-CN" altLang="en-US" dirty="0" smtClean="0"/>
+              <a:t>中 </a:t>
+            </a:r>
+            <a:r>
+              <a:rPr lang="en-US" altLang="zh-CN" dirty="0" smtClean="0"/>
+              <a:t>Hop </a:t>
+            </a:r>
+            <a:r>
+              <a:rPr lang="zh-CN" altLang="en-US" dirty="0" smtClean="0"/>
+              <a:t>仅有 </a:t>
+            </a:r>
+            <a:r>
+              <a:rPr lang="en-US" altLang="zh-CN" dirty="0" smtClean="0"/>
+              <a:t>1 </a:t>
+            </a:r>
+            <a:r>
+              <a:rPr lang="zh-CN" altLang="en-US" dirty="0" smtClean="0"/>
+              <a:t>位</a:t>
+            </a:r>
+            <a:endParaRPr lang="zh-CN" altLang="en-US" dirty="0"/>
+          </a:p>
+        </p:txBody>
+      </p:sp>
+      <p:cxnSp>
+        <p:nvCxnSpPr>
+          <p:cNvPr id="30" name="直接箭头连接符 29"/>
+          <p:cNvCxnSpPr>
+            <a:stCxn id="12" idx="3"/>
+            <a:endCxn id="31" idx="1"/>
+          </p:cNvCxnSpPr>
+          <p:nvPr/>
+        </p:nvCxnSpPr>
+        <p:spPr>
+          <a:xfrm flipV="1">
+            <a:off x="3851920" y="2820076"/>
+            <a:ext cx="987828" cy="464908"/>
+          </a:xfrm>
+          <a:prstGeom prst="straightConnector1">
+            <a:avLst/>
+          </a:prstGeom>
+          <a:ln>
+            <a:solidFill>
+              <a:schemeClr val="tx1"/>
+            </a:solidFill>
+            <a:tailEnd type="arrow"/>
+          </a:ln>
+        </p:spPr>
+        <p:style>
+          <a:lnRef idx="1">
+            <a:schemeClr val="accent1"/>
+          </a:lnRef>
+          <a:fillRef idx="0">
+            <a:schemeClr val="accent1"/>
+          </a:fillRef>
+          <a:effectRef idx="0">
+            <a:schemeClr val="accent1"/>
+          </a:effectRef>
+          <a:fontRef idx="minor">
+            <a:schemeClr val="tx1"/>
+          </a:fontRef>
+        </p:style>
+      </p:cxnSp>
+      <p:sp>
+        <p:nvSpPr>
+          <p:cNvPr id="31" name="圆角矩形 30"/>
+          <p:cNvSpPr/>
+          <p:nvPr/>
+        </p:nvSpPr>
+        <p:spPr>
+          <a:xfrm>
+            <a:off x="4839748" y="2460036"/>
+            <a:ext cx="2263688" cy="720080"/>
+          </a:xfrm>
+          <a:prstGeom prst="roundRect">
+            <a:avLst/>
+          </a:prstGeom>
+        </p:spPr>
+        <p:style>
+          <a:lnRef idx="2">
+            <a:schemeClr val="accent1">
+              <a:shade val="50000"/>
+            </a:schemeClr>
+          </a:lnRef>
+          <a:fillRef idx="1">
+            <a:schemeClr val="accent1"/>
+          </a:fillRef>
+          <a:effectRef idx="0">
+            <a:schemeClr val="accent1"/>
+          </a:effectRef>
+          <a:fontRef idx="minor">
+            <a:schemeClr val="lt1"/>
+          </a:fontRef>
+        </p:style>
+        <p:txBody>
+          <a:bodyPr rtlCol="0" anchor="ctr"/>
+          <a:lstStyle/>
+          <a:p>
+            <a:pPr algn="ctr"/>
+            <a:r>
+              <a:rPr lang="en-US" altLang="zh-CN" dirty="0" smtClean="0"/>
+              <a:t>A </a:t>
+            </a:r>
+            <a:r>
+              <a:rPr lang="zh-CN" altLang="en-US" dirty="0" smtClean="0"/>
+              <a:t>中本位</a:t>
+            </a:r>
+            <a:r>
+              <a:rPr lang="en-US" altLang="zh-CN" dirty="0" smtClean="0"/>
+              <a:t>+</a:t>
+            </a:r>
+            <a:r>
+              <a:rPr lang="zh-CN" altLang="en-US" dirty="0" smtClean="0"/>
+              <a:t>冲突位</a:t>
+            </a:r>
+            <a:endParaRPr lang="en-US" altLang="zh-CN" dirty="0" smtClean="0"/>
+          </a:p>
+          <a:p>
+            <a:pPr algn="ctr"/>
+            <a:r>
+              <a:rPr lang="zh-CN" altLang="en-US" dirty="0" smtClean="0"/>
+              <a:t>均占有</a:t>
+            </a:r>
+            <a:endParaRPr lang="zh-CN" altLang="en-US" dirty="0"/>
+          </a:p>
+        </p:txBody>
+      </p:sp>
+    </p:spTree>
+    <p:extLst>
+      <p:ext uri="{BB962C8B-B14F-4D97-AF65-F5344CB8AC3E}">
+        <p14:creationId xmlns:p14="http://schemas.microsoft.com/office/powerpoint/2010/main" val="4288907070"/>
+      </p:ext>
+    </p:extLst>
+  </p:cSld>
+  <p:clrMapOvr>
+    <a:masterClrMapping/>
+  </p:clrMapOvr>
+</p:sld>
+</file>
+
+<file path=ppt/slides/slide14.xml><?xml version="1.0" encoding="utf-8"?>
+<p:sld xmlns:a="http://schemas.openxmlformats.org/drawingml/2006/main" xmlns:r="http://schemas.openxmlformats.org/officeDocument/2006/relationships" xmlns:p="http://schemas.openxmlformats.org/presentationml/2006/main">
+  <p:cSld>
+    <p:spTree>
+      <p:nvGrpSpPr>
+        <p:cNvPr id="1" name=""/>
+        <p:cNvGrpSpPr/>
+        <p:nvPr/>
+      </p:nvGrpSpPr>
+      <p:grpSpPr>
+        <a:xfrm>
+          <a:off x="0" y="0"/>
+          <a:ext cx="0" cy="0"/>
+          <a:chOff x="0" y="0"/>
+          <a:chExt cx="0" cy="0"/>
+        </a:xfrm>
+      </p:grpSpPr>
+      <p:sp>
+        <p:nvSpPr>
+          <p:cNvPr id="2" name="矩形 1"/>
+          <p:cNvSpPr/>
+          <p:nvPr/>
+        </p:nvSpPr>
+        <p:spPr>
+          <a:xfrm>
+            <a:off x="395536" y="476672"/>
+            <a:ext cx="3024336" cy="504056"/>
+          </a:xfrm>
+          <a:prstGeom prst="rect">
+            <a:avLst/>
+          </a:prstGeom>
+        </p:spPr>
+        <p:style>
+          <a:lnRef idx="2">
+            <a:schemeClr val="accent1">
+              <a:shade val="50000"/>
+            </a:schemeClr>
+          </a:lnRef>
+          <a:fillRef idx="1">
+            <a:schemeClr val="accent1"/>
+          </a:fillRef>
+          <a:effectRef idx="0">
+            <a:schemeClr val="accent1"/>
+          </a:effectRef>
+          <a:fontRef idx="minor">
+            <a:schemeClr val="lt1"/>
+          </a:fontRef>
+        </p:style>
+        <p:txBody>
+          <a:bodyPr rtlCol="0" anchor="ctr"/>
+          <a:lstStyle/>
+          <a:p>
+            <a:pPr algn="ctr"/>
+            <a:r>
+              <a:rPr lang="en-US" altLang="zh-CN" dirty="0" err="1"/>
+              <a:t>HopScotchHashTable</a:t>
+            </a:r>
+            <a:r>
+              <a:rPr lang="en-US" altLang="zh-CN" dirty="0"/>
+              <a:t> </a:t>
+            </a:r>
+            <a:endParaRPr lang="zh-CN" altLang="en-US" dirty="0"/>
+          </a:p>
+        </p:txBody>
+      </p:sp>
+      <p:sp>
+        <p:nvSpPr>
+          <p:cNvPr id="3" name="矩形 2"/>
+          <p:cNvSpPr/>
+          <p:nvPr/>
+        </p:nvSpPr>
+        <p:spPr>
+          <a:xfrm>
+            <a:off x="1259632" y="1772816"/>
+            <a:ext cx="2592288" cy="432048"/>
+          </a:xfrm>
+          <a:prstGeom prst="rect">
+            <a:avLst/>
+          </a:prstGeom>
+        </p:spPr>
+        <p:style>
+          <a:lnRef idx="2">
+            <a:schemeClr val="accent1">
+              <a:shade val="50000"/>
+            </a:schemeClr>
+          </a:lnRef>
+          <a:fillRef idx="1">
+            <a:schemeClr val="accent1"/>
+          </a:fillRef>
+          <a:effectRef idx="0">
+            <a:schemeClr val="accent1"/>
+          </a:effectRef>
+          <a:fontRef idx="minor">
+            <a:schemeClr val="lt1"/>
+          </a:fontRef>
+        </p:style>
+        <p:txBody>
+          <a:bodyPr rtlCol="0" anchor="ctr"/>
+          <a:lstStyle/>
+          <a:p>
+            <a:pPr algn="ctr"/>
+            <a:r>
+              <a:rPr lang="en-US" altLang="zh-CN" dirty="0" smtClean="0"/>
+              <a:t>Table</a:t>
+            </a:r>
+            <a:endParaRPr lang="zh-CN" altLang="en-US" dirty="0"/>
+          </a:p>
+        </p:txBody>
+      </p:sp>
+      <p:sp>
+        <p:nvSpPr>
+          <p:cNvPr id="4" name="矩形 3"/>
+          <p:cNvSpPr/>
+          <p:nvPr/>
+        </p:nvSpPr>
+        <p:spPr>
+          <a:xfrm>
+            <a:off x="1259632" y="2204864"/>
+            <a:ext cx="864096" cy="432048"/>
+          </a:xfrm>
+          <a:prstGeom prst="rect">
+            <a:avLst/>
+          </a:prstGeom>
+        </p:spPr>
+        <p:style>
+          <a:lnRef idx="2">
+            <a:schemeClr val="accent1">
+              <a:shade val="50000"/>
+            </a:schemeClr>
+          </a:lnRef>
+          <a:fillRef idx="1">
+            <a:schemeClr val="accent1"/>
+          </a:fillRef>
+          <a:effectRef idx="0">
+            <a:schemeClr val="accent1"/>
+          </a:effectRef>
+          <a:fontRef idx="minor">
+            <a:schemeClr val="lt1"/>
+          </a:fontRef>
+        </p:style>
+        <p:txBody>
+          <a:bodyPr rtlCol="0" anchor="ctr"/>
+          <a:lstStyle/>
+          <a:p>
+            <a:pPr algn="ctr"/>
+            <a:r>
+              <a:rPr lang="en-US" altLang="zh-CN" dirty="0" smtClean="0"/>
+              <a:t>index</a:t>
+            </a:r>
+            <a:endParaRPr lang="zh-CN" altLang="en-US" dirty="0"/>
+          </a:p>
+        </p:txBody>
+      </p:sp>
+      <p:sp>
+        <p:nvSpPr>
+          <p:cNvPr id="5" name="矩形 4"/>
+          <p:cNvSpPr/>
+          <p:nvPr/>
+        </p:nvSpPr>
+        <p:spPr>
+          <a:xfrm>
+            <a:off x="2123728" y="2204864"/>
+            <a:ext cx="864096" cy="432048"/>
+          </a:xfrm>
+          <a:prstGeom prst="rect">
+            <a:avLst/>
+          </a:prstGeom>
+        </p:spPr>
+        <p:style>
+          <a:lnRef idx="2">
+            <a:schemeClr val="accent1">
+              <a:shade val="50000"/>
+            </a:schemeClr>
+          </a:lnRef>
+          <a:fillRef idx="1">
+            <a:schemeClr val="accent1"/>
+          </a:fillRef>
+          <a:effectRef idx="0">
+            <a:schemeClr val="accent1"/>
+          </a:effectRef>
+          <a:fontRef idx="minor">
+            <a:schemeClr val="lt1"/>
+          </a:fontRef>
+        </p:style>
+        <p:txBody>
+          <a:bodyPr rtlCol="0" anchor="ctr"/>
+          <a:lstStyle/>
+          <a:p>
+            <a:pPr algn="ctr"/>
+            <a:r>
+              <a:rPr lang="en-US" altLang="zh-CN" dirty="0" smtClean="0"/>
+              <a:t>item</a:t>
+            </a:r>
+            <a:endParaRPr lang="zh-CN" altLang="en-US" dirty="0"/>
+          </a:p>
+        </p:txBody>
+      </p:sp>
+      <p:sp>
+        <p:nvSpPr>
+          <p:cNvPr id="6" name="矩形 5"/>
+          <p:cNvSpPr/>
+          <p:nvPr/>
+        </p:nvSpPr>
+        <p:spPr>
+          <a:xfrm>
+            <a:off x="2987824" y="2204864"/>
+            <a:ext cx="864096" cy="432048"/>
+          </a:xfrm>
+          <a:prstGeom prst="rect">
+            <a:avLst/>
+          </a:prstGeom>
+        </p:spPr>
+        <p:style>
+          <a:lnRef idx="2">
+            <a:schemeClr val="accent1">
+              <a:shade val="50000"/>
+            </a:schemeClr>
+          </a:lnRef>
+          <a:fillRef idx="1">
+            <a:schemeClr val="accent1"/>
+          </a:fillRef>
+          <a:effectRef idx="0">
+            <a:schemeClr val="accent1"/>
+          </a:effectRef>
+          <a:fontRef idx="minor">
+            <a:schemeClr val="lt1"/>
+          </a:fontRef>
+        </p:style>
+        <p:txBody>
+          <a:bodyPr rtlCol="0" anchor="ctr"/>
+          <a:lstStyle/>
+          <a:p>
+            <a:pPr algn="ctr"/>
+            <a:r>
+              <a:rPr lang="en-US" altLang="zh-CN" dirty="0" smtClean="0"/>
+              <a:t>Hop</a:t>
+            </a:r>
+            <a:endParaRPr lang="zh-CN" altLang="en-US" dirty="0"/>
+          </a:p>
+        </p:txBody>
+      </p:sp>
+      <p:sp>
+        <p:nvSpPr>
+          <p:cNvPr id="7" name="矩形 6"/>
+          <p:cNvSpPr/>
+          <p:nvPr/>
+        </p:nvSpPr>
+        <p:spPr>
+          <a:xfrm>
+            <a:off x="1259632" y="2636912"/>
+            <a:ext cx="864096" cy="432048"/>
+          </a:xfrm>
+          <a:prstGeom prst="rect">
+            <a:avLst/>
+          </a:prstGeom>
+        </p:spPr>
+        <p:style>
+          <a:lnRef idx="2">
+            <a:schemeClr val="accent1">
+              <a:shade val="50000"/>
+            </a:schemeClr>
+          </a:lnRef>
+          <a:fillRef idx="1">
+            <a:schemeClr val="accent1"/>
+          </a:fillRef>
+          <a:effectRef idx="0">
+            <a:schemeClr val="accent1"/>
+          </a:effectRef>
+          <a:fontRef idx="minor">
+            <a:schemeClr val="lt1"/>
+          </a:fontRef>
+        </p:style>
+        <p:txBody>
+          <a:bodyPr rtlCol="0" anchor="ctr"/>
+          <a:lstStyle/>
+          <a:p>
+            <a:pPr algn="ctr"/>
+            <a:r>
+              <a:rPr lang="en-US" altLang="zh-CN" dirty="0"/>
+              <a:t>0</a:t>
+            </a:r>
+            <a:endParaRPr lang="zh-CN" altLang="en-US" dirty="0"/>
+          </a:p>
+        </p:txBody>
+      </p:sp>
+      <p:sp>
+        <p:nvSpPr>
+          <p:cNvPr id="8" name="矩形 7"/>
+          <p:cNvSpPr/>
+          <p:nvPr/>
+        </p:nvSpPr>
+        <p:spPr>
+          <a:xfrm>
+            <a:off x="2123728" y="2636912"/>
+            <a:ext cx="864096" cy="432048"/>
+          </a:xfrm>
+          <a:prstGeom prst="rect">
+            <a:avLst/>
+          </a:prstGeom>
+        </p:spPr>
+        <p:style>
+          <a:lnRef idx="2">
+            <a:schemeClr val="accent1">
+              <a:shade val="50000"/>
+            </a:schemeClr>
+          </a:lnRef>
+          <a:fillRef idx="1">
+            <a:schemeClr val="accent1"/>
+          </a:fillRef>
+          <a:effectRef idx="0">
+            <a:schemeClr val="accent1"/>
+          </a:effectRef>
+          <a:fontRef idx="minor">
+            <a:schemeClr val="lt1"/>
+          </a:fontRef>
+        </p:style>
+        <p:txBody>
+          <a:bodyPr rtlCol="0" anchor="ctr"/>
+          <a:lstStyle/>
+          <a:p>
+            <a:pPr algn="ctr"/>
+            <a:r>
+              <a:rPr lang="en-US" altLang="zh-CN" dirty="0" smtClean="0"/>
+              <a:t>C</a:t>
+            </a:r>
+            <a:endParaRPr lang="zh-CN" altLang="en-US" dirty="0"/>
+          </a:p>
+        </p:txBody>
+      </p:sp>
+      <p:sp>
+        <p:nvSpPr>
+          <p:cNvPr id="9" name="矩形 8"/>
+          <p:cNvSpPr/>
+          <p:nvPr/>
+        </p:nvSpPr>
+        <p:spPr>
+          <a:xfrm>
+            <a:off x="2987824" y="2636912"/>
+            <a:ext cx="864096" cy="432048"/>
+          </a:xfrm>
+          <a:prstGeom prst="rect">
+            <a:avLst/>
+          </a:prstGeom>
+        </p:spPr>
+        <p:style>
+          <a:lnRef idx="2">
+            <a:schemeClr val="accent1">
+              <a:shade val="50000"/>
+            </a:schemeClr>
+          </a:lnRef>
+          <a:fillRef idx="1">
+            <a:schemeClr val="accent1"/>
+          </a:fillRef>
+          <a:effectRef idx="0">
+            <a:schemeClr val="accent1"/>
+          </a:effectRef>
+          <a:fontRef idx="minor">
+            <a:schemeClr val="lt1"/>
+          </a:fontRef>
+        </p:style>
+        <p:txBody>
+          <a:bodyPr rtlCol="0" anchor="ctr"/>
+          <a:lstStyle/>
+          <a:p>
+            <a:pPr algn="ctr"/>
+            <a:r>
+              <a:rPr lang="en-US" altLang="zh-CN" dirty="0" smtClean="0"/>
+              <a:t>1000</a:t>
+            </a:r>
+            <a:endParaRPr lang="zh-CN" altLang="en-US" dirty="0"/>
+          </a:p>
+        </p:txBody>
+      </p:sp>
+      <p:sp>
+        <p:nvSpPr>
+          <p:cNvPr id="10" name="矩形 9"/>
+          <p:cNvSpPr/>
+          <p:nvPr/>
+        </p:nvSpPr>
+        <p:spPr>
+          <a:xfrm>
+            <a:off x="1259632" y="3068960"/>
+            <a:ext cx="864096" cy="432048"/>
+          </a:xfrm>
+          <a:prstGeom prst="rect">
+            <a:avLst/>
+          </a:prstGeom>
+        </p:spPr>
+        <p:style>
+          <a:lnRef idx="2">
+            <a:schemeClr val="accent1">
+              <a:shade val="50000"/>
+            </a:schemeClr>
+          </a:lnRef>
+          <a:fillRef idx="1">
+            <a:schemeClr val="accent1"/>
+          </a:fillRef>
+          <a:effectRef idx="0">
+            <a:schemeClr val="accent1"/>
+          </a:effectRef>
+          <a:fontRef idx="minor">
+            <a:schemeClr val="lt1"/>
+          </a:fontRef>
+        </p:style>
+        <p:txBody>
+          <a:bodyPr rtlCol="0" anchor="ctr"/>
+          <a:lstStyle/>
+          <a:p>
+            <a:pPr algn="ctr"/>
+            <a:r>
+              <a:rPr lang="en-US" altLang="zh-CN" dirty="0" smtClean="0"/>
+              <a:t>1</a:t>
+            </a:r>
+            <a:endParaRPr lang="zh-CN" altLang="en-US" dirty="0"/>
+          </a:p>
+        </p:txBody>
+      </p:sp>
+      <p:sp>
+        <p:nvSpPr>
+          <p:cNvPr id="11" name="矩形 10"/>
+          <p:cNvSpPr/>
+          <p:nvPr/>
+        </p:nvSpPr>
+        <p:spPr>
+          <a:xfrm>
+            <a:off x="2123728" y="3068960"/>
+            <a:ext cx="864096" cy="432048"/>
+          </a:xfrm>
+          <a:prstGeom prst="rect">
+            <a:avLst/>
+          </a:prstGeom>
+        </p:spPr>
+        <p:style>
+          <a:lnRef idx="2">
+            <a:schemeClr val="accent1">
+              <a:shade val="50000"/>
+            </a:schemeClr>
+          </a:lnRef>
+          <a:fillRef idx="1">
+            <a:schemeClr val="accent1"/>
+          </a:fillRef>
+          <a:effectRef idx="0">
+            <a:schemeClr val="accent1"/>
+          </a:effectRef>
+          <a:fontRef idx="minor">
+            <a:schemeClr val="lt1"/>
+          </a:fontRef>
+        </p:style>
+        <p:txBody>
+          <a:bodyPr rtlCol="0" anchor="ctr"/>
+          <a:lstStyle/>
+          <a:p>
+            <a:pPr algn="ctr"/>
+            <a:r>
+              <a:rPr lang="en-US" altLang="zh-CN" dirty="0" smtClean="0"/>
+              <a:t>A</a:t>
+            </a:r>
+            <a:endParaRPr lang="zh-CN" altLang="en-US" dirty="0"/>
+          </a:p>
+        </p:txBody>
+      </p:sp>
+      <p:sp>
+        <p:nvSpPr>
+          <p:cNvPr id="12" name="矩形 11"/>
+          <p:cNvSpPr/>
+          <p:nvPr/>
+        </p:nvSpPr>
+        <p:spPr>
+          <a:xfrm>
+            <a:off x="2987824" y="3068960"/>
+            <a:ext cx="864096" cy="432048"/>
+          </a:xfrm>
+          <a:prstGeom prst="rect">
+            <a:avLst/>
+          </a:prstGeom>
+          <a:solidFill>
+            <a:srgbClr val="FFC000"/>
+          </a:solidFill>
+        </p:spPr>
+        <p:style>
+          <a:lnRef idx="2">
+            <a:schemeClr val="accent1">
+              <a:shade val="50000"/>
+            </a:schemeClr>
+          </a:lnRef>
+          <a:fillRef idx="1">
+            <a:schemeClr val="accent1"/>
+          </a:fillRef>
+          <a:effectRef idx="0">
+            <a:schemeClr val="accent1"/>
+          </a:effectRef>
+          <a:fontRef idx="minor">
+            <a:schemeClr val="lt1"/>
+          </a:fontRef>
+        </p:style>
+        <p:txBody>
+          <a:bodyPr rtlCol="0" anchor="ctr"/>
+          <a:lstStyle/>
+          <a:p>
+            <a:pPr algn="ctr"/>
+            <a:r>
+              <a:rPr lang="en-US" altLang="zh-CN" dirty="0" smtClean="0"/>
+              <a:t>100</a:t>
+            </a:r>
+            <a:r>
+              <a:rPr lang="en-US" altLang="zh-CN" dirty="0" smtClean="0">
+                <a:solidFill>
+                  <a:srgbClr val="FF0000"/>
+                </a:solidFill>
+              </a:rPr>
+              <a:t>1</a:t>
+            </a:r>
+            <a:endParaRPr lang="zh-CN" altLang="en-US" dirty="0">
+              <a:solidFill>
+                <a:srgbClr val="FF0000"/>
+              </a:solidFill>
+            </a:endParaRPr>
+          </a:p>
+        </p:txBody>
+      </p:sp>
+      <p:sp>
+        <p:nvSpPr>
+          <p:cNvPr id="13" name="矩形 12"/>
+          <p:cNvSpPr/>
+          <p:nvPr/>
+        </p:nvSpPr>
+        <p:spPr>
+          <a:xfrm>
+            <a:off x="1259632" y="3501008"/>
+            <a:ext cx="864096" cy="432048"/>
+          </a:xfrm>
+          <a:prstGeom prst="rect">
+            <a:avLst/>
+          </a:prstGeom>
+        </p:spPr>
+        <p:style>
+          <a:lnRef idx="2">
+            <a:schemeClr val="accent1">
+              <a:shade val="50000"/>
+            </a:schemeClr>
+          </a:lnRef>
+          <a:fillRef idx="1">
+            <a:schemeClr val="accent1"/>
+          </a:fillRef>
+          <a:effectRef idx="0">
+            <a:schemeClr val="accent1"/>
+          </a:effectRef>
+          <a:fontRef idx="minor">
+            <a:schemeClr val="lt1"/>
+          </a:fontRef>
+        </p:style>
+        <p:txBody>
+          <a:bodyPr rtlCol="0" anchor="ctr"/>
+          <a:lstStyle/>
+          <a:p>
+            <a:pPr algn="ctr"/>
+            <a:r>
+              <a:rPr lang="en-US" altLang="zh-CN" dirty="0" smtClean="0"/>
+              <a:t>2</a:t>
+            </a:r>
+            <a:endParaRPr lang="zh-CN" altLang="en-US" dirty="0"/>
+          </a:p>
+        </p:txBody>
+      </p:sp>
+      <p:sp>
+        <p:nvSpPr>
+          <p:cNvPr id="14" name="矩形 13"/>
+          <p:cNvSpPr/>
+          <p:nvPr/>
+        </p:nvSpPr>
+        <p:spPr>
+          <a:xfrm>
+            <a:off x="2123728" y="4365104"/>
+            <a:ext cx="864096" cy="432048"/>
+          </a:xfrm>
+          <a:prstGeom prst="rect">
+            <a:avLst/>
+          </a:prstGeom>
+        </p:spPr>
+        <p:style>
+          <a:lnRef idx="2">
+            <a:schemeClr val="accent1">
+              <a:shade val="50000"/>
+            </a:schemeClr>
+          </a:lnRef>
+          <a:fillRef idx="1">
+            <a:schemeClr val="accent1"/>
+          </a:fillRef>
+          <a:effectRef idx="0">
+            <a:schemeClr val="accent1"/>
+          </a:effectRef>
+          <a:fontRef idx="minor">
+            <a:schemeClr val="lt1"/>
+          </a:fontRef>
+        </p:style>
+        <p:txBody>
+          <a:bodyPr rtlCol="0" anchor="ctr"/>
+          <a:lstStyle/>
+          <a:p>
+            <a:pPr algn="ctr"/>
+            <a:r>
+              <a:rPr lang="en-US" altLang="zh-CN" dirty="0" smtClean="0"/>
+              <a:t>D</a:t>
+            </a:r>
+            <a:endParaRPr lang="zh-CN" altLang="en-US" dirty="0"/>
+          </a:p>
+        </p:txBody>
+      </p:sp>
+      <p:sp>
+        <p:nvSpPr>
+          <p:cNvPr id="15" name="矩形 14"/>
+          <p:cNvSpPr/>
+          <p:nvPr/>
+        </p:nvSpPr>
+        <p:spPr>
+          <a:xfrm>
+            <a:off x="2987824" y="3501008"/>
+            <a:ext cx="864096" cy="432048"/>
+          </a:xfrm>
+          <a:prstGeom prst="rect">
+            <a:avLst/>
+          </a:prstGeom>
+        </p:spPr>
+        <p:style>
+          <a:lnRef idx="2">
+            <a:schemeClr val="accent1">
+              <a:shade val="50000"/>
+            </a:schemeClr>
+          </a:lnRef>
+          <a:fillRef idx="1">
+            <a:schemeClr val="accent1"/>
+          </a:fillRef>
+          <a:effectRef idx="0">
+            <a:schemeClr val="accent1"/>
+          </a:effectRef>
+          <a:fontRef idx="minor">
+            <a:schemeClr val="lt1"/>
+          </a:fontRef>
+        </p:style>
+        <p:txBody>
+          <a:bodyPr rtlCol="0" anchor="ctr"/>
+          <a:lstStyle/>
+          <a:p>
+            <a:pPr algn="ctr"/>
+            <a:r>
+              <a:rPr lang="en-US" altLang="zh-CN" dirty="0" smtClean="0"/>
+              <a:t>0100</a:t>
+            </a:r>
+            <a:endParaRPr lang="zh-CN" altLang="en-US" dirty="0"/>
+          </a:p>
+        </p:txBody>
+      </p:sp>
+      <p:sp>
+        <p:nvSpPr>
+          <p:cNvPr id="16" name="矩形 15"/>
+          <p:cNvSpPr/>
+          <p:nvPr/>
+        </p:nvSpPr>
+        <p:spPr>
+          <a:xfrm>
+            <a:off x="1259632" y="3933056"/>
+            <a:ext cx="864096" cy="432048"/>
+          </a:xfrm>
+          <a:prstGeom prst="rect">
+            <a:avLst/>
+          </a:prstGeom>
+        </p:spPr>
+        <p:style>
+          <a:lnRef idx="2">
+            <a:schemeClr val="accent1">
+              <a:shade val="50000"/>
+            </a:schemeClr>
+          </a:lnRef>
+          <a:fillRef idx="1">
+            <a:schemeClr val="accent1"/>
+          </a:fillRef>
+          <a:effectRef idx="0">
+            <a:schemeClr val="accent1"/>
+          </a:effectRef>
+          <a:fontRef idx="minor">
+            <a:schemeClr val="lt1"/>
+          </a:fontRef>
+        </p:style>
+        <p:txBody>
+          <a:bodyPr rtlCol="0" anchor="ctr"/>
+          <a:lstStyle/>
+          <a:p>
+            <a:pPr algn="ctr"/>
+            <a:r>
+              <a:rPr lang="en-US" altLang="zh-CN" dirty="0" smtClean="0"/>
+              <a:t>3</a:t>
+            </a:r>
+            <a:endParaRPr lang="zh-CN" altLang="en-US" dirty="0"/>
+          </a:p>
+        </p:txBody>
+      </p:sp>
+      <p:sp>
+        <p:nvSpPr>
+          <p:cNvPr id="17" name="矩形 16"/>
+          <p:cNvSpPr/>
+          <p:nvPr/>
+        </p:nvSpPr>
+        <p:spPr>
+          <a:xfrm>
+            <a:off x="2123728" y="3933056"/>
+            <a:ext cx="864096" cy="432048"/>
+          </a:xfrm>
+          <a:prstGeom prst="rect">
+            <a:avLst/>
+          </a:prstGeom>
+        </p:spPr>
+        <p:style>
+          <a:lnRef idx="2">
+            <a:schemeClr val="accent1">
+              <a:shade val="50000"/>
+            </a:schemeClr>
+          </a:lnRef>
+          <a:fillRef idx="1">
+            <a:schemeClr val="accent1"/>
+          </a:fillRef>
+          <a:effectRef idx="0">
+            <a:schemeClr val="accent1"/>
+          </a:effectRef>
+          <a:fontRef idx="minor">
+            <a:schemeClr val="lt1"/>
+          </a:fontRef>
+        </p:style>
+        <p:txBody>
+          <a:bodyPr rtlCol="0" anchor="ctr"/>
+          <a:lstStyle/>
+          <a:p>
+            <a:pPr algn="ctr"/>
+            <a:r>
+              <a:rPr lang="en-US" altLang="zh-CN" dirty="0" smtClean="0"/>
+              <a:t>B</a:t>
+            </a:r>
+            <a:endParaRPr lang="zh-CN" altLang="en-US" dirty="0"/>
+          </a:p>
+        </p:txBody>
+      </p:sp>
+      <p:sp>
+        <p:nvSpPr>
+          <p:cNvPr id="18" name="矩形 17"/>
+          <p:cNvSpPr/>
+          <p:nvPr/>
+        </p:nvSpPr>
+        <p:spPr>
+          <a:xfrm>
+            <a:off x="2987824" y="3933056"/>
+            <a:ext cx="864096" cy="432048"/>
+          </a:xfrm>
+          <a:prstGeom prst="rect">
+            <a:avLst/>
+          </a:prstGeom>
+        </p:spPr>
+        <p:style>
+          <a:lnRef idx="2">
+            <a:schemeClr val="accent1">
+              <a:shade val="50000"/>
+            </a:schemeClr>
+          </a:lnRef>
+          <a:fillRef idx="1">
+            <a:schemeClr val="accent1"/>
+          </a:fillRef>
+          <a:effectRef idx="0">
+            <a:schemeClr val="accent1"/>
+          </a:effectRef>
+          <a:fontRef idx="minor">
+            <a:schemeClr val="lt1"/>
+          </a:fontRef>
+        </p:style>
+        <p:txBody>
+          <a:bodyPr rtlCol="0" anchor="ctr"/>
+          <a:lstStyle/>
+          <a:p>
+            <a:pPr algn="ctr"/>
+            <a:r>
+              <a:rPr lang="en-US" altLang="zh-CN" dirty="0" smtClean="0"/>
+              <a:t>0000</a:t>
+            </a:r>
+            <a:endParaRPr lang="zh-CN" altLang="en-US" dirty="0"/>
+          </a:p>
+        </p:txBody>
+      </p:sp>
+      <p:sp>
+        <p:nvSpPr>
+          <p:cNvPr id="19" name="矩形 18"/>
+          <p:cNvSpPr/>
+          <p:nvPr/>
+        </p:nvSpPr>
+        <p:spPr>
+          <a:xfrm>
+            <a:off x="1259632" y="4365104"/>
+            <a:ext cx="864096" cy="432048"/>
+          </a:xfrm>
+          <a:prstGeom prst="rect">
+            <a:avLst/>
+          </a:prstGeom>
+        </p:spPr>
+        <p:style>
+          <a:lnRef idx="2">
+            <a:schemeClr val="accent1">
+              <a:shade val="50000"/>
+            </a:schemeClr>
+          </a:lnRef>
+          <a:fillRef idx="1">
+            <a:schemeClr val="accent1"/>
+          </a:fillRef>
+          <a:effectRef idx="0">
+            <a:schemeClr val="accent1"/>
+          </a:effectRef>
+          <a:fontRef idx="minor">
+            <a:schemeClr val="lt1"/>
+          </a:fontRef>
+        </p:style>
+        <p:txBody>
+          <a:bodyPr rtlCol="0" anchor="ctr"/>
+          <a:lstStyle/>
+          <a:p>
+            <a:pPr algn="ctr"/>
+            <a:r>
+              <a:rPr lang="en-US" altLang="zh-CN" dirty="0"/>
+              <a:t>4</a:t>
+            </a:r>
+            <a:endParaRPr lang="zh-CN" altLang="en-US" dirty="0"/>
+          </a:p>
+        </p:txBody>
+      </p:sp>
+      <p:sp>
+        <p:nvSpPr>
+          <p:cNvPr id="20" name="矩形 19"/>
+          <p:cNvSpPr/>
+          <p:nvPr/>
+        </p:nvSpPr>
+        <p:spPr>
+          <a:xfrm>
+            <a:off x="2123728" y="3501008"/>
+            <a:ext cx="864096" cy="432048"/>
+          </a:xfrm>
+          <a:prstGeom prst="rect">
+            <a:avLst/>
+          </a:prstGeom>
+        </p:spPr>
+        <p:style>
+          <a:lnRef idx="2">
+            <a:schemeClr val="accent1">
+              <a:shade val="50000"/>
+            </a:schemeClr>
+          </a:lnRef>
+          <a:fillRef idx="1">
+            <a:schemeClr val="accent1"/>
+          </a:fillRef>
+          <a:effectRef idx="0">
+            <a:schemeClr val="accent1"/>
+          </a:effectRef>
+          <a:fontRef idx="minor">
+            <a:schemeClr val="lt1"/>
+          </a:fontRef>
+        </p:style>
+        <p:txBody>
+          <a:bodyPr rtlCol="0" anchor="ctr"/>
+          <a:lstStyle/>
+          <a:p>
+            <a:pPr algn="ctr"/>
+            <a:endParaRPr lang="zh-CN" altLang="en-US" dirty="0"/>
+          </a:p>
+        </p:txBody>
+      </p:sp>
+      <p:sp>
+        <p:nvSpPr>
+          <p:cNvPr id="21" name="矩形 20"/>
+          <p:cNvSpPr/>
+          <p:nvPr/>
+        </p:nvSpPr>
+        <p:spPr>
+          <a:xfrm>
+            <a:off x="2987824" y="4365104"/>
+            <a:ext cx="864096" cy="432048"/>
+          </a:xfrm>
+          <a:prstGeom prst="rect">
+            <a:avLst/>
+          </a:prstGeom>
+        </p:spPr>
+        <p:style>
+          <a:lnRef idx="2">
+            <a:schemeClr val="accent1">
+              <a:shade val="50000"/>
+            </a:schemeClr>
+          </a:lnRef>
+          <a:fillRef idx="1">
+            <a:schemeClr val="accent1"/>
+          </a:fillRef>
+          <a:effectRef idx="0">
+            <a:schemeClr val="accent1"/>
+          </a:effectRef>
+          <a:fontRef idx="minor">
+            <a:schemeClr val="lt1"/>
+          </a:fontRef>
+        </p:style>
+        <p:txBody>
+          <a:bodyPr rtlCol="0" anchor="ctr"/>
+          <a:lstStyle/>
+          <a:p>
+            <a:pPr algn="ctr"/>
+            <a:r>
+              <a:rPr lang="en-US" altLang="zh-CN" dirty="0" smtClean="0"/>
+              <a:t>0000</a:t>
+            </a:r>
+            <a:endParaRPr lang="zh-CN" altLang="en-US" dirty="0"/>
+          </a:p>
+        </p:txBody>
+      </p:sp>
+      <p:sp>
+        <p:nvSpPr>
+          <p:cNvPr id="22" name="圆角矩形 21"/>
+          <p:cNvSpPr/>
+          <p:nvPr/>
+        </p:nvSpPr>
+        <p:spPr>
+          <a:xfrm>
+            <a:off x="4355976" y="430931"/>
+            <a:ext cx="2160240" cy="504056"/>
+          </a:xfrm>
+          <a:prstGeom prst="roundRect">
+            <a:avLst/>
+          </a:prstGeom>
+        </p:spPr>
+        <p:style>
+          <a:lnRef idx="2">
+            <a:schemeClr val="accent1">
+              <a:shade val="50000"/>
+            </a:schemeClr>
+          </a:lnRef>
+          <a:fillRef idx="1">
+            <a:schemeClr val="accent1"/>
+          </a:fillRef>
+          <a:effectRef idx="0">
+            <a:schemeClr val="accent1"/>
+          </a:effectRef>
+          <a:fontRef idx="minor">
+            <a:schemeClr val="lt1"/>
+          </a:fontRef>
+        </p:style>
+        <p:txBody>
+          <a:bodyPr rtlCol="0" anchor="ctr"/>
+          <a:lstStyle/>
+          <a:p>
+            <a:pPr algn="ctr"/>
+            <a:r>
+              <a:rPr lang="en-US" altLang="zh-CN" dirty="0" smtClean="0"/>
+              <a:t>Insert E</a:t>
+            </a:r>
+          </a:p>
+          <a:p>
+            <a:pPr algn="ctr"/>
+            <a:r>
+              <a:rPr lang="zh-CN" altLang="en-US" dirty="0" smtClean="0"/>
+              <a:t>假设与 </a:t>
+            </a:r>
+            <a:r>
+              <a:rPr lang="en-US" altLang="zh-CN" dirty="0" smtClean="0"/>
+              <a:t>C </a:t>
+            </a:r>
+            <a:r>
+              <a:rPr lang="zh-CN" altLang="en-US" dirty="0"/>
+              <a:t>冲突</a:t>
+            </a:r>
+          </a:p>
+        </p:txBody>
+      </p:sp>
+      <p:cxnSp>
+        <p:nvCxnSpPr>
+          <p:cNvPr id="24" name="曲线连接符 23"/>
+          <p:cNvCxnSpPr>
+            <a:stCxn id="12" idx="3"/>
+            <a:endCxn id="21" idx="3"/>
+          </p:cNvCxnSpPr>
+          <p:nvPr/>
+        </p:nvCxnSpPr>
+        <p:spPr>
+          <a:xfrm>
+            <a:off x="3851920" y="3284984"/>
+            <a:ext cx="12700" cy="1296144"/>
+          </a:xfrm>
+          <a:prstGeom prst="curvedConnector3">
+            <a:avLst>
+              <a:gd name="adj1" fmla="val 4371425"/>
+            </a:avLst>
+          </a:prstGeom>
+          <a:ln>
+            <a:solidFill>
+              <a:schemeClr val="tx1"/>
+            </a:solidFill>
+            <a:tailEnd type="arrow"/>
+          </a:ln>
+        </p:spPr>
+        <p:style>
+          <a:lnRef idx="1">
+            <a:schemeClr val="accent1"/>
+          </a:lnRef>
+          <a:fillRef idx="0">
+            <a:schemeClr val="accent1"/>
+          </a:fillRef>
+          <a:effectRef idx="0">
+            <a:schemeClr val="accent1"/>
+          </a:effectRef>
+          <a:fontRef idx="minor">
+            <a:schemeClr val="tx1"/>
+          </a:fontRef>
+        </p:style>
+      </p:cxnSp>
+      <p:sp>
+        <p:nvSpPr>
+          <p:cNvPr id="28" name="圆角矩形 27"/>
+          <p:cNvSpPr/>
+          <p:nvPr/>
+        </p:nvSpPr>
+        <p:spPr>
+          <a:xfrm>
+            <a:off x="4524942" y="2636912"/>
+            <a:ext cx="3024336" cy="648072"/>
+          </a:xfrm>
+          <a:prstGeom prst="roundRect">
+            <a:avLst/>
+          </a:prstGeom>
+        </p:spPr>
+        <p:style>
+          <a:lnRef idx="2">
+            <a:schemeClr val="accent1">
+              <a:shade val="50000"/>
+            </a:schemeClr>
+          </a:lnRef>
+          <a:fillRef idx="1">
+            <a:schemeClr val="accent1"/>
+          </a:fillRef>
+          <a:effectRef idx="0">
+            <a:schemeClr val="accent1"/>
+          </a:effectRef>
+          <a:fontRef idx="minor">
+            <a:schemeClr val="lt1"/>
+          </a:fontRef>
+        </p:style>
+        <p:txBody>
+          <a:bodyPr rtlCol="0" anchor="ctr"/>
+          <a:lstStyle/>
+          <a:p>
+            <a:pPr algn="ctr"/>
+            <a:r>
+              <a:rPr lang="en-US" altLang="zh-CN" dirty="0" smtClean="0"/>
+              <a:t>D </a:t>
+            </a:r>
+            <a:r>
+              <a:rPr lang="zh-CN" altLang="en-US" dirty="0" smtClean="0"/>
+              <a:t>为相对位，且与 </a:t>
+            </a:r>
+            <a:r>
+              <a:rPr lang="en-US" altLang="zh-CN" dirty="0" smtClean="0"/>
+              <a:t>A </a:t>
+            </a:r>
+            <a:r>
+              <a:rPr lang="zh-CN" altLang="en-US" dirty="0" smtClean="0"/>
+              <a:t>冲突</a:t>
+            </a:r>
+            <a:endParaRPr lang="en-US" altLang="zh-CN" dirty="0" smtClean="0"/>
+          </a:p>
+          <a:p>
+            <a:pPr algn="ctr"/>
+            <a:r>
+              <a:rPr lang="zh-CN" altLang="en-US" dirty="0" smtClean="0"/>
+              <a:t>修改 </a:t>
+            </a:r>
+            <a:r>
+              <a:rPr lang="en-US" altLang="zh-CN" dirty="0" smtClean="0"/>
+              <a:t>A </a:t>
+            </a:r>
+            <a:r>
+              <a:rPr lang="zh-CN" altLang="en-US" dirty="0" smtClean="0"/>
+              <a:t>中 </a:t>
+            </a:r>
+            <a:r>
+              <a:rPr lang="en-US" altLang="zh-CN" dirty="0" smtClean="0"/>
+              <a:t>D </a:t>
+            </a:r>
+            <a:r>
+              <a:rPr lang="zh-CN" altLang="en-US" dirty="0" smtClean="0"/>
+              <a:t>的位置</a:t>
+            </a:r>
+            <a:endParaRPr lang="zh-CN" altLang="en-US" dirty="0"/>
+          </a:p>
+        </p:txBody>
+      </p:sp>
+      <p:sp>
+        <p:nvSpPr>
+          <p:cNvPr id="29" name="圆角矩形 28"/>
+          <p:cNvSpPr/>
+          <p:nvPr/>
+        </p:nvSpPr>
+        <p:spPr>
+          <a:xfrm>
+            <a:off x="4524942" y="3717032"/>
+            <a:ext cx="2232248" cy="792088"/>
+          </a:xfrm>
+          <a:prstGeom prst="roundRect">
+            <a:avLst/>
+          </a:prstGeom>
+        </p:spPr>
+        <p:style>
+          <a:lnRef idx="2">
+            <a:schemeClr val="accent1">
+              <a:shade val="50000"/>
+            </a:schemeClr>
+          </a:lnRef>
+          <a:fillRef idx="1">
+            <a:schemeClr val="accent1"/>
+          </a:fillRef>
+          <a:effectRef idx="0">
+            <a:schemeClr val="accent1"/>
+          </a:effectRef>
+          <a:fontRef idx="minor">
+            <a:schemeClr val="lt1"/>
+          </a:fontRef>
+        </p:style>
+        <p:txBody>
+          <a:bodyPr rtlCol="0" anchor="ctr"/>
+          <a:lstStyle/>
+          <a:p>
+            <a:pPr algn="ctr"/>
+            <a:r>
+              <a:rPr lang="zh-CN" altLang="en-US" dirty="0" smtClean="0"/>
+              <a:t>移动 </a:t>
+            </a:r>
+            <a:r>
+              <a:rPr lang="en-US" altLang="zh-CN" dirty="0" smtClean="0"/>
+              <a:t>D </a:t>
+            </a:r>
+            <a:r>
+              <a:rPr lang="zh-CN" altLang="en-US" dirty="0" smtClean="0"/>
+              <a:t>到 </a:t>
+            </a:r>
+            <a:r>
+              <a:rPr lang="en-US" altLang="zh-CN" dirty="0" smtClean="0"/>
+              <a:t>4 </a:t>
+            </a:r>
+            <a:r>
+              <a:rPr lang="zh-CN" altLang="en-US" dirty="0" smtClean="0"/>
+              <a:t>号位</a:t>
+            </a:r>
+            <a:endParaRPr lang="en-US" altLang="zh-CN" dirty="0" smtClean="0"/>
+          </a:p>
+          <a:p>
+            <a:pPr algn="ctr"/>
+            <a:r>
+              <a:rPr lang="en-US" altLang="zh-CN" dirty="0" smtClean="0"/>
+              <a:t>D </a:t>
+            </a:r>
+            <a:r>
+              <a:rPr lang="zh-CN" altLang="en-US" dirty="0" smtClean="0"/>
+              <a:t>的绝对位 </a:t>
+            </a:r>
+            <a:r>
+              <a:rPr lang="en-US" altLang="zh-CN" dirty="0" smtClean="0"/>
+              <a:t>== 1</a:t>
+            </a:r>
+          </a:p>
+          <a:p>
+            <a:pPr algn="ctr"/>
+            <a:r>
+              <a:rPr lang="en-US" altLang="zh-CN" dirty="0" smtClean="0"/>
+              <a:t>4 -1 == 3</a:t>
+            </a:r>
+            <a:r>
+              <a:rPr lang="zh-CN" altLang="en-US" dirty="0" smtClean="0"/>
+              <a:t>（范围内）</a:t>
+            </a:r>
+            <a:endParaRPr lang="zh-CN" altLang="en-US" dirty="0"/>
+          </a:p>
+        </p:txBody>
+      </p:sp>
+      <p:cxnSp>
+        <p:nvCxnSpPr>
+          <p:cNvPr id="33" name="直接箭头连接符 32"/>
+          <p:cNvCxnSpPr>
+            <a:endCxn id="28" idx="1"/>
+          </p:cNvCxnSpPr>
+          <p:nvPr/>
+        </p:nvCxnSpPr>
+        <p:spPr>
+          <a:xfrm flipV="1">
+            <a:off x="3707904" y="2960948"/>
+            <a:ext cx="817038" cy="252028"/>
+          </a:xfrm>
+          <a:prstGeom prst="straightConnector1">
+            <a:avLst/>
+          </a:prstGeom>
+          <a:ln>
+            <a:solidFill>
+              <a:schemeClr val="tx1"/>
+            </a:solidFill>
+            <a:tailEnd type="arrow"/>
+          </a:ln>
+        </p:spPr>
+        <p:style>
+          <a:lnRef idx="1">
+            <a:schemeClr val="accent1"/>
+          </a:lnRef>
+          <a:fillRef idx="0">
+            <a:schemeClr val="accent1"/>
+          </a:fillRef>
+          <a:effectRef idx="0">
+            <a:schemeClr val="accent1"/>
+          </a:effectRef>
+          <a:fontRef idx="minor">
+            <a:schemeClr val="tx1"/>
+          </a:fontRef>
+        </p:style>
+      </p:cxnSp>
+    </p:spTree>
+    <p:extLst>
+      <p:ext uri="{BB962C8B-B14F-4D97-AF65-F5344CB8AC3E}">
+        <p14:creationId xmlns:p14="http://schemas.microsoft.com/office/powerpoint/2010/main" val="3037728708"/>
+      </p:ext>
+    </p:extLst>
+  </p:cSld>
+  <p:clrMapOvr>
+    <a:masterClrMapping/>
+  </p:clrMapOvr>
+</p:sld>
+</file>
+
+<file path=ppt/slides/slide15.xml><?xml version="1.0" encoding="utf-8"?>
+<p:sld xmlns:a="http://schemas.openxmlformats.org/drawingml/2006/main" xmlns:r="http://schemas.openxmlformats.org/officeDocument/2006/relationships" xmlns:p="http://schemas.openxmlformats.org/presentationml/2006/main">
+  <p:cSld>
+    <p:spTree>
+      <p:nvGrpSpPr>
+        <p:cNvPr id="1" name=""/>
+        <p:cNvGrpSpPr/>
+        <p:nvPr/>
+      </p:nvGrpSpPr>
+      <p:grpSpPr>
+        <a:xfrm>
+          <a:off x="0" y="0"/>
+          <a:ext cx="0" cy="0"/>
+          <a:chOff x="0" y="0"/>
+          <a:chExt cx="0" cy="0"/>
+        </a:xfrm>
+      </p:grpSpPr>
+      <p:sp>
+        <p:nvSpPr>
+          <p:cNvPr id="2" name="矩形 1"/>
+          <p:cNvSpPr/>
+          <p:nvPr/>
+        </p:nvSpPr>
+        <p:spPr>
+          <a:xfrm>
+            <a:off x="395536" y="476672"/>
+            <a:ext cx="3024336" cy="504056"/>
+          </a:xfrm>
+          <a:prstGeom prst="rect">
+            <a:avLst/>
+          </a:prstGeom>
+        </p:spPr>
+        <p:style>
+          <a:lnRef idx="2">
+            <a:schemeClr val="accent1">
+              <a:shade val="50000"/>
+            </a:schemeClr>
+          </a:lnRef>
+          <a:fillRef idx="1">
+            <a:schemeClr val="accent1"/>
+          </a:fillRef>
+          <a:effectRef idx="0">
+            <a:schemeClr val="accent1"/>
+          </a:effectRef>
+          <a:fontRef idx="minor">
+            <a:schemeClr val="lt1"/>
+          </a:fontRef>
+        </p:style>
+        <p:txBody>
+          <a:bodyPr rtlCol="0" anchor="ctr"/>
+          <a:lstStyle/>
+          <a:p>
+            <a:pPr algn="ctr"/>
+            <a:r>
+              <a:rPr lang="en-US" altLang="zh-CN" dirty="0" err="1"/>
+              <a:t>HopScotchHashTable</a:t>
+            </a:r>
+            <a:r>
+              <a:rPr lang="en-US" altLang="zh-CN" dirty="0"/>
+              <a:t> </a:t>
+            </a:r>
+            <a:endParaRPr lang="zh-CN" altLang="en-US" dirty="0"/>
+          </a:p>
+        </p:txBody>
+      </p:sp>
+      <p:sp>
+        <p:nvSpPr>
+          <p:cNvPr id="3" name="矩形 2"/>
+          <p:cNvSpPr/>
+          <p:nvPr/>
+        </p:nvSpPr>
+        <p:spPr>
+          <a:xfrm>
+            <a:off x="1259632" y="1772816"/>
+            <a:ext cx="2592288" cy="432048"/>
+          </a:xfrm>
+          <a:prstGeom prst="rect">
+            <a:avLst/>
+          </a:prstGeom>
+        </p:spPr>
+        <p:style>
+          <a:lnRef idx="2">
+            <a:schemeClr val="accent1">
+              <a:shade val="50000"/>
+            </a:schemeClr>
+          </a:lnRef>
+          <a:fillRef idx="1">
+            <a:schemeClr val="accent1"/>
+          </a:fillRef>
+          <a:effectRef idx="0">
+            <a:schemeClr val="accent1"/>
+          </a:effectRef>
+          <a:fontRef idx="minor">
+            <a:schemeClr val="lt1"/>
+          </a:fontRef>
+        </p:style>
+        <p:txBody>
+          <a:bodyPr rtlCol="0" anchor="ctr"/>
+          <a:lstStyle/>
+          <a:p>
+            <a:pPr algn="ctr"/>
+            <a:r>
+              <a:rPr lang="en-US" altLang="zh-CN" dirty="0" smtClean="0"/>
+              <a:t>Table</a:t>
+            </a:r>
+            <a:endParaRPr lang="zh-CN" altLang="en-US" dirty="0"/>
+          </a:p>
+        </p:txBody>
+      </p:sp>
+      <p:sp>
+        <p:nvSpPr>
+          <p:cNvPr id="4" name="矩形 3"/>
+          <p:cNvSpPr/>
+          <p:nvPr/>
+        </p:nvSpPr>
+        <p:spPr>
+          <a:xfrm>
+            <a:off x="1259632" y="2204864"/>
+            <a:ext cx="864096" cy="432048"/>
+          </a:xfrm>
+          <a:prstGeom prst="rect">
+            <a:avLst/>
+          </a:prstGeom>
+        </p:spPr>
+        <p:style>
+          <a:lnRef idx="2">
+            <a:schemeClr val="accent1">
+              <a:shade val="50000"/>
+            </a:schemeClr>
+          </a:lnRef>
+          <a:fillRef idx="1">
+            <a:schemeClr val="accent1"/>
+          </a:fillRef>
+          <a:effectRef idx="0">
+            <a:schemeClr val="accent1"/>
+          </a:effectRef>
+          <a:fontRef idx="minor">
+            <a:schemeClr val="lt1"/>
+          </a:fontRef>
+        </p:style>
+        <p:txBody>
+          <a:bodyPr rtlCol="0" anchor="ctr"/>
+          <a:lstStyle/>
+          <a:p>
+            <a:pPr algn="ctr"/>
+            <a:r>
+              <a:rPr lang="en-US" altLang="zh-CN" dirty="0" smtClean="0"/>
+              <a:t>index</a:t>
+            </a:r>
+            <a:endParaRPr lang="zh-CN" altLang="en-US" dirty="0"/>
+          </a:p>
+        </p:txBody>
+      </p:sp>
+      <p:sp>
+        <p:nvSpPr>
+          <p:cNvPr id="5" name="矩形 4"/>
+          <p:cNvSpPr/>
+          <p:nvPr/>
+        </p:nvSpPr>
+        <p:spPr>
+          <a:xfrm>
+            <a:off x="2123728" y="2204864"/>
+            <a:ext cx="864096" cy="432048"/>
+          </a:xfrm>
+          <a:prstGeom prst="rect">
+            <a:avLst/>
+          </a:prstGeom>
+        </p:spPr>
+        <p:style>
+          <a:lnRef idx="2">
+            <a:schemeClr val="accent1">
+              <a:shade val="50000"/>
+            </a:schemeClr>
+          </a:lnRef>
+          <a:fillRef idx="1">
+            <a:schemeClr val="accent1"/>
+          </a:fillRef>
+          <a:effectRef idx="0">
+            <a:schemeClr val="accent1"/>
+          </a:effectRef>
+          <a:fontRef idx="minor">
+            <a:schemeClr val="lt1"/>
+          </a:fontRef>
+        </p:style>
+        <p:txBody>
+          <a:bodyPr rtlCol="0" anchor="ctr"/>
+          <a:lstStyle/>
+          <a:p>
+            <a:pPr algn="ctr"/>
+            <a:r>
+              <a:rPr lang="en-US" altLang="zh-CN" dirty="0" smtClean="0"/>
+              <a:t>item</a:t>
+            </a:r>
+            <a:endParaRPr lang="zh-CN" altLang="en-US" dirty="0"/>
+          </a:p>
+        </p:txBody>
+      </p:sp>
+      <p:sp>
+        <p:nvSpPr>
+          <p:cNvPr id="6" name="矩形 5"/>
+          <p:cNvSpPr/>
+          <p:nvPr/>
+        </p:nvSpPr>
+        <p:spPr>
+          <a:xfrm>
+            <a:off x="2987824" y="2204864"/>
+            <a:ext cx="864096" cy="432048"/>
+          </a:xfrm>
+          <a:prstGeom prst="rect">
+            <a:avLst/>
+          </a:prstGeom>
+        </p:spPr>
+        <p:style>
+          <a:lnRef idx="2">
+            <a:schemeClr val="accent1">
+              <a:shade val="50000"/>
+            </a:schemeClr>
+          </a:lnRef>
+          <a:fillRef idx="1">
+            <a:schemeClr val="accent1"/>
+          </a:fillRef>
+          <a:effectRef idx="0">
+            <a:schemeClr val="accent1"/>
+          </a:effectRef>
+          <a:fontRef idx="minor">
+            <a:schemeClr val="lt1"/>
+          </a:fontRef>
+        </p:style>
+        <p:txBody>
+          <a:bodyPr rtlCol="0" anchor="ctr"/>
+          <a:lstStyle/>
+          <a:p>
+            <a:pPr algn="ctr"/>
+            <a:r>
+              <a:rPr lang="en-US" altLang="zh-CN" dirty="0" smtClean="0"/>
+              <a:t>Hop</a:t>
+            </a:r>
+            <a:endParaRPr lang="zh-CN" altLang="en-US" dirty="0"/>
+          </a:p>
+        </p:txBody>
+      </p:sp>
+      <p:sp>
+        <p:nvSpPr>
+          <p:cNvPr id="7" name="矩形 6"/>
+          <p:cNvSpPr/>
+          <p:nvPr/>
+        </p:nvSpPr>
+        <p:spPr>
+          <a:xfrm>
+            <a:off x="1259632" y="2636912"/>
+            <a:ext cx="864096" cy="432048"/>
+          </a:xfrm>
+          <a:prstGeom prst="rect">
+            <a:avLst/>
+          </a:prstGeom>
+        </p:spPr>
+        <p:style>
+          <a:lnRef idx="2">
+            <a:schemeClr val="accent1">
+              <a:shade val="50000"/>
+            </a:schemeClr>
+          </a:lnRef>
+          <a:fillRef idx="1">
+            <a:schemeClr val="accent1"/>
+          </a:fillRef>
+          <a:effectRef idx="0">
+            <a:schemeClr val="accent1"/>
+          </a:effectRef>
+          <a:fontRef idx="minor">
+            <a:schemeClr val="lt1"/>
+          </a:fontRef>
+        </p:style>
+        <p:txBody>
+          <a:bodyPr rtlCol="0" anchor="ctr"/>
+          <a:lstStyle/>
+          <a:p>
+            <a:pPr algn="ctr"/>
+            <a:r>
+              <a:rPr lang="en-US" altLang="zh-CN" dirty="0"/>
+              <a:t>0</a:t>
+            </a:r>
+            <a:endParaRPr lang="zh-CN" altLang="en-US" dirty="0"/>
+          </a:p>
+        </p:txBody>
+      </p:sp>
+      <p:sp>
+        <p:nvSpPr>
+          <p:cNvPr id="8" name="矩形 7"/>
+          <p:cNvSpPr/>
+          <p:nvPr/>
+        </p:nvSpPr>
+        <p:spPr>
+          <a:xfrm>
+            <a:off x="2123728" y="2636912"/>
+            <a:ext cx="864096" cy="432048"/>
+          </a:xfrm>
+          <a:prstGeom prst="rect">
+            <a:avLst/>
+          </a:prstGeom>
+        </p:spPr>
+        <p:style>
+          <a:lnRef idx="2">
+            <a:schemeClr val="accent1">
+              <a:shade val="50000"/>
+            </a:schemeClr>
+          </a:lnRef>
+          <a:fillRef idx="1">
+            <a:schemeClr val="accent1"/>
+          </a:fillRef>
+          <a:effectRef idx="0">
+            <a:schemeClr val="accent1"/>
+          </a:effectRef>
+          <a:fontRef idx="minor">
+            <a:schemeClr val="lt1"/>
+          </a:fontRef>
+        </p:style>
+        <p:txBody>
+          <a:bodyPr rtlCol="0" anchor="ctr"/>
+          <a:lstStyle/>
+          <a:p>
+            <a:pPr algn="ctr"/>
+            <a:r>
+              <a:rPr lang="en-US" altLang="zh-CN" dirty="0" smtClean="0"/>
+              <a:t>C</a:t>
+            </a:r>
+            <a:endParaRPr lang="zh-CN" altLang="en-US" dirty="0"/>
+          </a:p>
+        </p:txBody>
+      </p:sp>
+      <p:sp>
+        <p:nvSpPr>
+          <p:cNvPr id="9" name="矩形 8"/>
+          <p:cNvSpPr/>
+          <p:nvPr/>
+        </p:nvSpPr>
+        <p:spPr>
+          <a:xfrm>
+            <a:off x="2987824" y="2636912"/>
+            <a:ext cx="864096" cy="432048"/>
+          </a:xfrm>
+          <a:prstGeom prst="rect">
+            <a:avLst/>
+          </a:prstGeom>
+          <a:solidFill>
+            <a:srgbClr val="FFC000"/>
+          </a:solidFill>
+        </p:spPr>
+        <p:style>
+          <a:lnRef idx="2">
+            <a:schemeClr val="accent1">
+              <a:shade val="50000"/>
+            </a:schemeClr>
+          </a:lnRef>
+          <a:fillRef idx="1">
+            <a:schemeClr val="accent1"/>
+          </a:fillRef>
+          <a:effectRef idx="0">
+            <a:schemeClr val="accent1"/>
+          </a:effectRef>
+          <a:fontRef idx="minor">
+            <a:schemeClr val="lt1"/>
+          </a:fontRef>
+        </p:style>
+        <p:txBody>
+          <a:bodyPr rtlCol="0" anchor="ctr"/>
+          <a:lstStyle/>
+          <a:p>
+            <a:pPr algn="ctr"/>
+            <a:r>
+              <a:rPr lang="en-US" altLang="zh-CN" dirty="0" smtClean="0"/>
+              <a:t>10</a:t>
+            </a:r>
+            <a:r>
+              <a:rPr lang="en-US" altLang="zh-CN" dirty="0" smtClean="0">
+                <a:solidFill>
+                  <a:srgbClr val="FF0000"/>
+                </a:solidFill>
+              </a:rPr>
+              <a:t>1</a:t>
+            </a:r>
+            <a:r>
+              <a:rPr lang="en-US" altLang="zh-CN" dirty="0" smtClean="0"/>
+              <a:t>0</a:t>
+            </a:r>
+            <a:endParaRPr lang="zh-CN" altLang="en-US" dirty="0"/>
+          </a:p>
+        </p:txBody>
+      </p:sp>
+      <p:sp>
+        <p:nvSpPr>
+          <p:cNvPr id="10" name="矩形 9"/>
+          <p:cNvSpPr/>
+          <p:nvPr/>
+        </p:nvSpPr>
+        <p:spPr>
+          <a:xfrm>
+            <a:off x="1259632" y="3068960"/>
+            <a:ext cx="864096" cy="432048"/>
+          </a:xfrm>
+          <a:prstGeom prst="rect">
+            <a:avLst/>
+          </a:prstGeom>
+        </p:spPr>
+        <p:style>
+          <a:lnRef idx="2">
+            <a:schemeClr val="accent1">
+              <a:shade val="50000"/>
+            </a:schemeClr>
+          </a:lnRef>
+          <a:fillRef idx="1">
+            <a:schemeClr val="accent1"/>
+          </a:fillRef>
+          <a:effectRef idx="0">
+            <a:schemeClr val="accent1"/>
+          </a:effectRef>
+          <a:fontRef idx="minor">
+            <a:schemeClr val="lt1"/>
+          </a:fontRef>
+        </p:style>
+        <p:txBody>
+          <a:bodyPr rtlCol="0" anchor="ctr"/>
+          <a:lstStyle/>
+          <a:p>
+            <a:pPr algn="ctr"/>
+            <a:r>
+              <a:rPr lang="en-US" altLang="zh-CN" dirty="0" smtClean="0"/>
+              <a:t>1</a:t>
+            </a:r>
+            <a:endParaRPr lang="zh-CN" altLang="en-US" dirty="0"/>
+          </a:p>
+        </p:txBody>
+      </p:sp>
+      <p:sp>
+        <p:nvSpPr>
+          <p:cNvPr id="11" name="矩形 10"/>
+          <p:cNvSpPr/>
+          <p:nvPr/>
+        </p:nvSpPr>
+        <p:spPr>
+          <a:xfrm>
+            <a:off x="2123728" y="3068960"/>
+            <a:ext cx="864096" cy="432048"/>
+          </a:xfrm>
+          <a:prstGeom prst="rect">
+            <a:avLst/>
+          </a:prstGeom>
+        </p:spPr>
+        <p:style>
+          <a:lnRef idx="2">
+            <a:schemeClr val="accent1">
+              <a:shade val="50000"/>
+            </a:schemeClr>
+          </a:lnRef>
+          <a:fillRef idx="1">
+            <a:schemeClr val="accent1"/>
+          </a:fillRef>
+          <a:effectRef idx="0">
+            <a:schemeClr val="accent1"/>
+          </a:effectRef>
+          <a:fontRef idx="minor">
+            <a:schemeClr val="lt1"/>
+          </a:fontRef>
+        </p:style>
+        <p:txBody>
+          <a:bodyPr rtlCol="0" anchor="ctr"/>
+          <a:lstStyle/>
+          <a:p>
+            <a:pPr algn="ctr"/>
+            <a:r>
+              <a:rPr lang="en-US" altLang="zh-CN" dirty="0" smtClean="0"/>
+              <a:t>A</a:t>
+            </a:r>
+            <a:endParaRPr lang="zh-CN" altLang="en-US" dirty="0"/>
+          </a:p>
+        </p:txBody>
+      </p:sp>
+      <p:sp>
+        <p:nvSpPr>
+          <p:cNvPr id="12" name="矩形 11"/>
+          <p:cNvSpPr/>
+          <p:nvPr/>
+        </p:nvSpPr>
+        <p:spPr>
+          <a:xfrm>
+            <a:off x="2987824" y="3068960"/>
+            <a:ext cx="864096" cy="432048"/>
+          </a:xfrm>
+          <a:prstGeom prst="rect">
+            <a:avLst/>
+          </a:prstGeom>
+          <a:solidFill>
+            <a:schemeClr val="accent1"/>
+          </a:solidFill>
+        </p:spPr>
+        <p:style>
+          <a:lnRef idx="2">
+            <a:schemeClr val="accent1">
+              <a:shade val="50000"/>
+            </a:schemeClr>
+          </a:lnRef>
+          <a:fillRef idx="1">
+            <a:schemeClr val="accent1"/>
+          </a:fillRef>
+          <a:effectRef idx="0">
+            <a:schemeClr val="accent1"/>
+          </a:effectRef>
+          <a:fontRef idx="minor">
+            <a:schemeClr val="lt1"/>
+          </a:fontRef>
+        </p:style>
+        <p:txBody>
+          <a:bodyPr rtlCol="0" anchor="ctr"/>
+          <a:lstStyle/>
+          <a:p>
+            <a:pPr algn="ctr"/>
+            <a:r>
+              <a:rPr lang="en-US" altLang="zh-CN" dirty="0" smtClean="0">
+                <a:solidFill>
+                  <a:schemeClr val="bg1"/>
+                </a:solidFill>
+              </a:rPr>
+              <a:t>1001</a:t>
+            </a:r>
+            <a:endParaRPr lang="zh-CN" altLang="en-US" dirty="0">
+              <a:solidFill>
+                <a:schemeClr val="bg1"/>
+              </a:solidFill>
+            </a:endParaRPr>
+          </a:p>
+        </p:txBody>
+      </p:sp>
+      <p:sp>
+        <p:nvSpPr>
+          <p:cNvPr id="13" name="矩形 12"/>
+          <p:cNvSpPr/>
+          <p:nvPr/>
+        </p:nvSpPr>
+        <p:spPr>
+          <a:xfrm>
+            <a:off x="1259632" y="3501008"/>
+            <a:ext cx="864096" cy="432048"/>
+          </a:xfrm>
+          <a:prstGeom prst="rect">
+            <a:avLst/>
+          </a:prstGeom>
+        </p:spPr>
+        <p:style>
+          <a:lnRef idx="2">
+            <a:schemeClr val="accent1">
+              <a:shade val="50000"/>
+            </a:schemeClr>
+          </a:lnRef>
+          <a:fillRef idx="1">
+            <a:schemeClr val="accent1"/>
+          </a:fillRef>
+          <a:effectRef idx="0">
+            <a:schemeClr val="accent1"/>
+          </a:effectRef>
+          <a:fontRef idx="minor">
+            <a:schemeClr val="lt1"/>
+          </a:fontRef>
+        </p:style>
+        <p:txBody>
+          <a:bodyPr rtlCol="0" anchor="ctr"/>
+          <a:lstStyle/>
+          <a:p>
+            <a:pPr algn="ctr"/>
+            <a:r>
+              <a:rPr lang="en-US" altLang="zh-CN" dirty="0" smtClean="0"/>
+              <a:t>2</a:t>
+            </a:r>
+            <a:endParaRPr lang="zh-CN" altLang="en-US" dirty="0"/>
+          </a:p>
+        </p:txBody>
+      </p:sp>
+      <p:sp>
+        <p:nvSpPr>
+          <p:cNvPr id="14" name="矩形 13"/>
+          <p:cNvSpPr/>
+          <p:nvPr/>
+        </p:nvSpPr>
+        <p:spPr>
+          <a:xfrm>
+            <a:off x="2123728" y="4365104"/>
+            <a:ext cx="864096" cy="432048"/>
+          </a:xfrm>
+          <a:prstGeom prst="rect">
+            <a:avLst/>
+          </a:prstGeom>
+        </p:spPr>
+        <p:style>
+          <a:lnRef idx="2">
+            <a:schemeClr val="accent1">
+              <a:shade val="50000"/>
+            </a:schemeClr>
+          </a:lnRef>
+          <a:fillRef idx="1">
+            <a:schemeClr val="accent1"/>
+          </a:fillRef>
+          <a:effectRef idx="0">
+            <a:schemeClr val="accent1"/>
+          </a:effectRef>
+          <a:fontRef idx="minor">
+            <a:schemeClr val="lt1"/>
+          </a:fontRef>
+        </p:style>
+        <p:txBody>
+          <a:bodyPr rtlCol="0" anchor="ctr"/>
+          <a:lstStyle/>
+          <a:p>
+            <a:pPr algn="ctr"/>
+            <a:r>
+              <a:rPr lang="en-US" altLang="zh-CN" dirty="0" smtClean="0"/>
+              <a:t>D</a:t>
+            </a:r>
+            <a:endParaRPr lang="zh-CN" altLang="en-US" dirty="0"/>
+          </a:p>
+        </p:txBody>
+      </p:sp>
+      <p:sp>
+        <p:nvSpPr>
+          <p:cNvPr id="15" name="矩形 14"/>
+          <p:cNvSpPr/>
+          <p:nvPr/>
+        </p:nvSpPr>
+        <p:spPr>
+          <a:xfrm>
+            <a:off x="2987824" y="3501008"/>
+            <a:ext cx="864096" cy="432048"/>
+          </a:xfrm>
+          <a:prstGeom prst="rect">
+            <a:avLst/>
+          </a:prstGeom>
+        </p:spPr>
+        <p:style>
+          <a:lnRef idx="2">
+            <a:schemeClr val="accent1">
+              <a:shade val="50000"/>
+            </a:schemeClr>
+          </a:lnRef>
+          <a:fillRef idx="1">
+            <a:schemeClr val="accent1"/>
+          </a:fillRef>
+          <a:effectRef idx="0">
+            <a:schemeClr val="accent1"/>
+          </a:effectRef>
+          <a:fontRef idx="minor">
+            <a:schemeClr val="lt1"/>
+          </a:fontRef>
+        </p:style>
+        <p:txBody>
+          <a:bodyPr rtlCol="0" anchor="ctr"/>
+          <a:lstStyle/>
+          <a:p>
+            <a:pPr algn="ctr"/>
+            <a:r>
+              <a:rPr lang="en-US" altLang="zh-CN" dirty="0" smtClean="0"/>
+              <a:t>0100</a:t>
+            </a:r>
+            <a:endParaRPr lang="zh-CN" altLang="en-US" dirty="0"/>
+          </a:p>
+        </p:txBody>
+      </p:sp>
+      <p:sp>
+        <p:nvSpPr>
+          <p:cNvPr id="16" name="矩形 15"/>
+          <p:cNvSpPr/>
+          <p:nvPr/>
+        </p:nvSpPr>
+        <p:spPr>
+          <a:xfrm>
+            <a:off x="1259632" y="3933056"/>
+            <a:ext cx="864096" cy="432048"/>
+          </a:xfrm>
+          <a:prstGeom prst="rect">
+            <a:avLst/>
+          </a:prstGeom>
+        </p:spPr>
+        <p:style>
+          <a:lnRef idx="2">
+            <a:schemeClr val="accent1">
+              <a:shade val="50000"/>
+            </a:schemeClr>
+          </a:lnRef>
+          <a:fillRef idx="1">
+            <a:schemeClr val="accent1"/>
+          </a:fillRef>
+          <a:effectRef idx="0">
+            <a:schemeClr val="accent1"/>
+          </a:effectRef>
+          <a:fontRef idx="minor">
+            <a:schemeClr val="lt1"/>
+          </a:fontRef>
+        </p:style>
+        <p:txBody>
+          <a:bodyPr rtlCol="0" anchor="ctr"/>
+          <a:lstStyle/>
+          <a:p>
+            <a:pPr algn="ctr"/>
+            <a:r>
+              <a:rPr lang="en-US" altLang="zh-CN" dirty="0" smtClean="0"/>
+              <a:t>3</a:t>
+            </a:r>
+            <a:endParaRPr lang="zh-CN" altLang="en-US" dirty="0"/>
+          </a:p>
+        </p:txBody>
+      </p:sp>
+      <p:sp>
+        <p:nvSpPr>
+          <p:cNvPr id="17" name="矩形 16"/>
+          <p:cNvSpPr/>
+          <p:nvPr/>
+        </p:nvSpPr>
+        <p:spPr>
+          <a:xfrm>
+            <a:off x="2123728" y="3933056"/>
+            <a:ext cx="864096" cy="432048"/>
+          </a:xfrm>
+          <a:prstGeom prst="rect">
+            <a:avLst/>
+          </a:prstGeom>
+        </p:spPr>
+        <p:style>
+          <a:lnRef idx="2">
+            <a:schemeClr val="accent1">
+              <a:shade val="50000"/>
+            </a:schemeClr>
+          </a:lnRef>
+          <a:fillRef idx="1">
+            <a:schemeClr val="accent1"/>
+          </a:fillRef>
+          <a:effectRef idx="0">
+            <a:schemeClr val="accent1"/>
+          </a:effectRef>
+          <a:fontRef idx="minor">
+            <a:schemeClr val="lt1"/>
+          </a:fontRef>
+        </p:style>
+        <p:txBody>
+          <a:bodyPr rtlCol="0" anchor="ctr"/>
+          <a:lstStyle/>
+          <a:p>
+            <a:pPr algn="ctr"/>
+            <a:r>
+              <a:rPr lang="en-US" altLang="zh-CN" dirty="0" smtClean="0"/>
+              <a:t>B</a:t>
+            </a:r>
+            <a:endParaRPr lang="zh-CN" altLang="en-US" dirty="0"/>
+          </a:p>
+        </p:txBody>
+      </p:sp>
+      <p:sp>
+        <p:nvSpPr>
+          <p:cNvPr id="18" name="矩形 17"/>
+          <p:cNvSpPr/>
+          <p:nvPr/>
+        </p:nvSpPr>
+        <p:spPr>
+          <a:xfrm>
+            <a:off x="2987824" y="3933056"/>
+            <a:ext cx="864096" cy="432048"/>
+          </a:xfrm>
+          <a:prstGeom prst="rect">
+            <a:avLst/>
+          </a:prstGeom>
+        </p:spPr>
+        <p:style>
+          <a:lnRef idx="2">
+            <a:schemeClr val="accent1">
+              <a:shade val="50000"/>
+            </a:schemeClr>
+          </a:lnRef>
+          <a:fillRef idx="1">
+            <a:schemeClr val="accent1"/>
+          </a:fillRef>
+          <a:effectRef idx="0">
+            <a:schemeClr val="accent1"/>
+          </a:effectRef>
+          <a:fontRef idx="minor">
+            <a:schemeClr val="lt1"/>
+          </a:fontRef>
+        </p:style>
+        <p:txBody>
+          <a:bodyPr rtlCol="0" anchor="ctr"/>
+          <a:lstStyle/>
+          <a:p>
+            <a:pPr algn="ctr"/>
+            <a:r>
+              <a:rPr lang="en-US" altLang="zh-CN" dirty="0" smtClean="0"/>
+              <a:t>0000</a:t>
+            </a:r>
+            <a:endParaRPr lang="zh-CN" altLang="en-US" dirty="0"/>
+          </a:p>
+        </p:txBody>
+      </p:sp>
+      <p:sp>
+        <p:nvSpPr>
+          <p:cNvPr id="19" name="矩形 18"/>
+          <p:cNvSpPr/>
+          <p:nvPr/>
+        </p:nvSpPr>
+        <p:spPr>
+          <a:xfrm>
+            <a:off x="1259632" y="4365104"/>
+            <a:ext cx="864096" cy="432048"/>
+          </a:xfrm>
+          <a:prstGeom prst="rect">
+            <a:avLst/>
+          </a:prstGeom>
+        </p:spPr>
+        <p:style>
+          <a:lnRef idx="2">
+            <a:schemeClr val="accent1">
+              <a:shade val="50000"/>
+            </a:schemeClr>
+          </a:lnRef>
+          <a:fillRef idx="1">
+            <a:schemeClr val="accent1"/>
+          </a:fillRef>
+          <a:effectRef idx="0">
+            <a:schemeClr val="accent1"/>
+          </a:effectRef>
+          <a:fontRef idx="minor">
+            <a:schemeClr val="lt1"/>
+          </a:fontRef>
+        </p:style>
+        <p:txBody>
+          <a:bodyPr rtlCol="0" anchor="ctr"/>
+          <a:lstStyle/>
+          <a:p>
+            <a:pPr algn="ctr"/>
+            <a:r>
+              <a:rPr lang="en-US" altLang="zh-CN" dirty="0"/>
+              <a:t>4</a:t>
+            </a:r>
+            <a:endParaRPr lang="zh-CN" altLang="en-US" dirty="0"/>
+          </a:p>
+        </p:txBody>
+      </p:sp>
+      <p:sp>
+        <p:nvSpPr>
+          <p:cNvPr id="20" name="矩形 19"/>
+          <p:cNvSpPr/>
+          <p:nvPr/>
+        </p:nvSpPr>
+        <p:spPr>
+          <a:xfrm>
+            <a:off x="2123728" y="3501008"/>
+            <a:ext cx="864096" cy="432048"/>
+          </a:xfrm>
+          <a:prstGeom prst="rect">
+            <a:avLst/>
+          </a:prstGeom>
+          <a:solidFill>
+            <a:srgbClr val="FFC000"/>
+          </a:solidFill>
+        </p:spPr>
+        <p:style>
+          <a:lnRef idx="2">
+            <a:schemeClr val="accent1">
+              <a:shade val="50000"/>
+            </a:schemeClr>
+          </a:lnRef>
+          <a:fillRef idx="1">
+            <a:schemeClr val="accent1"/>
+          </a:fillRef>
+          <a:effectRef idx="0">
+            <a:schemeClr val="accent1"/>
+          </a:effectRef>
+          <a:fontRef idx="minor">
+            <a:schemeClr val="lt1"/>
+          </a:fontRef>
+        </p:style>
+        <p:txBody>
+          <a:bodyPr rtlCol="0" anchor="ctr"/>
+          <a:lstStyle/>
+          <a:p>
+            <a:pPr algn="ctr"/>
+            <a:r>
+              <a:rPr lang="en-US" altLang="zh-CN" dirty="0" smtClean="0"/>
+              <a:t>E</a:t>
+            </a:r>
+            <a:endParaRPr lang="zh-CN" altLang="en-US" dirty="0"/>
+          </a:p>
+        </p:txBody>
+      </p:sp>
+      <p:sp>
+        <p:nvSpPr>
+          <p:cNvPr id="21" name="矩形 20"/>
+          <p:cNvSpPr/>
+          <p:nvPr/>
+        </p:nvSpPr>
+        <p:spPr>
+          <a:xfrm>
+            <a:off x="2987824" y="4365104"/>
+            <a:ext cx="864096" cy="432048"/>
+          </a:xfrm>
+          <a:prstGeom prst="rect">
+            <a:avLst/>
+          </a:prstGeom>
+        </p:spPr>
+        <p:style>
+          <a:lnRef idx="2">
+            <a:schemeClr val="accent1">
+              <a:shade val="50000"/>
+            </a:schemeClr>
+          </a:lnRef>
+          <a:fillRef idx="1">
+            <a:schemeClr val="accent1"/>
+          </a:fillRef>
+          <a:effectRef idx="0">
+            <a:schemeClr val="accent1"/>
+          </a:effectRef>
+          <a:fontRef idx="minor">
+            <a:schemeClr val="lt1"/>
+          </a:fontRef>
+        </p:style>
+        <p:txBody>
+          <a:bodyPr rtlCol="0" anchor="ctr"/>
+          <a:lstStyle/>
+          <a:p>
+            <a:pPr algn="ctr"/>
+            <a:r>
+              <a:rPr lang="en-US" altLang="zh-CN" dirty="0" smtClean="0"/>
+              <a:t>0000</a:t>
+            </a:r>
+            <a:endParaRPr lang="zh-CN" altLang="en-US" dirty="0"/>
+          </a:p>
+        </p:txBody>
+      </p:sp>
+      <p:sp>
+        <p:nvSpPr>
+          <p:cNvPr id="22" name="圆角矩形 21"/>
+          <p:cNvSpPr/>
+          <p:nvPr/>
+        </p:nvSpPr>
+        <p:spPr>
+          <a:xfrm>
+            <a:off x="4355976" y="430931"/>
+            <a:ext cx="2160240" cy="504056"/>
+          </a:xfrm>
+          <a:prstGeom prst="roundRect">
+            <a:avLst/>
+          </a:prstGeom>
+        </p:spPr>
+        <p:style>
+          <a:lnRef idx="2">
+            <a:schemeClr val="accent1">
+              <a:shade val="50000"/>
+            </a:schemeClr>
+          </a:lnRef>
+          <a:fillRef idx="1">
+            <a:schemeClr val="accent1"/>
+          </a:fillRef>
+          <a:effectRef idx="0">
+            <a:schemeClr val="accent1"/>
+          </a:effectRef>
+          <a:fontRef idx="minor">
+            <a:schemeClr val="lt1"/>
+          </a:fontRef>
+        </p:style>
+        <p:txBody>
+          <a:bodyPr rtlCol="0" anchor="ctr"/>
+          <a:lstStyle/>
+          <a:p>
+            <a:pPr algn="ctr"/>
+            <a:r>
+              <a:rPr lang="en-US" altLang="zh-CN" dirty="0" smtClean="0"/>
+              <a:t>Insert E</a:t>
+            </a:r>
+          </a:p>
+          <a:p>
+            <a:pPr algn="ctr"/>
+            <a:r>
+              <a:rPr lang="zh-CN" altLang="en-US" dirty="0" smtClean="0"/>
+              <a:t>假设与 </a:t>
+            </a:r>
+            <a:r>
+              <a:rPr lang="en-US" altLang="zh-CN" dirty="0" smtClean="0"/>
+              <a:t>C </a:t>
+            </a:r>
+            <a:r>
+              <a:rPr lang="zh-CN" altLang="en-US" dirty="0"/>
+              <a:t>冲突</a:t>
+            </a:r>
+          </a:p>
+        </p:txBody>
+      </p:sp>
+      <p:cxnSp>
+        <p:nvCxnSpPr>
+          <p:cNvPr id="25" name="直接箭头连接符 24"/>
+          <p:cNvCxnSpPr>
+            <a:stCxn id="26" idx="1"/>
+            <a:endCxn id="15" idx="3"/>
+          </p:cNvCxnSpPr>
+          <p:nvPr/>
+        </p:nvCxnSpPr>
+        <p:spPr>
+          <a:xfrm flipH="1">
+            <a:off x="3851920" y="3701413"/>
+            <a:ext cx="1003447" cy="15619"/>
+          </a:xfrm>
+          <a:prstGeom prst="straightConnector1">
+            <a:avLst/>
+          </a:prstGeom>
+          <a:ln>
+            <a:solidFill>
+              <a:schemeClr val="tx1"/>
+            </a:solidFill>
+            <a:tailEnd type="arrow"/>
+          </a:ln>
+        </p:spPr>
+        <p:style>
+          <a:lnRef idx="1">
+            <a:schemeClr val="accent1"/>
+          </a:lnRef>
+          <a:fillRef idx="0">
+            <a:schemeClr val="accent1"/>
+          </a:fillRef>
+          <a:effectRef idx="0">
+            <a:schemeClr val="accent1"/>
+          </a:effectRef>
+          <a:fontRef idx="minor">
+            <a:schemeClr val="tx1"/>
+          </a:fontRef>
+        </p:style>
+      </p:cxnSp>
+      <p:sp>
+        <p:nvSpPr>
+          <p:cNvPr id="26" name="圆角矩形 25"/>
+          <p:cNvSpPr/>
+          <p:nvPr/>
+        </p:nvSpPr>
+        <p:spPr>
+          <a:xfrm>
+            <a:off x="4855367" y="3413381"/>
+            <a:ext cx="1800200" cy="576064"/>
+          </a:xfrm>
+          <a:prstGeom prst="roundRect">
+            <a:avLst/>
+          </a:prstGeom>
+        </p:spPr>
+        <p:style>
+          <a:lnRef idx="2">
+            <a:schemeClr val="accent1">
+              <a:shade val="50000"/>
+            </a:schemeClr>
+          </a:lnRef>
+          <a:fillRef idx="1">
+            <a:schemeClr val="accent1"/>
+          </a:fillRef>
+          <a:effectRef idx="0">
+            <a:schemeClr val="accent1"/>
+          </a:effectRef>
+          <a:fontRef idx="minor">
+            <a:schemeClr val="lt1"/>
+          </a:fontRef>
+        </p:style>
+        <p:txBody>
+          <a:bodyPr rtlCol="0" anchor="ctr"/>
+          <a:lstStyle/>
+          <a:p>
+            <a:pPr algn="ctr"/>
+            <a:r>
+              <a:rPr lang="en-US" altLang="zh-CN" dirty="0" smtClean="0"/>
+              <a:t>E </a:t>
+            </a:r>
+            <a:r>
+              <a:rPr lang="zh-CN" altLang="en-US" dirty="0" smtClean="0"/>
+              <a:t>插入 </a:t>
+            </a:r>
+            <a:r>
+              <a:rPr lang="en-US" altLang="zh-CN" dirty="0" smtClean="0"/>
+              <a:t>D </a:t>
+            </a:r>
+            <a:r>
+              <a:rPr lang="zh-CN" altLang="en-US" dirty="0" smtClean="0"/>
+              <a:t>让出的空位</a:t>
+            </a:r>
+            <a:endParaRPr lang="zh-CN" altLang="en-US" dirty="0"/>
+          </a:p>
+        </p:txBody>
+      </p:sp>
+      <p:cxnSp>
+        <p:nvCxnSpPr>
+          <p:cNvPr id="32" name="直接箭头连接符 31"/>
+          <p:cNvCxnSpPr/>
+          <p:nvPr/>
+        </p:nvCxnSpPr>
+        <p:spPr>
+          <a:xfrm flipH="1">
+            <a:off x="2627784" y="2924944"/>
+            <a:ext cx="864096" cy="776469"/>
+          </a:xfrm>
+          <a:prstGeom prst="straightConnector1">
+            <a:avLst/>
+          </a:prstGeom>
+          <a:ln>
+            <a:solidFill>
+              <a:schemeClr val="tx1"/>
+            </a:solidFill>
+            <a:tailEnd type="arrow"/>
+          </a:ln>
+        </p:spPr>
+        <p:style>
+          <a:lnRef idx="1">
+            <a:schemeClr val="accent1"/>
+          </a:lnRef>
+          <a:fillRef idx="0">
+            <a:schemeClr val="accent1"/>
+          </a:fillRef>
+          <a:effectRef idx="0">
+            <a:schemeClr val="accent1"/>
+          </a:effectRef>
+          <a:fontRef idx="minor">
+            <a:schemeClr val="tx1"/>
+          </a:fontRef>
+        </p:style>
+      </p:cxnSp>
+      <p:sp>
+        <p:nvSpPr>
+          <p:cNvPr id="37" name="圆角矩形 36"/>
+          <p:cNvSpPr/>
+          <p:nvPr/>
+        </p:nvSpPr>
+        <p:spPr>
+          <a:xfrm>
+            <a:off x="4852122" y="2564904"/>
+            <a:ext cx="2304256" cy="576064"/>
+          </a:xfrm>
+          <a:prstGeom prst="roundRect">
+            <a:avLst/>
+          </a:prstGeom>
+        </p:spPr>
+        <p:style>
+          <a:lnRef idx="2">
+            <a:schemeClr val="accent1">
+              <a:shade val="50000"/>
+            </a:schemeClr>
+          </a:lnRef>
+          <a:fillRef idx="1">
+            <a:schemeClr val="accent1"/>
+          </a:fillRef>
+          <a:effectRef idx="0">
+            <a:schemeClr val="accent1"/>
+          </a:effectRef>
+          <a:fontRef idx="minor">
+            <a:schemeClr val="lt1"/>
+          </a:fontRef>
+        </p:style>
+        <p:txBody>
+          <a:bodyPr rtlCol="0" anchor="ctr"/>
+          <a:lstStyle/>
+          <a:p>
+            <a:pPr algn="ctr"/>
+            <a:r>
+              <a:rPr lang="zh-CN" altLang="en-US" dirty="0" smtClean="0"/>
+              <a:t>修改 </a:t>
+            </a:r>
+            <a:r>
+              <a:rPr lang="en-US" altLang="zh-CN" dirty="0" smtClean="0"/>
+              <a:t>A </a:t>
+            </a:r>
+            <a:r>
+              <a:rPr lang="zh-CN" altLang="en-US" dirty="0" smtClean="0"/>
+              <a:t>中 </a:t>
+            </a:r>
+            <a:r>
+              <a:rPr lang="en-US" altLang="zh-CN" dirty="0" smtClean="0"/>
+              <a:t>E </a:t>
+            </a:r>
+            <a:r>
+              <a:rPr lang="zh-CN" altLang="en-US" dirty="0" smtClean="0"/>
+              <a:t>的相对位</a:t>
+            </a:r>
+            <a:endParaRPr lang="zh-CN" altLang="en-US" dirty="0"/>
+          </a:p>
+        </p:txBody>
+      </p:sp>
+      <p:cxnSp>
+        <p:nvCxnSpPr>
+          <p:cNvPr id="39" name="直接箭头连接符 38"/>
+          <p:cNvCxnSpPr>
+            <a:stCxn id="9" idx="3"/>
+            <a:endCxn id="37" idx="1"/>
+          </p:cNvCxnSpPr>
+          <p:nvPr/>
+        </p:nvCxnSpPr>
+        <p:spPr>
+          <a:xfrm>
+            <a:off x="3851920" y="2852936"/>
+            <a:ext cx="1000202" cy="0"/>
+          </a:xfrm>
+          <a:prstGeom prst="straightConnector1">
+            <a:avLst/>
+          </a:prstGeom>
+          <a:ln>
+            <a:solidFill>
+              <a:schemeClr val="tx1"/>
+            </a:solidFill>
+            <a:tailEnd type="arrow"/>
+          </a:ln>
+        </p:spPr>
+        <p:style>
+          <a:lnRef idx="1">
+            <a:schemeClr val="accent1"/>
+          </a:lnRef>
+          <a:fillRef idx="0">
+            <a:schemeClr val="accent1"/>
+          </a:fillRef>
+          <a:effectRef idx="0">
+            <a:schemeClr val="accent1"/>
+          </a:effectRef>
+          <a:fontRef idx="minor">
+            <a:schemeClr val="tx1"/>
+          </a:fontRef>
+        </p:style>
+      </p:cxnSp>
+      <p:sp>
+        <p:nvSpPr>
+          <p:cNvPr id="40" name="矩形 39"/>
+          <p:cNvSpPr/>
+          <p:nvPr/>
+        </p:nvSpPr>
+        <p:spPr>
+          <a:xfrm>
+            <a:off x="5868144" y="4437112"/>
+            <a:ext cx="864096" cy="432048"/>
+          </a:xfrm>
+          <a:prstGeom prst="rect">
+            <a:avLst/>
+          </a:prstGeom>
+        </p:spPr>
+        <p:style>
+          <a:lnRef idx="2">
+            <a:schemeClr val="accent1">
+              <a:shade val="50000"/>
+            </a:schemeClr>
+          </a:lnRef>
+          <a:fillRef idx="1">
+            <a:schemeClr val="accent1"/>
+          </a:fillRef>
+          <a:effectRef idx="0">
+            <a:schemeClr val="accent1"/>
+          </a:effectRef>
+          <a:fontRef idx="minor">
+            <a:schemeClr val="lt1"/>
+          </a:fontRef>
+        </p:style>
+        <p:txBody>
+          <a:bodyPr rtlCol="0" anchor="ctr"/>
+          <a:lstStyle/>
+          <a:p>
+            <a:pPr algn="ctr"/>
+            <a:r>
+              <a:rPr lang="en-US" altLang="zh-CN" dirty="0"/>
+              <a:t>0</a:t>
+            </a:r>
+            <a:endParaRPr lang="zh-CN" altLang="en-US" dirty="0"/>
+          </a:p>
+        </p:txBody>
+      </p:sp>
+      <p:sp>
+        <p:nvSpPr>
+          <p:cNvPr id="41" name="矩形 40"/>
+          <p:cNvSpPr/>
+          <p:nvPr/>
+        </p:nvSpPr>
+        <p:spPr>
+          <a:xfrm>
+            <a:off x="5004048" y="4437112"/>
+            <a:ext cx="864096" cy="432048"/>
+          </a:xfrm>
+          <a:prstGeom prst="rect">
+            <a:avLst/>
+          </a:prstGeom>
+        </p:spPr>
+        <p:style>
+          <a:lnRef idx="2">
+            <a:schemeClr val="accent1">
+              <a:shade val="50000"/>
+            </a:schemeClr>
+          </a:lnRef>
+          <a:fillRef idx="1">
+            <a:schemeClr val="accent1"/>
+          </a:fillRef>
+          <a:effectRef idx="0">
+            <a:schemeClr val="accent1"/>
+          </a:effectRef>
+          <a:fontRef idx="minor">
+            <a:schemeClr val="lt1"/>
+          </a:fontRef>
+        </p:style>
+        <p:txBody>
+          <a:bodyPr rtlCol="0" anchor="ctr"/>
+          <a:lstStyle/>
+          <a:p>
+            <a:pPr algn="ctr"/>
+            <a:r>
+              <a:rPr lang="en-US" altLang="zh-CN" dirty="0" smtClean="0"/>
+              <a:t>C</a:t>
+            </a:r>
+            <a:endParaRPr lang="zh-CN" altLang="en-US" dirty="0"/>
+          </a:p>
+        </p:txBody>
+      </p:sp>
+      <p:sp>
+        <p:nvSpPr>
+          <p:cNvPr id="42" name="矩形 41"/>
+          <p:cNvSpPr/>
+          <p:nvPr/>
+        </p:nvSpPr>
+        <p:spPr>
+          <a:xfrm>
+            <a:off x="5868144" y="4869160"/>
+            <a:ext cx="864096" cy="432048"/>
+          </a:xfrm>
+          <a:prstGeom prst="rect">
+            <a:avLst/>
+          </a:prstGeom>
+        </p:spPr>
+        <p:style>
+          <a:lnRef idx="2">
+            <a:schemeClr val="accent1">
+              <a:shade val="50000"/>
+            </a:schemeClr>
+          </a:lnRef>
+          <a:fillRef idx="1">
+            <a:schemeClr val="accent1"/>
+          </a:fillRef>
+          <a:effectRef idx="0">
+            <a:schemeClr val="accent1"/>
+          </a:effectRef>
+          <a:fontRef idx="minor">
+            <a:schemeClr val="lt1"/>
+          </a:fontRef>
+        </p:style>
+        <p:txBody>
+          <a:bodyPr rtlCol="0" anchor="ctr"/>
+          <a:lstStyle/>
+          <a:p>
+            <a:pPr algn="ctr"/>
+            <a:r>
+              <a:rPr lang="en-US" altLang="zh-CN" dirty="0" smtClean="0"/>
+              <a:t>1</a:t>
+            </a:r>
+            <a:endParaRPr lang="zh-CN" altLang="en-US" dirty="0"/>
+          </a:p>
+        </p:txBody>
+      </p:sp>
+      <p:sp>
+        <p:nvSpPr>
+          <p:cNvPr id="43" name="矩形 42"/>
+          <p:cNvSpPr/>
+          <p:nvPr/>
+        </p:nvSpPr>
+        <p:spPr>
+          <a:xfrm>
+            <a:off x="5004048" y="4869160"/>
+            <a:ext cx="864096" cy="432048"/>
+          </a:xfrm>
+          <a:prstGeom prst="rect">
+            <a:avLst/>
+          </a:prstGeom>
+        </p:spPr>
+        <p:style>
+          <a:lnRef idx="2">
+            <a:schemeClr val="accent1">
+              <a:shade val="50000"/>
+            </a:schemeClr>
+          </a:lnRef>
+          <a:fillRef idx="1">
+            <a:schemeClr val="accent1"/>
+          </a:fillRef>
+          <a:effectRef idx="0">
+            <a:schemeClr val="accent1"/>
+          </a:effectRef>
+          <a:fontRef idx="minor">
+            <a:schemeClr val="lt1"/>
+          </a:fontRef>
+        </p:style>
+        <p:txBody>
+          <a:bodyPr rtlCol="0" anchor="ctr"/>
+          <a:lstStyle/>
+          <a:p>
+            <a:pPr algn="ctr"/>
+            <a:r>
+              <a:rPr lang="en-US" altLang="zh-CN" dirty="0" smtClean="0"/>
+              <a:t>A</a:t>
+            </a:r>
+            <a:endParaRPr lang="zh-CN" altLang="en-US" dirty="0"/>
+          </a:p>
+        </p:txBody>
+      </p:sp>
+      <p:sp>
+        <p:nvSpPr>
+          <p:cNvPr id="44" name="矩形 43"/>
+          <p:cNvSpPr/>
+          <p:nvPr/>
+        </p:nvSpPr>
+        <p:spPr>
+          <a:xfrm>
+            <a:off x="5868144" y="6165304"/>
+            <a:ext cx="864096" cy="432048"/>
+          </a:xfrm>
+          <a:prstGeom prst="rect">
+            <a:avLst/>
+          </a:prstGeom>
+        </p:spPr>
+        <p:style>
+          <a:lnRef idx="2">
+            <a:schemeClr val="accent1">
+              <a:shade val="50000"/>
+            </a:schemeClr>
+          </a:lnRef>
+          <a:fillRef idx="1">
+            <a:schemeClr val="accent1"/>
+          </a:fillRef>
+          <a:effectRef idx="0">
+            <a:schemeClr val="accent1"/>
+          </a:effectRef>
+          <a:fontRef idx="minor">
+            <a:schemeClr val="lt1"/>
+          </a:fontRef>
+        </p:style>
+        <p:txBody>
+          <a:bodyPr rtlCol="0" anchor="ctr"/>
+          <a:lstStyle/>
+          <a:p>
+            <a:pPr algn="ctr"/>
+            <a:r>
+              <a:rPr lang="en-US" altLang="zh-CN" dirty="0"/>
+              <a:t>1</a:t>
+            </a:r>
+            <a:endParaRPr lang="zh-CN" altLang="en-US" dirty="0"/>
+          </a:p>
+        </p:txBody>
+      </p:sp>
+      <p:sp>
+        <p:nvSpPr>
+          <p:cNvPr id="45" name="矩形 44"/>
+          <p:cNvSpPr/>
+          <p:nvPr/>
+        </p:nvSpPr>
+        <p:spPr>
+          <a:xfrm>
+            <a:off x="5004048" y="6165304"/>
+            <a:ext cx="864096" cy="432048"/>
+          </a:xfrm>
+          <a:prstGeom prst="rect">
+            <a:avLst/>
+          </a:prstGeom>
+        </p:spPr>
+        <p:style>
+          <a:lnRef idx="2">
+            <a:schemeClr val="accent1">
+              <a:shade val="50000"/>
+            </a:schemeClr>
+          </a:lnRef>
+          <a:fillRef idx="1">
+            <a:schemeClr val="accent1"/>
+          </a:fillRef>
+          <a:effectRef idx="0">
+            <a:schemeClr val="accent1"/>
+          </a:effectRef>
+          <a:fontRef idx="minor">
+            <a:schemeClr val="lt1"/>
+          </a:fontRef>
+        </p:style>
+        <p:txBody>
+          <a:bodyPr rtlCol="0" anchor="ctr"/>
+          <a:lstStyle/>
+          <a:p>
+            <a:pPr algn="ctr"/>
+            <a:r>
+              <a:rPr lang="en-US" altLang="zh-CN" dirty="0" smtClean="0"/>
+              <a:t>D</a:t>
+            </a:r>
+            <a:endParaRPr lang="zh-CN" altLang="en-US" dirty="0"/>
+          </a:p>
+        </p:txBody>
+      </p:sp>
+      <p:sp>
+        <p:nvSpPr>
+          <p:cNvPr id="46" name="矩形 45"/>
+          <p:cNvSpPr/>
+          <p:nvPr/>
+        </p:nvSpPr>
+        <p:spPr>
+          <a:xfrm>
+            <a:off x="5868144" y="5733256"/>
+            <a:ext cx="864096" cy="432048"/>
+          </a:xfrm>
+          <a:prstGeom prst="rect">
+            <a:avLst/>
+          </a:prstGeom>
+        </p:spPr>
+        <p:style>
+          <a:lnRef idx="2">
+            <a:schemeClr val="accent1">
+              <a:shade val="50000"/>
+            </a:schemeClr>
+          </a:lnRef>
+          <a:fillRef idx="1">
+            <a:schemeClr val="accent1"/>
+          </a:fillRef>
+          <a:effectRef idx="0">
+            <a:schemeClr val="accent1"/>
+          </a:effectRef>
+          <a:fontRef idx="minor">
+            <a:schemeClr val="lt1"/>
+          </a:fontRef>
+        </p:style>
+        <p:txBody>
+          <a:bodyPr rtlCol="0" anchor="ctr"/>
+          <a:lstStyle/>
+          <a:p>
+            <a:pPr algn="ctr"/>
+            <a:r>
+              <a:rPr lang="en-US" altLang="zh-CN" dirty="0"/>
+              <a:t>2</a:t>
+            </a:r>
+            <a:endParaRPr lang="zh-CN" altLang="en-US" dirty="0"/>
+          </a:p>
+        </p:txBody>
+      </p:sp>
+      <p:sp>
+        <p:nvSpPr>
+          <p:cNvPr id="47" name="矩形 46"/>
+          <p:cNvSpPr/>
+          <p:nvPr/>
+        </p:nvSpPr>
+        <p:spPr>
+          <a:xfrm>
+            <a:off x="5004048" y="5733256"/>
+            <a:ext cx="864096" cy="432048"/>
+          </a:xfrm>
+          <a:prstGeom prst="rect">
+            <a:avLst/>
+          </a:prstGeom>
+        </p:spPr>
+        <p:style>
+          <a:lnRef idx="2">
+            <a:schemeClr val="accent1">
+              <a:shade val="50000"/>
+            </a:schemeClr>
+          </a:lnRef>
+          <a:fillRef idx="1">
+            <a:schemeClr val="accent1"/>
+          </a:fillRef>
+          <a:effectRef idx="0">
+            <a:schemeClr val="accent1"/>
+          </a:effectRef>
+          <a:fontRef idx="minor">
+            <a:schemeClr val="lt1"/>
+          </a:fontRef>
+        </p:style>
+        <p:txBody>
+          <a:bodyPr rtlCol="0" anchor="ctr"/>
+          <a:lstStyle/>
+          <a:p>
+            <a:pPr algn="ctr"/>
+            <a:r>
+              <a:rPr lang="en-US" altLang="zh-CN" dirty="0"/>
+              <a:t>B</a:t>
+            </a:r>
+            <a:endParaRPr lang="zh-CN" altLang="en-US" dirty="0"/>
+          </a:p>
+        </p:txBody>
+      </p:sp>
+      <p:sp>
+        <p:nvSpPr>
+          <p:cNvPr id="48" name="矩形 47"/>
+          <p:cNvSpPr/>
+          <p:nvPr/>
+        </p:nvSpPr>
+        <p:spPr>
+          <a:xfrm>
+            <a:off x="5868144" y="5301208"/>
+            <a:ext cx="864096" cy="432048"/>
+          </a:xfrm>
+          <a:prstGeom prst="rect">
+            <a:avLst/>
+          </a:prstGeom>
+        </p:spPr>
+        <p:style>
+          <a:lnRef idx="2">
+            <a:schemeClr val="accent1">
+              <a:shade val="50000"/>
+            </a:schemeClr>
+          </a:lnRef>
+          <a:fillRef idx="1">
+            <a:schemeClr val="accent1"/>
+          </a:fillRef>
+          <a:effectRef idx="0">
+            <a:schemeClr val="accent1"/>
+          </a:effectRef>
+          <a:fontRef idx="minor">
+            <a:schemeClr val="lt1"/>
+          </a:fontRef>
+        </p:style>
+        <p:txBody>
+          <a:bodyPr rtlCol="0" anchor="ctr"/>
+          <a:lstStyle/>
+          <a:p>
+            <a:pPr algn="ctr"/>
+            <a:r>
+              <a:rPr lang="en-US" altLang="zh-CN" dirty="0" smtClean="0"/>
+              <a:t>0</a:t>
+            </a:r>
+            <a:endParaRPr lang="zh-CN" altLang="en-US" dirty="0"/>
+          </a:p>
+        </p:txBody>
+      </p:sp>
+      <p:sp>
+        <p:nvSpPr>
+          <p:cNvPr id="49" name="矩形 48"/>
+          <p:cNvSpPr/>
+          <p:nvPr/>
+        </p:nvSpPr>
+        <p:spPr>
+          <a:xfrm>
+            <a:off x="5004048" y="5301208"/>
+            <a:ext cx="864096" cy="432048"/>
+          </a:xfrm>
+          <a:prstGeom prst="rect">
+            <a:avLst/>
+          </a:prstGeom>
+        </p:spPr>
+        <p:style>
+          <a:lnRef idx="2">
+            <a:schemeClr val="accent1">
+              <a:shade val="50000"/>
+            </a:schemeClr>
+          </a:lnRef>
+          <a:fillRef idx="1">
+            <a:schemeClr val="accent1"/>
+          </a:fillRef>
+          <a:effectRef idx="0">
+            <a:schemeClr val="accent1"/>
+          </a:effectRef>
+          <a:fontRef idx="minor">
+            <a:schemeClr val="lt1"/>
+          </a:fontRef>
+        </p:style>
+        <p:txBody>
+          <a:bodyPr rtlCol="0" anchor="ctr"/>
+          <a:lstStyle/>
+          <a:p>
+            <a:pPr algn="ctr"/>
+            <a:r>
+              <a:rPr lang="en-US" altLang="zh-CN" dirty="0"/>
+              <a:t>E</a:t>
+            </a:r>
+            <a:endParaRPr lang="zh-CN" altLang="en-US" dirty="0"/>
+          </a:p>
+        </p:txBody>
+      </p:sp>
+      <p:sp>
+        <p:nvSpPr>
+          <p:cNvPr id="50" name="圆角矩形 49"/>
+          <p:cNvSpPr/>
+          <p:nvPr/>
+        </p:nvSpPr>
+        <p:spPr>
+          <a:xfrm>
+            <a:off x="7308304" y="4149080"/>
+            <a:ext cx="1368152" cy="504056"/>
+          </a:xfrm>
+          <a:prstGeom prst="roundRect">
+            <a:avLst/>
+          </a:prstGeom>
+        </p:spPr>
+        <p:style>
+          <a:lnRef idx="2">
+            <a:schemeClr val="accent1">
+              <a:shade val="50000"/>
+            </a:schemeClr>
+          </a:lnRef>
+          <a:fillRef idx="1">
+            <a:schemeClr val="accent1"/>
+          </a:fillRef>
+          <a:effectRef idx="0">
+            <a:schemeClr val="accent1"/>
+          </a:effectRef>
+          <a:fontRef idx="minor">
+            <a:schemeClr val="lt1"/>
+          </a:fontRef>
+        </p:style>
+        <p:txBody>
+          <a:bodyPr rtlCol="0" anchor="ctr"/>
+          <a:lstStyle/>
+          <a:p>
+            <a:pPr algn="ctr"/>
+            <a:r>
+              <a:rPr lang="en-US" altLang="zh-CN" dirty="0" smtClean="0"/>
+              <a:t>Absolute position</a:t>
+            </a:r>
+            <a:endParaRPr lang="zh-CN" altLang="en-US" dirty="0"/>
+          </a:p>
+        </p:txBody>
+      </p:sp>
+      <p:cxnSp>
+        <p:nvCxnSpPr>
+          <p:cNvPr id="52" name="直接箭头连接符 51"/>
+          <p:cNvCxnSpPr>
+            <a:stCxn id="50" idx="1"/>
+            <a:endCxn id="40" idx="3"/>
+          </p:cNvCxnSpPr>
+          <p:nvPr/>
+        </p:nvCxnSpPr>
+        <p:spPr>
+          <a:xfrm flipH="1">
+            <a:off x="6732240" y="4401108"/>
+            <a:ext cx="576064" cy="252028"/>
+          </a:xfrm>
+          <a:prstGeom prst="straightConnector1">
+            <a:avLst/>
+          </a:prstGeom>
+          <a:ln>
+            <a:solidFill>
+              <a:schemeClr val="tx1"/>
+            </a:solidFill>
+            <a:tailEnd type="arrow"/>
+          </a:ln>
+        </p:spPr>
+        <p:style>
+          <a:lnRef idx="1">
+            <a:schemeClr val="accent1"/>
+          </a:lnRef>
+          <a:fillRef idx="0">
+            <a:schemeClr val="accent1"/>
+          </a:fillRef>
+          <a:effectRef idx="0">
+            <a:schemeClr val="accent1"/>
+          </a:effectRef>
+          <a:fontRef idx="minor">
+            <a:schemeClr val="tx1"/>
+          </a:fontRef>
+        </p:style>
+      </p:cxnSp>
+      <p:sp>
+        <p:nvSpPr>
+          <p:cNvPr id="54" name="圆角矩形 53"/>
+          <p:cNvSpPr/>
+          <p:nvPr/>
+        </p:nvSpPr>
+        <p:spPr>
+          <a:xfrm>
+            <a:off x="755576" y="5611755"/>
+            <a:ext cx="1368152" cy="504056"/>
+          </a:xfrm>
+          <a:prstGeom prst="roundRect">
+            <a:avLst/>
+          </a:prstGeom>
+        </p:spPr>
+        <p:style>
+          <a:lnRef idx="2">
+            <a:schemeClr val="accent1">
+              <a:shade val="50000"/>
+            </a:schemeClr>
+          </a:lnRef>
+          <a:fillRef idx="1">
+            <a:schemeClr val="accent1"/>
+          </a:fillRef>
+          <a:effectRef idx="0">
+            <a:schemeClr val="accent1"/>
+          </a:effectRef>
+          <a:fontRef idx="minor">
+            <a:schemeClr val="lt1"/>
+          </a:fontRef>
+        </p:style>
+        <p:txBody>
+          <a:bodyPr rtlCol="0" anchor="ctr"/>
+          <a:lstStyle/>
+          <a:p>
+            <a:pPr algn="ctr"/>
+            <a:r>
+              <a:rPr lang="en-US" altLang="zh-CN" dirty="0" smtClean="0"/>
+              <a:t>Relative</a:t>
+            </a:r>
+          </a:p>
+          <a:p>
+            <a:pPr algn="ctr"/>
+            <a:r>
+              <a:rPr lang="en-US" altLang="zh-CN" dirty="0"/>
+              <a:t>position</a:t>
+            </a:r>
+            <a:endParaRPr lang="zh-CN" altLang="en-US" dirty="0"/>
+          </a:p>
+        </p:txBody>
+      </p:sp>
+      <p:cxnSp>
+        <p:nvCxnSpPr>
+          <p:cNvPr id="56" name="直接箭头连接符 55"/>
+          <p:cNvCxnSpPr>
+            <a:stCxn id="54" idx="0"/>
+            <a:endCxn id="19" idx="2"/>
+          </p:cNvCxnSpPr>
+          <p:nvPr/>
+        </p:nvCxnSpPr>
+        <p:spPr>
+          <a:xfrm flipV="1">
+            <a:off x="1439652" y="4797152"/>
+            <a:ext cx="252028" cy="814603"/>
+          </a:xfrm>
+          <a:prstGeom prst="straightConnector1">
+            <a:avLst/>
+          </a:prstGeom>
+          <a:ln>
+            <a:solidFill>
+              <a:schemeClr val="tx1"/>
+            </a:solidFill>
+            <a:tailEnd type="arrow"/>
+          </a:ln>
+        </p:spPr>
+        <p:style>
+          <a:lnRef idx="1">
+            <a:schemeClr val="accent1"/>
+          </a:lnRef>
+          <a:fillRef idx="0">
+            <a:schemeClr val="accent1"/>
+          </a:fillRef>
+          <a:effectRef idx="0">
+            <a:schemeClr val="accent1"/>
+          </a:effectRef>
+          <a:fontRef idx="minor">
+            <a:schemeClr val="tx1"/>
+          </a:fontRef>
+        </p:style>
+      </p:cxnSp>
+    </p:spTree>
+    <p:extLst>
+      <p:ext uri="{BB962C8B-B14F-4D97-AF65-F5344CB8AC3E}">
+        <p14:creationId xmlns:p14="http://schemas.microsoft.com/office/powerpoint/2010/main" val="2654592041"/>
+      </p:ext>
+    </p:extLst>
+  </p:cSld>
+  <p:clrMapOvr>
+    <a:masterClrMapping/>
+  </p:clrMapOvr>
+</p:sld>
+</file>
+
+<file path=ppt/slides/slide16.xml><?xml version="1.0" encoding="utf-8"?>
+<p:sld xmlns:a="http://schemas.openxmlformats.org/drawingml/2006/main" xmlns:r="http://schemas.openxmlformats.org/officeDocument/2006/relationships" xmlns:p="http://schemas.openxmlformats.org/presentationml/2006/main">
+  <p:cSld>
+    <p:spTree>
+      <p:nvGrpSpPr>
+        <p:cNvPr id="1" name=""/>
+        <p:cNvGrpSpPr/>
+        <p:nvPr/>
+      </p:nvGrpSpPr>
+      <p:grpSpPr>
+        <a:xfrm>
+          <a:off x="0" y="0"/>
+          <a:ext cx="0" cy="0"/>
+          <a:chOff x="0" y="0"/>
+          <a:chExt cx="0" cy="0"/>
+        </a:xfrm>
+      </p:grpSpPr>
+    </p:spTree>
+    <p:extLst>
+      <p:ext uri="{BB962C8B-B14F-4D97-AF65-F5344CB8AC3E}">
+        <p14:creationId xmlns:p14="http://schemas.microsoft.com/office/powerpoint/2010/main" val="1509333964"/>
+      </p:ext>
+    </p:extLst>
+  </p:cSld>
+  <p:clrMapOvr>
+    <a:masterClrMapping/>
+  </p:clrMapOvr>
+</p:sld>
+</file>
+
+<file path=ppt/slides/slide17.xml><?xml version="1.0" encoding="utf-8"?>
+<p:sld xmlns:a="http://schemas.openxmlformats.org/drawingml/2006/main" xmlns:r="http://schemas.openxmlformats.org/officeDocument/2006/relationships" xmlns:p="http://schemas.openxmlformats.org/presentationml/2006/main">
+  <p:cSld>
+    <p:spTree>
+      <p:nvGrpSpPr>
+        <p:cNvPr id="1" name=""/>
+        <p:cNvGrpSpPr/>
+        <p:nvPr/>
+      </p:nvGrpSpPr>
+      <p:grpSpPr>
+        <a:xfrm>
+          <a:off x="0" y="0"/>
+          <a:ext cx="0" cy="0"/>
+          <a:chOff x="0" y="0"/>
+          <a:chExt cx="0" cy="0"/>
+        </a:xfrm>
+      </p:grpSpPr>
+    </p:spTree>
+    <p:extLst>
+      <p:ext uri="{BB962C8B-B14F-4D97-AF65-F5344CB8AC3E}">
+        <p14:creationId xmlns:p14="http://schemas.microsoft.com/office/powerpoint/2010/main" val="752630737"/>
+      </p:ext>
+    </p:extLst>
+  </p:cSld>
+  <p:clrMapOvr>
+    <a:masterClrMapping/>
+  </p:clrMapOvr>
+</p:sld>
+</file>
+
+<file path=ppt/slides/slide18.xml><?xml version="1.0" encoding="utf-8"?>
+<p:sld xmlns:a="http://schemas.openxmlformats.org/drawingml/2006/main" xmlns:r="http://schemas.openxmlformats.org/officeDocument/2006/relationships" xmlns:p="http://schemas.openxmlformats.org/presentationml/2006/main">
+  <p:cSld>
+    <p:spTree>
+      <p:nvGrpSpPr>
+        <p:cNvPr id="1" name=""/>
+        <p:cNvGrpSpPr/>
+        <p:nvPr/>
+      </p:nvGrpSpPr>
+      <p:grpSpPr>
+        <a:xfrm>
+          <a:off x="0" y="0"/>
+          <a:ext cx="0" cy="0"/>
+          <a:chOff x="0" y="0"/>
+          <a:chExt cx="0" cy="0"/>
+        </a:xfrm>
+      </p:grpSpPr>
+    </p:spTree>
+    <p:extLst>
+      <p:ext uri="{BB962C8B-B14F-4D97-AF65-F5344CB8AC3E}">
+        <p14:creationId xmlns:p14="http://schemas.microsoft.com/office/powerpoint/2010/main" val="752630737"/>
+      </p:ext>
+    </p:extLst>
+  </p:cSld>
+  <p:clrMapOvr>
+    <a:masterClrMapping/>
+  </p:clrMapOvr>
+</p:sld>
+</file>
+
+<file path=ppt/slides/slide19.xml><?xml version="1.0" encoding="utf-8"?>
+<p:sld xmlns:a="http://schemas.openxmlformats.org/drawingml/2006/main" xmlns:r="http://schemas.openxmlformats.org/officeDocument/2006/relationships" xmlns:p="http://schemas.openxmlformats.org/presentationml/2006/main">
+  <p:cSld>
+    <p:spTree>
+      <p:nvGrpSpPr>
+        <p:cNvPr id="1" name=""/>
+        <p:cNvGrpSpPr/>
+        <p:nvPr/>
+      </p:nvGrpSpPr>
+      <p:grpSpPr>
+        <a:xfrm>
+          <a:off x="0" y="0"/>
+          <a:ext cx="0" cy="0"/>
+          <a:chOff x="0" y="0"/>
+          <a:chExt cx="0" cy="0"/>
+        </a:xfrm>
+      </p:grpSpPr>
+    </p:spTree>
+    <p:extLst>
+      <p:ext uri="{BB962C8B-B14F-4D97-AF65-F5344CB8AC3E}">
+        <p14:creationId xmlns:p14="http://schemas.microsoft.com/office/powerpoint/2010/main" val="752630737"/>
       </p:ext>
     </p:extLst>
   </p:cSld>
@@ -8384,6 +16322,606 @@
           <a:chExt cx="0" cy="0"/>
         </a:xfrm>
       </p:grpSpPr>
+      <p:sp>
+        <p:nvSpPr>
+          <p:cNvPr id="2" name="矩形 1"/>
+          <p:cNvSpPr/>
+          <p:nvPr/>
+        </p:nvSpPr>
+        <p:spPr>
+          <a:xfrm>
+            <a:off x="395536" y="476672"/>
+            <a:ext cx="3024336" cy="504056"/>
+          </a:xfrm>
+          <a:prstGeom prst="rect">
+            <a:avLst/>
+          </a:prstGeom>
+        </p:spPr>
+        <p:style>
+          <a:lnRef idx="2">
+            <a:schemeClr val="accent1">
+              <a:shade val="50000"/>
+            </a:schemeClr>
+          </a:lnRef>
+          <a:fillRef idx="1">
+            <a:schemeClr val="accent1"/>
+          </a:fillRef>
+          <a:effectRef idx="0">
+            <a:schemeClr val="accent1"/>
+          </a:effectRef>
+          <a:fontRef idx="minor">
+            <a:schemeClr val="lt1"/>
+          </a:fontRef>
+        </p:style>
+        <p:txBody>
+          <a:bodyPr rtlCol="0" anchor="ctr"/>
+          <a:lstStyle/>
+          <a:p>
+            <a:pPr algn="ctr"/>
+            <a:r>
+              <a:rPr lang="en-US" altLang="zh-CN" dirty="0" err="1" smtClean="0"/>
+              <a:t>CuckooHashTable</a:t>
+            </a:r>
+            <a:endParaRPr lang="zh-CN" altLang="en-US" dirty="0"/>
+          </a:p>
+        </p:txBody>
+      </p:sp>
+      <p:sp>
+        <p:nvSpPr>
+          <p:cNvPr id="3" name="矩形 2"/>
+          <p:cNvSpPr/>
+          <p:nvPr/>
+        </p:nvSpPr>
+        <p:spPr>
+          <a:xfrm>
+            <a:off x="2627784" y="2420888"/>
+            <a:ext cx="1224136" cy="432048"/>
+          </a:xfrm>
+          <a:prstGeom prst="rect">
+            <a:avLst/>
+          </a:prstGeom>
+        </p:spPr>
+        <p:style>
+          <a:lnRef idx="2">
+            <a:schemeClr val="accent1">
+              <a:shade val="50000"/>
+            </a:schemeClr>
+          </a:lnRef>
+          <a:fillRef idx="1">
+            <a:schemeClr val="accent1"/>
+          </a:fillRef>
+          <a:effectRef idx="0">
+            <a:schemeClr val="accent1"/>
+          </a:effectRef>
+          <a:fontRef idx="minor">
+            <a:schemeClr val="lt1"/>
+          </a:fontRef>
+        </p:style>
+        <p:txBody>
+          <a:bodyPr rtlCol="0" anchor="ctr"/>
+          <a:lstStyle/>
+          <a:p>
+            <a:pPr algn="ctr"/>
+            <a:r>
+              <a:rPr lang="en-US" altLang="zh-CN" dirty="0" smtClean="0"/>
+              <a:t>Table</a:t>
+            </a:r>
+            <a:endParaRPr lang="zh-CN" altLang="en-US" dirty="0"/>
+          </a:p>
+        </p:txBody>
+      </p:sp>
+      <p:sp>
+        <p:nvSpPr>
+          <p:cNvPr id="4" name="矩形 3"/>
+          <p:cNvSpPr/>
+          <p:nvPr/>
+        </p:nvSpPr>
+        <p:spPr>
+          <a:xfrm>
+            <a:off x="2627784" y="2852936"/>
+            <a:ext cx="612068" cy="432048"/>
+          </a:xfrm>
+          <a:prstGeom prst="rect">
+            <a:avLst/>
+          </a:prstGeom>
+        </p:spPr>
+        <p:style>
+          <a:lnRef idx="2">
+            <a:schemeClr val="accent1">
+              <a:shade val="50000"/>
+            </a:schemeClr>
+          </a:lnRef>
+          <a:fillRef idx="1">
+            <a:schemeClr val="accent1"/>
+          </a:fillRef>
+          <a:effectRef idx="0">
+            <a:schemeClr val="accent1"/>
+          </a:effectRef>
+          <a:fontRef idx="minor">
+            <a:schemeClr val="lt1"/>
+          </a:fontRef>
+        </p:style>
+        <p:txBody>
+          <a:bodyPr rtlCol="0" anchor="ctr"/>
+          <a:lstStyle/>
+          <a:p>
+            <a:pPr algn="ctr"/>
+            <a:r>
+              <a:rPr lang="en-US" altLang="zh-CN" dirty="0" smtClean="0"/>
+              <a:t>0</a:t>
+            </a:r>
+            <a:endParaRPr lang="zh-CN" altLang="en-US" dirty="0"/>
+          </a:p>
+        </p:txBody>
+      </p:sp>
+      <p:sp>
+        <p:nvSpPr>
+          <p:cNvPr id="5" name="矩形 4"/>
+          <p:cNvSpPr/>
+          <p:nvPr/>
+        </p:nvSpPr>
+        <p:spPr>
+          <a:xfrm>
+            <a:off x="3236302" y="2848338"/>
+            <a:ext cx="612068" cy="432048"/>
+          </a:xfrm>
+          <a:prstGeom prst="rect">
+            <a:avLst/>
+          </a:prstGeom>
+        </p:spPr>
+        <p:style>
+          <a:lnRef idx="2">
+            <a:schemeClr val="accent1">
+              <a:shade val="50000"/>
+            </a:schemeClr>
+          </a:lnRef>
+          <a:fillRef idx="1">
+            <a:schemeClr val="accent1"/>
+          </a:fillRef>
+          <a:effectRef idx="0">
+            <a:schemeClr val="accent1"/>
+          </a:effectRef>
+          <a:fontRef idx="minor">
+            <a:schemeClr val="lt1"/>
+          </a:fontRef>
+        </p:style>
+        <p:txBody>
+          <a:bodyPr rtlCol="0" anchor="ctr"/>
+          <a:lstStyle/>
+          <a:p>
+            <a:pPr algn="ctr"/>
+            <a:r>
+              <a:rPr lang="en-US" altLang="zh-CN" dirty="0" smtClean="0"/>
+              <a:t>A</a:t>
+            </a:r>
+            <a:endParaRPr lang="zh-CN" altLang="en-US" dirty="0"/>
+          </a:p>
+        </p:txBody>
+      </p:sp>
+      <p:sp>
+        <p:nvSpPr>
+          <p:cNvPr id="6" name="矩形 5"/>
+          <p:cNvSpPr/>
+          <p:nvPr/>
+        </p:nvSpPr>
+        <p:spPr>
+          <a:xfrm>
+            <a:off x="2627784" y="3284984"/>
+            <a:ext cx="612068" cy="432048"/>
+          </a:xfrm>
+          <a:prstGeom prst="rect">
+            <a:avLst/>
+          </a:prstGeom>
+        </p:spPr>
+        <p:style>
+          <a:lnRef idx="2">
+            <a:schemeClr val="accent1">
+              <a:shade val="50000"/>
+            </a:schemeClr>
+          </a:lnRef>
+          <a:fillRef idx="1">
+            <a:schemeClr val="accent1"/>
+          </a:fillRef>
+          <a:effectRef idx="0">
+            <a:schemeClr val="accent1"/>
+          </a:effectRef>
+          <a:fontRef idx="minor">
+            <a:schemeClr val="lt1"/>
+          </a:fontRef>
+        </p:style>
+        <p:txBody>
+          <a:bodyPr rtlCol="0" anchor="ctr"/>
+          <a:lstStyle/>
+          <a:p>
+            <a:pPr algn="ctr"/>
+            <a:r>
+              <a:rPr lang="en-US" altLang="zh-CN" dirty="0" smtClean="0"/>
+              <a:t>1</a:t>
+            </a:r>
+            <a:endParaRPr lang="zh-CN" altLang="en-US" dirty="0"/>
+          </a:p>
+        </p:txBody>
+      </p:sp>
+      <p:sp>
+        <p:nvSpPr>
+          <p:cNvPr id="7" name="矩形 6"/>
+          <p:cNvSpPr/>
+          <p:nvPr/>
+        </p:nvSpPr>
+        <p:spPr>
+          <a:xfrm>
+            <a:off x="3239852" y="3284984"/>
+            <a:ext cx="612068" cy="432048"/>
+          </a:xfrm>
+          <a:prstGeom prst="rect">
+            <a:avLst/>
+          </a:prstGeom>
+        </p:spPr>
+        <p:style>
+          <a:lnRef idx="2">
+            <a:schemeClr val="accent1">
+              <a:shade val="50000"/>
+            </a:schemeClr>
+          </a:lnRef>
+          <a:fillRef idx="1">
+            <a:schemeClr val="accent1"/>
+          </a:fillRef>
+          <a:effectRef idx="0">
+            <a:schemeClr val="accent1"/>
+          </a:effectRef>
+          <a:fontRef idx="minor">
+            <a:schemeClr val="lt1"/>
+          </a:fontRef>
+        </p:style>
+        <p:txBody>
+          <a:bodyPr rtlCol="0" anchor="ctr"/>
+          <a:lstStyle/>
+          <a:p>
+            <a:pPr algn="ctr"/>
+            <a:endParaRPr lang="zh-CN" altLang="en-US"/>
+          </a:p>
+        </p:txBody>
+      </p:sp>
+      <p:sp>
+        <p:nvSpPr>
+          <p:cNvPr id="8" name="矩形 7"/>
+          <p:cNvSpPr/>
+          <p:nvPr/>
+        </p:nvSpPr>
+        <p:spPr>
+          <a:xfrm>
+            <a:off x="3239852" y="3717032"/>
+            <a:ext cx="612068" cy="432048"/>
+          </a:xfrm>
+          <a:prstGeom prst="rect">
+            <a:avLst/>
+          </a:prstGeom>
+        </p:spPr>
+        <p:style>
+          <a:lnRef idx="2">
+            <a:schemeClr val="accent1">
+              <a:shade val="50000"/>
+            </a:schemeClr>
+          </a:lnRef>
+          <a:fillRef idx="1">
+            <a:schemeClr val="accent1"/>
+          </a:fillRef>
+          <a:effectRef idx="0">
+            <a:schemeClr val="accent1"/>
+          </a:effectRef>
+          <a:fontRef idx="minor">
+            <a:schemeClr val="lt1"/>
+          </a:fontRef>
+        </p:style>
+        <p:txBody>
+          <a:bodyPr rtlCol="0" anchor="ctr"/>
+          <a:lstStyle/>
+          <a:p>
+            <a:pPr algn="ctr"/>
+            <a:endParaRPr lang="zh-CN" altLang="en-US"/>
+          </a:p>
+        </p:txBody>
+      </p:sp>
+      <p:sp>
+        <p:nvSpPr>
+          <p:cNvPr id="9" name="矩形 8"/>
+          <p:cNvSpPr/>
+          <p:nvPr/>
+        </p:nvSpPr>
+        <p:spPr>
+          <a:xfrm>
+            <a:off x="2627784" y="3717032"/>
+            <a:ext cx="612068" cy="432048"/>
+          </a:xfrm>
+          <a:prstGeom prst="rect">
+            <a:avLst/>
+          </a:prstGeom>
+        </p:spPr>
+        <p:style>
+          <a:lnRef idx="2">
+            <a:schemeClr val="accent1">
+              <a:shade val="50000"/>
+            </a:schemeClr>
+          </a:lnRef>
+          <a:fillRef idx="1">
+            <a:schemeClr val="accent1"/>
+          </a:fillRef>
+          <a:effectRef idx="0">
+            <a:schemeClr val="accent1"/>
+          </a:effectRef>
+          <a:fontRef idx="minor">
+            <a:schemeClr val="lt1"/>
+          </a:fontRef>
+        </p:style>
+        <p:txBody>
+          <a:bodyPr rtlCol="0" anchor="ctr"/>
+          <a:lstStyle/>
+          <a:p>
+            <a:pPr algn="ctr"/>
+            <a:r>
+              <a:rPr lang="en-US" altLang="zh-CN" dirty="0" smtClean="0"/>
+              <a:t>2</a:t>
+            </a:r>
+            <a:endParaRPr lang="zh-CN" altLang="en-US" dirty="0"/>
+          </a:p>
+        </p:txBody>
+      </p:sp>
+      <p:sp>
+        <p:nvSpPr>
+          <p:cNvPr id="10" name="矩形 9"/>
+          <p:cNvSpPr/>
+          <p:nvPr/>
+        </p:nvSpPr>
+        <p:spPr>
+          <a:xfrm>
+            <a:off x="2627784" y="4149080"/>
+            <a:ext cx="612068" cy="432048"/>
+          </a:xfrm>
+          <a:prstGeom prst="rect">
+            <a:avLst/>
+          </a:prstGeom>
+        </p:spPr>
+        <p:style>
+          <a:lnRef idx="2">
+            <a:schemeClr val="accent1">
+              <a:shade val="50000"/>
+            </a:schemeClr>
+          </a:lnRef>
+          <a:fillRef idx="1">
+            <a:schemeClr val="accent1"/>
+          </a:fillRef>
+          <a:effectRef idx="0">
+            <a:schemeClr val="accent1"/>
+          </a:effectRef>
+          <a:fontRef idx="minor">
+            <a:schemeClr val="lt1"/>
+          </a:fontRef>
+        </p:style>
+        <p:txBody>
+          <a:bodyPr rtlCol="0" anchor="ctr"/>
+          <a:lstStyle/>
+          <a:p>
+            <a:pPr algn="ctr"/>
+            <a:r>
+              <a:rPr lang="en-US" altLang="zh-CN" dirty="0" smtClean="0"/>
+              <a:t>3</a:t>
+            </a:r>
+            <a:endParaRPr lang="zh-CN" altLang="en-US" dirty="0"/>
+          </a:p>
+        </p:txBody>
+      </p:sp>
+      <p:sp>
+        <p:nvSpPr>
+          <p:cNvPr id="11" name="矩形 10"/>
+          <p:cNvSpPr/>
+          <p:nvPr/>
+        </p:nvSpPr>
+        <p:spPr>
+          <a:xfrm>
+            <a:off x="3239852" y="4149080"/>
+            <a:ext cx="612068" cy="432048"/>
+          </a:xfrm>
+          <a:prstGeom prst="rect">
+            <a:avLst/>
+          </a:prstGeom>
+        </p:spPr>
+        <p:style>
+          <a:lnRef idx="2">
+            <a:schemeClr val="accent1">
+              <a:shade val="50000"/>
+            </a:schemeClr>
+          </a:lnRef>
+          <a:fillRef idx="1">
+            <a:schemeClr val="accent1"/>
+          </a:fillRef>
+          <a:effectRef idx="0">
+            <a:schemeClr val="accent1"/>
+          </a:effectRef>
+          <a:fontRef idx="minor">
+            <a:schemeClr val="lt1"/>
+          </a:fontRef>
+        </p:style>
+        <p:txBody>
+          <a:bodyPr rtlCol="0" anchor="ctr"/>
+          <a:lstStyle/>
+          <a:p>
+            <a:pPr algn="ctr"/>
+            <a:endParaRPr lang="zh-CN" altLang="en-US"/>
+          </a:p>
+        </p:txBody>
+      </p:sp>
+      <p:sp>
+        <p:nvSpPr>
+          <p:cNvPr id="12" name="矩形 11"/>
+          <p:cNvSpPr/>
+          <p:nvPr/>
+        </p:nvSpPr>
+        <p:spPr>
+          <a:xfrm>
+            <a:off x="2627784" y="4581128"/>
+            <a:ext cx="612068" cy="432048"/>
+          </a:xfrm>
+          <a:prstGeom prst="rect">
+            <a:avLst/>
+          </a:prstGeom>
+        </p:spPr>
+        <p:style>
+          <a:lnRef idx="2">
+            <a:schemeClr val="accent1">
+              <a:shade val="50000"/>
+            </a:schemeClr>
+          </a:lnRef>
+          <a:fillRef idx="1">
+            <a:schemeClr val="accent1"/>
+          </a:fillRef>
+          <a:effectRef idx="0">
+            <a:schemeClr val="accent1"/>
+          </a:effectRef>
+          <a:fontRef idx="minor">
+            <a:schemeClr val="lt1"/>
+          </a:fontRef>
+        </p:style>
+        <p:txBody>
+          <a:bodyPr rtlCol="0" anchor="ctr"/>
+          <a:lstStyle/>
+          <a:p>
+            <a:pPr algn="ctr"/>
+            <a:r>
+              <a:rPr lang="en-US" altLang="zh-CN" dirty="0" smtClean="0"/>
+              <a:t>4</a:t>
+            </a:r>
+            <a:endParaRPr lang="zh-CN" altLang="en-US" dirty="0"/>
+          </a:p>
+        </p:txBody>
+      </p:sp>
+      <p:sp>
+        <p:nvSpPr>
+          <p:cNvPr id="13" name="矩形 12"/>
+          <p:cNvSpPr/>
+          <p:nvPr/>
+        </p:nvSpPr>
+        <p:spPr>
+          <a:xfrm>
+            <a:off x="3239852" y="4581128"/>
+            <a:ext cx="612068" cy="432048"/>
+          </a:xfrm>
+          <a:prstGeom prst="rect">
+            <a:avLst/>
+          </a:prstGeom>
+        </p:spPr>
+        <p:style>
+          <a:lnRef idx="2">
+            <a:schemeClr val="accent1">
+              <a:shade val="50000"/>
+            </a:schemeClr>
+          </a:lnRef>
+          <a:fillRef idx="1">
+            <a:schemeClr val="accent1"/>
+          </a:fillRef>
+          <a:effectRef idx="0">
+            <a:schemeClr val="accent1"/>
+          </a:effectRef>
+          <a:fontRef idx="minor">
+            <a:schemeClr val="lt1"/>
+          </a:fontRef>
+        </p:style>
+        <p:txBody>
+          <a:bodyPr rtlCol="0" anchor="ctr"/>
+          <a:lstStyle/>
+          <a:p>
+            <a:pPr algn="ctr"/>
+            <a:endParaRPr lang="zh-CN" altLang="en-US"/>
+          </a:p>
+        </p:txBody>
+      </p:sp>
+      <p:sp>
+        <p:nvSpPr>
+          <p:cNvPr id="14" name="圆角矩形 13"/>
+          <p:cNvSpPr/>
+          <p:nvPr/>
+        </p:nvSpPr>
+        <p:spPr>
+          <a:xfrm>
+            <a:off x="971600" y="1376772"/>
+            <a:ext cx="1962218" cy="504056"/>
+          </a:xfrm>
+          <a:prstGeom prst="roundRect">
+            <a:avLst/>
+          </a:prstGeom>
+        </p:spPr>
+        <p:style>
+          <a:lnRef idx="2">
+            <a:schemeClr val="accent1">
+              <a:shade val="50000"/>
+            </a:schemeClr>
+          </a:lnRef>
+          <a:fillRef idx="1">
+            <a:schemeClr val="accent1"/>
+          </a:fillRef>
+          <a:effectRef idx="0">
+            <a:schemeClr val="accent1"/>
+          </a:effectRef>
+          <a:fontRef idx="minor">
+            <a:schemeClr val="lt1"/>
+          </a:fontRef>
+        </p:style>
+        <p:txBody>
+          <a:bodyPr rtlCol="0" anchor="ctr"/>
+          <a:lstStyle/>
+          <a:p>
+            <a:pPr algn="ctr"/>
+            <a:r>
+              <a:rPr lang="en-US" altLang="zh-CN" dirty="0" smtClean="0"/>
+              <a:t>Insert A</a:t>
+            </a:r>
+            <a:endParaRPr lang="zh-CN" altLang="en-US" dirty="0"/>
+          </a:p>
+        </p:txBody>
+      </p:sp>
+      <p:sp>
+        <p:nvSpPr>
+          <p:cNvPr id="15" name="圆角矩形 14"/>
+          <p:cNvSpPr/>
+          <p:nvPr/>
+        </p:nvSpPr>
+        <p:spPr>
+          <a:xfrm>
+            <a:off x="3848370" y="476672"/>
+            <a:ext cx="1947766" cy="504056"/>
+          </a:xfrm>
+          <a:prstGeom prst="roundRect">
+            <a:avLst/>
+          </a:prstGeom>
+        </p:spPr>
+        <p:style>
+          <a:lnRef idx="2">
+            <a:schemeClr val="accent1">
+              <a:shade val="50000"/>
+            </a:schemeClr>
+          </a:lnRef>
+          <a:fillRef idx="1">
+            <a:schemeClr val="accent1"/>
+          </a:fillRef>
+          <a:effectRef idx="0">
+            <a:schemeClr val="accent1"/>
+          </a:effectRef>
+          <a:fontRef idx="minor">
+            <a:schemeClr val="lt1"/>
+          </a:fontRef>
+        </p:style>
+        <p:txBody>
+          <a:bodyPr rtlCol="0" anchor="ctr"/>
+          <a:lstStyle/>
+          <a:p>
+            <a:pPr algn="ctr"/>
+            <a:r>
+              <a:rPr lang="zh-CN" altLang="en-US" dirty="0" smtClean="0"/>
+              <a:t>布谷鸟</a:t>
+            </a:r>
+            <a:endParaRPr lang="zh-CN" altLang="en-US" dirty="0"/>
+          </a:p>
+        </p:txBody>
+      </p:sp>
     </p:spTree>
     <p:extLst>
       <p:ext uri="{BB962C8B-B14F-4D97-AF65-F5344CB8AC3E}">

--- a/JDS5/JDS5.pptx
+++ b/JDS5/JDS5.pptx
@@ -22,8 +22,11 @@
     <p:sldId id="271" r:id="rId16"/>
     <p:sldId id="267" r:id="rId17"/>
     <p:sldId id="272" r:id="rId18"/>
-    <p:sldId id="273" r:id="rId19"/>
-    <p:sldId id="274" r:id="rId20"/>
+    <p:sldId id="275" r:id="rId19"/>
+    <p:sldId id="276" r:id="rId20"/>
+    <p:sldId id="277" r:id="rId21"/>
+    <p:sldId id="273" r:id="rId22"/>
+    <p:sldId id="274" r:id="rId23"/>
   </p:sldIdLst>
   <p:sldSz cx="9144000" cy="6858000" type="screen4x3"/>
   <p:notesSz cx="6858000" cy="9144000"/>
@@ -306,7 +309,7 @@
           <a:p>
             <a:fld id="{530820CF-B880-4189-942D-D702A7CBA730}" type="datetimeFigureOut">
               <a:rPr lang="zh-CN" altLang="en-US" smtClean="0"/>
-              <a:t>2018/9/11</a:t>
+              <a:t>2018/9/14</a:t>
             </a:fld>
             <a:endParaRPr lang="zh-CN" altLang="en-US"/>
           </a:p>
@@ -471,7 +474,7 @@
           <a:p>
             <a:fld id="{530820CF-B880-4189-942D-D702A7CBA730}" type="datetimeFigureOut">
               <a:rPr lang="zh-CN" altLang="en-US" smtClean="0"/>
-              <a:t>2018/9/11</a:t>
+              <a:t>2018/9/14</a:t>
             </a:fld>
             <a:endParaRPr lang="zh-CN" altLang="en-US"/>
           </a:p>
@@ -646,7 +649,7 @@
           <a:p>
             <a:fld id="{530820CF-B880-4189-942D-D702A7CBA730}" type="datetimeFigureOut">
               <a:rPr lang="zh-CN" altLang="en-US" smtClean="0"/>
-              <a:t>2018/9/11</a:t>
+              <a:t>2018/9/14</a:t>
             </a:fld>
             <a:endParaRPr lang="zh-CN" altLang="en-US"/>
           </a:p>
@@ -811,7 +814,7 @@
           <a:p>
             <a:fld id="{530820CF-B880-4189-942D-D702A7CBA730}" type="datetimeFigureOut">
               <a:rPr lang="zh-CN" altLang="en-US" smtClean="0"/>
-              <a:t>2018/9/11</a:t>
+              <a:t>2018/9/14</a:t>
             </a:fld>
             <a:endParaRPr lang="zh-CN" altLang="en-US"/>
           </a:p>
@@ -1052,7 +1055,7 @@
           <a:p>
             <a:fld id="{530820CF-B880-4189-942D-D702A7CBA730}" type="datetimeFigureOut">
               <a:rPr lang="zh-CN" altLang="en-US" smtClean="0"/>
-              <a:t>2018/9/11</a:t>
+              <a:t>2018/9/14</a:t>
             </a:fld>
             <a:endParaRPr lang="zh-CN" altLang="en-US"/>
           </a:p>
@@ -1335,7 +1338,7 @@
           <a:p>
             <a:fld id="{530820CF-B880-4189-942D-D702A7CBA730}" type="datetimeFigureOut">
               <a:rPr lang="zh-CN" altLang="en-US" smtClean="0"/>
-              <a:t>2018/9/11</a:t>
+              <a:t>2018/9/14</a:t>
             </a:fld>
             <a:endParaRPr lang="zh-CN" altLang="en-US"/>
           </a:p>
@@ -1752,7 +1755,7 @@
           <a:p>
             <a:fld id="{530820CF-B880-4189-942D-D702A7CBA730}" type="datetimeFigureOut">
               <a:rPr lang="zh-CN" altLang="en-US" smtClean="0"/>
-              <a:t>2018/9/11</a:t>
+              <a:t>2018/9/14</a:t>
             </a:fld>
             <a:endParaRPr lang="zh-CN" altLang="en-US"/>
           </a:p>
@@ -1865,7 +1868,7 @@
           <a:p>
             <a:fld id="{530820CF-B880-4189-942D-D702A7CBA730}" type="datetimeFigureOut">
               <a:rPr lang="zh-CN" altLang="en-US" smtClean="0"/>
-              <a:t>2018/9/11</a:t>
+              <a:t>2018/9/14</a:t>
             </a:fld>
             <a:endParaRPr lang="zh-CN" altLang="en-US"/>
           </a:p>
@@ -1955,7 +1958,7 @@
           <a:p>
             <a:fld id="{530820CF-B880-4189-942D-D702A7CBA730}" type="datetimeFigureOut">
               <a:rPr lang="zh-CN" altLang="en-US" smtClean="0"/>
-              <a:t>2018/9/11</a:t>
+              <a:t>2018/9/14</a:t>
             </a:fld>
             <a:endParaRPr lang="zh-CN" altLang="en-US"/>
           </a:p>
@@ -2227,7 +2230,7 @@
           <a:p>
             <a:fld id="{530820CF-B880-4189-942D-D702A7CBA730}" type="datetimeFigureOut">
               <a:rPr lang="zh-CN" altLang="en-US" smtClean="0"/>
-              <a:t>2018/9/11</a:t>
+              <a:t>2018/9/14</a:t>
             </a:fld>
             <a:endParaRPr lang="zh-CN" altLang="en-US"/>
           </a:p>
@@ -2475,7 +2478,7 @@
           <a:p>
             <a:fld id="{530820CF-B880-4189-942D-D702A7CBA730}" type="datetimeFigureOut">
               <a:rPr lang="zh-CN" altLang="en-US" smtClean="0"/>
-              <a:t>2018/9/11</a:t>
+              <a:t>2018/9/14</a:t>
             </a:fld>
             <a:endParaRPr lang="zh-CN" altLang="en-US"/>
           </a:p>
@@ -2683,7 +2686,7 @@
           <a:p>
             <a:fld id="{530820CF-B880-4189-942D-D702A7CBA730}" type="datetimeFigureOut">
               <a:rPr lang="zh-CN" altLang="en-US" smtClean="0"/>
-              <a:t>2018/9/11</a:t>
+              <a:t>2018/9/14</a:t>
             </a:fld>
             <a:endParaRPr lang="zh-CN" altLang="en-US"/>
           </a:p>
@@ -11028,6 +11031,50 @@
           <a:chExt cx="0" cy="0"/>
         </a:xfrm>
       </p:grpSpPr>
+      <p:sp>
+        <p:nvSpPr>
+          <p:cNvPr id="2" name="圆角矩形 1"/>
+          <p:cNvSpPr/>
+          <p:nvPr/>
+        </p:nvSpPr>
+        <p:spPr>
+          <a:xfrm>
+            <a:off x="2906891" y="2780928"/>
+            <a:ext cx="3816424" cy="864096"/>
+          </a:xfrm>
+          <a:prstGeom prst="roundRect">
+            <a:avLst/>
+          </a:prstGeom>
+        </p:spPr>
+        <p:style>
+          <a:lnRef idx="2">
+            <a:schemeClr val="accent1">
+              <a:shade val="50000"/>
+            </a:schemeClr>
+          </a:lnRef>
+          <a:fillRef idx="1">
+            <a:schemeClr val="accent1"/>
+          </a:fillRef>
+          <a:effectRef idx="0">
+            <a:schemeClr val="accent1"/>
+          </a:effectRef>
+          <a:fontRef idx="minor">
+            <a:schemeClr val="lt1"/>
+          </a:fontRef>
+        </p:style>
+        <p:txBody>
+          <a:bodyPr rtlCol="0" anchor="ctr"/>
+          <a:lstStyle/>
+          <a:p>
+            <a:pPr algn="ctr"/>
+            <a:r>
+              <a:rPr lang="en-US" altLang="zh-CN" dirty="0"/>
+              <a:t>Practice</a:t>
+            </a:r>
+            <a:endParaRPr lang="zh-CN" altLang="en-US" dirty="0"/>
+          </a:p>
+        </p:txBody>
+      </p:sp>
     </p:spTree>
     <p:extLst>
       <p:ext uri="{BB962C8B-B14F-4D97-AF65-F5344CB8AC3E}">
@@ -11058,6 +11105,1814 @@
           <a:chExt cx="0" cy="0"/>
         </a:xfrm>
       </p:grpSpPr>
+      <p:sp>
+        <p:nvSpPr>
+          <p:cNvPr id="2" name="圆角矩形 1"/>
+          <p:cNvSpPr/>
+          <p:nvPr/>
+        </p:nvSpPr>
+        <p:spPr>
+          <a:xfrm>
+            <a:off x="251520" y="240161"/>
+            <a:ext cx="1224136" cy="432048"/>
+          </a:xfrm>
+          <a:prstGeom prst="roundRect">
+            <a:avLst/>
+          </a:prstGeom>
+        </p:spPr>
+        <p:style>
+          <a:lnRef idx="2">
+            <a:schemeClr val="accent1">
+              <a:shade val="50000"/>
+            </a:schemeClr>
+          </a:lnRef>
+          <a:fillRef idx="1">
+            <a:schemeClr val="accent1"/>
+          </a:fillRef>
+          <a:effectRef idx="0">
+            <a:schemeClr val="accent1"/>
+          </a:effectRef>
+          <a:fontRef idx="minor">
+            <a:schemeClr val="lt1"/>
+          </a:fontRef>
+        </p:style>
+        <p:txBody>
+          <a:bodyPr rtlCol="0" anchor="ctr"/>
+          <a:lstStyle/>
+          <a:p>
+            <a:pPr algn="ctr"/>
+            <a:r>
+              <a:rPr lang="en-US" altLang="zh-CN" dirty="0" smtClean="0"/>
+              <a:t>5.1</a:t>
+            </a:r>
+            <a:endParaRPr lang="zh-CN" altLang="en-US" dirty="0"/>
+          </a:p>
+        </p:txBody>
+      </p:sp>
+      <p:sp>
+        <p:nvSpPr>
+          <p:cNvPr id="3" name="矩形 2"/>
+          <p:cNvSpPr/>
+          <p:nvPr/>
+        </p:nvSpPr>
+        <p:spPr>
+          <a:xfrm>
+            <a:off x="3671900" y="188640"/>
+            <a:ext cx="720080" cy="432048"/>
+          </a:xfrm>
+          <a:prstGeom prst="rect">
+            <a:avLst/>
+          </a:prstGeom>
+        </p:spPr>
+        <p:style>
+          <a:lnRef idx="2">
+            <a:schemeClr val="accent1">
+              <a:shade val="50000"/>
+            </a:schemeClr>
+          </a:lnRef>
+          <a:fillRef idx="1">
+            <a:schemeClr val="accent1"/>
+          </a:fillRef>
+          <a:effectRef idx="0">
+            <a:schemeClr val="accent1"/>
+          </a:effectRef>
+          <a:fontRef idx="minor">
+            <a:schemeClr val="lt1"/>
+          </a:fontRef>
+        </p:style>
+        <p:txBody>
+          <a:bodyPr rtlCol="0" anchor="ctr"/>
+          <a:lstStyle/>
+          <a:p>
+            <a:pPr algn="ctr"/>
+            <a:r>
+              <a:rPr lang="en-US" altLang="zh-CN" dirty="0" smtClean="0"/>
+              <a:t>71</a:t>
+            </a:r>
+            <a:endParaRPr lang="zh-CN" altLang="en-US" dirty="0"/>
+          </a:p>
+        </p:txBody>
+      </p:sp>
+      <p:sp>
+        <p:nvSpPr>
+          <p:cNvPr id="5" name="矩形 4"/>
+          <p:cNvSpPr/>
+          <p:nvPr/>
+        </p:nvSpPr>
+        <p:spPr>
+          <a:xfrm>
+            <a:off x="7992380" y="188640"/>
+            <a:ext cx="720080" cy="432048"/>
+          </a:xfrm>
+          <a:prstGeom prst="rect">
+            <a:avLst/>
+          </a:prstGeom>
+        </p:spPr>
+        <p:style>
+          <a:lnRef idx="2">
+            <a:schemeClr val="accent1">
+              <a:shade val="50000"/>
+            </a:schemeClr>
+          </a:lnRef>
+          <a:fillRef idx="1">
+            <a:schemeClr val="accent1"/>
+          </a:fillRef>
+          <a:effectRef idx="0">
+            <a:schemeClr val="accent1"/>
+          </a:effectRef>
+          <a:fontRef idx="minor">
+            <a:schemeClr val="lt1"/>
+          </a:fontRef>
+        </p:style>
+        <p:txBody>
+          <a:bodyPr rtlCol="0" anchor="ctr"/>
+          <a:lstStyle/>
+          <a:p>
+            <a:pPr algn="ctr"/>
+            <a:r>
+              <a:rPr lang="en-US" altLang="zh-CN" dirty="0" smtClean="0"/>
+              <a:t>89</a:t>
+            </a:r>
+            <a:endParaRPr lang="zh-CN" altLang="en-US" dirty="0"/>
+          </a:p>
+        </p:txBody>
+      </p:sp>
+      <p:sp>
+        <p:nvSpPr>
+          <p:cNvPr id="6" name="矩形 5"/>
+          <p:cNvSpPr/>
+          <p:nvPr/>
+        </p:nvSpPr>
+        <p:spPr>
+          <a:xfrm>
+            <a:off x="7272300" y="188640"/>
+            <a:ext cx="720080" cy="432048"/>
+          </a:xfrm>
+          <a:prstGeom prst="rect">
+            <a:avLst/>
+          </a:prstGeom>
+        </p:spPr>
+        <p:style>
+          <a:lnRef idx="2">
+            <a:schemeClr val="accent1">
+              <a:shade val="50000"/>
+            </a:schemeClr>
+          </a:lnRef>
+          <a:fillRef idx="1">
+            <a:schemeClr val="accent1"/>
+          </a:fillRef>
+          <a:effectRef idx="0">
+            <a:schemeClr val="accent1"/>
+          </a:effectRef>
+          <a:fontRef idx="minor">
+            <a:schemeClr val="lt1"/>
+          </a:fontRef>
+        </p:style>
+        <p:txBody>
+          <a:bodyPr rtlCol="0" anchor="ctr"/>
+          <a:lstStyle/>
+          <a:p>
+            <a:pPr algn="ctr"/>
+            <a:r>
+              <a:rPr lang="en-US" altLang="zh-CN" dirty="0" smtClean="0"/>
+              <a:t>79</a:t>
+            </a:r>
+            <a:endParaRPr lang="zh-CN" altLang="en-US" dirty="0"/>
+          </a:p>
+        </p:txBody>
+      </p:sp>
+      <p:sp>
+        <p:nvSpPr>
+          <p:cNvPr id="7" name="矩形 6"/>
+          <p:cNvSpPr/>
+          <p:nvPr/>
+        </p:nvSpPr>
+        <p:spPr>
+          <a:xfrm>
+            <a:off x="6552220" y="188640"/>
+            <a:ext cx="720080" cy="432048"/>
+          </a:xfrm>
+          <a:prstGeom prst="rect">
+            <a:avLst/>
+          </a:prstGeom>
+        </p:spPr>
+        <p:style>
+          <a:lnRef idx="2">
+            <a:schemeClr val="accent1">
+              <a:shade val="50000"/>
+            </a:schemeClr>
+          </a:lnRef>
+          <a:fillRef idx="1">
+            <a:schemeClr val="accent1"/>
+          </a:fillRef>
+          <a:effectRef idx="0">
+            <a:schemeClr val="accent1"/>
+          </a:effectRef>
+          <a:fontRef idx="minor">
+            <a:schemeClr val="lt1"/>
+          </a:fontRef>
+        </p:style>
+        <p:txBody>
+          <a:bodyPr rtlCol="0" anchor="ctr"/>
+          <a:lstStyle/>
+          <a:p>
+            <a:pPr algn="ctr"/>
+            <a:r>
+              <a:rPr lang="en-US" altLang="zh-CN" dirty="0" smtClean="0"/>
+              <a:t>44</a:t>
+            </a:r>
+            <a:endParaRPr lang="zh-CN" altLang="en-US" dirty="0"/>
+          </a:p>
+        </p:txBody>
+      </p:sp>
+      <p:sp>
+        <p:nvSpPr>
+          <p:cNvPr id="8" name="矩形 7"/>
+          <p:cNvSpPr/>
+          <p:nvPr/>
+        </p:nvSpPr>
+        <p:spPr>
+          <a:xfrm>
+            <a:off x="5832140" y="188640"/>
+            <a:ext cx="720080" cy="432048"/>
+          </a:xfrm>
+          <a:prstGeom prst="rect">
+            <a:avLst/>
+          </a:prstGeom>
+        </p:spPr>
+        <p:style>
+          <a:lnRef idx="2">
+            <a:schemeClr val="accent1">
+              <a:shade val="50000"/>
+            </a:schemeClr>
+          </a:lnRef>
+          <a:fillRef idx="1">
+            <a:schemeClr val="accent1"/>
+          </a:fillRef>
+          <a:effectRef idx="0">
+            <a:schemeClr val="accent1"/>
+          </a:effectRef>
+          <a:fontRef idx="minor">
+            <a:schemeClr val="lt1"/>
+          </a:fontRef>
+        </p:style>
+        <p:txBody>
+          <a:bodyPr rtlCol="0" anchor="ctr"/>
+          <a:lstStyle/>
+          <a:p>
+            <a:pPr algn="ctr"/>
+            <a:r>
+              <a:rPr lang="en-US" altLang="zh-CN" dirty="0" smtClean="0"/>
+              <a:t>99</a:t>
+            </a:r>
+            <a:endParaRPr lang="zh-CN" altLang="en-US" dirty="0"/>
+          </a:p>
+        </p:txBody>
+      </p:sp>
+      <p:sp>
+        <p:nvSpPr>
+          <p:cNvPr id="9" name="矩形 8"/>
+          <p:cNvSpPr/>
+          <p:nvPr/>
+        </p:nvSpPr>
+        <p:spPr>
+          <a:xfrm>
+            <a:off x="5112060" y="188640"/>
+            <a:ext cx="720080" cy="432048"/>
+          </a:xfrm>
+          <a:prstGeom prst="rect">
+            <a:avLst/>
+          </a:prstGeom>
+        </p:spPr>
+        <p:style>
+          <a:lnRef idx="2">
+            <a:schemeClr val="accent1">
+              <a:shade val="50000"/>
+            </a:schemeClr>
+          </a:lnRef>
+          <a:fillRef idx="1">
+            <a:schemeClr val="accent1"/>
+          </a:fillRef>
+          <a:effectRef idx="0">
+            <a:schemeClr val="accent1"/>
+          </a:effectRef>
+          <a:fontRef idx="minor">
+            <a:schemeClr val="lt1"/>
+          </a:fontRef>
+        </p:style>
+        <p:txBody>
+          <a:bodyPr rtlCol="0" anchor="ctr"/>
+          <a:lstStyle/>
+          <a:p>
+            <a:pPr algn="ctr"/>
+            <a:r>
+              <a:rPr lang="en-US" altLang="zh-CN" dirty="0" smtClean="0"/>
+              <a:t>73</a:t>
+            </a:r>
+            <a:endParaRPr lang="zh-CN" altLang="en-US" dirty="0"/>
+          </a:p>
+        </p:txBody>
+      </p:sp>
+      <p:sp>
+        <p:nvSpPr>
+          <p:cNvPr id="10" name="矩形 9"/>
+          <p:cNvSpPr/>
+          <p:nvPr/>
+        </p:nvSpPr>
+        <p:spPr>
+          <a:xfrm>
+            <a:off x="4391980" y="188640"/>
+            <a:ext cx="720080" cy="432048"/>
+          </a:xfrm>
+          <a:prstGeom prst="rect">
+            <a:avLst/>
+          </a:prstGeom>
+        </p:spPr>
+        <p:style>
+          <a:lnRef idx="2">
+            <a:schemeClr val="accent1">
+              <a:shade val="50000"/>
+            </a:schemeClr>
+          </a:lnRef>
+          <a:fillRef idx="1">
+            <a:schemeClr val="accent1"/>
+          </a:fillRef>
+          <a:effectRef idx="0">
+            <a:schemeClr val="accent1"/>
+          </a:effectRef>
+          <a:fontRef idx="minor">
+            <a:schemeClr val="lt1"/>
+          </a:fontRef>
+        </p:style>
+        <p:txBody>
+          <a:bodyPr rtlCol="0" anchor="ctr"/>
+          <a:lstStyle/>
+          <a:p>
+            <a:pPr algn="ctr"/>
+            <a:r>
+              <a:rPr lang="en-US" altLang="zh-CN" dirty="0" smtClean="0"/>
+              <a:t>23</a:t>
+            </a:r>
+            <a:endParaRPr lang="zh-CN" altLang="en-US" dirty="0"/>
+          </a:p>
+        </p:txBody>
+      </p:sp>
+      <p:sp>
+        <p:nvSpPr>
+          <p:cNvPr id="11" name="圆角矩形 10"/>
+          <p:cNvSpPr/>
+          <p:nvPr/>
+        </p:nvSpPr>
+        <p:spPr>
+          <a:xfrm>
+            <a:off x="2411760" y="188640"/>
+            <a:ext cx="1260140" cy="432048"/>
+          </a:xfrm>
+          <a:prstGeom prst="roundRect">
+            <a:avLst/>
+          </a:prstGeom>
+        </p:spPr>
+        <p:style>
+          <a:lnRef idx="2">
+            <a:schemeClr val="accent1">
+              <a:shade val="50000"/>
+            </a:schemeClr>
+          </a:lnRef>
+          <a:fillRef idx="1">
+            <a:schemeClr val="accent1"/>
+          </a:fillRef>
+          <a:effectRef idx="0">
+            <a:schemeClr val="accent1"/>
+          </a:effectRef>
+          <a:fontRef idx="minor">
+            <a:schemeClr val="lt1"/>
+          </a:fontRef>
+        </p:style>
+        <p:txBody>
+          <a:bodyPr rtlCol="0" anchor="ctr"/>
+          <a:lstStyle/>
+          <a:p>
+            <a:pPr algn="ctr"/>
+            <a:r>
+              <a:rPr lang="en-US" altLang="zh-CN" dirty="0" smtClean="0"/>
+              <a:t>insert</a:t>
+            </a:r>
+            <a:endParaRPr lang="zh-CN" altLang="en-US" dirty="0"/>
+          </a:p>
+        </p:txBody>
+      </p:sp>
+      <p:sp>
+        <p:nvSpPr>
+          <p:cNvPr id="12" name="矩形 11"/>
+          <p:cNvSpPr/>
+          <p:nvPr/>
+        </p:nvSpPr>
+        <p:spPr>
+          <a:xfrm>
+            <a:off x="1007604" y="1556792"/>
+            <a:ext cx="3240360" cy="452535"/>
+          </a:xfrm>
+          <a:prstGeom prst="rect">
+            <a:avLst/>
+          </a:prstGeom>
+        </p:spPr>
+        <p:style>
+          <a:lnRef idx="2">
+            <a:schemeClr val="accent1">
+              <a:shade val="50000"/>
+            </a:schemeClr>
+          </a:lnRef>
+          <a:fillRef idx="1">
+            <a:schemeClr val="accent1"/>
+          </a:fillRef>
+          <a:effectRef idx="0">
+            <a:schemeClr val="accent1"/>
+          </a:effectRef>
+          <a:fontRef idx="minor">
+            <a:schemeClr val="lt1"/>
+          </a:fontRef>
+        </p:style>
+        <p:txBody>
+          <a:bodyPr rtlCol="0" anchor="ctr"/>
+          <a:lstStyle/>
+          <a:p>
+            <a:pPr algn="ctr"/>
+            <a:r>
+              <a:rPr lang="en-US" altLang="zh-CN" dirty="0" smtClean="0"/>
+              <a:t>hash(x) = x (mod 10);</a:t>
+            </a:r>
+            <a:endParaRPr lang="zh-CN" altLang="en-US" dirty="0"/>
+          </a:p>
+        </p:txBody>
+      </p:sp>
+      <p:sp>
+        <p:nvSpPr>
+          <p:cNvPr id="13" name="圆角矩形 12"/>
+          <p:cNvSpPr/>
+          <p:nvPr/>
+        </p:nvSpPr>
+        <p:spPr>
+          <a:xfrm>
+            <a:off x="95942" y="799592"/>
+            <a:ext cx="2484276" cy="432048"/>
+          </a:xfrm>
+          <a:prstGeom prst="roundRect">
+            <a:avLst/>
+          </a:prstGeom>
+        </p:spPr>
+        <p:style>
+          <a:lnRef idx="2">
+            <a:schemeClr val="accent1">
+              <a:shade val="50000"/>
+            </a:schemeClr>
+          </a:lnRef>
+          <a:fillRef idx="1">
+            <a:schemeClr val="accent1"/>
+          </a:fillRef>
+          <a:effectRef idx="0">
+            <a:schemeClr val="accent1"/>
+          </a:effectRef>
+          <a:fontRef idx="minor">
+            <a:schemeClr val="lt1"/>
+          </a:fontRef>
+        </p:style>
+        <p:txBody>
+          <a:bodyPr rtlCol="0" anchor="ctr"/>
+          <a:lstStyle/>
+          <a:p>
+            <a:pPr algn="ctr"/>
+            <a:r>
+              <a:rPr lang="zh-CN" altLang="en-US" dirty="0" smtClean="0"/>
+              <a:t>分离链接散列表</a:t>
+            </a:r>
+            <a:endParaRPr lang="zh-CN" altLang="en-US" dirty="0"/>
+          </a:p>
+        </p:txBody>
+      </p:sp>
+      <p:sp>
+        <p:nvSpPr>
+          <p:cNvPr id="14" name="矩形 13"/>
+          <p:cNvSpPr/>
+          <p:nvPr/>
+        </p:nvSpPr>
+        <p:spPr>
+          <a:xfrm>
+            <a:off x="1907704" y="2492896"/>
+            <a:ext cx="576064" cy="360040"/>
+          </a:xfrm>
+          <a:prstGeom prst="rect">
+            <a:avLst/>
+          </a:prstGeom>
+        </p:spPr>
+        <p:style>
+          <a:lnRef idx="2">
+            <a:schemeClr val="accent1">
+              <a:shade val="50000"/>
+            </a:schemeClr>
+          </a:lnRef>
+          <a:fillRef idx="1">
+            <a:schemeClr val="accent1"/>
+          </a:fillRef>
+          <a:effectRef idx="0">
+            <a:schemeClr val="accent1"/>
+          </a:effectRef>
+          <a:fontRef idx="minor">
+            <a:schemeClr val="lt1"/>
+          </a:fontRef>
+        </p:style>
+        <p:txBody>
+          <a:bodyPr rtlCol="0" anchor="ctr"/>
+          <a:lstStyle/>
+          <a:p>
+            <a:pPr algn="ctr"/>
+            <a:r>
+              <a:rPr lang="en-US" altLang="zh-CN" dirty="0" smtClean="0"/>
+              <a:t>0</a:t>
+            </a:r>
+            <a:endParaRPr lang="zh-CN" altLang="en-US" dirty="0"/>
+          </a:p>
+        </p:txBody>
+      </p:sp>
+      <p:sp>
+        <p:nvSpPr>
+          <p:cNvPr id="15" name="矩形 14"/>
+          <p:cNvSpPr/>
+          <p:nvPr/>
+        </p:nvSpPr>
+        <p:spPr>
+          <a:xfrm>
+            <a:off x="1907704" y="2852936"/>
+            <a:ext cx="576064" cy="360040"/>
+          </a:xfrm>
+          <a:prstGeom prst="rect">
+            <a:avLst/>
+          </a:prstGeom>
+        </p:spPr>
+        <p:style>
+          <a:lnRef idx="2">
+            <a:schemeClr val="accent1">
+              <a:shade val="50000"/>
+            </a:schemeClr>
+          </a:lnRef>
+          <a:fillRef idx="1">
+            <a:schemeClr val="accent1"/>
+          </a:fillRef>
+          <a:effectRef idx="0">
+            <a:schemeClr val="accent1"/>
+          </a:effectRef>
+          <a:fontRef idx="minor">
+            <a:schemeClr val="lt1"/>
+          </a:fontRef>
+        </p:style>
+        <p:txBody>
+          <a:bodyPr rtlCol="0" anchor="ctr"/>
+          <a:lstStyle/>
+          <a:p>
+            <a:pPr algn="ctr"/>
+            <a:r>
+              <a:rPr lang="en-US" altLang="zh-CN" dirty="0" smtClean="0"/>
+              <a:t>1</a:t>
+            </a:r>
+            <a:endParaRPr lang="zh-CN" altLang="en-US" dirty="0"/>
+          </a:p>
+        </p:txBody>
+      </p:sp>
+      <p:sp>
+        <p:nvSpPr>
+          <p:cNvPr id="16" name="矩形 15"/>
+          <p:cNvSpPr/>
+          <p:nvPr/>
+        </p:nvSpPr>
+        <p:spPr>
+          <a:xfrm>
+            <a:off x="1907704" y="3212976"/>
+            <a:ext cx="576064" cy="360040"/>
+          </a:xfrm>
+          <a:prstGeom prst="rect">
+            <a:avLst/>
+          </a:prstGeom>
+        </p:spPr>
+        <p:style>
+          <a:lnRef idx="2">
+            <a:schemeClr val="accent1">
+              <a:shade val="50000"/>
+            </a:schemeClr>
+          </a:lnRef>
+          <a:fillRef idx="1">
+            <a:schemeClr val="accent1"/>
+          </a:fillRef>
+          <a:effectRef idx="0">
+            <a:schemeClr val="accent1"/>
+          </a:effectRef>
+          <a:fontRef idx="minor">
+            <a:schemeClr val="lt1"/>
+          </a:fontRef>
+        </p:style>
+        <p:txBody>
+          <a:bodyPr rtlCol="0" anchor="ctr"/>
+          <a:lstStyle/>
+          <a:p>
+            <a:pPr algn="ctr"/>
+            <a:r>
+              <a:rPr lang="en-US" altLang="zh-CN" dirty="0" smtClean="0"/>
+              <a:t>2</a:t>
+            </a:r>
+            <a:endParaRPr lang="zh-CN" altLang="en-US" dirty="0"/>
+          </a:p>
+        </p:txBody>
+      </p:sp>
+      <p:sp>
+        <p:nvSpPr>
+          <p:cNvPr id="17" name="矩形 16"/>
+          <p:cNvSpPr/>
+          <p:nvPr/>
+        </p:nvSpPr>
+        <p:spPr>
+          <a:xfrm>
+            <a:off x="1907704" y="3573016"/>
+            <a:ext cx="576064" cy="360040"/>
+          </a:xfrm>
+          <a:prstGeom prst="rect">
+            <a:avLst/>
+          </a:prstGeom>
+        </p:spPr>
+        <p:style>
+          <a:lnRef idx="2">
+            <a:schemeClr val="accent1">
+              <a:shade val="50000"/>
+            </a:schemeClr>
+          </a:lnRef>
+          <a:fillRef idx="1">
+            <a:schemeClr val="accent1"/>
+          </a:fillRef>
+          <a:effectRef idx="0">
+            <a:schemeClr val="accent1"/>
+          </a:effectRef>
+          <a:fontRef idx="minor">
+            <a:schemeClr val="lt1"/>
+          </a:fontRef>
+        </p:style>
+        <p:txBody>
+          <a:bodyPr rtlCol="0" anchor="ctr"/>
+          <a:lstStyle/>
+          <a:p>
+            <a:pPr algn="ctr"/>
+            <a:r>
+              <a:rPr lang="en-US" altLang="zh-CN" dirty="0" smtClean="0"/>
+              <a:t>3</a:t>
+            </a:r>
+            <a:endParaRPr lang="zh-CN" altLang="en-US" dirty="0"/>
+          </a:p>
+        </p:txBody>
+      </p:sp>
+      <p:sp>
+        <p:nvSpPr>
+          <p:cNvPr id="18" name="矩形 17"/>
+          <p:cNvSpPr/>
+          <p:nvPr/>
+        </p:nvSpPr>
+        <p:spPr>
+          <a:xfrm>
+            <a:off x="1907704" y="3933056"/>
+            <a:ext cx="576064" cy="360040"/>
+          </a:xfrm>
+          <a:prstGeom prst="rect">
+            <a:avLst/>
+          </a:prstGeom>
+        </p:spPr>
+        <p:style>
+          <a:lnRef idx="2">
+            <a:schemeClr val="accent1">
+              <a:shade val="50000"/>
+            </a:schemeClr>
+          </a:lnRef>
+          <a:fillRef idx="1">
+            <a:schemeClr val="accent1"/>
+          </a:fillRef>
+          <a:effectRef idx="0">
+            <a:schemeClr val="accent1"/>
+          </a:effectRef>
+          <a:fontRef idx="minor">
+            <a:schemeClr val="lt1"/>
+          </a:fontRef>
+        </p:style>
+        <p:txBody>
+          <a:bodyPr rtlCol="0" anchor="ctr"/>
+          <a:lstStyle/>
+          <a:p>
+            <a:pPr algn="ctr"/>
+            <a:r>
+              <a:rPr lang="en-US" altLang="zh-CN" dirty="0" smtClean="0"/>
+              <a:t>4</a:t>
+            </a:r>
+            <a:endParaRPr lang="zh-CN" altLang="en-US" dirty="0"/>
+          </a:p>
+        </p:txBody>
+      </p:sp>
+      <p:sp>
+        <p:nvSpPr>
+          <p:cNvPr id="19" name="矩形 18"/>
+          <p:cNvSpPr/>
+          <p:nvPr/>
+        </p:nvSpPr>
+        <p:spPr>
+          <a:xfrm>
+            <a:off x="1907704" y="4293096"/>
+            <a:ext cx="576064" cy="360040"/>
+          </a:xfrm>
+          <a:prstGeom prst="rect">
+            <a:avLst/>
+          </a:prstGeom>
+        </p:spPr>
+        <p:style>
+          <a:lnRef idx="2">
+            <a:schemeClr val="accent1">
+              <a:shade val="50000"/>
+            </a:schemeClr>
+          </a:lnRef>
+          <a:fillRef idx="1">
+            <a:schemeClr val="accent1"/>
+          </a:fillRef>
+          <a:effectRef idx="0">
+            <a:schemeClr val="accent1"/>
+          </a:effectRef>
+          <a:fontRef idx="minor">
+            <a:schemeClr val="lt1"/>
+          </a:fontRef>
+        </p:style>
+        <p:txBody>
+          <a:bodyPr rtlCol="0" anchor="ctr"/>
+          <a:lstStyle/>
+          <a:p>
+            <a:pPr algn="ctr"/>
+            <a:r>
+              <a:rPr lang="en-US" altLang="zh-CN" dirty="0" smtClean="0"/>
+              <a:t>5</a:t>
+            </a:r>
+            <a:endParaRPr lang="zh-CN" altLang="en-US" dirty="0"/>
+          </a:p>
+        </p:txBody>
+      </p:sp>
+      <p:sp>
+        <p:nvSpPr>
+          <p:cNvPr id="20" name="矩形 19"/>
+          <p:cNvSpPr/>
+          <p:nvPr/>
+        </p:nvSpPr>
+        <p:spPr>
+          <a:xfrm>
+            <a:off x="1907704" y="4653136"/>
+            <a:ext cx="576064" cy="360040"/>
+          </a:xfrm>
+          <a:prstGeom prst="rect">
+            <a:avLst/>
+          </a:prstGeom>
+        </p:spPr>
+        <p:style>
+          <a:lnRef idx="2">
+            <a:schemeClr val="accent1">
+              <a:shade val="50000"/>
+            </a:schemeClr>
+          </a:lnRef>
+          <a:fillRef idx="1">
+            <a:schemeClr val="accent1"/>
+          </a:fillRef>
+          <a:effectRef idx="0">
+            <a:schemeClr val="accent1"/>
+          </a:effectRef>
+          <a:fontRef idx="minor">
+            <a:schemeClr val="lt1"/>
+          </a:fontRef>
+        </p:style>
+        <p:txBody>
+          <a:bodyPr rtlCol="0" anchor="ctr"/>
+          <a:lstStyle/>
+          <a:p>
+            <a:pPr algn="ctr"/>
+            <a:r>
+              <a:rPr lang="en-US" altLang="zh-CN" dirty="0" smtClean="0"/>
+              <a:t>6</a:t>
+            </a:r>
+            <a:endParaRPr lang="zh-CN" altLang="en-US" dirty="0"/>
+          </a:p>
+        </p:txBody>
+      </p:sp>
+      <p:sp>
+        <p:nvSpPr>
+          <p:cNvPr id="21" name="矩形 20"/>
+          <p:cNvSpPr/>
+          <p:nvPr/>
+        </p:nvSpPr>
+        <p:spPr>
+          <a:xfrm>
+            <a:off x="1907704" y="5013176"/>
+            <a:ext cx="576064" cy="360040"/>
+          </a:xfrm>
+          <a:prstGeom prst="rect">
+            <a:avLst/>
+          </a:prstGeom>
+        </p:spPr>
+        <p:style>
+          <a:lnRef idx="2">
+            <a:schemeClr val="accent1">
+              <a:shade val="50000"/>
+            </a:schemeClr>
+          </a:lnRef>
+          <a:fillRef idx="1">
+            <a:schemeClr val="accent1"/>
+          </a:fillRef>
+          <a:effectRef idx="0">
+            <a:schemeClr val="accent1"/>
+          </a:effectRef>
+          <a:fontRef idx="minor">
+            <a:schemeClr val="lt1"/>
+          </a:fontRef>
+        </p:style>
+        <p:txBody>
+          <a:bodyPr rtlCol="0" anchor="ctr"/>
+          <a:lstStyle/>
+          <a:p>
+            <a:pPr algn="ctr"/>
+            <a:r>
+              <a:rPr lang="en-US" altLang="zh-CN" dirty="0" smtClean="0"/>
+              <a:t>7</a:t>
+            </a:r>
+            <a:endParaRPr lang="zh-CN" altLang="en-US" dirty="0"/>
+          </a:p>
+        </p:txBody>
+      </p:sp>
+      <p:sp>
+        <p:nvSpPr>
+          <p:cNvPr id="22" name="矩形 21"/>
+          <p:cNvSpPr/>
+          <p:nvPr/>
+        </p:nvSpPr>
+        <p:spPr>
+          <a:xfrm>
+            <a:off x="1907704" y="5373216"/>
+            <a:ext cx="576064" cy="360040"/>
+          </a:xfrm>
+          <a:prstGeom prst="rect">
+            <a:avLst/>
+          </a:prstGeom>
+        </p:spPr>
+        <p:style>
+          <a:lnRef idx="2">
+            <a:schemeClr val="accent1">
+              <a:shade val="50000"/>
+            </a:schemeClr>
+          </a:lnRef>
+          <a:fillRef idx="1">
+            <a:schemeClr val="accent1"/>
+          </a:fillRef>
+          <a:effectRef idx="0">
+            <a:schemeClr val="accent1"/>
+          </a:effectRef>
+          <a:fontRef idx="minor">
+            <a:schemeClr val="lt1"/>
+          </a:fontRef>
+        </p:style>
+        <p:txBody>
+          <a:bodyPr rtlCol="0" anchor="ctr"/>
+          <a:lstStyle/>
+          <a:p>
+            <a:pPr algn="ctr"/>
+            <a:r>
+              <a:rPr lang="en-US" altLang="zh-CN" dirty="0" smtClean="0"/>
+              <a:t>8</a:t>
+            </a:r>
+            <a:endParaRPr lang="zh-CN" altLang="en-US" dirty="0"/>
+          </a:p>
+        </p:txBody>
+      </p:sp>
+      <p:sp>
+        <p:nvSpPr>
+          <p:cNvPr id="23" name="矩形 22"/>
+          <p:cNvSpPr/>
+          <p:nvPr/>
+        </p:nvSpPr>
+        <p:spPr>
+          <a:xfrm>
+            <a:off x="1907704" y="5733256"/>
+            <a:ext cx="576064" cy="360040"/>
+          </a:xfrm>
+          <a:prstGeom prst="rect">
+            <a:avLst/>
+          </a:prstGeom>
+        </p:spPr>
+        <p:style>
+          <a:lnRef idx="2">
+            <a:schemeClr val="accent1">
+              <a:shade val="50000"/>
+            </a:schemeClr>
+          </a:lnRef>
+          <a:fillRef idx="1">
+            <a:schemeClr val="accent1"/>
+          </a:fillRef>
+          <a:effectRef idx="0">
+            <a:schemeClr val="accent1"/>
+          </a:effectRef>
+          <a:fontRef idx="minor">
+            <a:schemeClr val="lt1"/>
+          </a:fontRef>
+        </p:style>
+        <p:txBody>
+          <a:bodyPr rtlCol="0" anchor="ctr"/>
+          <a:lstStyle/>
+          <a:p>
+            <a:pPr algn="ctr"/>
+            <a:r>
+              <a:rPr lang="en-US" altLang="zh-CN" dirty="0" smtClean="0"/>
+              <a:t>9</a:t>
+            </a:r>
+            <a:endParaRPr lang="zh-CN" altLang="en-US" dirty="0"/>
+          </a:p>
+        </p:txBody>
+      </p:sp>
+      <p:sp>
+        <p:nvSpPr>
+          <p:cNvPr id="24" name="椭圆 23"/>
+          <p:cNvSpPr/>
+          <p:nvPr/>
+        </p:nvSpPr>
+        <p:spPr>
+          <a:xfrm>
+            <a:off x="3779912" y="764704"/>
+            <a:ext cx="468052" cy="432048"/>
+          </a:xfrm>
+          <a:prstGeom prst="ellipse">
+            <a:avLst/>
+          </a:prstGeom>
+        </p:spPr>
+        <p:style>
+          <a:lnRef idx="2">
+            <a:schemeClr val="accent1">
+              <a:shade val="50000"/>
+            </a:schemeClr>
+          </a:lnRef>
+          <a:fillRef idx="1">
+            <a:schemeClr val="accent1"/>
+          </a:fillRef>
+          <a:effectRef idx="0">
+            <a:schemeClr val="accent1"/>
+          </a:effectRef>
+          <a:fontRef idx="minor">
+            <a:schemeClr val="lt1"/>
+          </a:fontRef>
+        </p:style>
+        <p:txBody>
+          <a:bodyPr rtlCol="0" anchor="ctr"/>
+          <a:lstStyle/>
+          <a:p>
+            <a:pPr algn="ctr"/>
+            <a:r>
+              <a:rPr lang="en-US" altLang="zh-CN" dirty="0" smtClean="0"/>
+              <a:t>1</a:t>
+            </a:r>
+            <a:endParaRPr lang="zh-CN" altLang="en-US" dirty="0"/>
+          </a:p>
+        </p:txBody>
+      </p:sp>
+      <p:sp>
+        <p:nvSpPr>
+          <p:cNvPr id="25" name="椭圆 24"/>
+          <p:cNvSpPr/>
+          <p:nvPr/>
+        </p:nvSpPr>
+        <p:spPr>
+          <a:xfrm>
+            <a:off x="4535996" y="764704"/>
+            <a:ext cx="468052" cy="432048"/>
+          </a:xfrm>
+          <a:prstGeom prst="ellipse">
+            <a:avLst/>
+          </a:prstGeom>
+        </p:spPr>
+        <p:style>
+          <a:lnRef idx="2">
+            <a:schemeClr val="accent1">
+              <a:shade val="50000"/>
+            </a:schemeClr>
+          </a:lnRef>
+          <a:fillRef idx="1">
+            <a:schemeClr val="accent1"/>
+          </a:fillRef>
+          <a:effectRef idx="0">
+            <a:schemeClr val="accent1"/>
+          </a:effectRef>
+          <a:fontRef idx="minor">
+            <a:schemeClr val="lt1"/>
+          </a:fontRef>
+        </p:style>
+        <p:txBody>
+          <a:bodyPr rtlCol="0" anchor="ctr"/>
+          <a:lstStyle/>
+          <a:p>
+            <a:pPr algn="ctr"/>
+            <a:r>
+              <a:rPr lang="en-US" altLang="zh-CN" dirty="0"/>
+              <a:t>2</a:t>
+            </a:r>
+            <a:endParaRPr lang="zh-CN" altLang="en-US" dirty="0"/>
+          </a:p>
+        </p:txBody>
+      </p:sp>
+      <p:sp>
+        <p:nvSpPr>
+          <p:cNvPr id="26" name="椭圆 25"/>
+          <p:cNvSpPr/>
+          <p:nvPr/>
+        </p:nvSpPr>
+        <p:spPr>
+          <a:xfrm>
+            <a:off x="5256076" y="764704"/>
+            <a:ext cx="468052" cy="432048"/>
+          </a:xfrm>
+          <a:prstGeom prst="ellipse">
+            <a:avLst/>
+          </a:prstGeom>
+        </p:spPr>
+        <p:style>
+          <a:lnRef idx="2">
+            <a:schemeClr val="accent1">
+              <a:shade val="50000"/>
+            </a:schemeClr>
+          </a:lnRef>
+          <a:fillRef idx="1">
+            <a:schemeClr val="accent1"/>
+          </a:fillRef>
+          <a:effectRef idx="0">
+            <a:schemeClr val="accent1"/>
+          </a:effectRef>
+          <a:fontRef idx="minor">
+            <a:schemeClr val="lt1"/>
+          </a:fontRef>
+        </p:style>
+        <p:txBody>
+          <a:bodyPr rtlCol="0" anchor="ctr"/>
+          <a:lstStyle/>
+          <a:p>
+            <a:pPr algn="ctr"/>
+            <a:r>
+              <a:rPr lang="en-US" altLang="zh-CN" dirty="0" smtClean="0"/>
+              <a:t>3</a:t>
+            </a:r>
+            <a:endParaRPr lang="zh-CN" altLang="en-US" dirty="0"/>
+          </a:p>
+        </p:txBody>
+      </p:sp>
+      <p:sp>
+        <p:nvSpPr>
+          <p:cNvPr id="27" name="椭圆 26"/>
+          <p:cNvSpPr/>
+          <p:nvPr/>
+        </p:nvSpPr>
+        <p:spPr>
+          <a:xfrm>
+            <a:off x="5976156" y="764704"/>
+            <a:ext cx="468052" cy="432048"/>
+          </a:xfrm>
+          <a:prstGeom prst="ellipse">
+            <a:avLst/>
+          </a:prstGeom>
+        </p:spPr>
+        <p:style>
+          <a:lnRef idx="2">
+            <a:schemeClr val="accent1">
+              <a:shade val="50000"/>
+            </a:schemeClr>
+          </a:lnRef>
+          <a:fillRef idx="1">
+            <a:schemeClr val="accent1"/>
+          </a:fillRef>
+          <a:effectRef idx="0">
+            <a:schemeClr val="accent1"/>
+          </a:effectRef>
+          <a:fontRef idx="minor">
+            <a:schemeClr val="lt1"/>
+          </a:fontRef>
+        </p:style>
+        <p:txBody>
+          <a:bodyPr rtlCol="0" anchor="ctr"/>
+          <a:lstStyle/>
+          <a:p>
+            <a:pPr algn="ctr"/>
+            <a:r>
+              <a:rPr lang="en-US" altLang="zh-CN" dirty="0" smtClean="0"/>
+              <a:t>4</a:t>
+            </a:r>
+            <a:endParaRPr lang="zh-CN" altLang="en-US" dirty="0"/>
+          </a:p>
+        </p:txBody>
+      </p:sp>
+      <p:sp>
+        <p:nvSpPr>
+          <p:cNvPr id="28" name="椭圆 27"/>
+          <p:cNvSpPr/>
+          <p:nvPr/>
+        </p:nvSpPr>
+        <p:spPr>
+          <a:xfrm>
+            <a:off x="6696236" y="764704"/>
+            <a:ext cx="468052" cy="432048"/>
+          </a:xfrm>
+          <a:prstGeom prst="ellipse">
+            <a:avLst/>
+          </a:prstGeom>
+        </p:spPr>
+        <p:style>
+          <a:lnRef idx="2">
+            <a:schemeClr val="accent1">
+              <a:shade val="50000"/>
+            </a:schemeClr>
+          </a:lnRef>
+          <a:fillRef idx="1">
+            <a:schemeClr val="accent1"/>
+          </a:fillRef>
+          <a:effectRef idx="0">
+            <a:schemeClr val="accent1"/>
+          </a:effectRef>
+          <a:fontRef idx="minor">
+            <a:schemeClr val="lt1"/>
+          </a:fontRef>
+        </p:style>
+        <p:txBody>
+          <a:bodyPr rtlCol="0" anchor="ctr"/>
+          <a:lstStyle/>
+          <a:p>
+            <a:pPr algn="ctr"/>
+            <a:r>
+              <a:rPr lang="en-US" altLang="zh-CN" dirty="0" smtClean="0"/>
+              <a:t>5</a:t>
+            </a:r>
+            <a:endParaRPr lang="zh-CN" altLang="en-US" dirty="0"/>
+          </a:p>
+        </p:txBody>
+      </p:sp>
+      <p:sp>
+        <p:nvSpPr>
+          <p:cNvPr id="29" name="椭圆 28"/>
+          <p:cNvSpPr/>
+          <p:nvPr/>
+        </p:nvSpPr>
+        <p:spPr>
+          <a:xfrm>
+            <a:off x="7416316" y="764704"/>
+            <a:ext cx="468052" cy="432048"/>
+          </a:xfrm>
+          <a:prstGeom prst="ellipse">
+            <a:avLst/>
+          </a:prstGeom>
+        </p:spPr>
+        <p:style>
+          <a:lnRef idx="2">
+            <a:schemeClr val="accent1">
+              <a:shade val="50000"/>
+            </a:schemeClr>
+          </a:lnRef>
+          <a:fillRef idx="1">
+            <a:schemeClr val="accent1"/>
+          </a:fillRef>
+          <a:effectRef idx="0">
+            <a:schemeClr val="accent1"/>
+          </a:effectRef>
+          <a:fontRef idx="minor">
+            <a:schemeClr val="lt1"/>
+          </a:fontRef>
+        </p:style>
+        <p:txBody>
+          <a:bodyPr rtlCol="0" anchor="ctr"/>
+          <a:lstStyle/>
+          <a:p>
+            <a:pPr algn="ctr"/>
+            <a:r>
+              <a:rPr lang="en-US" altLang="zh-CN" dirty="0" smtClean="0"/>
+              <a:t>6</a:t>
+            </a:r>
+            <a:endParaRPr lang="zh-CN" altLang="en-US" dirty="0"/>
+          </a:p>
+        </p:txBody>
+      </p:sp>
+      <p:sp>
+        <p:nvSpPr>
+          <p:cNvPr id="30" name="椭圆 29"/>
+          <p:cNvSpPr/>
+          <p:nvPr/>
+        </p:nvSpPr>
+        <p:spPr>
+          <a:xfrm>
+            <a:off x="8136396" y="764704"/>
+            <a:ext cx="468052" cy="432048"/>
+          </a:xfrm>
+          <a:prstGeom prst="ellipse">
+            <a:avLst/>
+          </a:prstGeom>
+        </p:spPr>
+        <p:style>
+          <a:lnRef idx="2">
+            <a:schemeClr val="accent1">
+              <a:shade val="50000"/>
+            </a:schemeClr>
+          </a:lnRef>
+          <a:fillRef idx="1">
+            <a:schemeClr val="accent1"/>
+          </a:fillRef>
+          <a:effectRef idx="0">
+            <a:schemeClr val="accent1"/>
+          </a:effectRef>
+          <a:fontRef idx="minor">
+            <a:schemeClr val="lt1"/>
+          </a:fontRef>
+        </p:style>
+        <p:txBody>
+          <a:bodyPr rtlCol="0" anchor="ctr"/>
+          <a:lstStyle/>
+          <a:p>
+            <a:pPr algn="ctr"/>
+            <a:r>
+              <a:rPr lang="en-US" altLang="zh-CN" dirty="0" smtClean="0"/>
+              <a:t>7</a:t>
+            </a:r>
+            <a:endParaRPr lang="zh-CN" altLang="en-US" dirty="0"/>
+          </a:p>
+        </p:txBody>
+      </p:sp>
+      <p:cxnSp>
+        <p:nvCxnSpPr>
+          <p:cNvPr id="32" name="直接箭头连接符 31"/>
+          <p:cNvCxnSpPr/>
+          <p:nvPr/>
+        </p:nvCxnSpPr>
+        <p:spPr>
+          <a:xfrm>
+            <a:off x="2483768" y="3046648"/>
+            <a:ext cx="558062" cy="0"/>
+          </a:xfrm>
+          <a:prstGeom prst="straightConnector1">
+            <a:avLst/>
+          </a:prstGeom>
+          <a:ln>
+            <a:solidFill>
+              <a:schemeClr val="tx1"/>
+            </a:solidFill>
+            <a:tailEnd type="arrow"/>
+          </a:ln>
+        </p:spPr>
+        <p:style>
+          <a:lnRef idx="1">
+            <a:schemeClr val="accent1"/>
+          </a:lnRef>
+          <a:fillRef idx="0">
+            <a:schemeClr val="accent1"/>
+          </a:fillRef>
+          <a:effectRef idx="0">
+            <a:schemeClr val="accent1"/>
+          </a:effectRef>
+          <a:fontRef idx="minor">
+            <a:schemeClr val="tx1"/>
+          </a:fontRef>
+        </p:style>
+      </p:cxnSp>
+      <p:sp>
+        <p:nvSpPr>
+          <p:cNvPr id="33" name="椭圆 32"/>
+          <p:cNvSpPr/>
+          <p:nvPr/>
+        </p:nvSpPr>
+        <p:spPr>
+          <a:xfrm>
+            <a:off x="3041830" y="2830624"/>
+            <a:ext cx="468052" cy="432048"/>
+          </a:xfrm>
+          <a:prstGeom prst="ellipse">
+            <a:avLst/>
+          </a:prstGeom>
+        </p:spPr>
+        <p:style>
+          <a:lnRef idx="2">
+            <a:schemeClr val="accent1">
+              <a:shade val="50000"/>
+            </a:schemeClr>
+          </a:lnRef>
+          <a:fillRef idx="1">
+            <a:schemeClr val="accent1"/>
+          </a:fillRef>
+          <a:effectRef idx="0">
+            <a:schemeClr val="accent1"/>
+          </a:effectRef>
+          <a:fontRef idx="minor">
+            <a:schemeClr val="lt1"/>
+          </a:fontRef>
+        </p:style>
+        <p:txBody>
+          <a:bodyPr rtlCol="0" anchor="ctr"/>
+          <a:lstStyle/>
+          <a:p>
+            <a:pPr algn="ctr"/>
+            <a:r>
+              <a:rPr lang="en-US" altLang="zh-CN" dirty="0" smtClean="0"/>
+              <a:t>1</a:t>
+            </a:r>
+            <a:endParaRPr lang="zh-CN" altLang="en-US" dirty="0"/>
+          </a:p>
+        </p:txBody>
+      </p:sp>
+      <p:cxnSp>
+        <p:nvCxnSpPr>
+          <p:cNvPr id="35" name="直接箭头连接符 34"/>
+          <p:cNvCxnSpPr>
+            <a:stCxn id="17" idx="3"/>
+          </p:cNvCxnSpPr>
+          <p:nvPr/>
+        </p:nvCxnSpPr>
+        <p:spPr>
+          <a:xfrm>
+            <a:off x="2483768" y="3753036"/>
+            <a:ext cx="558062" cy="0"/>
+          </a:xfrm>
+          <a:prstGeom prst="straightConnector1">
+            <a:avLst/>
+          </a:prstGeom>
+          <a:ln>
+            <a:solidFill>
+              <a:schemeClr val="tx1"/>
+            </a:solidFill>
+            <a:tailEnd type="arrow"/>
+          </a:ln>
+        </p:spPr>
+        <p:style>
+          <a:lnRef idx="1">
+            <a:schemeClr val="accent1"/>
+          </a:lnRef>
+          <a:fillRef idx="0">
+            <a:schemeClr val="accent1"/>
+          </a:fillRef>
+          <a:effectRef idx="0">
+            <a:schemeClr val="accent1"/>
+          </a:effectRef>
+          <a:fontRef idx="minor">
+            <a:schemeClr val="tx1"/>
+          </a:fontRef>
+        </p:style>
+      </p:cxnSp>
+      <p:sp>
+        <p:nvSpPr>
+          <p:cNvPr id="36" name="椭圆 35"/>
+          <p:cNvSpPr/>
+          <p:nvPr/>
+        </p:nvSpPr>
+        <p:spPr>
+          <a:xfrm>
+            <a:off x="3041830" y="3537012"/>
+            <a:ext cx="468052" cy="432048"/>
+          </a:xfrm>
+          <a:prstGeom prst="ellipse">
+            <a:avLst/>
+          </a:prstGeom>
+        </p:spPr>
+        <p:style>
+          <a:lnRef idx="2">
+            <a:schemeClr val="accent1">
+              <a:shade val="50000"/>
+            </a:schemeClr>
+          </a:lnRef>
+          <a:fillRef idx="1">
+            <a:schemeClr val="accent1"/>
+          </a:fillRef>
+          <a:effectRef idx="0">
+            <a:schemeClr val="accent1"/>
+          </a:effectRef>
+          <a:fontRef idx="minor">
+            <a:schemeClr val="lt1"/>
+          </a:fontRef>
+        </p:style>
+        <p:txBody>
+          <a:bodyPr rtlCol="0" anchor="ctr"/>
+          <a:lstStyle/>
+          <a:p>
+            <a:pPr algn="ctr"/>
+            <a:r>
+              <a:rPr lang="en-US" altLang="zh-CN" dirty="0"/>
+              <a:t>2</a:t>
+            </a:r>
+            <a:endParaRPr lang="zh-CN" altLang="en-US" dirty="0"/>
+          </a:p>
+        </p:txBody>
+      </p:sp>
+      <p:cxnSp>
+        <p:nvCxnSpPr>
+          <p:cNvPr id="38" name="直接箭头连接符 37"/>
+          <p:cNvCxnSpPr>
+            <a:stCxn id="36" idx="6"/>
+          </p:cNvCxnSpPr>
+          <p:nvPr/>
+        </p:nvCxnSpPr>
+        <p:spPr>
+          <a:xfrm>
+            <a:off x="3509882" y="3753036"/>
+            <a:ext cx="522058" cy="0"/>
+          </a:xfrm>
+          <a:prstGeom prst="straightConnector1">
+            <a:avLst/>
+          </a:prstGeom>
+          <a:ln>
+            <a:solidFill>
+              <a:schemeClr val="tx1"/>
+            </a:solidFill>
+            <a:tailEnd type="arrow"/>
+          </a:ln>
+        </p:spPr>
+        <p:style>
+          <a:lnRef idx="1">
+            <a:schemeClr val="accent1"/>
+          </a:lnRef>
+          <a:fillRef idx="0">
+            <a:schemeClr val="accent1"/>
+          </a:fillRef>
+          <a:effectRef idx="0">
+            <a:schemeClr val="accent1"/>
+          </a:effectRef>
+          <a:fontRef idx="minor">
+            <a:schemeClr val="tx1"/>
+          </a:fontRef>
+        </p:style>
+      </p:cxnSp>
+      <p:sp>
+        <p:nvSpPr>
+          <p:cNvPr id="39" name="椭圆 38"/>
+          <p:cNvSpPr/>
+          <p:nvPr/>
+        </p:nvSpPr>
+        <p:spPr>
+          <a:xfrm>
+            <a:off x="4031940" y="3522103"/>
+            <a:ext cx="468052" cy="432048"/>
+          </a:xfrm>
+          <a:prstGeom prst="ellipse">
+            <a:avLst/>
+          </a:prstGeom>
+        </p:spPr>
+        <p:style>
+          <a:lnRef idx="2">
+            <a:schemeClr val="accent1">
+              <a:shade val="50000"/>
+            </a:schemeClr>
+          </a:lnRef>
+          <a:fillRef idx="1">
+            <a:schemeClr val="accent1"/>
+          </a:fillRef>
+          <a:effectRef idx="0">
+            <a:schemeClr val="accent1"/>
+          </a:effectRef>
+          <a:fontRef idx="minor">
+            <a:schemeClr val="lt1"/>
+          </a:fontRef>
+        </p:style>
+        <p:txBody>
+          <a:bodyPr rtlCol="0" anchor="ctr"/>
+          <a:lstStyle/>
+          <a:p>
+            <a:pPr algn="ctr"/>
+            <a:r>
+              <a:rPr lang="en-US" altLang="zh-CN" dirty="0" smtClean="0"/>
+              <a:t>3</a:t>
+            </a:r>
+            <a:endParaRPr lang="zh-CN" altLang="en-US" dirty="0"/>
+          </a:p>
+        </p:txBody>
+      </p:sp>
+      <p:sp>
+        <p:nvSpPr>
+          <p:cNvPr id="40" name="椭圆 39"/>
+          <p:cNvSpPr/>
+          <p:nvPr/>
+        </p:nvSpPr>
+        <p:spPr>
+          <a:xfrm>
+            <a:off x="3041830" y="5697252"/>
+            <a:ext cx="468052" cy="432048"/>
+          </a:xfrm>
+          <a:prstGeom prst="ellipse">
+            <a:avLst/>
+          </a:prstGeom>
+        </p:spPr>
+        <p:style>
+          <a:lnRef idx="2">
+            <a:schemeClr val="accent1">
+              <a:shade val="50000"/>
+            </a:schemeClr>
+          </a:lnRef>
+          <a:fillRef idx="1">
+            <a:schemeClr val="accent1"/>
+          </a:fillRef>
+          <a:effectRef idx="0">
+            <a:schemeClr val="accent1"/>
+          </a:effectRef>
+          <a:fontRef idx="minor">
+            <a:schemeClr val="lt1"/>
+          </a:fontRef>
+        </p:style>
+        <p:txBody>
+          <a:bodyPr rtlCol="0" anchor="ctr"/>
+          <a:lstStyle/>
+          <a:p>
+            <a:pPr algn="ctr"/>
+            <a:r>
+              <a:rPr lang="en-US" altLang="zh-CN" dirty="0" smtClean="0"/>
+              <a:t>4</a:t>
+            </a:r>
+            <a:endParaRPr lang="zh-CN" altLang="en-US" dirty="0"/>
+          </a:p>
+        </p:txBody>
+      </p:sp>
+      <p:sp>
+        <p:nvSpPr>
+          <p:cNvPr id="41" name="椭圆 40"/>
+          <p:cNvSpPr/>
+          <p:nvPr/>
+        </p:nvSpPr>
+        <p:spPr>
+          <a:xfrm>
+            <a:off x="3041830" y="4257092"/>
+            <a:ext cx="468052" cy="432048"/>
+          </a:xfrm>
+          <a:prstGeom prst="ellipse">
+            <a:avLst/>
+          </a:prstGeom>
+        </p:spPr>
+        <p:style>
+          <a:lnRef idx="2">
+            <a:schemeClr val="accent1">
+              <a:shade val="50000"/>
+            </a:schemeClr>
+          </a:lnRef>
+          <a:fillRef idx="1">
+            <a:schemeClr val="accent1"/>
+          </a:fillRef>
+          <a:effectRef idx="0">
+            <a:schemeClr val="accent1"/>
+          </a:effectRef>
+          <a:fontRef idx="minor">
+            <a:schemeClr val="lt1"/>
+          </a:fontRef>
+        </p:style>
+        <p:txBody>
+          <a:bodyPr rtlCol="0" anchor="ctr"/>
+          <a:lstStyle/>
+          <a:p>
+            <a:pPr algn="ctr"/>
+            <a:r>
+              <a:rPr lang="en-US" altLang="zh-CN" dirty="0" smtClean="0"/>
+              <a:t>5</a:t>
+            </a:r>
+            <a:endParaRPr lang="zh-CN" altLang="en-US" dirty="0"/>
+          </a:p>
+        </p:txBody>
+      </p:sp>
+      <p:sp>
+        <p:nvSpPr>
+          <p:cNvPr id="42" name="椭圆 41"/>
+          <p:cNvSpPr/>
+          <p:nvPr/>
+        </p:nvSpPr>
+        <p:spPr>
+          <a:xfrm>
+            <a:off x="4031940" y="5702932"/>
+            <a:ext cx="468052" cy="432048"/>
+          </a:xfrm>
+          <a:prstGeom prst="ellipse">
+            <a:avLst/>
+          </a:prstGeom>
+        </p:spPr>
+        <p:style>
+          <a:lnRef idx="2">
+            <a:schemeClr val="accent1">
+              <a:shade val="50000"/>
+            </a:schemeClr>
+          </a:lnRef>
+          <a:fillRef idx="1">
+            <a:schemeClr val="accent1"/>
+          </a:fillRef>
+          <a:effectRef idx="0">
+            <a:schemeClr val="accent1"/>
+          </a:effectRef>
+          <a:fontRef idx="minor">
+            <a:schemeClr val="lt1"/>
+          </a:fontRef>
+        </p:style>
+        <p:txBody>
+          <a:bodyPr rtlCol="0" anchor="ctr"/>
+          <a:lstStyle/>
+          <a:p>
+            <a:pPr algn="ctr"/>
+            <a:r>
+              <a:rPr lang="en-US" altLang="zh-CN" dirty="0" smtClean="0"/>
+              <a:t>6</a:t>
+            </a:r>
+            <a:endParaRPr lang="zh-CN" altLang="en-US" dirty="0"/>
+          </a:p>
+        </p:txBody>
+      </p:sp>
+      <p:sp>
+        <p:nvSpPr>
+          <p:cNvPr id="43" name="椭圆 42"/>
+          <p:cNvSpPr/>
+          <p:nvPr/>
+        </p:nvSpPr>
+        <p:spPr>
+          <a:xfrm>
+            <a:off x="5022050" y="5677272"/>
+            <a:ext cx="468052" cy="432048"/>
+          </a:xfrm>
+          <a:prstGeom prst="ellipse">
+            <a:avLst/>
+          </a:prstGeom>
+        </p:spPr>
+        <p:style>
+          <a:lnRef idx="2">
+            <a:schemeClr val="accent1">
+              <a:shade val="50000"/>
+            </a:schemeClr>
+          </a:lnRef>
+          <a:fillRef idx="1">
+            <a:schemeClr val="accent1"/>
+          </a:fillRef>
+          <a:effectRef idx="0">
+            <a:schemeClr val="accent1"/>
+          </a:effectRef>
+          <a:fontRef idx="minor">
+            <a:schemeClr val="lt1"/>
+          </a:fontRef>
+        </p:style>
+        <p:txBody>
+          <a:bodyPr rtlCol="0" anchor="ctr"/>
+          <a:lstStyle/>
+          <a:p>
+            <a:pPr algn="ctr"/>
+            <a:r>
+              <a:rPr lang="en-US" altLang="zh-CN" dirty="0" smtClean="0"/>
+              <a:t>7</a:t>
+            </a:r>
+            <a:endParaRPr lang="zh-CN" altLang="en-US" dirty="0"/>
+          </a:p>
+        </p:txBody>
+      </p:sp>
+      <p:cxnSp>
+        <p:nvCxnSpPr>
+          <p:cNvPr id="45" name="直接箭头连接符 44"/>
+          <p:cNvCxnSpPr>
+            <a:stCxn id="19" idx="3"/>
+            <a:endCxn id="41" idx="2"/>
+          </p:cNvCxnSpPr>
+          <p:nvPr/>
+        </p:nvCxnSpPr>
+        <p:spPr>
+          <a:xfrm>
+            <a:off x="2483768" y="4473116"/>
+            <a:ext cx="558062" cy="0"/>
+          </a:xfrm>
+          <a:prstGeom prst="straightConnector1">
+            <a:avLst/>
+          </a:prstGeom>
+          <a:ln>
+            <a:solidFill>
+              <a:schemeClr val="tx1"/>
+            </a:solidFill>
+            <a:tailEnd type="arrow"/>
+          </a:ln>
+        </p:spPr>
+        <p:style>
+          <a:lnRef idx="1">
+            <a:schemeClr val="accent1"/>
+          </a:lnRef>
+          <a:fillRef idx="0">
+            <a:schemeClr val="accent1"/>
+          </a:fillRef>
+          <a:effectRef idx="0">
+            <a:schemeClr val="accent1"/>
+          </a:effectRef>
+          <a:fontRef idx="minor">
+            <a:schemeClr val="tx1"/>
+          </a:fontRef>
+        </p:style>
+      </p:cxnSp>
+      <p:cxnSp>
+        <p:nvCxnSpPr>
+          <p:cNvPr id="47" name="直接箭头连接符 46"/>
+          <p:cNvCxnSpPr>
+            <a:stCxn id="23" idx="3"/>
+            <a:endCxn id="40" idx="2"/>
+          </p:cNvCxnSpPr>
+          <p:nvPr/>
+        </p:nvCxnSpPr>
+        <p:spPr>
+          <a:xfrm>
+            <a:off x="2483768" y="5913276"/>
+            <a:ext cx="558062" cy="0"/>
+          </a:xfrm>
+          <a:prstGeom prst="straightConnector1">
+            <a:avLst/>
+          </a:prstGeom>
+          <a:ln>
+            <a:solidFill>
+              <a:schemeClr val="tx1"/>
+            </a:solidFill>
+            <a:tailEnd type="arrow"/>
+          </a:ln>
+        </p:spPr>
+        <p:style>
+          <a:lnRef idx="1">
+            <a:schemeClr val="accent1"/>
+          </a:lnRef>
+          <a:fillRef idx="0">
+            <a:schemeClr val="accent1"/>
+          </a:fillRef>
+          <a:effectRef idx="0">
+            <a:schemeClr val="accent1"/>
+          </a:effectRef>
+          <a:fontRef idx="minor">
+            <a:schemeClr val="tx1"/>
+          </a:fontRef>
+        </p:style>
+      </p:cxnSp>
+      <p:cxnSp>
+        <p:nvCxnSpPr>
+          <p:cNvPr id="49" name="直接箭头连接符 48"/>
+          <p:cNvCxnSpPr>
+            <a:stCxn id="40" idx="6"/>
+            <a:endCxn id="42" idx="2"/>
+          </p:cNvCxnSpPr>
+          <p:nvPr/>
+        </p:nvCxnSpPr>
+        <p:spPr>
+          <a:xfrm>
+            <a:off x="3509882" y="5913276"/>
+            <a:ext cx="522058" cy="5680"/>
+          </a:xfrm>
+          <a:prstGeom prst="straightConnector1">
+            <a:avLst/>
+          </a:prstGeom>
+          <a:ln>
+            <a:solidFill>
+              <a:schemeClr val="tx1"/>
+            </a:solidFill>
+            <a:tailEnd type="arrow"/>
+          </a:ln>
+        </p:spPr>
+        <p:style>
+          <a:lnRef idx="1">
+            <a:schemeClr val="accent1"/>
+          </a:lnRef>
+          <a:fillRef idx="0">
+            <a:schemeClr val="accent1"/>
+          </a:fillRef>
+          <a:effectRef idx="0">
+            <a:schemeClr val="accent1"/>
+          </a:effectRef>
+          <a:fontRef idx="minor">
+            <a:schemeClr val="tx1"/>
+          </a:fontRef>
+        </p:style>
+      </p:cxnSp>
+      <p:cxnSp>
+        <p:nvCxnSpPr>
+          <p:cNvPr id="51" name="直接箭头连接符 50"/>
+          <p:cNvCxnSpPr>
+            <a:stCxn id="42" idx="6"/>
+            <a:endCxn id="43" idx="2"/>
+          </p:cNvCxnSpPr>
+          <p:nvPr/>
+        </p:nvCxnSpPr>
+        <p:spPr>
+          <a:xfrm flipV="1">
+            <a:off x="4499992" y="5893296"/>
+            <a:ext cx="522058" cy="25660"/>
+          </a:xfrm>
+          <a:prstGeom prst="straightConnector1">
+            <a:avLst/>
+          </a:prstGeom>
+          <a:ln>
+            <a:solidFill>
+              <a:schemeClr val="tx1"/>
+            </a:solidFill>
+            <a:tailEnd type="arrow"/>
+          </a:ln>
+        </p:spPr>
+        <p:style>
+          <a:lnRef idx="1">
+            <a:schemeClr val="accent1"/>
+          </a:lnRef>
+          <a:fillRef idx="0">
+            <a:schemeClr val="accent1"/>
+          </a:fillRef>
+          <a:effectRef idx="0">
+            <a:schemeClr val="accent1"/>
+          </a:effectRef>
+          <a:fontRef idx="minor">
+            <a:schemeClr val="tx1"/>
+          </a:fontRef>
+        </p:style>
+      </p:cxnSp>
     </p:spTree>
     <p:extLst>
       <p:ext uri="{BB962C8B-B14F-4D97-AF65-F5344CB8AC3E}">
@@ -11088,10 +12943,1863 @@
           <a:chExt cx="0" cy="0"/>
         </a:xfrm>
       </p:grpSpPr>
+      <p:sp>
+        <p:nvSpPr>
+          <p:cNvPr id="2" name="圆角矩形 1"/>
+          <p:cNvSpPr/>
+          <p:nvPr/>
+        </p:nvSpPr>
+        <p:spPr>
+          <a:xfrm>
+            <a:off x="251520" y="240161"/>
+            <a:ext cx="1224136" cy="432048"/>
+          </a:xfrm>
+          <a:prstGeom prst="roundRect">
+            <a:avLst/>
+          </a:prstGeom>
+        </p:spPr>
+        <p:style>
+          <a:lnRef idx="2">
+            <a:schemeClr val="accent1">
+              <a:shade val="50000"/>
+            </a:schemeClr>
+          </a:lnRef>
+          <a:fillRef idx="1">
+            <a:schemeClr val="accent1"/>
+          </a:fillRef>
+          <a:effectRef idx="0">
+            <a:schemeClr val="accent1"/>
+          </a:effectRef>
+          <a:fontRef idx="minor">
+            <a:schemeClr val="lt1"/>
+          </a:fontRef>
+        </p:style>
+        <p:txBody>
+          <a:bodyPr rtlCol="0" anchor="ctr"/>
+          <a:lstStyle/>
+          <a:p>
+            <a:pPr algn="ctr"/>
+            <a:r>
+              <a:rPr lang="en-US" altLang="zh-CN" dirty="0" smtClean="0"/>
+              <a:t>5.1</a:t>
+            </a:r>
+            <a:endParaRPr lang="zh-CN" altLang="en-US" dirty="0"/>
+          </a:p>
+        </p:txBody>
+      </p:sp>
+      <p:sp>
+        <p:nvSpPr>
+          <p:cNvPr id="3" name="矩形 2"/>
+          <p:cNvSpPr/>
+          <p:nvPr/>
+        </p:nvSpPr>
+        <p:spPr>
+          <a:xfrm>
+            <a:off x="3671900" y="188640"/>
+            <a:ext cx="720080" cy="432048"/>
+          </a:xfrm>
+          <a:prstGeom prst="rect">
+            <a:avLst/>
+          </a:prstGeom>
+        </p:spPr>
+        <p:style>
+          <a:lnRef idx="2">
+            <a:schemeClr val="accent1">
+              <a:shade val="50000"/>
+            </a:schemeClr>
+          </a:lnRef>
+          <a:fillRef idx="1">
+            <a:schemeClr val="accent1"/>
+          </a:fillRef>
+          <a:effectRef idx="0">
+            <a:schemeClr val="accent1"/>
+          </a:effectRef>
+          <a:fontRef idx="minor">
+            <a:schemeClr val="lt1"/>
+          </a:fontRef>
+        </p:style>
+        <p:txBody>
+          <a:bodyPr rtlCol="0" anchor="ctr"/>
+          <a:lstStyle/>
+          <a:p>
+            <a:pPr algn="ctr"/>
+            <a:r>
+              <a:rPr lang="en-US" altLang="zh-CN" dirty="0" smtClean="0"/>
+              <a:t>71</a:t>
+            </a:r>
+            <a:endParaRPr lang="zh-CN" altLang="en-US" dirty="0"/>
+          </a:p>
+        </p:txBody>
+      </p:sp>
+      <p:sp>
+        <p:nvSpPr>
+          <p:cNvPr id="5" name="矩形 4"/>
+          <p:cNvSpPr/>
+          <p:nvPr/>
+        </p:nvSpPr>
+        <p:spPr>
+          <a:xfrm>
+            <a:off x="7992380" y="188640"/>
+            <a:ext cx="720080" cy="432048"/>
+          </a:xfrm>
+          <a:prstGeom prst="rect">
+            <a:avLst/>
+          </a:prstGeom>
+        </p:spPr>
+        <p:style>
+          <a:lnRef idx="2">
+            <a:schemeClr val="accent1">
+              <a:shade val="50000"/>
+            </a:schemeClr>
+          </a:lnRef>
+          <a:fillRef idx="1">
+            <a:schemeClr val="accent1"/>
+          </a:fillRef>
+          <a:effectRef idx="0">
+            <a:schemeClr val="accent1"/>
+          </a:effectRef>
+          <a:fontRef idx="minor">
+            <a:schemeClr val="lt1"/>
+          </a:fontRef>
+        </p:style>
+        <p:txBody>
+          <a:bodyPr rtlCol="0" anchor="ctr"/>
+          <a:lstStyle/>
+          <a:p>
+            <a:pPr algn="ctr"/>
+            <a:r>
+              <a:rPr lang="en-US" altLang="zh-CN" dirty="0" smtClean="0"/>
+              <a:t>89</a:t>
+            </a:r>
+            <a:endParaRPr lang="zh-CN" altLang="en-US" dirty="0"/>
+          </a:p>
+        </p:txBody>
+      </p:sp>
+      <p:sp>
+        <p:nvSpPr>
+          <p:cNvPr id="6" name="矩形 5"/>
+          <p:cNvSpPr/>
+          <p:nvPr/>
+        </p:nvSpPr>
+        <p:spPr>
+          <a:xfrm>
+            <a:off x="7272300" y="188640"/>
+            <a:ext cx="720080" cy="432048"/>
+          </a:xfrm>
+          <a:prstGeom prst="rect">
+            <a:avLst/>
+          </a:prstGeom>
+        </p:spPr>
+        <p:style>
+          <a:lnRef idx="2">
+            <a:schemeClr val="accent1">
+              <a:shade val="50000"/>
+            </a:schemeClr>
+          </a:lnRef>
+          <a:fillRef idx="1">
+            <a:schemeClr val="accent1"/>
+          </a:fillRef>
+          <a:effectRef idx="0">
+            <a:schemeClr val="accent1"/>
+          </a:effectRef>
+          <a:fontRef idx="minor">
+            <a:schemeClr val="lt1"/>
+          </a:fontRef>
+        </p:style>
+        <p:txBody>
+          <a:bodyPr rtlCol="0" anchor="ctr"/>
+          <a:lstStyle/>
+          <a:p>
+            <a:pPr algn="ctr"/>
+            <a:r>
+              <a:rPr lang="en-US" altLang="zh-CN" dirty="0" smtClean="0"/>
+              <a:t>79</a:t>
+            </a:r>
+            <a:endParaRPr lang="zh-CN" altLang="en-US" dirty="0"/>
+          </a:p>
+        </p:txBody>
+      </p:sp>
+      <p:sp>
+        <p:nvSpPr>
+          <p:cNvPr id="7" name="矩形 6"/>
+          <p:cNvSpPr/>
+          <p:nvPr/>
+        </p:nvSpPr>
+        <p:spPr>
+          <a:xfrm>
+            <a:off x="6552220" y="188640"/>
+            <a:ext cx="720080" cy="432048"/>
+          </a:xfrm>
+          <a:prstGeom prst="rect">
+            <a:avLst/>
+          </a:prstGeom>
+        </p:spPr>
+        <p:style>
+          <a:lnRef idx="2">
+            <a:schemeClr val="accent1">
+              <a:shade val="50000"/>
+            </a:schemeClr>
+          </a:lnRef>
+          <a:fillRef idx="1">
+            <a:schemeClr val="accent1"/>
+          </a:fillRef>
+          <a:effectRef idx="0">
+            <a:schemeClr val="accent1"/>
+          </a:effectRef>
+          <a:fontRef idx="minor">
+            <a:schemeClr val="lt1"/>
+          </a:fontRef>
+        </p:style>
+        <p:txBody>
+          <a:bodyPr rtlCol="0" anchor="ctr"/>
+          <a:lstStyle/>
+          <a:p>
+            <a:pPr algn="ctr"/>
+            <a:r>
+              <a:rPr lang="en-US" altLang="zh-CN" dirty="0" smtClean="0"/>
+              <a:t>44</a:t>
+            </a:r>
+            <a:endParaRPr lang="zh-CN" altLang="en-US" dirty="0"/>
+          </a:p>
+        </p:txBody>
+      </p:sp>
+      <p:sp>
+        <p:nvSpPr>
+          <p:cNvPr id="8" name="矩形 7"/>
+          <p:cNvSpPr/>
+          <p:nvPr/>
+        </p:nvSpPr>
+        <p:spPr>
+          <a:xfrm>
+            <a:off x="5832140" y="188640"/>
+            <a:ext cx="720080" cy="432048"/>
+          </a:xfrm>
+          <a:prstGeom prst="rect">
+            <a:avLst/>
+          </a:prstGeom>
+        </p:spPr>
+        <p:style>
+          <a:lnRef idx="2">
+            <a:schemeClr val="accent1">
+              <a:shade val="50000"/>
+            </a:schemeClr>
+          </a:lnRef>
+          <a:fillRef idx="1">
+            <a:schemeClr val="accent1"/>
+          </a:fillRef>
+          <a:effectRef idx="0">
+            <a:schemeClr val="accent1"/>
+          </a:effectRef>
+          <a:fontRef idx="minor">
+            <a:schemeClr val="lt1"/>
+          </a:fontRef>
+        </p:style>
+        <p:txBody>
+          <a:bodyPr rtlCol="0" anchor="ctr"/>
+          <a:lstStyle/>
+          <a:p>
+            <a:pPr algn="ctr"/>
+            <a:r>
+              <a:rPr lang="en-US" altLang="zh-CN" dirty="0" smtClean="0"/>
+              <a:t>99</a:t>
+            </a:r>
+            <a:endParaRPr lang="zh-CN" altLang="en-US" dirty="0"/>
+          </a:p>
+        </p:txBody>
+      </p:sp>
+      <p:sp>
+        <p:nvSpPr>
+          <p:cNvPr id="9" name="矩形 8"/>
+          <p:cNvSpPr/>
+          <p:nvPr/>
+        </p:nvSpPr>
+        <p:spPr>
+          <a:xfrm>
+            <a:off x="5112060" y="188640"/>
+            <a:ext cx="720080" cy="432048"/>
+          </a:xfrm>
+          <a:prstGeom prst="rect">
+            <a:avLst/>
+          </a:prstGeom>
+        </p:spPr>
+        <p:style>
+          <a:lnRef idx="2">
+            <a:schemeClr val="accent1">
+              <a:shade val="50000"/>
+            </a:schemeClr>
+          </a:lnRef>
+          <a:fillRef idx="1">
+            <a:schemeClr val="accent1"/>
+          </a:fillRef>
+          <a:effectRef idx="0">
+            <a:schemeClr val="accent1"/>
+          </a:effectRef>
+          <a:fontRef idx="minor">
+            <a:schemeClr val="lt1"/>
+          </a:fontRef>
+        </p:style>
+        <p:txBody>
+          <a:bodyPr rtlCol="0" anchor="ctr"/>
+          <a:lstStyle/>
+          <a:p>
+            <a:pPr algn="ctr"/>
+            <a:r>
+              <a:rPr lang="en-US" altLang="zh-CN" dirty="0" smtClean="0"/>
+              <a:t>73</a:t>
+            </a:r>
+            <a:endParaRPr lang="zh-CN" altLang="en-US" dirty="0"/>
+          </a:p>
+        </p:txBody>
+      </p:sp>
+      <p:sp>
+        <p:nvSpPr>
+          <p:cNvPr id="10" name="矩形 9"/>
+          <p:cNvSpPr/>
+          <p:nvPr/>
+        </p:nvSpPr>
+        <p:spPr>
+          <a:xfrm>
+            <a:off x="4391980" y="188640"/>
+            <a:ext cx="720080" cy="432048"/>
+          </a:xfrm>
+          <a:prstGeom prst="rect">
+            <a:avLst/>
+          </a:prstGeom>
+        </p:spPr>
+        <p:style>
+          <a:lnRef idx="2">
+            <a:schemeClr val="accent1">
+              <a:shade val="50000"/>
+            </a:schemeClr>
+          </a:lnRef>
+          <a:fillRef idx="1">
+            <a:schemeClr val="accent1"/>
+          </a:fillRef>
+          <a:effectRef idx="0">
+            <a:schemeClr val="accent1"/>
+          </a:effectRef>
+          <a:fontRef idx="minor">
+            <a:schemeClr val="lt1"/>
+          </a:fontRef>
+        </p:style>
+        <p:txBody>
+          <a:bodyPr rtlCol="0" anchor="ctr"/>
+          <a:lstStyle/>
+          <a:p>
+            <a:pPr algn="ctr"/>
+            <a:r>
+              <a:rPr lang="en-US" altLang="zh-CN" dirty="0" smtClean="0"/>
+              <a:t>23</a:t>
+            </a:r>
+            <a:endParaRPr lang="zh-CN" altLang="en-US" dirty="0"/>
+          </a:p>
+        </p:txBody>
+      </p:sp>
+      <p:sp>
+        <p:nvSpPr>
+          <p:cNvPr id="11" name="圆角矩形 10"/>
+          <p:cNvSpPr/>
+          <p:nvPr/>
+        </p:nvSpPr>
+        <p:spPr>
+          <a:xfrm>
+            <a:off x="2411760" y="188640"/>
+            <a:ext cx="1260140" cy="432048"/>
+          </a:xfrm>
+          <a:prstGeom prst="roundRect">
+            <a:avLst/>
+          </a:prstGeom>
+        </p:spPr>
+        <p:style>
+          <a:lnRef idx="2">
+            <a:schemeClr val="accent1">
+              <a:shade val="50000"/>
+            </a:schemeClr>
+          </a:lnRef>
+          <a:fillRef idx="1">
+            <a:schemeClr val="accent1"/>
+          </a:fillRef>
+          <a:effectRef idx="0">
+            <a:schemeClr val="accent1"/>
+          </a:effectRef>
+          <a:fontRef idx="minor">
+            <a:schemeClr val="lt1"/>
+          </a:fontRef>
+        </p:style>
+        <p:txBody>
+          <a:bodyPr rtlCol="0" anchor="ctr"/>
+          <a:lstStyle/>
+          <a:p>
+            <a:pPr algn="ctr"/>
+            <a:r>
+              <a:rPr lang="en-US" altLang="zh-CN" dirty="0" smtClean="0"/>
+              <a:t>insert</a:t>
+            </a:r>
+            <a:endParaRPr lang="zh-CN" altLang="en-US" dirty="0"/>
+          </a:p>
+        </p:txBody>
+      </p:sp>
+      <p:sp>
+        <p:nvSpPr>
+          <p:cNvPr id="12" name="矩形 11"/>
+          <p:cNvSpPr/>
+          <p:nvPr/>
+        </p:nvSpPr>
+        <p:spPr>
+          <a:xfrm>
+            <a:off x="1007604" y="1556792"/>
+            <a:ext cx="3240360" cy="452535"/>
+          </a:xfrm>
+          <a:prstGeom prst="rect">
+            <a:avLst/>
+          </a:prstGeom>
+        </p:spPr>
+        <p:style>
+          <a:lnRef idx="2">
+            <a:schemeClr val="accent1">
+              <a:shade val="50000"/>
+            </a:schemeClr>
+          </a:lnRef>
+          <a:fillRef idx="1">
+            <a:schemeClr val="accent1"/>
+          </a:fillRef>
+          <a:effectRef idx="0">
+            <a:schemeClr val="accent1"/>
+          </a:effectRef>
+          <a:fontRef idx="minor">
+            <a:schemeClr val="lt1"/>
+          </a:fontRef>
+        </p:style>
+        <p:txBody>
+          <a:bodyPr rtlCol="0" anchor="ctr"/>
+          <a:lstStyle/>
+          <a:p>
+            <a:pPr algn="ctr"/>
+            <a:r>
+              <a:rPr lang="en-US" altLang="zh-CN" dirty="0" smtClean="0"/>
+              <a:t>hash(x) = x (mod 10);</a:t>
+            </a:r>
+            <a:endParaRPr lang="zh-CN" altLang="en-US" dirty="0"/>
+          </a:p>
+        </p:txBody>
+      </p:sp>
+      <p:sp>
+        <p:nvSpPr>
+          <p:cNvPr id="13" name="圆角矩形 12"/>
+          <p:cNvSpPr/>
+          <p:nvPr/>
+        </p:nvSpPr>
+        <p:spPr>
+          <a:xfrm>
+            <a:off x="95942" y="799592"/>
+            <a:ext cx="2484276" cy="432048"/>
+          </a:xfrm>
+          <a:prstGeom prst="roundRect">
+            <a:avLst/>
+          </a:prstGeom>
+        </p:spPr>
+        <p:style>
+          <a:lnRef idx="2">
+            <a:schemeClr val="accent1">
+              <a:shade val="50000"/>
+            </a:schemeClr>
+          </a:lnRef>
+          <a:fillRef idx="1">
+            <a:schemeClr val="accent1"/>
+          </a:fillRef>
+          <a:effectRef idx="0">
+            <a:schemeClr val="accent1"/>
+          </a:effectRef>
+          <a:fontRef idx="minor">
+            <a:schemeClr val="lt1"/>
+          </a:fontRef>
+        </p:style>
+        <p:txBody>
+          <a:bodyPr rtlCol="0" anchor="ctr"/>
+          <a:lstStyle/>
+          <a:p>
+            <a:pPr algn="ctr"/>
+            <a:r>
+              <a:rPr lang="zh-CN" altLang="en-US" dirty="0" smtClean="0"/>
+              <a:t>线性探测散列表</a:t>
+            </a:r>
+            <a:endParaRPr lang="zh-CN" altLang="en-US" dirty="0"/>
+          </a:p>
+        </p:txBody>
+      </p:sp>
+      <p:sp>
+        <p:nvSpPr>
+          <p:cNvPr id="14" name="矩形 13"/>
+          <p:cNvSpPr/>
+          <p:nvPr/>
+        </p:nvSpPr>
+        <p:spPr>
+          <a:xfrm>
+            <a:off x="1907704" y="2492896"/>
+            <a:ext cx="576064" cy="360040"/>
+          </a:xfrm>
+          <a:prstGeom prst="rect">
+            <a:avLst/>
+          </a:prstGeom>
+        </p:spPr>
+        <p:style>
+          <a:lnRef idx="2">
+            <a:schemeClr val="accent1">
+              <a:shade val="50000"/>
+            </a:schemeClr>
+          </a:lnRef>
+          <a:fillRef idx="1">
+            <a:schemeClr val="accent1"/>
+          </a:fillRef>
+          <a:effectRef idx="0">
+            <a:schemeClr val="accent1"/>
+          </a:effectRef>
+          <a:fontRef idx="minor">
+            <a:schemeClr val="lt1"/>
+          </a:fontRef>
+        </p:style>
+        <p:txBody>
+          <a:bodyPr rtlCol="0" anchor="ctr"/>
+          <a:lstStyle/>
+          <a:p>
+            <a:pPr algn="ctr"/>
+            <a:r>
+              <a:rPr lang="en-US" altLang="zh-CN" dirty="0" smtClean="0"/>
+              <a:t>0</a:t>
+            </a:r>
+            <a:endParaRPr lang="zh-CN" altLang="en-US" dirty="0"/>
+          </a:p>
+        </p:txBody>
+      </p:sp>
+      <p:sp>
+        <p:nvSpPr>
+          <p:cNvPr id="15" name="矩形 14"/>
+          <p:cNvSpPr/>
+          <p:nvPr/>
+        </p:nvSpPr>
+        <p:spPr>
+          <a:xfrm>
+            <a:off x="1907704" y="2852936"/>
+            <a:ext cx="576064" cy="360040"/>
+          </a:xfrm>
+          <a:prstGeom prst="rect">
+            <a:avLst/>
+          </a:prstGeom>
+        </p:spPr>
+        <p:style>
+          <a:lnRef idx="2">
+            <a:schemeClr val="accent1">
+              <a:shade val="50000"/>
+            </a:schemeClr>
+          </a:lnRef>
+          <a:fillRef idx="1">
+            <a:schemeClr val="accent1"/>
+          </a:fillRef>
+          <a:effectRef idx="0">
+            <a:schemeClr val="accent1"/>
+          </a:effectRef>
+          <a:fontRef idx="minor">
+            <a:schemeClr val="lt1"/>
+          </a:fontRef>
+        </p:style>
+        <p:txBody>
+          <a:bodyPr rtlCol="0" anchor="ctr"/>
+          <a:lstStyle/>
+          <a:p>
+            <a:pPr algn="ctr"/>
+            <a:r>
+              <a:rPr lang="en-US" altLang="zh-CN" dirty="0" smtClean="0"/>
+              <a:t>1</a:t>
+            </a:r>
+            <a:endParaRPr lang="zh-CN" altLang="en-US" dirty="0"/>
+          </a:p>
+        </p:txBody>
+      </p:sp>
+      <p:sp>
+        <p:nvSpPr>
+          <p:cNvPr id="16" name="矩形 15"/>
+          <p:cNvSpPr/>
+          <p:nvPr/>
+        </p:nvSpPr>
+        <p:spPr>
+          <a:xfrm>
+            <a:off x="1907704" y="3212976"/>
+            <a:ext cx="576064" cy="360040"/>
+          </a:xfrm>
+          <a:prstGeom prst="rect">
+            <a:avLst/>
+          </a:prstGeom>
+        </p:spPr>
+        <p:style>
+          <a:lnRef idx="2">
+            <a:schemeClr val="accent1">
+              <a:shade val="50000"/>
+            </a:schemeClr>
+          </a:lnRef>
+          <a:fillRef idx="1">
+            <a:schemeClr val="accent1"/>
+          </a:fillRef>
+          <a:effectRef idx="0">
+            <a:schemeClr val="accent1"/>
+          </a:effectRef>
+          <a:fontRef idx="minor">
+            <a:schemeClr val="lt1"/>
+          </a:fontRef>
+        </p:style>
+        <p:txBody>
+          <a:bodyPr rtlCol="0" anchor="ctr"/>
+          <a:lstStyle/>
+          <a:p>
+            <a:pPr algn="ctr"/>
+            <a:r>
+              <a:rPr lang="en-US" altLang="zh-CN" dirty="0" smtClean="0"/>
+              <a:t>2</a:t>
+            </a:r>
+            <a:endParaRPr lang="zh-CN" altLang="en-US" dirty="0"/>
+          </a:p>
+        </p:txBody>
+      </p:sp>
+      <p:sp>
+        <p:nvSpPr>
+          <p:cNvPr id="17" name="矩形 16"/>
+          <p:cNvSpPr/>
+          <p:nvPr/>
+        </p:nvSpPr>
+        <p:spPr>
+          <a:xfrm>
+            <a:off x="1907704" y="3573016"/>
+            <a:ext cx="576064" cy="360040"/>
+          </a:xfrm>
+          <a:prstGeom prst="rect">
+            <a:avLst/>
+          </a:prstGeom>
+        </p:spPr>
+        <p:style>
+          <a:lnRef idx="2">
+            <a:schemeClr val="accent1">
+              <a:shade val="50000"/>
+            </a:schemeClr>
+          </a:lnRef>
+          <a:fillRef idx="1">
+            <a:schemeClr val="accent1"/>
+          </a:fillRef>
+          <a:effectRef idx="0">
+            <a:schemeClr val="accent1"/>
+          </a:effectRef>
+          <a:fontRef idx="minor">
+            <a:schemeClr val="lt1"/>
+          </a:fontRef>
+        </p:style>
+        <p:txBody>
+          <a:bodyPr rtlCol="0" anchor="ctr"/>
+          <a:lstStyle/>
+          <a:p>
+            <a:pPr algn="ctr"/>
+            <a:r>
+              <a:rPr lang="en-US" altLang="zh-CN" dirty="0" smtClean="0"/>
+              <a:t>3</a:t>
+            </a:r>
+            <a:endParaRPr lang="zh-CN" altLang="en-US" dirty="0"/>
+          </a:p>
+        </p:txBody>
+      </p:sp>
+      <p:sp>
+        <p:nvSpPr>
+          <p:cNvPr id="18" name="矩形 17"/>
+          <p:cNvSpPr/>
+          <p:nvPr/>
+        </p:nvSpPr>
+        <p:spPr>
+          <a:xfrm>
+            <a:off x="1907704" y="3933056"/>
+            <a:ext cx="576064" cy="360040"/>
+          </a:xfrm>
+          <a:prstGeom prst="rect">
+            <a:avLst/>
+          </a:prstGeom>
+        </p:spPr>
+        <p:style>
+          <a:lnRef idx="2">
+            <a:schemeClr val="accent1">
+              <a:shade val="50000"/>
+            </a:schemeClr>
+          </a:lnRef>
+          <a:fillRef idx="1">
+            <a:schemeClr val="accent1"/>
+          </a:fillRef>
+          <a:effectRef idx="0">
+            <a:schemeClr val="accent1"/>
+          </a:effectRef>
+          <a:fontRef idx="minor">
+            <a:schemeClr val="lt1"/>
+          </a:fontRef>
+        </p:style>
+        <p:txBody>
+          <a:bodyPr rtlCol="0" anchor="ctr"/>
+          <a:lstStyle/>
+          <a:p>
+            <a:pPr algn="ctr"/>
+            <a:r>
+              <a:rPr lang="en-US" altLang="zh-CN" dirty="0" smtClean="0"/>
+              <a:t>4</a:t>
+            </a:r>
+            <a:endParaRPr lang="zh-CN" altLang="en-US" dirty="0"/>
+          </a:p>
+        </p:txBody>
+      </p:sp>
+      <p:sp>
+        <p:nvSpPr>
+          <p:cNvPr id="19" name="矩形 18"/>
+          <p:cNvSpPr/>
+          <p:nvPr/>
+        </p:nvSpPr>
+        <p:spPr>
+          <a:xfrm>
+            <a:off x="1907704" y="4293096"/>
+            <a:ext cx="576064" cy="360040"/>
+          </a:xfrm>
+          <a:prstGeom prst="rect">
+            <a:avLst/>
+          </a:prstGeom>
+        </p:spPr>
+        <p:style>
+          <a:lnRef idx="2">
+            <a:schemeClr val="accent1">
+              <a:shade val="50000"/>
+            </a:schemeClr>
+          </a:lnRef>
+          <a:fillRef idx="1">
+            <a:schemeClr val="accent1"/>
+          </a:fillRef>
+          <a:effectRef idx="0">
+            <a:schemeClr val="accent1"/>
+          </a:effectRef>
+          <a:fontRef idx="minor">
+            <a:schemeClr val="lt1"/>
+          </a:fontRef>
+        </p:style>
+        <p:txBody>
+          <a:bodyPr rtlCol="0" anchor="ctr"/>
+          <a:lstStyle/>
+          <a:p>
+            <a:pPr algn="ctr"/>
+            <a:r>
+              <a:rPr lang="en-US" altLang="zh-CN" dirty="0" smtClean="0"/>
+              <a:t>5</a:t>
+            </a:r>
+            <a:endParaRPr lang="zh-CN" altLang="en-US" dirty="0"/>
+          </a:p>
+        </p:txBody>
+      </p:sp>
+      <p:sp>
+        <p:nvSpPr>
+          <p:cNvPr id="20" name="矩形 19"/>
+          <p:cNvSpPr/>
+          <p:nvPr/>
+        </p:nvSpPr>
+        <p:spPr>
+          <a:xfrm>
+            <a:off x="1907704" y="4653136"/>
+            <a:ext cx="576064" cy="360040"/>
+          </a:xfrm>
+          <a:prstGeom prst="rect">
+            <a:avLst/>
+          </a:prstGeom>
+        </p:spPr>
+        <p:style>
+          <a:lnRef idx="2">
+            <a:schemeClr val="accent1">
+              <a:shade val="50000"/>
+            </a:schemeClr>
+          </a:lnRef>
+          <a:fillRef idx="1">
+            <a:schemeClr val="accent1"/>
+          </a:fillRef>
+          <a:effectRef idx="0">
+            <a:schemeClr val="accent1"/>
+          </a:effectRef>
+          <a:fontRef idx="minor">
+            <a:schemeClr val="lt1"/>
+          </a:fontRef>
+        </p:style>
+        <p:txBody>
+          <a:bodyPr rtlCol="0" anchor="ctr"/>
+          <a:lstStyle/>
+          <a:p>
+            <a:pPr algn="ctr"/>
+            <a:r>
+              <a:rPr lang="en-US" altLang="zh-CN" dirty="0" smtClean="0"/>
+              <a:t>6</a:t>
+            </a:r>
+            <a:endParaRPr lang="zh-CN" altLang="en-US" dirty="0"/>
+          </a:p>
+        </p:txBody>
+      </p:sp>
+      <p:sp>
+        <p:nvSpPr>
+          <p:cNvPr id="21" name="矩形 20"/>
+          <p:cNvSpPr/>
+          <p:nvPr/>
+        </p:nvSpPr>
+        <p:spPr>
+          <a:xfrm>
+            <a:off x="1907704" y="5013176"/>
+            <a:ext cx="576064" cy="360040"/>
+          </a:xfrm>
+          <a:prstGeom prst="rect">
+            <a:avLst/>
+          </a:prstGeom>
+        </p:spPr>
+        <p:style>
+          <a:lnRef idx="2">
+            <a:schemeClr val="accent1">
+              <a:shade val="50000"/>
+            </a:schemeClr>
+          </a:lnRef>
+          <a:fillRef idx="1">
+            <a:schemeClr val="accent1"/>
+          </a:fillRef>
+          <a:effectRef idx="0">
+            <a:schemeClr val="accent1"/>
+          </a:effectRef>
+          <a:fontRef idx="minor">
+            <a:schemeClr val="lt1"/>
+          </a:fontRef>
+        </p:style>
+        <p:txBody>
+          <a:bodyPr rtlCol="0" anchor="ctr"/>
+          <a:lstStyle/>
+          <a:p>
+            <a:pPr algn="ctr"/>
+            <a:r>
+              <a:rPr lang="en-US" altLang="zh-CN" dirty="0" smtClean="0"/>
+              <a:t>7</a:t>
+            </a:r>
+            <a:endParaRPr lang="zh-CN" altLang="en-US" dirty="0"/>
+          </a:p>
+        </p:txBody>
+      </p:sp>
+      <p:sp>
+        <p:nvSpPr>
+          <p:cNvPr id="22" name="矩形 21"/>
+          <p:cNvSpPr/>
+          <p:nvPr/>
+        </p:nvSpPr>
+        <p:spPr>
+          <a:xfrm>
+            <a:off x="1907704" y="5373216"/>
+            <a:ext cx="576064" cy="360040"/>
+          </a:xfrm>
+          <a:prstGeom prst="rect">
+            <a:avLst/>
+          </a:prstGeom>
+        </p:spPr>
+        <p:style>
+          <a:lnRef idx="2">
+            <a:schemeClr val="accent1">
+              <a:shade val="50000"/>
+            </a:schemeClr>
+          </a:lnRef>
+          <a:fillRef idx="1">
+            <a:schemeClr val="accent1"/>
+          </a:fillRef>
+          <a:effectRef idx="0">
+            <a:schemeClr val="accent1"/>
+          </a:effectRef>
+          <a:fontRef idx="minor">
+            <a:schemeClr val="lt1"/>
+          </a:fontRef>
+        </p:style>
+        <p:txBody>
+          <a:bodyPr rtlCol="0" anchor="ctr"/>
+          <a:lstStyle/>
+          <a:p>
+            <a:pPr algn="ctr"/>
+            <a:r>
+              <a:rPr lang="en-US" altLang="zh-CN" dirty="0" smtClean="0"/>
+              <a:t>8</a:t>
+            </a:r>
+            <a:endParaRPr lang="zh-CN" altLang="en-US" dirty="0"/>
+          </a:p>
+        </p:txBody>
+      </p:sp>
+      <p:sp>
+        <p:nvSpPr>
+          <p:cNvPr id="23" name="矩形 22"/>
+          <p:cNvSpPr/>
+          <p:nvPr/>
+        </p:nvSpPr>
+        <p:spPr>
+          <a:xfrm>
+            <a:off x="1907704" y="5733256"/>
+            <a:ext cx="576064" cy="360040"/>
+          </a:xfrm>
+          <a:prstGeom prst="rect">
+            <a:avLst/>
+          </a:prstGeom>
+        </p:spPr>
+        <p:style>
+          <a:lnRef idx="2">
+            <a:schemeClr val="accent1">
+              <a:shade val="50000"/>
+            </a:schemeClr>
+          </a:lnRef>
+          <a:fillRef idx="1">
+            <a:schemeClr val="accent1"/>
+          </a:fillRef>
+          <a:effectRef idx="0">
+            <a:schemeClr val="accent1"/>
+          </a:effectRef>
+          <a:fontRef idx="minor">
+            <a:schemeClr val="lt1"/>
+          </a:fontRef>
+        </p:style>
+        <p:txBody>
+          <a:bodyPr rtlCol="0" anchor="ctr"/>
+          <a:lstStyle/>
+          <a:p>
+            <a:pPr algn="ctr"/>
+            <a:r>
+              <a:rPr lang="en-US" altLang="zh-CN" dirty="0" smtClean="0"/>
+              <a:t>9</a:t>
+            </a:r>
+            <a:endParaRPr lang="zh-CN" altLang="en-US" dirty="0"/>
+          </a:p>
+        </p:txBody>
+      </p:sp>
+      <p:sp>
+        <p:nvSpPr>
+          <p:cNvPr id="24" name="椭圆 23"/>
+          <p:cNvSpPr/>
+          <p:nvPr/>
+        </p:nvSpPr>
+        <p:spPr>
+          <a:xfrm>
+            <a:off x="3779912" y="764704"/>
+            <a:ext cx="468052" cy="432048"/>
+          </a:xfrm>
+          <a:prstGeom prst="ellipse">
+            <a:avLst/>
+          </a:prstGeom>
+        </p:spPr>
+        <p:style>
+          <a:lnRef idx="2">
+            <a:schemeClr val="accent1">
+              <a:shade val="50000"/>
+            </a:schemeClr>
+          </a:lnRef>
+          <a:fillRef idx="1">
+            <a:schemeClr val="accent1"/>
+          </a:fillRef>
+          <a:effectRef idx="0">
+            <a:schemeClr val="accent1"/>
+          </a:effectRef>
+          <a:fontRef idx="minor">
+            <a:schemeClr val="lt1"/>
+          </a:fontRef>
+        </p:style>
+        <p:txBody>
+          <a:bodyPr rtlCol="0" anchor="ctr"/>
+          <a:lstStyle/>
+          <a:p>
+            <a:pPr algn="ctr"/>
+            <a:r>
+              <a:rPr lang="en-US" altLang="zh-CN" dirty="0" smtClean="0"/>
+              <a:t>1</a:t>
+            </a:r>
+            <a:endParaRPr lang="zh-CN" altLang="en-US" dirty="0"/>
+          </a:p>
+        </p:txBody>
+      </p:sp>
+      <p:sp>
+        <p:nvSpPr>
+          <p:cNvPr id="25" name="椭圆 24"/>
+          <p:cNvSpPr/>
+          <p:nvPr/>
+        </p:nvSpPr>
+        <p:spPr>
+          <a:xfrm>
+            <a:off x="4535996" y="764704"/>
+            <a:ext cx="468052" cy="432048"/>
+          </a:xfrm>
+          <a:prstGeom prst="ellipse">
+            <a:avLst/>
+          </a:prstGeom>
+        </p:spPr>
+        <p:style>
+          <a:lnRef idx="2">
+            <a:schemeClr val="accent1">
+              <a:shade val="50000"/>
+            </a:schemeClr>
+          </a:lnRef>
+          <a:fillRef idx="1">
+            <a:schemeClr val="accent1"/>
+          </a:fillRef>
+          <a:effectRef idx="0">
+            <a:schemeClr val="accent1"/>
+          </a:effectRef>
+          <a:fontRef idx="minor">
+            <a:schemeClr val="lt1"/>
+          </a:fontRef>
+        </p:style>
+        <p:txBody>
+          <a:bodyPr rtlCol="0" anchor="ctr"/>
+          <a:lstStyle/>
+          <a:p>
+            <a:pPr algn="ctr"/>
+            <a:r>
+              <a:rPr lang="en-US" altLang="zh-CN" dirty="0"/>
+              <a:t>2</a:t>
+            </a:r>
+            <a:endParaRPr lang="zh-CN" altLang="en-US" dirty="0"/>
+          </a:p>
+        </p:txBody>
+      </p:sp>
+      <p:sp>
+        <p:nvSpPr>
+          <p:cNvPr id="26" name="椭圆 25"/>
+          <p:cNvSpPr/>
+          <p:nvPr/>
+        </p:nvSpPr>
+        <p:spPr>
+          <a:xfrm>
+            <a:off x="5256076" y="764704"/>
+            <a:ext cx="468052" cy="432048"/>
+          </a:xfrm>
+          <a:prstGeom prst="ellipse">
+            <a:avLst/>
+          </a:prstGeom>
+        </p:spPr>
+        <p:style>
+          <a:lnRef idx="2">
+            <a:schemeClr val="accent1">
+              <a:shade val="50000"/>
+            </a:schemeClr>
+          </a:lnRef>
+          <a:fillRef idx="1">
+            <a:schemeClr val="accent1"/>
+          </a:fillRef>
+          <a:effectRef idx="0">
+            <a:schemeClr val="accent1"/>
+          </a:effectRef>
+          <a:fontRef idx="minor">
+            <a:schemeClr val="lt1"/>
+          </a:fontRef>
+        </p:style>
+        <p:txBody>
+          <a:bodyPr rtlCol="0" anchor="ctr"/>
+          <a:lstStyle/>
+          <a:p>
+            <a:pPr algn="ctr"/>
+            <a:r>
+              <a:rPr lang="en-US" altLang="zh-CN" dirty="0" smtClean="0"/>
+              <a:t>3</a:t>
+            </a:r>
+            <a:endParaRPr lang="zh-CN" altLang="en-US" dirty="0"/>
+          </a:p>
+        </p:txBody>
+      </p:sp>
+      <p:sp>
+        <p:nvSpPr>
+          <p:cNvPr id="27" name="椭圆 26"/>
+          <p:cNvSpPr/>
+          <p:nvPr/>
+        </p:nvSpPr>
+        <p:spPr>
+          <a:xfrm>
+            <a:off x="5976156" y="764704"/>
+            <a:ext cx="468052" cy="432048"/>
+          </a:xfrm>
+          <a:prstGeom prst="ellipse">
+            <a:avLst/>
+          </a:prstGeom>
+        </p:spPr>
+        <p:style>
+          <a:lnRef idx="2">
+            <a:schemeClr val="accent1">
+              <a:shade val="50000"/>
+            </a:schemeClr>
+          </a:lnRef>
+          <a:fillRef idx="1">
+            <a:schemeClr val="accent1"/>
+          </a:fillRef>
+          <a:effectRef idx="0">
+            <a:schemeClr val="accent1"/>
+          </a:effectRef>
+          <a:fontRef idx="minor">
+            <a:schemeClr val="lt1"/>
+          </a:fontRef>
+        </p:style>
+        <p:txBody>
+          <a:bodyPr rtlCol="0" anchor="ctr"/>
+          <a:lstStyle/>
+          <a:p>
+            <a:pPr algn="ctr"/>
+            <a:r>
+              <a:rPr lang="en-US" altLang="zh-CN" dirty="0" smtClean="0"/>
+              <a:t>4</a:t>
+            </a:r>
+            <a:endParaRPr lang="zh-CN" altLang="en-US" dirty="0"/>
+          </a:p>
+        </p:txBody>
+      </p:sp>
+      <p:sp>
+        <p:nvSpPr>
+          <p:cNvPr id="28" name="椭圆 27"/>
+          <p:cNvSpPr/>
+          <p:nvPr/>
+        </p:nvSpPr>
+        <p:spPr>
+          <a:xfrm>
+            <a:off x="6696236" y="764704"/>
+            <a:ext cx="468052" cy="432048"/>
+          </a:xfrm>
+          <a:prstGeom prst="ellipse">
+            <a:avLst/>
+          </a:prstGeom>
+        </p:spPr>
+        <p:style>
+          <a:lnRef idx="2">
+            <a:schemeClr val="accent1">
+              <a:shade val="50000"/>
+            </a:schemeClr>
+          </a:lnRef>
+          <a:fillRef idx="1">
+            <a:schemeClr val="accent1"/>
+          </a:fillRef>
+          <a:effectRef idx="0">
+            <a:schemeClr val="accent1"/>
+          </a:effectRef>
+          <a:fontRef idx="minor">
+            <a:schemeClr val="lt1"/>
+          </a:fontRef>
+        </p:style>
+        <p:txBody>
+          <a:bodyPr rtlCol="0" anchor="ctr"/>
+          <a:lstStyle/>
+          <a:p>
+            <a:pPr algn="ctr"/>
+            <a:r>
+              <a:rPr lang="en-US" altLang="zh-CN" dirty="0" smtClean="0"/>
+              <a:t>5</a:t>
+            </a:r>
+            <a:endParaRPr lang="zh-CN" altLang="en-US" dirty="0"/>
+          </a:p>
+        </p:txBody>
+      </p:sp>
+      <p:sp>
+        <p:nvSpPr>
+          <p:cNvPr id="29" name="椭圆 28"/>
+          <p:cNvSpPr/>
+          <p:nvPr/>
+        </p:nvSpPr>
+        <p:spPr>
+          <a:xfrm>
+            <a:off x="7416316" y="764704"/>
+            <a:ext cx="468052" cy="432048"/>
+          </a:xfrm>
+          <a:prstGeom prst="ellipse">
+            <a:avLst/>
+          </a:prstGeom>
+        </p:spPr>
+        <p:style>
+          <a:lnRef idx="2">
+            <a:schemeClr val="accent1">
+              <a:shade val="50000"/>
+            </a:schemeClr>
+          </a:lnRef>
+          <a:fillRef idx="1">
+            <a:schemeClr val="accent1"/>
+          </a:fillRef>
+          <a:effectRef idx="0">
+            <a:schemeClr val="accent1"/>
+          </a:effectRef>
+          <a:fontRef idx="minor">
+            <a:schemeClr val="lt1"/>
+          </a:fontRef>
+        </p:style>
+        <p:txBody>
+          <a:bodyPr rtlCol="0" anchor="ctr"/>
+          <a:lstStyle/>
+          <a:p>
+            <a:pPr algn="ctr"/>
+            <a:r>
+              <a:rPr lang="en-US" altLang="zh-CN" dirty="0" smtClean="0"/>
+              <a:t>6</a:t>
+            </a:r>
+            <a:endParaRPr lang="zh-CN" altLang="en-US" dirty="0"/>
+          </a:p>
+        </p:txBody>
+      </p:sp>
+      <p:sp>
+        <p:nvSpPr>
+          <p:cNvPr id="30" name="椭圆 29"/>
+          <p:cNvSpPr/>
+          <p:nvPr/>
+        </p:nvSpPr>
+        <p:spPr>
+          <a:xfrm>
+            <a:off x="8136396" y="764704"/>
+            <a:ext cx="468052" cy="432048"/>
+          </a:xfrm>
+          <a:prstGeom prst="ellipse">
+            <a:avLst/>
+          </a:prstGeom>
+        </p:spPr>
+        <p:style>
+          <a:lnRef idx="2">
+            <a:schemeClr val="accent1">
+              <a:shade val="50000"/>
+            </a:schemeClr>
+          </a:lnRef>
+          <a:fillRef idx="1">
+            <a:schemeClr val="accent1"/>
+          </a:fillRef>
+          <a:effectRef idx="0">
+            <a:schemeClr val="accent1"/>
+          </a:effectRef>
+          <a:fontRef idx="minor">
+            <a:schemeClr val="lt1"/>
+          </a:fontRef>
+        </p:style>
+        <p:txBody>
+          <a:bodyPr rtlCol="0" anchor="ctr"/>
+          <a:lstStyle/>
+          <a:p>
+            <a:pPr algn="ctr"/>
+            <a:r>
+              <a:rPr lang="en-US" altLang="zh-CN" dirty="0" smtClean="0"/>
+              <a:t>7</a:t>
+            </a:r>
+            <a:endParaRPr lang="zh-CN" altLang="en-US" dirty="0"/>
+          </a:p>
+        </p:txBody>
+      </p:sp>
+      <p:cxnSp>
+        <p:nvCxnSpPr>
+          <p:cNvPr id="32" name="直接箭头连接符 31"/>
+          <p:cNvCxnSpPr/>
+          <p:nvPr/>
+        </p:nvCxnSpPr>
+        <p:spPr>
+          <a:xfrm>
+            <a:off x="2483768" y="3046648"/>
+            <a:ext cx="558062" cy="0"/>
+          </a:xfrm>
+          <a:prstGeom prst="straightConnector1">
+            <a:avLst/>
+          </a:prstGeom>
+          <a:ln>
+            <a:solidFill>
+              <a:schemeClr val="tx1"/>
+            </a:solidFill>
+            <a:tailEnd type="arrow"/>
+          </a:ln>
+        </p:spPr>
+        <p:style>
+          <a:lnRef idx="1">
+            <a:schemeClr val="accent1"/>
+          </a:lnRef>
+          <a:fillRef idx="0">
+            <a:schemeClr val="accent1"/>
+          </a:fillRef>
+          <a:effectRef idx="0">
+            <a:schemeClr val="accent1"/>
+          </a:effectRef>
+          <a:fontRef idx="minor">
+            <a:schemeClr val="tx1"/>
+          </a:fontRef>
+        </p:style>
+      </p:cxnSp>
+      <p:sp>
+        <p:nvSpPr>
+          <p:cNvPr id="33" name="椭圆 32"/>
+          <p:cNvSpPr/>
+          <p:nvPr/>
+        </p:nvSpPr>
+        <p:spPr>
+          <a:xfrm>
+            <a:off x="3041830" y="2830624"/>
+            <a:ext cx="468052" cy="432048"/>
+          </a:xfrm>
+          <a:prstGeom prst="ellipse">
+            <a:avLst/>
+          </a:prstGeom>
+        </p:spPr>
+        <p:style>
+          <a:lnRef idx="2">
+            <a:schemeClr val="accent1">
+              <a:shade val="50000"/>
+            </a:schemeClr>
+          </a:lnRef>
+          <a:fillRef idx="1">
+            <a:schemeClr val="accent1"/>
+          </a:fillRef>
+          <a:effectRef idx="0">
+            <a:schemeClr val="accent1"/>
+          </a:effectRef>
+          <a:fontRef idx="minor">
+            <a:schemeClr val="lt1"/>
+          </a:fontRef>
+        </p:style>
+        <p:txBody>
+          <a:bodyPr rtlCol="0" anchor="ctr"/>
+          <a:lstStyle/>
+          <a:p>
+            <a:pPr algn="ctr"/>
+            <a:r>
+              <a:rPr lang="en-US" altLang="zh-CN" dirty="0" smtClean="0"/>
+              <a:t>1</a:t>
+            </a:r>
+            <a:endParaRPr lang="zh-CN" altLang="en-US" dirty="0"/>
+          </a:p>
+        </p:txBody>
+      </p:sp>
+      <p:cxnSp>
+        <p:nvCxnSpPr>
+          <p:cNvPr id="35" name="直接箭头连接符 34"/>
+          <p:cNvCxnSpPr>
+            <a:stCxn id="17" idx="3"/>
+          </p:cNvCxnSpPr>
+          <p:nvPr/>
+        </p:nvCxnSpPr>
+        <p:spPr>
+          <a:xfrm>
+            <a:off x="2483768" y="3753036"/>
+            <a:ext cx="558062" cy="0"/>
+          </a:xfrm>
+          <a:prstGeom prst="straightConnector1">
+            <a:avLst/>
+          </a:prstGeom>
+          <a:ln>
+            <a:solidFill>
+              <a:schemeClr val="tx1"/>
+            </a:solidFill>
+            <a:tailEnd type="arrow"/>
+          </a:ln>
+        </p:spPr>
+        <p:style>
+          <a:lnRef idx="1">
+            <a:schemeClr val="accent1"/>
+          </a:lnRef>
+          <a:fillRef idx="0">
+            <a:schemeClr val="accent1"/>
+          </a:fillRef>
+          <a:effectRef idx="0">
+            <a:schemeClr val="accent1"/>
+          </a:effectRef>
+          <a:fontRef idx="minor">
+            <a:schemeClr val="tx1"/>
+          </a:fontRef>
+        </p:style>
+      </p:cxnSp>
+      <p:sp>
+        <p:nvSpPr>
+          <p:cNvPr id="36" name="椭圆 35"/>
+          <p:cNvSpPr/>
+          <p:nvPr/>
+        </p:nvSpPr>
+        <p:spPr>
+          <a:xfrm>
+            <a:off x="3041830" y="3537012"/>
+            <a:ext cx="468052" cy="432048"/>
+          </a:xfrm>
+          <a:prstGeom prst="ellipse">
+            <a:avLst/>
+          </a:prstGeom>
+        </p:spPr>
+        <p:style>
+          <a:lnRef idx="2">
+            <a:schemeClr val="accent1">
+              <a:shade val="50000"/>
+            </a:schemeClr>
+          </a:lnRef>
+          <a:fillRef idx="1">
+            <a:schemeClr val="accent1"/>
+          </a:fillRef>
+          <a:effectRef idx="0">
+            <a:schemeClr val="accent1"/>
+          </a:effectRef>
+          <a:fontRef idx="minor">
+            <a:schemeClr val="lt1"/>
+          </a:fontRef>
+        </p:style>
+        <p:txBody>
+          <a:bodyPr rtlCol="0" anchor="ctr"/>
+          <a:lstStyle/>
+          <a:p>
+            <a:pPr algn="ctr"/>
+            <a:r>
+              <a:rPr lang="en-US" altLang="zh-CN" dirty="0"/>
+              <a:t>2</a:t>
+            </a:r>
+            <a:endParaRPr lang="zh-CN" altLang="en-US" dirty="0"/>
+          </a:p>
+        </p:txBody>
+      </p:sp>
+      <p:cxnSp>
+        <p:nvCxnSpPr>
+          <p:cNvPr id="38" name="直接箭头连接符 37"/>
+          <p:cNvCxnSpPr>
+            <a:endCxn id="39" idx="2"/>
+          </p:cNvCxnSpPr>
+          <p:nvPr/>
+        </p:nvCxnSpPr>
+        <p:spPr>
+          <a:xfrm>
+            <a:off x="2501770" y="4115206"/>
+            <a:ext cx="1035115" cy="1115"/>
+          </a:xfrm>
+          <a:prstGeom prst="straightConnector1">
+            <a:avLst/>
+          </a:prstGeom>
+          <a:ln>
+            <a:solidFill>
+              <a:schemeClr val="tx1"/>
+            </a:solidFill>
+            <a:tailEnd type="arrow"/>
+          </a:ln>
+        </p:spPr>
+        <p:style>
+          <a:lnRef idx="1">
+            <a:schemeClr val="accent1"/>
+          </a:lnRef>
+          <a:fillRef idx="0">
+            <a:schemeClr val="accent1"/>
+          </a:fillRef>
+          <a:effectRef idx="0">
+            <a:schemeClr val="accent1"/>
+          </a:effectRef>
+          <a:fontRef idx="minor">
+            <a:schemeClr val="tx1"/>
+          </a:fontRef>
+        </p:style>
+      </p:cxnSp>
+      <p:sp>
+        <p:nvSpPr>
+          <p:cNvPr id="39" name="椭圆 38"/>
+          <p:cNvSpPr/>
+          <p:nvPr/>
+        </p:nvSpPr>
+        <p:spPr>
+          <a:xfrm>
+            <a:off x="3536885" y="3900297"/>
+            <a:ext cx="468052" cy="432048"/>
+          </a:xfrm>
+          <a:prstGeom prst="ellipse">
+            <a:avLst/>
+          </a:prstGeom>
+        </p:spPr>
+        <p:style>
+          <a:lnRef idx="2">
+            <a:schemeClr val="accent1">
+              <a:shade val="50000"/>
+            </a:schemeClr>
+          </a:lnRef>
+          <a:fillRef idx="1">
+            <a:schemeClr val="accent1"/>
+          </a:fillRef>
+          <a:effectRef idx="0">
+            <a:schemeClr val="accent1"/>
+          </a:effectRef>
+          <a:fontRef idx="minor">
+            <a:schemeClr val="lt1"/>
+          </a:fontRef>
+        </p:style>
+        <p:txBody>
+          <a:bodyPr rtlCol="0" anchor="ctr"/>
+          <a:lstStyle/>
+          <a:p>
+            <a:pPr algn="ctr"/>
+            <a:r>
+              <a:rPr lang="en-US" altLang="zh-CN" dirty="0" smtClean="0"/>
+              <a:t>3</a:t>
+            </a:r>
+            <a:endParaRPr lang="zh-CN" altLang="en-US" dirty="0"/>
+          </a:p>
+        </p:txBody>
+      </p:sp>
+      <p:sp>
+        <p:nvSpPr>
+          <p:cNvPr id="40" name="椭圆 39"/>
+          <p:cNvSpPr/>
+          <p:nvPr/>
+        </p:nvSpPr>
+        <p:spPr>
+          <a:xfrm>
+            <a:off x="3041830" y="5697252"/>
+            <a:ext cx="468052" cy="432048"/>
+          </a:xfrm>
+          <a:prstGeom prst="ellipse">
+            <a:avLst/>
+          </a:prstGeom>
+        </p:spPr>
+        <p:style>
+          <a:lnRef idx="2">
+            <a:schemeClr val="accent1">
+              <a:shade val="50000"/>
+            </a:schemeClr>
+          </a:lnRef>
+          <a:fillRef idx="1">
+            <a:schemeClr val="accent1"/>
+          </a:fillRef>
+          <a:effectRef idx="0">
+            <a:schemeClr val="accent1"/>
+          </a:effectRef>
+          <a:fontRef idx="minor">
+            <a:schemeClr val="lt1"/>
+          </a:fontRef>
+        </p:style>
+        <p:txBody>
+          <a:bodyPr rtlCol="0" anchor="ctr"/>
+          <a:lstStyle/>
+          <a:p>
+            <a:pPr algn="ctr"/>
+            <a:r>
+              <a:rPr lang="en-US" altLang="zh-CN" dirty="0" smtClean="0"/>
+              <a:t>4</a:t>
+            </a:r>
+            <a:endParaRPr lang="zh-CN" altLang="en-US" dirty="0"/>
+          </a:p>
+        </p:txBody>
+      </p:sp>
+      <p:sp>
+        <p:nvSpPr>
+          <p:cNvPr id="41" name="椭圆 40"/>
+          <p:cNvSpPr/>
+          <p:nvPr/>
+        </p:nvSpPr>
+        <p:spPr>
+          <a:xfrm>
+            <a:off x="3041830" y="4257092"/>
+            <a:ext cx="468052" cy="432048"/>
+          </a:xfrm>
+          <a:prstGeom prst="ellipse">
+            <a:avLst/>
+          </a:prstGeom>
+        </p:spPr>
+        <p:style>
+          <a:lnRef idx="2">
+            <a:schemeClr val="accent1">
+              <a:shade val="50000"/>
+            </a:schemeClr>
+          </a:lnRef>
+          <a:fillRef idx="1">
+            <a:schemeClr val="accent1"/>
+          </a:fillRef>
+          <a:effectRef idx="0">
+            <a:schemeClr val="accent1"/>
+          </a:effectRef>
+          <a:fontRef idx="minor">
+            <a:schemeClr val="lt1"/>
+          </a:fontRef>
+        </p:style>
+        <p:txBody>
+          <a:bodyPr rtlCol="0" anchor="ctr"/>
+          <a:lstStyle/>
+          <a:p>
+            <a:pPr algn="ctr"/>
+            <a:r>
+              <a:rPr lang="en-US" altLang="zh-CN" dirty="0" smtClean="0"/>
+              <a:t>5</a:t>
+            </a:r>
+            <a:endParaRPr lang="zh-CN" altLang="en-US" dirty="0"/>
+          </a:p>
+        </p:txBody>
+      </p:sp>
+      <p:sp>
+        <p:nvSpPr>
+          <p:cNvPr id="42" name="椭圆 41"/>
+          <p:cNvSpPr/>
+          <p:nvPr/>
+        </p:nvSpPr>
+        <p:spPr>
+          <a:xfrm>
+            <a:off x="3545886" y="2492896"/>
+            <a:ext cx="468052" cy="432048"/>
+          </a:xfrm>
+          <a:prstGeom prst="ellipse">
+            <a:avLst/>
+          </a:prstGeom>
+        </p:spPr>
+        <p:style>
+          <a:lnRef idx="2">
+            <a:schemeClr val="accent1">
+              <a:shade val="50000"/>
+            </a:schemeClr>
+          </a:lnRef>
+          <a:fillRef idx="1">
+            <a:schemeClr val="accent1"/>
+          </a:fillRef>
+          <a:effectRef idx="0">
+            <a:schemeClr val="accent1"/>
+          </a:effectRef>
+          <a:fontRef idx="minor">
+            <a:schemeClr val="lt1"/>
+          </a:fontRef>
+        </p:style>
+        <p:txBody>
+          <a:bodyPr rtlCol="0" anchor="ctr"/>
+          <a:lstStyle/>
+          <a:p>
+            <a:pPr algn="ctr"/>
+            <a:r>
+              <a:rPr lang="en-US" altLang="zh-CN" dirty="0" smtClean="0"/>
+              <a:t>6</a:t>
+            </a:r>
+            <a:endParaRPr lang="zh-CN" altLang="en-US" dirty="0"/>
+          </a:p>
+        </p:txBody>
+      </p:sp>
+      <p:sp>
+        <p:nvSpPr>
+          <p:cNvPr id="43" name="椭圆 42"/>
+          <p:cNvSpPr/>
+          <p:nvPr/>
+        </p:nvSpPr>
+        <p:spPr>
+          <a:xfrm>
+            <a:off x="3589218" y="3176972"/>
+            <a:ext cx="468052" cy="432048"/>
+          </a:xfrm>
+          <a:prstGeom prst="ellipse">
+            <a:avLst/>
+          </a:prstGeom>
+        </p:spPr>
+        <p:style>
+          <a:lnRef idx="2">
+            <a:schemeClr val="accent1">
+              <a:shade val="50000"/>
+            </a:schemeClr>
+          </a:lnRef>
+          <a:fillRef idx="1">
+            <a:schemeClr val="accent1"/>
+          </a:fillRef>
+          <a:effectRef idx="0">
+            <a:schemeClr val="accent1"/>
+          </a:effectRef>
+          <a:fontRef idx="minor">
+            <a:schemeClr val="lt1"/>
+          </a:fontRef>
+        </p:style>
+        <p:txBody>
+          <a:bodyPr rtlCol="0" anchor="ctr"/>
+          <a:lstStyle/>
+          <a:p>
+            <a:pPr algn="ctr"/>
+            <a:r>
+              <a:rPr lang="en-US" altLang="zh-CN" dirty="0" smtClean="0"/>
+              <a:t>7</a:t>
+            </a:r>
+            <a:endParaRPr lang="zh-CN" altLang="en-US" dirty="0"/>
+          </a:p>
+        </p:txBody>
+      </p:sp>
+      <p:cxnSp>
+        <p:nvCxnSpPr>
+          <p:cNvPr id="45" name="直接箭头连接符 44"/>
+          <p:cNvCxnSpPr>
+            <a:stCxn id="19" idx="3"/>
+            <a:endCxn id="41" idx="2"/>
+          </p:cNvCxnSpPr>
+          <p:nvPr/>
+        </p:nvCxnSpPr>
+        <p:spPr>
+          <a:xfrm>
+            <a:off x="2483768" y="4473116"/>
+            <a:ext cx="558062" cy="0"/>
+          </a:xfrm>
+          <a:prstGeom prst="straightConnector1">
+            <a:avLst/>
+          </a:prstGeom>
+          <a:ln>
+            <a:solidFill>
+              <a:schemeClr val="tx1"/>
+            </a:solidFill>
+            <a:tailEnd type="arrow"/>
+          </a:ln>
+        </p:spPr>
+        <p:style>
+          <a:lnRef idx="1">
+            <a:schemeClr val="accent1"/>
+          </a:lnRef>
+          <a:fillRef idx="0">
+            <a:schemeClr val="accent1"/>
+          </a:fillRef>
+          <a:effectRef idx="0">
+            <a:schemeClr val="accent1"/>
+          </a:effectRef>
+          <a:fontRef idx="minor">
+            <a:schemeClr val="tx1"/>
+          </a:fontRef>
+        </p:style>
+      </p:cxnSp>
+      <p:cxnSp>
+        <p:nvCxnSpPr>
+          <p:cNvPr id="47" name="直接箭头连接符 46"/>
+          <p:cNvCxnSpPr>
+            <a:stCxn id="23" idx="3"/>
+            <a:endCxn id="40" idx="2"/>
+          </p:cNvCxnSpPr>
+          <p:nvPr/>
+        </p:nvCxnSpPr>
+        <p:spPr>
+          <a:xfrm>
+            <a:off x="2483768" y="5913276"/>
+            <a:ext cx="558062" cy="0"/>
+          </a:xfrm>
+          <a:prstGeom prst="straightConnector1">
+            <a:avLst/>
+          </a:prstGeom>
+          <a:ln>
+            <a:solidFill>
+              <a:schemeClr val="tx1"/>
+            </a:solidFill>
+            <a:tailEnd type="arrow"/>
+          </a:ln>
+        </p:spPr>
+        <p:style>
+          <a:lnRef idx="1">
+            <a:schemeClr val="accent1"/>
+          </a:lnRef>
+          <a:fillRef idx="0">
+            <a:schemeClr val="accent1"/>
+          </a:fillRef>
+          <a:effectRef idx="0">
+            <a:schemeClr val="accent1"/>
+          </a:effectRef>
+          <a:fontRef idx="minor">
+            <a:schemeClr val="tx1"/>
+          </a:fontRef>
+        </p:style>
+      </p:cxnSp>
+      <p:cxnSp>
+        <p:nvCxnSpPr>
+          <p:cNvPr id="49" name="直接箭头连接符 48"/>
+          <p:cNvCxnSpPr/>
+          <p:nvPr/>
+        </p:nvCxnSpPr>
+        <p:spPr>
+          <a:xfrm>
+            <a:off x="2497269" y="2673424"/>
+            <a:ext cx="1039616" cy="5680"/>
+          </a:xfrm>
+          <a:prstGeom prst="straightConnector1">
+            <a:avLst/>
+          </a:prstGeom>
+          <a:ln>
+            <a:solidFill>
+              <a:schemeClr val="tx1"/>
+            </a:solidFill>
+            <a:tailEnd type="arrow"/>
+          </a:ln>
+        </p:spPr>
+        <p:style>
+          <a:lnRef idx="1">
+            <a:schemeClr val="accent1"/>
+          </a:lnRef>
+          <a:fillRef idx="0">
+            <a:schemeClr val="accent1"/>
+          </a:fillRef>
+          <a:effectRef idx="0">
+            <a:schemeClr val="accent1"/>
+          </a:effectRef>
+          <a:fontRef idx="minor">
+            <a:schemeClr val="tx1"/>
+          </a:fontRef>
+        </p:style>
+      </p:cxnSp>
+      <p:cxnSp>
+        <p:nvCxnSpPr>
+          <p:cNvPr id="51" name="直接箭头连接符 50"/>
+          <p:cNvCxnSpPr>
+            <a:stCxn id="16" idx="3"/>
+            <a:endCxn id="43" idx="2"/>
+          </p:cNvCxnSpPr>
+          <p:nvPr/>
+        </p:nvCxnSpPr>
+        <p:spPr>
+          <a:xfrm>
+            <a:off x="2483768" y="3392996"/>
+            <a:ext cx="1105450" cy="0"/>
+          </a:xfrm>
+          <a:prstGeom prst="straightConnector1">
+            <a:avLst/>
+          </a:prstGeom>
+          <a:ln>
+            <a:solidFill>
+              <a:schemeClr val="tx1"/>
+            </a:solidFill>
+            <a:tailEnd type="arrow"/>
+          </a:ln>
+        </p:spPr>
+        <p:style>
+          <a:lnRef idx="1">
+            <a:schemeClr val="accent1"/>
+          </a:lnRef>
+          <a:fillRef idx="0">
+            <a:schemeClr val="accent1"/>
+          </a:fillRef>
+          <a:effectRef idx="0">
+            <a:schemeClr val="accent1"/>
+          </a:effectRef>
+          <a:fontRef idx="minor">
+            <a:schemeClr val="tx1"/>
+          </a:fontRef>
+        </p:style>
+      </p:cxnSp>
+      <p:sp>
+        <p:nvSpPr>
+          <p:cNvPr id="4" name="矩形 3"/>
+          <p:cNvSpPr/>
+          <p:nvPr/>
+        </p:nvSpPr>
+        <p:spPr>
+          <a:xfrm>
+            <a:off x="5436096" y="1556792"/>
+            <a:ext cx="2988332" cy="452535"/>
+          </a:xfrm>
+          <a:prstGeom prst="rect">
+            <a:avLst/>
+          </a:prstGeom>
+        </p:spPr>
+        <p:style>
+          <a:lnRef idx="2">
+            <a:schemeClr val="accent1">
+              <a:shade val="50000"/>
+            </a:schemeClr>
+          </a:lnRef>
+          <a:fillRef idx="1">
+            <a:schemeClr val="accent1"/>
+          </a:fillRef>
+          <a:effectRef idx="0">
+            <a:schemeClr val="accent1"/>
+          </a:effectRef>
+          <a:fontRef idx="minor">
+            <a:schemeClr val="lt1"/>
+          </a:fontRef>
+        </p:style>
+        <p:txBody>
+          <a:bodyPr rtlCol="0" anchor="ctr"/>
+          <a:lstStyle/>
+          <a:p>
+            <a:pPr algn="ctr"/>
+            <a:r>
+              <a:rPr lang="zh-CN" altLang="en-US" dirty="0" smtClean="0"/>
+              <a:t>冲突：</a:t>
+            </a:r>
+            <a:r>
+              <a:rPr lang="en-US" altLang="zh-CN" dirty="0" smtClean="0"/>
+              <a:t>index+1</a:t>
+            </a:r>
+            <a:endParaRPr lang="zh-CN" altLang="en-US" dirty="0"/>
+          </a:p>
+        </p:txBody>
+      </p:sp>
     </p:spTree>
     <p:extLst>
       <p:ext uri="{BB962C8B-B14F-4D97-AF65-F5344CB8AC3E}">
-        <p14:creationId xmlns:p14="http://schemas.microsoft.com/office/powerpoint/2010/main" val="752630737"/>
+        <p14:creationId xmlns:p14="http://schemas.microsoft.com/office/powerpoint/2010/main" val="2179670476"/>
       </p:ext>
     </p:extLst>
   </p:cSld>
@@ -11102,6 +14810,4962 @@
 </file>
 
 <file path=ppt/slides/slide19.xml><?xml version="1.0" encoding="utf-8"?>
+<p:sld xmlns:a="http://schemas.openxmlformats.org/drawingml/2006/main" xmlns:r="http://schemas.openxmlformats.org/officeDocument/2006/relationships" xmlns:p="http://schemas.openxmlformats.org/presentationml/2006/main">
+  <p:cSld>
+    <p:spTree>
+      <p:nvGrpSpPr>
+        <p:cNvPr id="1" name=""/>
+        <p:cNvGrpSpPr/>
+        <p:nvPr/>
+      </p:nvGrpSpPr>
+      <p:grpSpPr>
+        <a:xfrm>
+          <a:off x="0" y="0"/>
+          <a:ext cx="0" cy="0"/>
+          <a:chOff x="0" y="0"/>
+          <a:chExt cx="0" cy="0"/>
+        </a:xfrm>
+      </p:grpSpPr>
+      <p:sp>
+        <p:nvSpPr>
+          <p:cNvPr id="2" name="圆角矩形 1"/>
+          <p:cNvSpPr/>
+          <p:nvPr/>
+        </p:nvSpPr>
+        <p:spPr>
+          <a:xfrm>
+            <a:off x="251520" y="240161"/>
+            <a:ext cx="1224136" cy="432048"/>
+          </a:xfrm>
+          <a:prstGeom prst="roundRect">
+            <a:avLst/>
+          </a:prstGeom>
+        </p:spPr>
+        <p:style>
+          <a:lnRef idx="2">
+            <a:schemeClr val="accent1">
+              <a:shade val="50000"/>
+            </a:schemeClr>
+          </a:lnRef>
+          <a:fillRef idx="1">
+            <a:schemeClr val="accent1"/>
+          </a:fillRef>
+          <a:effectRef idx="0">
+            <a:schemeClr val="accent1"/>
+          </a:effectRef>
+          <a:fontRef idx="minor">
+            <a:schemeClr val="lt1"/>
+          </a:fontRef>
+        </p:style>
+        <p:txBody>
+          <a:bodyPr rtlCol="0" anchor="ctr"/>
+          <a:lstStyle/>
+          <a:p>
+            <a:pPr algn="ctr"/>
+            <a:r>
+              <a:rPr lang="en-US" altLang="zh-CN" dirty="0" smtClean="0"/>
+              <a:t>5.1</a:t>
+            </a:r>
+            <a:endParaRPr lang="zh-CN" altLang="en-US" dirty="0"/>
+          </a:p>
+        </p:txBody>
+      </p:sp>
+      <p:sp>
+        <p:nvSpPr>
+          <p:cNvPr id="3" name="矩形 2"/>
+          <p:cNvSpPr/>
+          <p:nvPr/>
+        </p:nvSpPr>
+        <p:spPr>
+          <a:xfrm>
+            <a:off x="3671900" y="188640"/>
+            <a:ext cx="720080" cy="432048"/>
+          </a:xfrm>
+          <a:prstGeom prst="rect">
+            <a:avLst/>
+          </a:prstGeom>
+        </p:spPr>
+        <p:style>
+          <a:lnRef idx="2">
+            <a:schemeClr val="accent1">
+              <a:shade val="50000"/>
+            </a:schemeClr>
+          </a:lnRef>
+          <a:fillRef idx="1">
+            <a:schemeClr val="accent1"/>
+          </a:fillRef>
+          <a:effectRef idx="0">
+            <a:schemeClr val="accent1"/>
+          </a:effectRef>
+          <a:fontRef idx="minor">
+            <a:schemeClr val="lt1"/>
+          </a:fontRef>
+        </p:style>
+        <p:txBody>
+          <a:bodyPr rtlCol="0" anchor="ctr"/>
+          <a:lstStyle/>
+          <a:p>
+            <a:pPr algn="ctr"/>
+            <a:r>
+              <a:rPr lang="en-US" altLang="zh-CN" dirty="0" smtClean="0"/>
+              <a:t>71</a:t>
+            </a:r>
+            <a:endParaRPr lang="zh-CN" altLang="en-US" dirty="0"/>
+          </a:p>
+        </p:txBody>
+      </p:sp>
+      <p:sp>
+        <p:nvSpPr>
+          <p:cNvPr id="5" name="矩形 4"/>
+          <p:cNvSpPr/>
+          <p:nvPr/>
+        </p:nvSpPr>
+        <p:spPr>
+          <a:xfrm>
+            <a:off x="7992380" y="188640"/>
+            <a:ext cx="720080" cy="432048"/>
+          </a:xfrm>
+          <a:prstGeom prst="rect">
+            <a:avLst/>
+          </a:prstGeom>
+        </p:spPr>
+        <p:style>
+          <a:lnRef idx="2">
+            <a:schemeClr val="accent1">
+              <a:shade val="50000"/>
+            </a:schemeClr>
+          </a:lnRef>
+          <a:fillRef idx="1">
+            <a:schemeClr val="accent1"/>
+          </a:fillRef>
+          <a:effectRef idx="0">
+            <a:schemeClr val="accent1"/>
+          </a:effectRef>
+          <a:fontRef idx="minor">
+            <a:schemeClr val="lt1"/>
+          </a:fontRef>
+        </p:style>
+        <p:txBody>
+          <a:bodyPr rtlCol="0" anchor="ctr"/>
+          <a:lstStyle/>
+          <a:p>
+            <a:pPr algn="ctr"/>
+            <a:r>
+              <a:rPr lang="en-US" altLang="zh-CN" dirty="0" smtClean="0"/>
+              <a:t>89</a:t>
+            </a:r>
+            <a:endParaRPr lang="zh-CN" altLang="en-US" dirty="0"/>
+          </a:p>
+        </p:txBody>
+      </p:sp>
+      <p:sp>
+        <p:nvSpPr>
+          <p:cNvPr id="6" name="矩形 5"/>
+          <p:cNvSpPr/>
+          <p:nvPr/>
+        </p:nvSpPr>
+        <p:spPr>
+          <a:xfrm>
+            <a:off x="7272300" y="188640"/>
+            <a:ext cx="720080" cy="432048"/>
+          </a:xfrm>
+          <a:prstGeom prst="rect">
+            <a:avLst/>
+          </a:prstGeom>
+        </p:spPr>
+        <p:style>
+          <a:lnRef idx="2">
+            <a:schemeClr val="accent1">
+              <a:shade val="50000"/>
+            </a:schemeClr>
+          </a:lnRef>
+          <a:fillRef idx="1">
+            <a:schemeClr val="accent1"/>
+          </a:fillRef>
+          <a:effectRef idx="0">
+            <a:schemeClr val="accent1"/>
+          </a:effectRef>
+          <a:fontRef idx="minor">
+            <a:schemeClr val="lt1"/>
+          </a:fontRef>
+        </p:style>
+        <p:txBody>
+          <a:bodyPr rtlCol="0" anchor="ctr"/>
+          <a:lstStyle/>
+          <a:p>
+            <a:pPr algn="ctr"/>
+            <a:r>
+              <a:rPr lang="en-US" altLang="zh-CN" dirty="0" smtClean="0"/>
+              <a:t>79</a:t>
+            </a:r>
+            <a:endParaRPr lang="zh-CN" altLang="en-US" dirty="0"/>
+          </a:p>
+        </p:txBody>
+      </p:sp>
+      <p:sp>
+        <p:nvSpPr>
+          <p:cNvPr id="7" name="矩形 6"/>
+          <p:cNvSpPr/>
+          <p:nvPr/>
+        </p:nvSpPr>
+        <p:spPr>
+          <a:xfrm>
+            <a:off x="6552220" y="188640"/>
+            <a:ext cx="720080" cy="432048"/>
+          </a:xfrm>
+          <a:prstGeom prst="rect">
+            <a:avLst/>
+          </a:prstGeom>
+        </p:spPr>
+        <p:style>
+          <a:lnRef idx="2">
+            <a:schemeClr val="accent1">
+              <a:shade val="50000"/>
+            </a:schemeClr>
+          </a:lnRef>
+          <a:fillRef idx="1">
+            <a:schemeClr val="accent1"/>
+          </a:fillRef>
+          <a:effectRef idx="0">
+            <a:schemeClr val="accent1"/>
+          </a:effectRef>
+          <a:fontRef idx="minor">
+            <a:schemeClr val="lt1"/>
+          </a:fontRef>
+        </p:style>
+        <p:txBody>
+          <a:bodyPr rtlCol="0" anchor="ctr"/>
+          <a:lstStyle/>
+          <a:p>
+            <a:pPr algn="ctr"/>
+            <a:r>
+              <a:rPr lang="en-US" altLang="zh-CN" dirty="0" smtClean="0"/>
+              <a:t>44</a:t>
+            </a:r>
+            <a:endParaRPr lang="zh-CN" altLang="en-US" dirty="0"/>
+          </a:p>
+        </p:txBody>
+      </p:sp>
+      <p:sp>
+        <p:nvSpPr>
+          <p:cNvPr id="8" name="矩形 7"/>
+          <p:cNvSpPr/>
+          <p:nvPr/>
+        </p:nvSpPr>
+        <p:spPr>
+          <a:xfrm>
+            <a:off x="5832140" y="188640"/>
+            <a:ext cx="720080" cy="432048"/>
+          </a:xfrm>
+          <a:prstGeom prst="rect">
+            <a:avLst/>
+          </a:prstGeom>
+        </p:spPr>
+        <p:style>
+          <a:lnRef idx="2">
+            <a:schemeClr val="accent1">
+              <a:shade val="50000"/>
+            </a:schemeClr>
+          </a:lnRef>
+          <a:fillRef idx="1">
+            <a:schemeClr val="accent1"/>
+          </a:fillRef>
+          <a:effectRef idx="0">
+            <a:schemeClr val="accent1"/>
+          </a:effectRef>
+          <a:fontRef idx="minor">
+            <a:schemeClr val="lt1"/>
+          </a:fontRef>
+        </p:style>
+        <p:txBody>
+          <a:bodyPr rtlCol="0" anchor="ctr"/>
+          <a:lstStyle/>
+          <a:p>
+            <a:pPr algn="ctr"/>
+            <a:r>
+              <a:rPr lang="en-US" altLang="zh-CN" dirty="0" smtClean="0"/>
+              <a:t>99</a:t>
+            </a:r>
+            <a:endParaRPr lang="zh-CN" altLang="en-US" dirty="0"/>
+          </a:p>
+        </p:txBody>
+      </p:sp>
+      <p:sp>
+        <p:nvSpPr>
+          <p:cNvPr id="9" name="矩形 8"/>
+          <p:cNvSpPr/>
+          <p:nvPr/>
+        </p:nvSpPr>
+        <p:spPr>
+          <a:xfrm>
+            <a:off x="5112060" y="188640"/>
+            <a:ext cx="720080" cy="432048"/>
+          </a:xfrm>
+          <a:prstGeom prst="rect">
+            <a:avLst/>
+          </a:prstGeom>
+        </p:spPr>
+        <p:style>
+          <a:lnRef idx="2">
+            <a:schemeClr val="accent1">
+              <a:shade val="50000"/>
+            </a:schemeClr>
+          </a:lnRef>
+          <a:fillRef idx="1">
+            <a:schemeClr val="accent1"/>
+          </a:fillRef>
+          <a:effectRef idx="0">
+            <a:schemeClr val="accent1"/>
+          </a:effectRef>
+          <a:fontRef idx="minor">
+            <a:schemeClr val="lt1"/>
+          </a:fontRef>
+        </p:style>
+        <p:txBody>
+          <a:bodyPr rtlCol="0" anchor="ctr"/>
+          <a:lstStyle/>
+          <a:p>
+            <a:pPr algn="ctr"/>
+            <a:r>
+              <a:rPr lang="en-US" altLang="zh-CN" dirty="0" smtClean="0"/>
+              <a:t>73</a:t>
+            </a:r>
+            <a:endParaRPr lang="zh-CN" altLang="en-US" dirty="0"/>
+          </a:p>
+        </p:txBody>
+      </p:sp>
+      <p:sp>
+        <p:nvSpPr>
+          <p:cNvPr id="10" name="矩形 9"/>
+          <p:cNvSpPr/>
+          <p:nvPr/>
+        </p:nvSpPr>
+        <p:spPr>
+          <a:xfrm>
+            <a:off x="4391980" y="188640"/>
+            <a:ext cx="720080" cy="432048"/>
+          </a:xfrm>
+          <a:prstGeom prst="rect">
+            <a:avLst/>
+          </a:prstGeom>
+        </p:spPr>
+        <p:style>
+          <a:lnRef idx="2">
+            <a:schemeClr val="accent1">
+              <a:shade val="50000"/>
+            </a:schemeClr>
+          </a:lnRef>
+          <a:fillRef idx="1">
+            <a:schemeClr val="accent1"/>
+          </a:fillRef>
+          <a:effectRef idx="0">
+            <a:schemeClr val="accent1"/>
+          </a:effectRef>
+          <a:fontRef idx="minor">
+            <a:schemeClr val="lt1"/>
+          </a:fontRef>
+        </p:style>
+        <p:txBody>
+          <a:bodyPr rtlCol="0" anchor="ctr"/>
+          <a:lstStyle/>
+          <a:p>
+            <a:pPr algn="ctr"/>
+            <a:r>
+              <a:rPr lang="en-US" altLang="zh-CN" dirty="0" smtClean="0"/>
+              <a:t>23</a:t>
+            </a:r>
+            <a:endParaRPr lang="zh-CN" altLang="en-US" dirty="0"/>
+          </a:p>
+        </p:txBody>
+      </p:sp>
+      <p:sp>
+        <p:nvSpPr>
+          <p:cNvPr id="11" name="圆角矩形 10"/>
+          <p:cNvSpPr/>
+          <p:nvPr/>
+        </p:nvSpPr>
+        <p:spPr>
+          <a:xfrm>
+            <a:off x="2411760" y="188640"/>
+            <a:ext cx="1260140" cy="432048"/>
+          </a:xfrm>
+          <a:prstGeom prst="roundRect">
+            <a:avLst/>
+          </a:prstGeom>
+        </p:spPr>
+        <p:style>
+          <a:lnRef idx="2">
+            <a:schemeClr val="accent1">
+              <a:shade val="50000"/>
+            </a:schemeClr>
+          </a:lnRef>
+          <a:fillRef idx="1">
+            <a:schemeClr val="accent1"/>
+          </a:fillRef>
+          <a:effectRef idx="0">
+            <a:schemeClr val="accent1"/>
+          </a:effectRef>
+          <a:fontRef idx="minor">
+            <a:schemeClr val="lt1"/>
+          </a:fontRef>
+        </p:style>
+        <p:txBody>
+          <a:bodyPr rtlCol="0" anchor="ctr"/>
+          <a:lstStyle/>
+          <a:p>
+            <a:pPr algn="ctr"/>
+            <a:r>
+              <a:rPr lang="en-US" altLang="zh-CN" dirty="0" smtClean="0"/>
+              <a:t>insert</a:t>
+            </a:r>
+            <a:endParaRPr lang="zh-CN" altLang="en-US" dirty="0"/>
+          </a:p>
+        </p:txBody>
+      </p:sp>
+      <p:sp>
+        <p:nvSpPr>
+          <p:cNvPr id="12" name="矩形 11"/>
+          <p:cNvSpPr/>
+          <p:nvPr/>
+        </p:nvSpPr>
+        <p:spPr>
+          <a:xfrm>
+            <a:off x="1007604" y="1556792"/>
+            <a:ext cx="3240360" cy="452535"/>
+          </a:xfrm>
+          <a:prstGeom prst="rect">
+            <a:avLst/>
+          </a:prstGeom>
+        </p:spPr>
+        <p:style>
+          <a:lnRef idx="2">
+            <a:schemeClr val="accent1">
+              <a:shade val="50000"/>
+            </a:schemeClr>
+          </a:lnRef>
+          <a:fillRef idx="1">
+            <a:schemeClr val="accent1"/>
+          </a:fillRef>
+          <a:effectRef idx="0">
+            <a:schemeClr val="accent1"/>
+          </a:effectRef>
+          <a:fontRef idx="minor">
+            <a:schemeClr val="lt1"/>
+          </a:fontRef>
+        </p:style>
+        <p:txBody>
+          <a:bodyPr rtlCol="0" anchor="ctr"/>
+          <a:lstStyle/>
+          <a:p>
+            <a:pPr algn="ctr"/>
+            <a:r>
+              <a:rPr lang="en-US" altLang="zh-CN" dirty="0" smtClean="0"/>
+              <a:t>hash(x) = x (mod 10);</a:t>
+            </a:r>
+            <a:endParaRPr lang="zh-CN" altLang="en-US" dirty="0"/>
+          </a:p>
+        </p:txBody>
+      </p:sp>
+      <p:sp>
+        <p:nvSpPr>
+          <p:cNvPr id="13" name="圆角矩形 12"/>
+          <p:cNvSpPr/>
+          <p:nvPr/>
+        </p:nvSpPr>
+        <p:spPr>
+          <a:xfrm>
+            <a:off x="95942" y="799592"/>
+            <a:ext cx="2484276" cy="432048"/>
+          </a:xfrm>
+          <a:prstGeom prst="roundRect">
+            <a:avLst/>
+          </a:prstGeom>
+        </p:spPr>
+        <p:style>
+          <a:lnRef idx="2">
+            <a:schemeClr val="accent1">
+              <a:shade val="50000"/>
+            </a:schemeClr>
+          </a:lnRef>
+          <a:fillRef idx="1">
+            <a:schemeClr val="accent1"/>
+          </a:fillRef>
+          <a:effectRef idx="0">
+            <a:schemeClr val="accent1"/>
+          </a:effectRef>
+          <a:fontRef idx="minor">
+            <a:schemeClr val="lt1"/>
+          </a:fontRef>
+        </p:style>
+        <p:txBody>
+          <a:bodyPr rtlCol="0" anchor="ctr"/>
+          <a:lstStyle/>
+          <a:p>
+            <a:pPr algn="ctr"/>
+            <a:r>
+              <a:rPr lang="zh-CN" altLang="en-US" dirty="0" smtClean="0"/>
+              <a:t>平方探测散列表</a:t>
+            </a:r>
+            <a:endParaRPr lang="zh-CN" altLang="en-US" dirty="0"/>
+          </a:p>
+        </p:txBody>
+      </p:sp>
+      <p:sp>
+        <p:nvSpPr>
+          <p:cNvPr id="14" name="矩形 13"/>
+          <p:cNvSpPr/>
+          <p:nvPr/>
+        </p:nvSpPr>
+        <p:spPr>
+          <a:xfrm>
+            <a:off x="1907704" y="2492896"/>
+            <a:ext cx="576064" cy="360040"/>
+          </a:xfrm>
+          <a:prstGeom prst="rect">
+            <a:avLst/>
+          </a:prstGeom>
+        </p:spPr>
+        <p:style>
+          <a:lnRef idx="2">
+            <a:schemeClr val="accent1">
+              <a:shade val="50000"/>
+            </a:schemeClr>
+          </a:lnRef>
+          <a:fillRef idx="1">
+            <a:schemeClr val="accent1"/>
+          </a:fillRef>
+          <a:effectRef idx="0">
+            <a:schemeClr val="accent1"/>
+          </a:effectRef>
+          <a:fontRef idx="minor">
+            <a:schemeClr val="lt1"/>
+          </a:fontRef>
+        </p:style>
+        <p:txBody>
+          <a:bodyPr rtlCol="0" anchor="ctr"/>
+          <a:lstStyle/>
+          <a:p>
+            <a:pPr algn="ctr"/>
+            <a:r>
+              <a:rPr lang="en-US" altLang="zh-CN" dirty="0" smtClean="0"/>
+              <a:t>0</a:t>
+            </a:r>
+            <a:endParaRPr lang="zh-CN" altLang="en-US" dirty="0"/>
+          </a:p>
+        </p:txBody>
+      </p:sp>
+      <p:sp>
+        <p:nvSpPr>
+          <p:cNvPr id="15" name="矩形 14"/>
+          <p:cNvSpPr/>
+          <p:nvPr/>
+        </p:nvSpPr>
+        <p:spPr>
+          <a:xfrm>
+            <a:off x="1907704" y="2852936"/>
+            <a:ext cx="576064" cy="360040"/>
+          </a:xfrm>
+          <a:prstGeom prst="rect">
+            <a:avLst/>
+          </a:prstGeom>
+        </p:spPr>
+        <p:style>
+          <a:lnRef idx="2">
+            <a:schemeClr val="accent1">
+              <a:shade val="50000"/>
+            </a:schemeClr>
+          </a:lnRef>
+          <a:fillRef idx="1">
+            <a:schemeClr val="accent1"/>
+          </a:fillRef>
+          <a:effectRef idx="0">
+            <a:schemeClr val="accent1"/>
+          </a:effectRef>
+          <a:fontRef idx="minor">
+            <a:schemeClr val="lt1"/>
+          </a:fontRef>
+        </p:style>
+        <p:txBody>
+          <a:bodyPr rtlCol="0" anchor="ctr"/>
+          <a:lstStyle/>
+          <a:p>
+            <a:pPr algn="ctr"/>
+            <a:r>
+              <a:rPr lang="en-US" altLang="zh-CN" dirty="0" smtClean="0"/>
+              <a:t>1</a:t>
+            </a:r>
+            <a:endParaRPr lang="zh-CN" altLang="en-US" dirty="0"/>
+          </a:p>
+        </p:txBody>
+      </p:sp>
+      <p:sp>
+        <p:nvSpPr>
+          <p:cNvPr id="16" name="矩形 15"/>
+          <p:cNvSpPr/>
+          <p:nvPr/>
+        </p:nvSpPr>
+        <p:spPr>
+          <a:xfrm>
+            <a:off x="1907704" y="3212976"/>
+            <a:ext cx="576064" cy="360040"/>
+          </a:xfrm>
+          <a:prstGeom prst="rect">
+            <a:avLst/>
+          </a:prstGeom>
+        </p:spPr>
+        <p:style>
+          <a:lnRef idx="2">
+            <a:schemeClr val="accent1">
+              <a:shade val="50000"/>
+            </a:schemeClr>
+          </a:lnRef>
+          <a:fillRef idx="1">
+            <a:schemeClr val="accent1"/>
+          </a:fillRef>
+          <a:effectRef idx="0">
+            <a:schemeClr val="accent1"/>
+          </a:effectRef>
+          <a:fontRef idx="minor">
+            <a:schemeClr val="lt1"/>
+          </a:fontRef>
+        </p:style>
+        <p:txBody>
+          <a:bodyPr rtlCol="0" anchor="ctr"/>
+          <a:lstStyle/>
+          <a:p>
+            <a:pPr algn="ctr"/>
+            <a:r>
+              <a:rPr lang="en-US" altLang="zh-CN" dirty="0" smtClean="0"/>
+              <a:t>2</a:t>
+            </a:r>
+            <a:endParaRPr lang="zh-CN" altLang="en-US" dirty="0"/>
+          </a:p>
+        </p:txBody>
+      </p:sp>
+      <p:sp>
+        <p:nvSpPr>
+          <p:cNvPr id="17" name="矩形 16"/>
+          <p:cNvSpPr/>
+          <p:nvPr/>
+        </p:nvSpPr>
+        <p:spPr>
+          <a:xfrm>
+            <a:off x="1907704" y="3573016"/>
+            <a:ext cx="576064" cy="360040"/>
+          </a:xfrm>
+          <a:prstGeom prst="rect">
+            <a:avLst/>
+          </a:prstGeom>
+        </p:spPr>
+        <p:style>
+          <a:lnRef idx="2">
+            <a:schemeClr val="accent1">
+              <a:shade val="50000"/>
+            </a:schemeClr>
+          </a:lnRef>
+          <a:fillRef idx="1">
+            <a:schemeClr val="accent1"/>
+          </a:fillRef>
+          <a:effectRef idx="0">
+            <a:schemeClr val="accent1"/>
+          </a:effectRef>
+          <a:fontRef idx="minor">
+            <a:schemeClr val="lt1"/>
+          </a:fontRef>
+        </p:style>
+        <p:txBody>
+          <a:bodyPr rtlCol="0" anchor="ctr"/>
+          <a:lstStyle/>
+          <a:p>
+            <a:pPr algn="ctr"/>
+            <a:r>
+              <a:rPr lang="en-US" altLang="zh-CN" dirty="0" smtClean="0"/>
+              <a:t>3</a:t>
+            </a:r>
+            <a:endParaRPr lang="zh-CN" altLang="en-US" dirty="0"/>
+          </a:p>
+        </p:txBody>
+      </p:sp>
+      <p:sp>
+        <p:nvSpPr>
+          <p:cNvPr id="18" name="矩形 17"/>
+          <p:cNvSpPr/>
+          <p:nvPr/>
+        </p:nvSpPr>
+        <p:spPr>
+          <a:xfrm>
+            <a:off x="1907704" y="3933056"/>
+            <a:ext cx="576064" cy="360040"/>
+          </a:xfrm>
+          <a:prstGeom prst="rect">
+            <a:avLst/>
+          </a:prstGeom>
+        </p:spPr>
+        <p:style>
+          <a:lnRef idx="2">
+            <a:schemeClr val="accent1">
+              <a:shade val="50000"/>
+            </a:schemeClr>
+          </a:lnRef>
+          <a:fillRef idx="1">
+            <a:schemeClr val="accent1"/>
+          </a:fillRef>
+          <a:effectRef idx="0">
+            <a:schemeClr val="accent1"/>
+          </a:effectRef>
+          <a:fontRef idx="minor">
+            <a:schemeClr val="lt1"/>
+          </a:fontRef>
+        </p:style>
+        <p:txBody>
+          <a:bodyPr rtlCol="0" anchor="ctr"/>
+          <a:lstStyle/>
+          <a:p>
+            <a:pPr algn="ctr"/>
+            <a:r>
+              <a:rPr lang="en-US" altLang="zh-CN" dirty="0" smtClean="0"/>
+              <a:t>4</a:t>
+            </a:r>
+            <a:endParaRPr lang="zh-CN" altLang="en-US" dirty="0"/>
+          </a:p>
+        </p:txBody>
+      </p:sp>
+      <p:sp>
+        <p:nvSpPr>
+          <p:cNvPr id="19" name="矩形 18"/>
+          <p:cNvSpPr/>
+          <p:nvPr/>
+        </p:nvSpPr>
+        <p:spPr>
+          <a:xfrm>
+            <a:off x="1907704" y="4293096"/>
+            <a:ext cx="576064" cy="360040"/>
+          </a:xfrm>
+          <a:prstGeom prst="rect">
+            <a:avLst/>
+          </a:prstGeom>
+        </p:spPr>
+        <p:style>
+          <a:lnRef idx="2">
+            <a:schemeClr val="accent1">
+              <a:shade val="50000"/>
+            </a:schemeClr>
+          </a:lnRef>
+          <a:fillRef idx="1">
+            <a:schemeClr val="accent1"/>
+          </a:fillRef>
+          <a:effectRef idx="0">
+            <a:schemeClr val="accent1"/>
+          </a:effectRef>
+          <a:fontRef idx="minor">
+            <a:schemeClr val="lt1"/>
+          </a:fontRef>
+        </p:style>
+        <p:txBody>
+          <a:bodyPr rtlCol="0" anchor="ctr"/>
+          <a:lstStyle/>
+          <a:p>
+            <a:pPr algn="ctr"/>
+            <a:r>
+              <a:rPr lang="en-US" altLang="zh-CN" dirty="0" smtClean="0"/>
+              <a:t>5</a:t>
+            </a:r>
+            <a:endParaRPr lang="zh-CN" altLang="en-US" dirty="0"/>
+          </a:p>
+        </p:txBody>
+      </p:sp>
+      <p:sp>
+        <p:nvSpPr>
+          <p:cNvPr id="20" name="矩形 19"/>
+          <p:cNvSpPr/>
+          <p:nvPr/>
+        </p:nvSpPr>
+        <p:spPr>
+          <a:xfrm>
+            <a:off x="1907704" y="4653136"/>
+            <a:ext cx="576064" cy="360040"/>
+          </a:xfrm>
+          <a:prstGeom prst="rect">
+            <a:avLst/>
+          </a:prstGeom>
+        </p:spPr>
+        <p:style>
+          <a:lnRef idx="2">
+            <a:schemeClr val="accent1">
+              <a:shade val="50000"/>
+            </a:schemeClr>
+          </a:lnRef>
+          <a:fillRef idx="1">
+            <a:schemeClr val="accent1"/>
+          </a:fillRef>
+          <a:effectRef idx="0">
+            <a:schemeClr val="accent1"/>
+          </a:effectRef>
+          <a:fontRef idx="minor">
+            <a:schemeClr val="lt1"/>
+          </a:fontRef>
+        </p:style>
+        <p:txBody>
+          <a:bodyPr rtlCol="0" anchor="ctr"/>
+          <a:lstStyle/>
+          <a:p>
+            <a:pPr algn="ctr"/>
+            <a:r>
+              <a:rPr lang="en-US" altLang="zh-CN" dirty="0" smtClean="0"/>
+              <a:t>6</a:t>
+            </a:r>
+            <a:endParaRPr lang="zh-CN" altLang="en-US" dirty="0"/>
+          </a:p>
+        </p:txBody>
+      </p:sp>
+      <p:sp>
+        <p:nvSpPr>
+          <p:cNvPr id="21" name="矩形 20"/>
+          <p:cNvSpPr/>
+          <p:nvPr/>
+        </p:nvSpPr>
+        <p:spPr>
+          <a:xfrm>
+            <a:off x="1907704" y="5013176"/>
+            <a:ext cx="576064" cy="360040"/>
+          </a:xfrm>
+          <a:prstGeom prst="rect">
+            <a:avLst/>
+          </a:prstGeom>
+        </p:spPr>
+        <p:style>
+          <a:lnRef idx="2">
+            <a:schemeClr val="accent1">
+              <a:shade val="50000"/>
+            </a:schemeClr>
+          </a:lnRef>
+          <a:fillRef idx="1">
+            <a:schemeClr val="accent1"/>
+          </a:fillRef>
+          <a:effectRef idx="0">
+            <a:schemeClr val="accent1"/>
+          </a:effectRef>
+          <a:fontRef idx="minor">
+            <a:schemeClr val="lt1"/>
+          </a:fontRef>
+        </p:style>
+        <p:txBody>
+          <a:bodyPr rtlCol="0" anchor="ctr"/>
+          <a:lstStyle/>
+          <a:p>
+            <a:pPr algn="ctr"/>
+            <a:r>
+              <a:rPr lang="en-US" altLang="zh-CN" dirty="0" smtClean="0"/>
+              <a:t>7</a:t>
+            </a:r>
+            <a:endParaRPr lang="zh-CN" altLang="en-US" dirty="0"/>
+          </a:p>
+        </p:txBody>
+      </p:sp>
+      <p:sp>
+        <p:nvSpPr>
+          <p:cNvPr id="22" name="矩形 21"/>
+          <p:cNvSpPr/>
+          <p:nvPr/>
+        </p:nvSpPr>
+        <p:spPr>
+          <a:xfrm>
+            <a:off x="1907704" y="5373216"/>
+            <a:ext cx="576064" cy="360040"/>
+          </a:xfrm>
+          <a:prstGeom prst="rect">
+            <a:avLst/>
+          </a:prstGeom>
+        </p:spPr>
+        <p:style>
+          <a:lnRef idx="2">
+            <a:schemeClr val="accent1">
+              <a:shade val="50000"/>
+            </a:schemeClr>
+          </a:lnRef>
+          <a:fillRef idx="1">
+            <a:schemeClr val="accent1"/>
+          </a:fillRef>
+          <a:effectRef idx="0">
+            <a:schemeClr val="accent1"/>
+          </a:effectRef>
+          <a:fontRef idx="minor">
+            <a:schemeClr val="lt1"/>
+          </a:fontRef>
+        </p:style>
+        <p:txBody>
+          <a:bodyPr rtlCol="0" anchor="ctr"/>
+          <a:lstStyle/>
+          <a:p>
+            <a:pPr algn="ctr"/>
+            <a:r>
+              <a:rPr lang="en-US" altLang="zh-CN" dirty="0" smtClean="0"/>
+              <a:t>8</a:t>
+            </a:r>
+            <a:endParaRPr lang="zh-CN" altLang="en-US" dirty="0"/>
+          </a:p>
+        </p:txBody>
+      </p:sp>
+      <p:sp>
+        <p:nvSpPr>
+          <p:cNvPr id="23" name="矩形 22"/>
+          <p:cNvSpPr/>
+          <p:nvPr/>
+        </p:nvSpPr>
+        <p:spPr>
+          <a:xfrm>
+            <a:off x="1907704" y="5733256"/>
+            <a:ext cx="576064" cy="360040"/>
+          </a:xfrm>
+          <a:prstGeom prst="rect">
+            <a:avLst/>
+          </a:prstGeom>
+        </p:spPr>
+        <p:style>
+          <a:lnRef idx="2">
+            <a:schemeClr val="accent1">
+              <a:shade val="50000"/>
+            </a:schemeClr>
+          </a:lnRef>
+          <a:fillRef idx="1">
+            <a:schemeClr val="accent1"/>
+          </a:fillRef>
+          <a:effectRef idx="0">
+            <a:schemeClr val="accent1"/>
+          </a:effectRef>
+          <a:fontRef idx="minor">
+            <a:schemeClr val="lt1"/>
+          </a:fontRef>
+        </p:style>
+        <p:txBody>
+          <a:bodyPr rtlCol="0" anchor="ctr"/>
+          <a:lstStyle/>
+          <a:p>
+            <a:pPr algn="ctr"/>
+            <a:r>
+              <a:rPr lang="en-US" altLang="zh-CN" dirty="0" smtClean="0"/>
+              <a:t>9</a:t>
+            </a:r>
+            <a:endParaRPr lang="zh-CN" altLang="en-US" dirty="0"/>
+          </a:p>
+        </p:txBody>
+      </p:sp>
+      <p:sp>
+        <p:nvSpPr>
+          <p:cNvPr id="24" name="椭圆 23"/>
+          <p:cNvSpPr/>
+          <p:nvPr/>
+        </p:nvSpPr>
+        <p:spPr>
+          <a:xfrm>
+            <a:off x="3779912" y="764704"/>
+            <a:ext cx="468052" cy="432048"/>
+          </a:xfrm>
+          <a:prstGeom prst="ellipse">
+            <a:avLst/>
+          </a:prstGeom>
+        </p:spPr>
+        <p:style>
+          <a:lnRef idx="2">
+            <a:schemeClr val="accent1">
+              <a:shade val="50000"/>
+            </a:schemeClr>
+          </a:lnRef>
+          <a:fillRef idx="1">
+            <a:schemeClr val="accent1"/>
+          </a:fillRef>
+          <a:effectRef idx="0">
+            <a:schemeClr val="accent1"/>
+          </a:effectRef>
+          <a:fontRef idx="minor">
+            <a:schemeClr val="lt1"/>
+          </a:fontRef>
+        </p:style>
+        <p:txBody>
+          <a:bodyPr rtlCol="0" anchor="ctr"/>
+          <a:lstStyle/>
+          <a:p>
+            <a:pPr algn="ctr"/>
+            <a:r>
+              <a:rPr lang="en-US" altLang="zh-CN" dirty="0" smtClean="0"/>
+              <a:t>1</a:t>
+            </a:r>
+            <a:endParaRPr lang="zh-CN" altLang="en-US" dirty="0"/>
+          </a:p>
+        </p:txBody>
+      </p:sp>
+      <p:sp>
+        <p:nvSpPr>
+          <p:cNvPr id="25" name="椭圆 24"/>
+          <p:cNvSpPr/>
+          <p:nvPr/>
+        </p:nvSpPr>
+        <p:spPr>
+          <a:xfrm>
+            <a:off x="4535996" y="764704"/>
+            <a:ext cx="468052" cy="432048"/>
+          </a:xfrm>
+          <a:prstGeom prst="ellipse">
+            <a:avLst/>
+          </a:prstGeom>
+        </p:spPr>
+        <p:style>
+          <a:lnRef idx="2">
+            <a:schemeClr val="accent1">
+              <a:shade val="50000"/>
+            </a:schemeClr>
+          </a:lnRef>
+          <a:fillRef idx="1">
+            <a:schemeClr val="accent1"/>
+          </a:fillRef>
+          <a:effectRef idx="0">
+            <a:schemeClr val="accent1"/>
+          </a:effectRef>
+          <a:fontRef idx="minor">
+            <a:schemeClr val="lt1"/>
+          </a:fontRef>
+        </p:style>
+        <p:txBody>
+          <a:bodyPr rtlCol="0" anchor="ctr"/>
+          <a:lstStyle/>
+          <a:p>
+            <a:pPr algn="ctr"/>
+            <a:r>
+              <a:rPr lang="en-US" altLang="zh-CN" dirty="0"/>
+              <a:t>2</a:t>
+            </a:r>
+            <a:endParaRPr lang="zh-CN" altLang="en-US" dirty="0"/>
+          </a:p>
+        </p:txBody>
+      </p:sp>
+      <p:sp>
+        <p:nvSpPr>
+          <p:cNvPr id="26" name="椭圆 25"/>
+          <p:cNvSpPr/>
+          <p:nvPr/>
+        </p:nvSpPr>
+        <p:spPr>
+          <a:xfrm>
+            <a:off x="5256076" y="764704"/>
+            <a:ext cx="468052" cy="432048"/>
+          </a:xfrm>
+          <a:prstGeom prst="ellipse">
+            <a:avLst/>
+          </a:prstGeom>
+        </p:spPr>
+        <p:style>
+          <a:lnRef idx="2">
+            <a:schemeClr val="accent1">
+              <a:shade val="50000"/>
+            </a:schemeClr>
+          </a:lnRef>
+          <a:fillRef idx="1">
+            <a:schemeClr val="accent1"/>
+          </a:fillRef>
+          <a:effectRef idx="0">
+            <a:schemeClr val="accent1"/>
+          </a:effectRef>
+          <a:fontRef idx="minor">
+            <a:schemeClr val="lt1"/>
+          </a:fontRef>
+        </p:style>
+        <p:txBody>
+          <a:bodyPr rtlCol="0" anchor="ctr"/>
+          <a:lstStyle/>
+          <a:p>
+            <a:pPr algn="ctr"/>
+            <a:r>
+              <a:rPr lang="en-US" altLang="zh-CN" dirty="0" smtClean="0"/>
+              <a:t>3</a:t>
+            </a:r>
+            <a:endParaRPr lang="zh-CN" altLang="en-US" dirty="0"/>
+          </a:p>
+        </p:txBody>
+      </p:sp>
+      <p:sp>
+        <p:nvSpPr>
+          <p:cNvPr id="27" name="椭圆 26"/>
+          <p:cNvSpPr/>
+          <p:nvPr/>
+        </p:nvSpPr>
+        <p:spPr>
+          <a:xfrm>
+            <a:off x="5976156" y="764704"/>
+            <a:ext cx="468052" cy="432048"/>
+          </a:xfrm>
+          <a:prstGeom prst="ellipse">
+            <a:avLst/>
+          </a:prstGeom>
+        </p:spPr>
+        <p:style>
+          <a:lnRef idx="2">
+            <a:schemeClr val="accent1">
+              <a:shade val="50000"/>
+            </a:schemeClr>
+          </a:lnRef>
+          <a:fillRef idx="1">
+            <a:schemeClr val="accent1"/>
+          </a:fillRef>
+          <a:effectRef idx="0">
+            <a:schemeClr val="accent1"/>
+          </a:effectRef>
+          <a:fontRef idx="minor">
+            <a:schemeClr val="lt1"/>
+          </a:fontRef>
+        </p:style>
+        <p:txBody>
+          <a:bodyPr rtlCol="0" anchor="ctr"/>
+          <a:lstStyle/>
+          <a:p>
+            <a:pPr algn="ctr"/>
+            <a:r>
+              <a:rPr lang="en-US" altLang="zh-CN" dirty="0" smtClean="0"/>
+              <a:t>4</a:t>
+            </a:r>
+            <a:endParaRPr lang="zh-CN" altLang="en-US" dirty="0"/>
+          </a:p>
+        </p:txBody>
+      </p:sp>
+      <p:sp>
+        <p:nvSpPr>
+          <p:cNvPr id="28" name="椭圆 27"/>
+          <p:cNvSpPr/>
+          <p:nvPr/>
+        </p:nvSpPr>
+        <p:spPr>
+          <a:xfrm>
+            <a:off x="6696236" y="764704"/>
+            <a:ext cx="468052" cy="432048"/>
+          </a:xfrm>
+          <a:prstGeom prst="ellipse">
+            <a:avLst/>
+          </a:prstGeom>
+        </p:spPr>
+        <p:style>
+          <a:lnRef idx="2">
+            <a:schemeClr val="accent1">
+              <a:shade val="50000"/>
+            </a:schemeClr>
+          </a:lnRef>
+          <a:fillRef idx="1">
+            <a:schemeClr val="accent1"/>
+          </a:fillRef>
+          <a:effectRef idx="0">
+            <a:schemeClr val="accent1"/>
+          </a:effectRef>
+          <a:fontRef idx="minor">
+            <a:schemeClr val="lt1"/>
+          </a:fontRef>
+        </p:style>
+        <p:txBody>
+          <a:bodyPr rtlCol="0" anchor="ctr"/>
+          <a:lstStyle/>
+          <a:p>
+            <a:pPr algn="ctr"/>
+            <a:r>
+              <a:rPr lang="en-US" altLang="zh-CN" dirty="0" smtClean="0"/>
+              <a:t>5</a:t>
+            </a:r>
+            <a:endParaRPr lang="zh-CN" altLang="en-US" dirty="0"/>
+          </a:p>
+        </p:txBody>
+      </p:sp>
+      <p:sp>
+        <p:nvSpPr>
+          <p:cNvPr id="29" name="椭圆 28"/>
+          <p:cNvSpPr/>
+          <p:nvPr/>
+        </p:nvSpPr>
+        <p:spPr>
+          <a:xfrm>
+            <a:off x="7416316" y="764704"/>
+            <a:ext cx="468052" cy="432048"/>
+          </a:xfrm>
+          <a:prstGeom prst="ellipse">
+            <a:avLst/>
+          </a:prstGeom>
+        </p:spPr>
+        <p:style>
+          <a:lnRef idx="2">
+            <a:schemeClr val="accent1">
+              <a:shade val="50000"/>
+            </a:schemeClr>
+          </a:lnRef>
+          <a:fillRef idx="1">
+            <a:schemeClr val="accent1"/>
+          </a:fillRef>
+          <a:effectRef idx="0">
+            <a:schemeClr val="accent1"/>
+          </a:effectRef>
+          <a:fontRef idx="minor">
+            <a:schemeClr val="lt1"/>
+          </a:fontRef>
+        </p:style>
+        <p:txBody>
+          <a:bodyPr rtlCol="0" anchor="ctr"/>
+          <a:lstStyle/>
+          <a:p>
+            <a:pPr algn="ctr"/>
+            <a:r>
+              <a:rPr lang="en-US" altLang="zh-CN" dirty="0" smtClean="0"/>
+              <a:t>6</a:t>
+            </a:r>
+            <a:endParaRPr lang="zh-CN" altLang="en-US" dirty="0"/>
+          </a:p>
+        </p:txBody>
+      </p:sp>
+      <p:sp>
+        <p:nvSpPr>
+          <p:cNvPr id="30" name="椭圆 29"/>
+          <p:cNvSpPr/>
+          <p:nvPr/>
+        </p:nvSpPr>
+        <p:spPr>
+          <a:xfrm>
+            <a:off x="8136396" y="764704"/>
+            <a:ext cx="468052" cy="432048"/>
+          </a:xfrm>
+          <a:prstGeom prst="ellipse">
+            <a:avLst/>
+          </a:prstGeom>
+        </p:spPr>
+        <p:style>
+          <a:lnRef idx="2">
+            <a:schemeClr val="accent1">
+              <a:shade val="50000"/>
+            </a:schemeClr>
+          </a:lnRef>
+          <a:fillRef idx="1">
+            <a:schemeClr val="accent1"/>
+          </a:fillRef>
+          <a:effectRef idx="0">
+            <a:schemeClr val="accent1"/>
+          </a:effectRef>
+          <a:fontRef idx="minor">
+            <a:schemeClr val="lt1"/>
+          </a:fontRef>
+        </p:style>
+        <p:txBody>
+          <a:bodyPr rtlCol="0" anchor="ctr"/>
+          <a:lstStyle/>
+          <a:p>
+            <a:pPr algn="ctr"/>
+            <a:r>
+              <a:rPr lang="en-US" altLang="zh-CN" dirty="0" smtClean="0"/>
+              <a:t>7</a:t>
+            </a:r>
+            <a:endParaRPr lang="zh-CN" altLang="en-US" dirty="0"/>
+          </a:p>
+        </p:txBody>
+      </p:sp>
+      <p:cxnSp>
+        <p:nvCxnSpPr>
+          <p:cNvPr id="32" name="直接箭头连接符 31"/>
+          <p:cNvCxnSpPr/>
+          <p:nvPr/>
+        </p:nvCxnSpPr>
+        <p:spPr>
+          <a:xfrm>
+            <a:off x="2483768" y="3046648"/>
+            <a:ext cx="558062" cy="0"/>
+          </a:xfrm>
+          <a:prstGeom prst="straightConnector1">
+            <a:avLst/>
+          </a:prstGeom>
+          <a:ln>
+            <a:solidFill>
+              <a:schemeClr val="tx1"/>
+            </a:solidFill>
+            <a:tailEnd type="arrow"/>
+          </a:ln>
+        </p:spPr>
+        <p:style>
+          <a:lnRef idx="1">
+            <a:schemeClr val="accent1"/>
+          </a:lnRef>
+          <a:fillRef idx="0">
+            <a:schemeClr val="accent1"/>
+          </a:fillRef>
+          <a:effectRef idx="0">
+            <a:schemeClr val="accent1"/>
+          </a:effectRef>
+          <a:fontRef idx="minor">
+            <a:schemeClr val="tx1"/>
+          </a:fontRef>
+        </p:style>
+      </p:cxnSp>
+      <p:sp>
+        <p:nvSpPr>
+          <p:cNvPr id="33" name="椭圆 32"/>
+          <p:cNvSpPr/>
+          <p:nvPr/>
+        </p:nvSpPr>
+        <p:spPr>
+          <a:xfrm>
+            <a:off x="3041830" y="2830624"/>
+            <a:ext cx="468052" cy="432048"/>
+          </a:xfrm>
+          <a:prstGeom prst="ellipse">
+            <a:avLst/>
+          </a:prstGeom>
+        </p:spPr>
+        <p:style>
+          <a:lnRef idx="2">
+            <a:schemeClr val="accent1">
+              <a:shade val="50000"/>
+            </a:schemeClr>
+          </a:lnRef>
+          <a:fillRef idx="1">
+            <a:schemeClr val="accent1"/>
+          </a:fillRef>
+          <a:effectRef idx="0">
+            <a:schemeClr val="accent1"/>
+          </a:effectRef>
+          <a:fontRef idx="minor">
+            <a:schemeClr val="lt1"/>
+          </a:fontRef>
+        </p:style>
+        <p:txBody>
+          <a:bodyPr rtlCol="0" anchor="ctr"/>
+          <a:lstStyle/>
+          <a:p>
+            <a:pPr algn="ctr"/>
+            <a:r>
+              <a:rPr lang="en-US" altLang="zh-CN" dirty="0" smtClean="0"/>
+              <a:t>1</a:t>
+            </a:r>
+            <a:endParaRPr lang="zh-CN" altLang="en-US" dirty="0"/>
+          </a:p>
+        </p:txBody>
+      </p:sp>
+      <p:cxnSp>
+        <p:nvCxnSpPr>
+          <p:cNvPr id="35" name="直接箭头连接符 34"/>
+          <p:cNvCxnSpPr>
+            <a:stCxn id="17" idx="3"/>
+          </p:cNvCxnSpPr>
+          <p:nvPr/>
+        </p:nvCxnSpPr>
+        <p:spPr>
+          <a:xfrm>
+            <a:off x="2483768" y="3753036"/>
+            <a:ext cx="558062" cy="0"/>
+          </a:xfrm>
+          <a:prstGeom prst="straightConnector1">
+            <a:avLst/>
+          </a:prstGeom>
+          <a:ln>
+            <a:solidFill>
+              <a:schemeClr val="tx1"/>
+            </a:solidFill>
+            <a:tailEnd type="arrow"/>
+          </a:ln>
+        </p:spPr>
+        <p:style>
+          <a:lnRef idx="1">
+            <a:schemeClr val="accent1"/>
+          </a:lnRef>
+          <a:fillRef idx="0">
+            <a:schemeClr val="accent1"/>
+          </a:fillRef>
+          <a:effectRef idx="0">
+            <a:schemeClr val="accent1"/>
+          </a:effectRef>
+          <a:fontRef idx="minor">
+            <a:schemeClr val="tx1"/>
+          </a:fontRef>
+        </p:style>
+      </p:cxnSp>
+      <p:sp>
+        <p:nvSpPr>
+          <p:cNvPr id="36" name="椭圆 35"/>
+          <p:cNvSpPr/>
+          <p:nvPr/>
+        </p:nvSpPr>
+        <p:spPr>
+          <a:xfrm>
+            <a:off x="3041830" y="3537012"/>
+            <a:ext cx="468052" cy="432048"/>
+          </a:xfrm>
+          <a:prstGeom prst="ellipse">
+            <a:avLst/>
+          </a:prstGeom>
+        </p:spPr>
+        <p:style>
+          <a:lnRef idx="2">
+            <a:schemeClr val="accent1">
+              <a:shade val="50000"/>
+            </a:schemeClr>
+          </a:lnRef>
+          <a:fillRef idx="1">
+            <a:schemeClr val="accent1"/>
+          </a:fillRef>
+          <a:effectRef idx="0">
+            <a:schemeClr val="accent1"/>
+          </a:effectRef>
+          <a:fontRef idx="minor">
+            <a:schemeClr val="lt1"/>
+          </a:fontRef>
+        </p:style>
+        <p:txBody>
+          <a:bodyPr rtlCol="0" anchor="ctr"/>
+          <a:lstStyle/>
+          <a:p>
+            <a:pPr algn="ctr"/>
+            <a:r>
+              <a:rPr lang="en-US" altLang="zh-CN" dirty="0"/>
+              <a:t>2</a:t>
+            </a:r>
+            <a:endParaRPr lang="zh-CN" altLang="en-US" dirty="0"/>
+          </a:p>
+        </p:txBody>
+      </p:sp>
+      <p:cxnSp>
+        <p:nvCxnSpPr>
+          <p:cNvPr id="38" name="直接箭头连接符 37"/>
+          <p:cNvCxnSpPr>
+            <a:endCxn id="39" idx="2"/>
+          </p:cNvCxnSpPr>
+          <p:nvPr/>
+        </p:nvCxnSpPr>
+        <p:spPr>
+          <a:xfrm>
+            <a:off x="2501770" y="4115206"/>
+            <a:ext cx="1035115" cy="1115"/>
+          </a:xfrm>
+          <a:prstGeom prst="straightConnector1">
+            <a:avLst/>
+          </a:prstGeom>
+          <a:ln>
+            <a:solidFill>
+              <a:schemeClr val="tx1"/>
+            </a:solidFill>
+            <a:tailEnd type="arrow"/>
+          </a:ln>
+        </p:spPr>
+        <p:style>
+          <a:lnRef idx="1">
+            <a:schemeClr val="accent1"/>
+          </a:lnRef>
+          <a:fillRef idx="0">
+            <a:schemeClr val="accent1"/>
+          </a:fillRef>
+          <a:effectRef idx="0">
+            <a:schemeClr val="accent1"/>
+          </a:effectRef>
+          <a:fontRef idx="minor">
+            <a:schemeClr val="tx1"/>
+          </a:fontRef>
+        </p:style>
+      </p:cxnSp>
+      <p:sp>
+        <p:nvSpPr>
+          <p:cNvPr id="39" name="椭圆 38"/>
+          <p:cNvSpPr/>
+          <p:nvPr/>
+        </p:nvSpPr>
+        <p:spPr>
+          <a:xfrm>
+            <a:off x="3536885" y="3900297"/>
+            <a:ext cx="468052" cy="432048"/>
+          </a:xfrm>
+          <a:prstGeom prst="ellipse">
+            <a:avLst/>
+          </a:prstGeom>
+        </p:spPr>
+        <p:style>
+          <a:lnRef idx="2">
+            <a:schemeClr val="accent1">
+              <a:shade val="50000"/>
+            </a:schemeClr>
+          </a:lnRef>
+          <a:fillRef idx="1">
+            <a:schemeClr val="accent1"/>
+          </a:fillRef>
+          <a:effectRef idx="0">
+            <a:schemeClr val="accent1"/>
+          </a:effectRef>
+          <a:fontRef idx="minor">
+            <a:schemeClr val="lt1"/>
+          </a:fontRef>
+        </p:style>
+        <p:txBody>
+          <a:bodyPr rtlCol="0" anchor="ctr"/>
+          <a:lstStyle/>
+          <a:p>
+            <a:pPr algn="ctr"/>
+            <a:r>
+              <a:rPr lang="en-US" altLang="zh-CN" dirty="0" smtClean="0"/>
+              <a:t>3</a:t>
+            </a:r>
+            <a:endParaRPr lang="zh-CN" altLang="en-US" dirty="0"/>
+          </a:p>
+        </p:txBody>
+      </p:sp>
+      <p:sp>
+        <p:nvSpPr>
+          <p:cNvPr id="40" name="椭圆 39"/>
+          <p:cNvSpPr/>
+          <p:nvPr/>
+        </p:nvSpPr>
+        <p:spPr>
+          <a:xfrm>
+            <a:off x="3041830" y="5697252"/>
+            <a:ext cx="468052" cy="432048"/>
+          </a:xfrm>
+          <a:prstGeom prst="ellipse">
+            <a:avLst/>
+          </a:prstGeom>
+        </p:spPr>
+        <p:style>
+          <a:lnRef idx="2">
+            <a:schemeClr val="accent1">
+              <a:shade val="50000"/>
+            </a:schemeClr>
+          </a:lnRef>
+          <a:fillRef idx="1">
+            <a:schemeClr val="accent1"/>
+          </a:fillRef>
+          <a:effectRef idx="0">
+            <a:schemeClr val="accent1"/>
+          </a:effectRef>
+          <a:fontRef idx="minor">
+            <a:schemeClr val="lt1"/>
+          </a:fontRef>
+        </p:style>
+        <p:txBody>
+          <a:bodyPr rtlCol="0" anchor="ctr"/>
+          <a:lstStyle/>
+          <a:p>
+            <a:pPr algn="ctr"/>
+            <a:r>
+              <a:rPr lang="en-US" altLang="zh-CN" dirty="0" smtClean="0"/>
+              <a:t>4</a:t>
+            </a:r>
+            <a:endParaRPr lang="zh-CN" altLang="en-US" dirty="0"/>
+          </a:p>
+        </p:txBody>
+      </p:sp>
+      <p:sp>
+        <p:nvSpPr>
+          <p:cNvPr id="41" name="椭圆 40"/>
+          <p:cNvSpPr/>
+          <p:nvPr/>
+        </p:nvSpPr>
+        <p:spPr>
+          <a:xfrm>
+            <a:off x="3041830" y="4257092"/>
+            <a:ext cx="468052" cy="432048"/>
+          </a:xfrm>
+          <a:prstGeom prst="ellipse">
+            <a:avLst/>
+          </a:prstGeom>
+        </p:spPr>
+        <p:style>
+          <a:lnRef idx="2">
+            <a:schemeClr val="accent1">
+              <a:shade val="50000"/>
+            </a:schemeClr>
+          </a:lnRef>
+          <a:fillRef idx="1">
+            <a:schemeClr val="accent1"/>
+          </a:fillRef>
+          <a:effectRef idx="0">
+            <a:schemeClr val="accent1"/>
+          </a:effectRef>
+          <a:fontRef idx="minor">
+            <a:schemeClr val="lt1"/>
+          </a:fontRef>
+        </p:style>
+        <p:txBody>
+          <a:bodyPr rtlCol="0" anchor="ctr"/>
+          <a:lstStyle/>
+          <a:p>
+            <a:pPr algn="ctr"/>
+            <a:r>
+              <a:rPr lang="en-US" altLang="zh-CN" dirty="0" smtClean="0"/>
+              <a:t>5</a:t>
+            </a:r>
+            <a:endParaRPr lang="zh-CN" altLang="en-US" dirty="0"/>
+          </a:p>
+        </p:txBody>
+      </p:sp>
+      <p:sp>
+        <p:nvSpPr>
+          <p:cNvPr id="42" name="椭圆 41"/>
+          <p:cNvSpPr/>
+          <p:nvPr/>
+        </p:nvSpPr>
+        <p:spPr>
+          <a:xfrm>
+            <a:off x="3545886" y="2492896"/>
+            <a:ext cx="468052" cy="432048"/>
+          </a:xfrm>
+          <a:prstGeom prst="ellipse">
+            <a:avLst/>
+          </a:prstGeom>
+        </p:spPr>
+        <p:style>
+          <a:lnRef idx="2">
+            <a:schemeClr val="accent1">
+              <a:shade val="50000"/>
+            </a:schemeClr>
+          </a:lnRef>
+          <a:fillRef idx="1">
+            <a:schemeClr val="accent1"/>
+          </a:fillRef>
+          <a:effectRef idx="0">
+            <a:schemeClr val="accent1"/>
+          </a:effectRef>
+          <a:fontRef idx="minor">
+            <a:schemeClr val="lt1"/>
+          </a:fontRef>
+        </p:style>
+        <p:txBody>
+          <a:bodyPr rtlCol="0" anchor="ctr"/>
+          <a:lstStyle/>
+          <a:p>
+            <a:pPr algn="ctr"/>
+            <a:r>
+              <a:rPr lang="en-US" altLang="zh-CN" dirty="0" smtClean="0"/>
+              <a:t>6</a:t>
+            </a:r>
+            <a:endParaRPr lang="zh-CN" altLang="en-US" dirty="0"/>
+          </a:p>
+        </p:txBody>
+      </p:sp>
+      <p:sp>
+        <p:nvSpPr>
+          <p:cNvPr id="43" name="椭圆 42"/>
+          <p:cNvSpPr/>
+          <p:nvPr/>
+        </p:nvSpPr>
+        <p:spPr>
+          <a:xfrm>
+            <a:off x="3437874" y="5362770"/>
+            <a:ext cx="468052" cy="432048"/>
+          </a:xfrm>
+          <a:prstGeom prst="ellipse">
+            <a:avLst/>
+          </a:prstGeom>
+        </p:spPr>
+        <p:style>
+          <a:lnRef idx="2">
+            <a:schemeClr val="accent1">
+              <a:shade val="50000"/>
+            </a:schemeClr>
+          </a:lnRef>
+          <a:fillRef idx="1">
+            <a:schemeClr val="accent1"/>
+          </a:fillRef>
+          <a:effectRef idx="0">
+            <a:schemeClr val="accent1"/>
+          </a:effectRef>
+          <a:fontRef idx="minor">
+            <a:schemeClr val="lt1"/>
+          </a:fontRef>
+        </p:style>
+        <p:txBody>
+          <a:bodyPr rtlCol="0" anchor="ctr"/>
+          <a:lstStyle/>
+          <a:p>
+            <a:pPr algn="ctr"/>
+            <a:r>
+              <a:rPr lang="en-US" altLang="zh-CN" dirty="0" smtClean="0"/>
+              <a:t>7</a:t>
+            </a:r>
+            <a:endParaRPr lang="zh-CN" altLang="en-US" dirty="0"/>
+          </a:p>
+        </p:txBody>
+      </p:sp>
+      <p:cxnSp>
+        <p:nvCxnSpPr>
+          <p:cNvPr id="45" name="直接箭头连接符 44"/>
+          <p:cNvCxnSpPr>
+            <a:stCxn id="19" idx="3"/>
+            <a:endCxn id="41" idx="2"/>
+          </p:cNvCxnSpPr>
+          <p:nvPr/>
+        </p:nvCxnSpPr>
+        <p:spPr>
+          <a:xfrm>
+            <a:off x="2483768" y="4473116"/>
+            <a:ext cx="558062" cy="0"/>
+          </a:xfrm>
+          <a:prstGeom prst="straightConnector1">
+            <a:avLst/>
+          </a:prstGeom>
+          <a:ln>
+            <a:solidFill>
+              <a:schemeClr val="tx1"/>
+            </a:solidFill>
+            <a:tailEnd type="arrow"/>
+          </a:ln>
+        </p:spPr>
+        <p:style>
+          <a:lnRef idx="1">
+            <a:schemeClr val="accent1"/>
+          </a:lnRef>
+          <a:fillRef idx="0">
+            <a:schemeClr val="accent1"/>
+          </a:fillRef>
+          <a:effectRef idx="0">
+            <a:schemeClr val="accent1"/>
+          </a:effectRef>
+          <a:fontRef idx="minor">
+            <a:schemeClr val="tx1"/>
+          </a:fontRef>
+        </p:style>
+      </p:cxnSp>
+      <p:cxnSp>
+        <p:nvCxnSpPr>
+          <p:cNvPr id="47" name="直接箭头连接符 46"/>
+          <p:cNvCxnSpPr>
+            <a:stCxn id="23" idx="3"/>
+            <a:endCxn id="40" idx="2"/>
+          </p:cNvCxnSpPr>
+          <p:nvPr/>
+        </p:nvCxnSpPr>
+        <p:spPr>
+          <a:xfrm>
+            <a:off x="2483768" y="5913276"/>
+            <a:ext cx="558062" cy="0"/>
+          </a:xfrm>
+          <a:prstGeom prst="straightConnector1">
+            <a:avLst/>
+          </a:prstGeom>
+          <a:ln>
+            <a:solidFill>
+              <a:schemeClr val="tx1"/>
+            </a:solidFill>
+            <a:tailEnd type="arrow"/>
+          </a:ln>
+        </p:spPr>
+        <p:style>
+          <a:lnRef idx="1">
+            <a:schemeClr val="accent1"/>
+          </a:lnRef>
+          <a:fillRef idx="0">
+            <a:schemeClr val="accent1"/>
+          </a:fillRef>
+          <a:effectRef idx="0">
+            <a:schemeClr val="accent1"/>
+          </a:effectRef>
+          <a:fontRef idx="minor">
+            <a:schemeClr val="tx1"/>
+          </a:fontRef>
+        </p:style>
+      </p:cxnSp>
+      <p:cxnSp>
+        <p:nvCxnSpPr>
+          <p:cNvPr id="49" name="直接箭头连接符 48"/>
+          <p:cNvCxnSpPr/>
+          <p:nvPr/>
+        </p:nvCxnSpPr>
+        <p:spPr>
+          <a:xfrm>
+            <a:off x="2497269" y="2673424"/>
+            <a:ext cx="1039616" cy="5680"/>
+          </a:xfrm>
+          <a:prstGeom prst="straightConnector1">
+            <a:avLst/>
+          </a:prstGeom>
+          <a:ln>
+            <a:solidFill>
+              <a:schemeClr val="tx1"/>
+            </a:solidFill>
+            <a:tailEnd type="arrow"/>
+          </a:ln>
+        </p:spPr>
+        <p:style>
+          <a:lnRef idx="1">
+            <a:schemeClr val="accent1"/>
+          </a:lnRef>
+          <a:fillRef idx="0">
+            <a:schemeClr val="accent1"/>
+          </a:fillRef>
+          <a:effectRef idx="0">
+            <a:schemeClr val="accent1"/>
+          </a:effectRef>
+          <a:fontRef idx="minor">
+            <a:schemeClr val="tx1"/>
+          </a:fontRef>
+        </p:style>
+      </p:cxnSp>
+      <p:cxnSp>
+        <p:nvCxnSpPr>
+          <p:cNvPr id="51" name="直接箭头连接符 50"/>
+          <p:cNvCxnSpPr>
+            <a:stCxn id="22" idx="3"/>
+            <a:endCxn id="43" idx="2"/>
+          </p:cNvCxnSpPr>
+          <p:nvPr/>
+        </p:nvCxnSpPr>
+        <p:spPr>
+          <a:xfrm>
+            <a:off x="2483768" y="5553236"/>
+            <a:ext cx="954106" cy="25558"/>
+          </a:xfrm>
+          <a:prstGeom prst="straightConnector1">
+            <a:avLst/>
+          </a:prstGeom>
+          <a:ln>
+            <a:solidFill>
+              <a:schemeClr val="tx1"/>
+            </a:solidFill>
+            <a:tailEnd type="arrow"/>
+          </a:ln>
+        </p:spPr>
+        <p:style>
+          <a:lnRef idx="1">
+            <a:schemeClr val="accent1"/>
+          </a:lnRef>
+          <a:fillRef idx="0">
+            <a:schemeClr val="accent1"/>
+          </a:fillRef>
+          <a:effectRef idx="0">
+            <a:schemeClr val="accent1"/>
+          </a:effectRef>
+          <a:fontRef idx="minor">
+            <a:schemeClr val="tx1"/>
+          </a:fontRef>
+        </p:style>
+      </p:cxnSp>
+      <p:sp>
+        <p:nvSpPr>
+          <p:cNvPr id="4" name="矩形 3"/>
+          <p:cNvSpPr/>
+          <p:nvPr/>
+        </p:nvSpPr>
+        <p:spPr>
+          <a:xfrm>
+            <a:off x="5436096" y="1556792"/>
+            <a:ext cx="2988332" cy="452535"/>
+          </a:xfrm>
+          <a:prstGeom prst="rect">
+            <a:avLst/>
+          </a:prstGeom>
+        </p:spPr>
+        <p:style>
+          <a:lnRef idx="2">
+            <a:schemeClr val="accent1">
+              <a:shade val="50000"/>
+            </a:schemeClr>
+          </a:lnRef>
+          <a:fillRef idx="1">
+            <a:schemeClr val="accent1"/>
+          </a:fillRef>
+          <a:effectRef idx="0">
+            <a:schemeClr val="accent1"/>
+          </a:effectRef>
+          <a:fontRef idx="minor">
+            <a:schemeClr val="lt1"/>
+          </a:fontRef>
+        </p:style>
+        <p:txBody>
+          <a:bodyPr rtlCol="0" anchor="ctr"/>
+          <a:lstStyle/>
+          <a:p>
+            <a:pPr algn="ctr"/>
+            <a:r>
+              <a:rPr lang="zh-CN" altLang="en-US" dirty="0" smtClean="0"/>
+              <a:t>冲突：</a:t>
+            </a:r>
+            <a:r>
+              <a:rPr lang="en-US" altLang="zh-CN" dirty="0" smtClean="0"/>
+              <a:t>index+=1,3, 5,7…</a:t>
+            </a:r>
+            <a:endParaRPr lang="zh-CN" altLang="en-US" dirty="0"/>
+          </a:p>
+        </p:txBody>
+      </p:sp>
+      <p:sp>
+        <p:nvSpPr>
+          <p:cNvPr id="34" name="矩形 33"/>
+          <p:cNvSpPr/>
+          <p:nvPr/>
+        </p:nvSpPr>
+        <p:spPr>
+          <a:xfrm>
+            <a:off x="5130620" y="3176972"/>
+            <a:ext cx="2880320" cy="432048"/>
+          </a:xfrm>
+          <a:prstGeom prst="rect">
+            <a:avLst/>
+          </a:prstGeom>
+        </p:spPr>
+        <p:style>
+          <a:lnRef idx="2">
+            <a:schemeClr val="accent1">
+              <a:shade val="50000"/>
+            </a:schemeClr>
+          </a:lnRef>
+          <a:fillRef idx="1">
+            <a:schemeClr val="accent1"/>
+          </a:fillRef>
+          <a:effectRef idx="0">
+            <a:schemeClr val="accent1"/>
+          </a:effectRef>
+          <a:fontRef idx="minor">
+            <a:schemeClr val="lt1"/>
+          </a:fontRef>
+        </p:style>
+        <p:txBody>
+          <a:bodyPr rtlCol="0" anchor="ctr"/>
+          <a:lstStyle/>
+          <a:p>
+            <a:pPr algn="ctr"/>
+            <a:r>
+              <a:rPr lang="en-US" altLang="zh-CN" dirty="0" smtClean="0"/>
+              <a:t>hash(89)=9; //9</a:t>
+            </a:r>
+            <a:r>
+              <a:rPr lang="zh-CN" altLang="en-US" dirty="0" smtClean="0"/>
+              <a:t>号位冲突</a:t>
+            </a:r>
+            <a:endParaRPr lang="zh-CN" altLang="en-US" dirty="0"/>
+          </a:p>
+        </p:txBody>
+      </p:sp>
+      <p:sp>
+        <p:nvSpPr>
+          <p:cNvPr id="48" name="矩形 47"/>
+          <p:cNvSpPr/>
+          <p:nvPr/>
+        </p:nvSpPr>
+        <p:spPr>
+          <a:xfrm>
+            <a:off x="5130620" y="3612570"/>
+            <a:ext cx="2880320" cy="432048"/>
+          </a:xfrm>
+          <a:prstGeom prst="rect">
+            <a:avLst/>
+          </a:prstGeom>
+        </p:spPr>
+        <p:style>
+          <a:lnRef idx="2">
+            <a:schemeClr val="accent1">
+              <a:shade val="50000"/>
+            </a:schemeClr>
+          </a:lnRef>
+          <a:fillRef idx="1">
+            <a:schemeClr val="accent1"/>
+          </a:fillRef>
+          <a:effectRef idx="0">
+            <a:schemeClr val="accent1"/>
+          </a:effectRef>
+          <a:fontRef idx="minor">
+            <a:schemeClr val="lt1"/>
+          </a:fontRef>
+        </p:style>
+        <p:txBody>
+          <a:bodyPr rtlCol="0" anchor="ctr"/>
+          <a:lstStyle/>
+          <a:p>
+            <a:pPr algn="ctr"/>
+            <a:r>
+              <a:rPr lang="en-US" altLang="zh-CN" dirty="0" smtClean="0"/>
+              <a:t>9+1=10; 10-10=0; //</a:t>
+            </a:r>
+            <a:r>
+              <a:rPr lang="zh-CN" altLang="en-US" dirty="0" smtClean="0"/>
+              <a:t>冲突</a:t>
+            </a:r>
+            <a:endParaRPr lang="zh-CN" altLang="en-US" dirty="0"/>
+          </a:p>
+        </p:txBody>
+      </p:sp>
+      <p:sp>
+        <p:nvSpPr>
+          <p:cNvPr id="50" name="矩形 49"/>
+          <p:cNvSpPr/>
+          <p:nvPr/>
+        </p:nvSpPr>
+        <p:spPr>
+          <a:xfrm>
+            <a:off x="5130620" y="4041068"/>
+            <a:ext cx="2880320" cy="432048"/>
+          </a:xfrm>
+          <a:prstGeom prst="rect">
+            <a:avLst/>
+          </a:prstGeom>
+        </p:spPr>
+        <p:style>
+          <a:lnRef idx="2">
+            <a:schemeClr val="accent1">
+              <a:shade val="50000"/>
+            </a:schemeClr>
+          </a:lnRef>
+          <a:fillRef idx="1">
+            <a:schemeClr val="accent1"/>
+          </a:fillRef>
+          <a:effectRef idx="0">
+            <a:schemeClr val="accent1"/>
+          </a:effectRef>
+          <a:fontRef idx="minor">
+            <a:schemeClr val="lt1"/>
+          </a:fontRef>
+        </p:style>
+        <p:txBody>
+          <a:bodyPr rtlCol="0" anchor="ctr"/>
+          <a:lstStyle/>
+          <a:p>
+            <a:pPr algn="ctr"/>
+            <a:r>
+              <a:rPr lang="en-US" altLang="zh-CN" dirty="0" smtClean="0"/>
+              <a:t>0+3=3; //</a:t>
+            </a:r>
+            <a:r>
+              <a:rPr lang="zh-CN" altLang="en-US" dirty="0" smtClean="0"/>
+              <a:t>冲突</a:t>
+            </a:r>
+            <a:endParaRPr lang="zh-CN" altLang="en-US" dirty="0"/>
+          </a:p>
+        </p:txBody>
+      </p:sp>
+      <p:sp>
+        <p:nvSpPr>
+          <p:cNvPr id="52" name="矩形 51"/>
+          <p:cNvSpPr/>
+          <p:nvPr/>
+        </p:nvSpPr>
+        <p:spPr>
+          <a:xfrm>
+            <a:off x="5130620" y="4473116"/>
+            <a:ext cx="2880320" cy="432048"/>
+          </a:xfrm>
+          <a:prstGeom prst="rect">
+            <a:avLst/>
+          </a:prstGeom>
+        </p:spPr>
+        <p:style>
+          <a:lnRef idx="2">
+            <a:schemeClr val="accent1">
+              <a:shade val="50000"/>
+            </a:schemeClr>
+          </a:lnRef>
+          <a:fillRef idx="1">
+            <a:schemeClr val="accent1"/>
+          </a:fillRef>
+          <a:effectRef idx="0">
+            <a:schemeClr val="accent1"/>
+          </a:effectRef>
+          <a:fontRef idx="minor">
+            <a:schemeClr val="lt1"/>
+          </a:fontRef>
+        </p:style>
+        <p:txBody>
+          <a:bodyPr rtlCol="0" anchor="ctr"/>
+          <a:lstStyle/>
+          <a:p>
+            <a:pPr algn="ctr"/>
+            <a:r>
+              <a:rPr lang="en-US" altLang="zh-CN" dirty="0" smtClean="0"/>
+              <a:t>3+5=8;  //</a:t>
+            </a:r>
+            <a:r>
+              <a:rPr lang="zh-CN" altLang="en-US" dirty="0" smtClean="0"/>
+              <a:t>无冲突</a:t>
+            </a:r>
+            <a:endParaRPr lang="zh-CN" altLang="en-US" dirty="0"/>
+          </a:p>
+        </p:txBody>
+      </p:sp>
+      <p:cxnSp>
+        <p:nvCxnSpPr>
+          <p:cNvPr id="58" name="直接箭头连接符 57"/>
+          <p:cNvCxnSpPr>
+            <a:stCxn id="52" idx="1"/>
+            <a:endCxn id="43" idx="7"/>
+          </p:cNvCxnSpPr>
+          <p:nvPr/>
+        </p:nvCxnSpPr>
+        <p:spPr>
+          <a:xfrm flipH="1">
+            <a:off x="3837381" y="4689140"/>
+            <a:ext cx="1293239" cy="736902"/>
+          </a:xfrm>
+          <a:prstGeom prst="straightConnector1">
+            <a:avLst/>
+          </a:prstGeom>
+          <a:ln>
+            <a:solidFill>
+              <a:schemeClr val="tx1"/>
+            </a:solidFill>
+            <a:tailEnd type="arrow"/>
+          </a:ln>
+        </p:spPr>
+        <p:style>
+          <a:lnRef idx="1">
+            <a:schemeClr val="accent1"/>
+          </a:lnRef>
+          <a:fillRef idx="0">
+            <a:schemeClr val="accent1"/>
+          </a:fillRef>
+          <a:effectRef idx="0">
+            <a:schemeClr val="accent1"/>
+          </a:effectRef>
+          <a:fontRef idx="minor">
+            <a:schemeClr val="tx1"/>
+          </a:fontRef>
+        </p:style>
+      </p:cxnSp>
+      <p:sp>
+        <p:nvSpPr>
+          <p:cNvPr id="60" name="圆角矩形 59"/>
+          <p:cNvSpPr/>
+          <p:nvPr/>
+        </p:nvSpPr>
+        <p:spPr>
+          <a:xfrm>
+            <a:off x="5130620" y="2690918"/>
+            <a:ext cx="2898880" cy="468052"/>
+          </a:xfrm>
+          <a:prstGeom prst="roundRect">
+            <a:avLst/>
+          </a:prstGeom>
+        </p:spPr>
+        <p:style>
+          <a:lnRef idx="2">
+            <a:schemeClr val="accent1">
+              <a:shade val="50000"/>
+            </a:schemeClr>
+          </a:lnRef>
+          <a:fillRef idx="1">
+            <a:schemeClr val="accent1"/>
+          </a:fillRef>
+          <a:effectRef idx="0">
+            <a:schemeClr val="accent1"/>
+          </a:effectRef>
+          <a:fontRef idx="minor">
+            <a:schemeClr val="lt1"/>
+          </a:fontRef>
+        </p:style>
+        <p:txBody>
+          <a:bodyPr rtlCol="0" anchor="ctr"/>
+          <a:lstStyle/>
+          <a:p>
+            <a:pPr algn="ctr"/>
+            <a:r>
+              <a:rPr lang="en-US" altLang="zh-CN" dirty="0" smtClean="0"/>
+              <a:t>insert 89</a:t>
+            </a:r>
+            <a:endParaRPr lang="zh-CN" altLang="en-US" dirty="0"/>
+          </a:p>
+        </p:txBody>
+      </p:sp>
+    </p:spTree>
+    <p:extLst>
+      <p:ext uri="{BB962C8B-B14F-4D97-AF65-F5344CB8AC3E}">
+        <p14:creationId xmlns:p14="http://schemas.microsoft.com/office/powerpoint/2010/main" val="2417358589"/>
+      </p:ext>
+    </p:extLst>
+  </p:cSld>
+  <p:clrMapOvr>
+    <a:masterClrMapping/>
+  </p:clrMapOvr>
+</p:sld>
+</file>
+
+<file path=ppt/slides/slide2.xml><?xml version="1.0" encoding="utf-8"?>
+<p:sld xmlns:a="http://schemas.openxmlformats.org/drawingml/2006/main" xmlns:r="http://schemas.openxmlformats.org/officeDocument/2006/relationships" xmlns:p="http://schemas.openxmlformats.org/presentationml/2006/main">
+  <p:cSld>
+    <p:spTree>
+      <p:nvGrpSpPr>
+        <p:cNvPr id="1" name=""/>
+        <p:cNvGrpSpPr/>
+        <p:nvPr/>
+      </p:nvGrpSpPr>
+      <p:grpSpPr>
+        <a:xfrm>
+          <a:off x="0" y="0"/>
+          <a:ext cx="0" cy="0"/>
+          <a:chOff x="0" y="0"/>
+          <a:chExt cx="0" cy="0"/>
+        </a:xfrm>
+      </p:grpSpPr>
+      <p:sp>
+        <p:nvSpPr>
+          <p:cNvPr id="2" name="矩形 1"/>
+          <p:cNvSpPr/>
+          <p:nvPr/>
+        </p:nvSpPr>
+        <p:spPr>
+          <a:xfrm>
+            <a:off x="251520" y="188640"/>
+            <a:ext cx="2520280" cy="504056"/>
+          </a:xfrm>
+          <a:prstGeom prst="rect">
+            <a:avLst/>
+          </a:prstGeom>
+        </p:spPr>
+        <p:style>
+          <a:lnRef idx="2">
+            <a:schemeClr val="accent1">
+              <a:shade val="50000"/>
+            </a:schemeClr>
+          </a:lnRef>
+          <a:fillRef idx="1">
+            <a:schemeClr val="accent1"/>
+          </a:fillRef>
+          <a:effectRef idx="0">
+            <a:schemeClr val="accent1"/>
+          </a:effectRef>
+          <a:fontRef idx="minor">
+            <a:schemeClr val="lt1"/>
+          </a:fontRef>
+        </p:style>
+        <p:txBody>
+          <a:bodyPr rtlCol="0" anchor="ctr"/>
+          <a:lstStyle/>
+          <a:p>
+            <a:pPr algn="ctr"/>
+            <a:r>
+              <a:rPr lang="zh-CN" altLang="en-US" dirty="0" smtClean="0"/>
+              <a:t>分离链接法</a:t>
+            </a:r>
+            <a:endParaRPr lang="zh-CN" altLang="en-US" dirty="0"/>
+          </a:p>
+        </p:txBody>
+      </p:sp>
+      <p:sp>
+        <p:nvSpPr>
+          <p:cNvPr id="3" name="矩形 2"/>
+          <p:cNvSpPr/>
+          <p:nvPr/>
+        </p:nvSpPr>
+        <p:spPr>
+          <a:xfrm>
+            <a:off x="2483768" y="2132856"/>
+            <a:ext cx="1296144" cy="432048"/>
+          </a:xfrm>
+          <a:prstGeom prst="rect">
+            <a:avLst/>
+          </a:prstGeom>
+        </p:spPr>
+        <p:style>
+          <a:lnRef idx="2">
+            <a:schemeClr val="accent1">
+              <a:shade val="50000"/>
+            </a:schemeClr>
+          </a:lnRef>
+          <a:fillRef idx="1">
+            <a:schemeClr val="accent1"/>
+          </a:fillRef>
+          <a:effectRef idx="0">
+            <a:schemeClr val="accent1"/>
+          </a:effectRef>
+          <a:fontRef idx="minor">
+            <a:schemeClr val="lt1"/>
+          </a:fontRef>
+        </p:style>
+        <p:txBody>
+          <a:bodyPr rtlCol="0" anchor="ctr"/>
+          <a:lstStyle/>
+          <a:p>
+            <a:pPr algn="ctr"/>
+            <a:r>
+              <a:rPr lang="en-US" altLang="zh-CN" dirty="0" smtClean="0"/>
+              <a:t>0</a:t>
+            </a:r>
+            <a:endParaRPr lang="zh-CN" altLang="en-US" dirty="0"/>
+          </a:p>
+        </p:txBody>
+      </p:sp>
+      <p:sp>
+        <p:nvSpPr>
+          <p:cNvPr id="4" name="矩形 3"/>
+          <p:cNvSpPr/>
+          <p:nvPr/>
+        </p:nvSpPr>
+        <p:spPr>
+          <a:xfrm>
+            <a:off x="2483768" y="2564904"/>
+            <a:ext cx="1296144" cy="432048"/>
+          </a:xfrm>
+          <a:prstGeom prst="rect">
+            <a:avLst/>
+          </a:prstGeom>
+        </p:spPr>
+        <p:style>
+          <a:lnRef idx="2">
+            <a:schemeClr val="accent1">
+              <a:shade val="50000"/>
+            </a:schemeClr>
+          </a:lnRef>
+          <a:fillRef idx="1">
+            <a:schemeClr val="accent1"/>
+          </a:fillRef>
+          <a:effectRef idx="0">
+            <a:schemeClr val="accent1"/>
+          </a:effectRef>
+          <a:fontRef idx="minor">
+            <a:schemeClr val="lt1"/>
+          </a:fontRef>
+        </p:style>
+        <p:txBody>
+          <a:bodyPr rtlCol="0" anchor="ctr"/>
+          <a:lstStyle/>
+          <a:p>
+            <a:pPr algn="ctr"/>
+            <a:r>
+              <a:rPr lang="en-US" altLang="zh-CN" dirty="0" smtClean="0"/>
+              <a:t>1</a:t>
+            </a:r>
+            <a:endParaRPr lang="zh-CN" altLang="en-US" dirty="0"/>
+          </a:p>
+        </p:txBody>
+      </p:sp>
+      <p:sp>
+        <p:nvSpPr>
+          <p:cNvPr id="5" name="矩形 4"/>
+          <p:cNvSpPr/>
+          <p:nvPr/>
+        </p:nvSpPr>
+        <p:spPr>
+          <a:xfrm>
+            <a:off x="2483768" y="2996952"/>
+            <a:ext cx="1296144" cy="432048"/>
+          </a:xfrm>
+          <a:prstGeom prst="rect">
+            <a:avLst/>
+          </a:prstGeom>
+        </p:spPr>
+        <p:style>
+          <a:lnRef idx="2">
+            <a:schemeClr val="accent1">
+              <a:shade val="50000"/>
+            </a:schemeClr>
+          </a:lnRef>
+          <a:fillRef idx="1">
+            <a:schemeClr val="accent1"/>
+          </a:fillRef>
+          <a:effectRef idx="0">
+            <a:schemeClr val="accent1"/>
+          </a:effectRef>
+          <a:fontRef idx="minor">
+            <a:schemeClr val="lt1"/>
+          </a:fontRef>
+        </p:style>
+        <p:txBody>
+          <a:bodyPr rtlCol="0" anchor="ctr"/>
+          <a:lstStyle/>
+          <a:p>
+            <a:pPr algn="ctr"/>
+            <a:r>
+              <a:rPr lang="en-US" altLang="zh-CN" dirty="0" smtClean="0"/>
+              <a:t>2</a:t>
+            </a:r>
+            <a:endParaRPr lang="zh-CN" altLang="en-US" dirty="0"/>
+          </a:p>
+        </p:txBody>
+      </p:sp>
+      <p:sp>
+        <p:nvSpPr>
+          <p:cNvPr id="6" name="矩形 5"/>
+          <p:cNvSpPr/>
+          <p:nvPr/>
+        </p:nvSpPr>
+        <p:spPr>
+          <a:xfrm>
+            <a:off x="2483768" y="3429000"/>
+            <a:ext cx="1296144" cy="432048"/>
+          </a:xfrm>
+          <a:prstGeom prst="rect">
+            <a:avLst/>
+          </a:prstGeom>
+        </p:spPr>
+        <p:style>
+          <a:lnRef idx="2">
+            <a:schemeClr val="accent1">
+              <a:shade val="50000"/>
+            </a:schemeClr>
+          </a:lnRef>
+          <a:fillRef idx="1">
+            <a:schemeClr val="accent1"/>
+          </a:fillRef>
+          <a:effectRef idx="0">
+            <a:schemeClr val="accent1"/>
+          </a:effectRef>
+          <a:fontRef idx="minor">
+            <a:schemeClr val="lt1"/>
+          </a:fontRef>
+        </p:style>
+        <p:txBody>
+          <a:bodyPr rtlCol="0" anchor="ctr"/>
+          <a:lstStyle/>
+          <a:p>
+            <a:pPr algn="ctr"/>
+            <a:r>
+              <a:rPr lang="en-US" altLang="zh-CN" dirty="0" smtClean="0"/>
+              <a:t>3</a:t>
+            </a:r>
+            <a:endParaRPr lang="zh-CN" altLang="en-US" dirty="0"/>
+          </a:p>
+        </p:txBody>
+      </p:sp>
+      <p:sp>
+        <p:nvSpPr>
+          <p:cNvPr id="7" name="矩形 6"/>
+          <p:cNvSpPr/>
+          <p:nvPr/>
+        </p:nvSpPr>
+        <p:spPr>
+          <a:xfrm>
+            <a:off x="2483768" y="3861048"/>
+            <a:ext cx="1296144" cy="432048"/>
+          </a:xfrm>
+          <a:prstGeom prst="rect">
+            <a:avLst/>
+          </a:prstGeom>
+        </p:spPr>
+        <p:style>
+          <a:lnRef idx="2">
+            <a:schemeClr val="accent1">
+              <a:shade val="50000"/>
+            </a:schemeClr>
+          </a:lnRef>
+          <a:fillRef idx="1">
+            <a:schemeClr val="accent1"/>
+          </a:fillRef>
+          <a:effectRef idx="0">
+            <a:schemeClr val="accent1"/>
+          </a:effectRef>
+          <a:fontRef idx="minor">
+            <a:schemeClr val="lt1"/>
+          </a:fontRef>
+        </p:style>
+        <p:txBody>
+          <a:bodyPr rtlCol="0" anchor="ctr"/>
+          <a:lstStyle/>
+          <a:p>
+            <a:pPr algn="ctr"/>
+            <a:r>
+              <a:rPr lang="en-US" altLang="zh-CN" dirty="0" smtClean="0"/>
+              <a:t>4</a:t>
+            </a:r>
+            <a:endParaRPr lang="zh-CN" altLang="en-US" dirty="0"/>
+          </a:p>
+        </p:txBody>
+      </p:sp>
+      <p:cxnSp>
+        <p:nvCxnSpPr>
+          <p:cNvPr id="9" name="直接箭头连接符 8"/>
+          <p:cNvCxnSpPr>
+            <a:stCxn id="3" idx="3"/>
+          </p:cNvCxnSpPr>
+          <p:nvPr/>
+        </p:nvCxnSpPr>
+        <p:spPr>
+          <a:xfrm>
+            <a:off x="3779912" y="2348880"/>
+            <a:ext cx="576064" cy="0"/>
+          </a:xfrm>
+          <a:prstGeom prst="straightConnector1">
+            <a:avLst/>
+          </a:prstGeom>
+          <a:ln>
+            <a:solidFill>
+              <a:schemeClr val="tx1"/>
+            </a:solidFill>
+            <a:tailEnd type="arrow"/>
+          </a:ln>
+        </p:spPr>
+        <p:style>
+          <a:lnRef idx="1">
+            <a:schemeClr val="accent1"/>
+          </a:lnRef>
+          <a:fillRef idx="0">
+            <a:schemeClr val="accent1"/>
+          </a:fillRef>
+          <a:effectRef idx="0">
+            <a:schemeClr val="accent1"/>
+          </a:effectRef>
+          <a:fontRef idx="minor">
+            <a:schemeClr val="tx1"/>
+          </a:fontRef>
+        </p:style>
+      </p:cxnSp>
+      <p:sp>
+        <p:nvSpPr>
+          <p:cNvPr id="11" name="矩形 10"/>
+          <p:cNvSpPr/>
+          <p:nvPr/>
+        </p:nvSpPr>
+        <p:spPr>
+          <a:xfrm>
+            <a:off x="4355976" y="2132856"/>
+            <a:ext cx="576064" cy="432048"/>
+          </a:xfrm>
+          <a:prstGeom prst="rect">
+            <a:avLst/>
+          </a:prstGeom>
+        </p:spPr>
+        <p:style>
+          <a:lnRef idx="2">
+            <a:schemeClr val="accent1">
+              <a:shade val="50000"/>
+            </a:schemeClr>
+          </a:lnRef>
+          <a:fillRef idx="1">
+            <a:schemeClr val="accent1"/>
+          </a:fillRef>
+          <a:effectRef idx="0">
+            <a:schemeClr val="accent1"/>
+          </a:effectRef>
+          <a:fontRef idx="minor">
+            <a:schemeClr val="lt1"/>
+          </a:fontRef>
+        </p:style>
+        <p:txBody>
+          <a:bodyPr rtlCol="0" anchor="ctr"/>
+          <a:lstStyle/>
+          <a:p>
+            <a:pPr algn="ctr"/>
+            <a:endParaRPr lang="zh-CN" altLang="en-US"/>
+          </a:p>
+        </p:txBody>
+      </p:sp>
+      <p:cxnSp>
+        <p:nvCxnSpPr>
+          <p:cNvPr id="13" name="直接箭头连接符 12"/>
+          <p:cNvCxnSpPr>
+            <a:stCxn id="4" idx="3"/>
+          </p:cNvCxnSpPr>
+          <p:nvPr/>
+        </p:nvCxnSpPr>
+        <p:spPr>
+          <a:xfrm>
+            <a:off x="3779912" y="2780928"/>
+            <a:ext cx="576064" cy="0"/>
+          </a:xfrm>
+          <a:prstGeom prst="straightConnector1">
+            <a:avLst/>
+          </a:prstGeom>
+          <a:ln>
+            <a:solidFill>
+              <a:schemeClr val="tx1"/>
+            </a:solidFill>
+            <a:tailEnd type="arrow"/>
+          </a:ln>
+        </p:spPr>
+        <p:style>
+          <a:lnRef idx="1">
+            <a:schemeClr val="accent1"/>
+          </a:lnRef>
+          <a:fillRef idx="0">
+            <a:schemeClr val="accent1"/>
+          </a:fillRef>
+          <a:effectRef idx="0">
+            <a:schemeClr val="accent1"/>
+          </a:effectRef>
+          <a:fontRef idx="minor">
+            <a:schemeClr val="tx1"/>
+          </a:fontRef>
+        </p:style>
+      </p:cxnSp>
+      <p:cxnSp>
+        <p:nvCxnSpPr>
+          <p:cNvPr id="15" name="直接箭头连接符 14"/>
+          <p:cNvCxnSpPr>
+            <a:stCxn id="5" idx="3"/>
+          </p:cNvCxnSpPr>
+          <p:nvPr/>
+        </p:nvCxnSpPr>
+        <p:spPr>
+          <a:xfrm>
+            <a:off x="3779912" y="3212976"/>
+            <a:ext cx="576064" cy="0"/>
+          </a:xfrm>
+          <a:prstGeom prst="straightConnector1">
+            <a:avLst/>
+          </a:prstGeom>
+          <a:ln>
+            <a:solidFill>
+              <a:schemeClr val="tx1"/>
+            </a:solidFill>
+            <a:tailEnd type="arrow"/>
+          </a:ln>
+        </p:spPr>
+        <p:style>
+          <a:lnRef idx="1">
+            <a:schemeClr val="accent1"/>
+          </a:lnRef>
+          <a:fillRef idx="0">
+            <a:schemeClr val="accent1"/>
+          </a:fillRef>
+          <a:effectRef idx="0">
+            <a:schemeClr val="accent1"/>
+          </a:effectRef>
+          <a:fontRef idx="minor">
+            <a:schemeClr val="tx1"/>
+          </a:fontRef>
+        </p:style>
+      </p:cxnSp>
+      <p:sp>
+        <p:nvSpPr>
+          <p:cNvPr id="16" name="矩形 15"/>
+          <p:cNvSpPr/>
+          <p:nvPr/>
+        </p:nvSpPr>
+        <p:spPr>
+          <a:xfrm>
+            <a:off x="5538869" y="2996952"/>
+            <a:ext cx="576064" cy="432048"/>
+          </a:xfrm>
+          <a:prstGeom prst="rect">
+            <a:avLst/>
+          </a:prstGeom>
+        </p:spPr>
+        <p:style>
+          <a:lnRef idx="2">
+            <a:schemeClr val="accent1">
+              <a:shade val="50000"/>
+            </a:schemeClr>
+          </a:lnRef>
+          <a:fillRef idx="1">
+            <a:schemeClr val="accent1"/>
+          </a:fillRef>
+          <a:effectRef idx="0">
+            <a:schemeClr val="accent1"/>
+          </a:effectRef>
+          <a:fontRef idx="minor">
+            <a:schemeClr val="lt1"/>
+          </a:fontRef>
+        </p:style>
+        <p:txBody>
+          <a:bodyPr rtlCol="0" anchor="ctr"/>
+          <a:lstStyle/>
+          <a:p>
+            <a:pPr algn="ctr"/>
+            <a:endParaRPr lang="zh-CN" altLang="en-US"/>
+          </a:p>
+        </p:txBody>
+      </p:sp>
+      <p:sp>
+        <p:nvSpPr>
+          <p:cNvPr id="17" name="矩形 16"/>
+          <p:cNvSpPr/>
+          <p:nvPr/>
+        </p:nvSpPr>
+        <p:spPr>
+          <a:xfrm>
+            <a:off x="4378221" y="2996952"/>
+            <a:ext cx="576064" cy="432048"/>
+          </a:xfrm>
+          <a:prstGeom prst="rect">
+            <a:avLst/>
+          </a:prstGeom>
+        </p:spPr>
+        <p:style>
+          <a:lnRef idx="2">
+            <a:schemeClr val="accent1">
+              <a:shade val="50000"/>
+            </a:schemeClr>
+          </a:lnRef>
+          <a:fillRef idx="1">
+            <a:schemeClr val="accent1"/>
+          </a:fillRef>
+          <a:effectRef idx="0">
+            <a:schemeClr val="accent1"/>
+          </a:effectRef>
+          <a:fontRef idx="minor">
+            <a:schemeClr val="lt1"/>
+          </a:fontRef>
+        </p:style>
+        <p:txBody>
+          <a:bodyPr rtlCol="0" anchor="ctr"/>
+          <a:lstStyle/>
+          <a:p>
+            <a:pPr algn="ctr"/>
+            <a:endParaRPr lang="zh-CN" altLang="en-US"/>
+          </a:p>
+        </p:txBody>
+      </p:sp>
+      <p:cxnSp>
+        <p:nvCxnSpPr>
+          <p:cNvPr id="18" name="直接箭头连接符 17"/>
+          <p:cNvCxnSpPr/>
+          <p:nvPr/>
+        </p:nvCxnSpPr>
+        <p:spPr>
+          <a:xfrm>
+            <a:off x="4954285" y="3228662"/>
+            <a:ext cx="576064" cy="0"/>
+          </a:xfrm>
+          <a:prstGeom prst="straightConnector1">
+            <a:avLst/>
+          </a:prstGeom>
+          <a:ln>
+            <a:solidFill>
+              <a:schemeClr val="tx1"/>
+            </a:solidFill>
+            <a:tailEnd type="arrow"/>
+          </a:ln>
+        </p:spPr>
+        <p:style>
+          <a:lnRef idx="1">
+            <a:schemeClr val="accent1"/>
+          </a:lnRef>
+          <a:fillRef idx="0">
+            <a:schemeClr val="accent1"/>
+          </a:fillRef>
+          <a:effectRef idx="0">
+            <a:schemeClr val="accent1"/>
+          </a:effectRef>
+          <a:fontRef idx="minor">
+            <a:schemeClr val="tx1"/>
+          </a:fontRef>
+        </p:style>
+      </p:cxnSp>
+      <p:sp>
+        <p:nvSpPr>
+          <p:cNvPr id="19" name="圆角矩形 18"/>
+          <p:cNvSpPr/>
+          <p:nvPr/>
+        </p:nvSpPr>
+        <p:spPr>
+          <a:xfrm>
+            <a:off x="6444208" y="2996952"/>
+            <a:ext cx="2088232" cy="1008112"/>
+          </a:xfrm>
+          <a:prstGeom prst="roundRect">
+            <a:avLst/>
+          </a:prstGeom>
+        </p:spPr>
+        <p:style>
+          <a:lnRef idx="2">
+            <a:schemeClr val="accent1">
+              <a:shade val="50000"/>
+            </a:schemeClr>
+          </a:lnRef>
+          <a:fillRef idx="1">
+            <a:schemeClr val="accent1"/>
+          </a:fillRef>
+          <a:effectRef idx="0">
+            <a:schemeClr val="accent1"/>
+          </a:effectRef>
+          <a:fontRef idx="minor">
+            <a:schemeClr val="lt1"/>
+          </a:fontRef>
+        </p:style>
+        <p:txBody>
+          <a:bodyPr rtlCol="0" anchor="ctr"/>
+          <a:lstStyle/>
+          <a:p>
+            <a:pPr algn="ctr"/>
+            <a:r>
+              <a:rPr lang="zh-CN" altLang="en-US" dirty="0" smtClean="0"/>
+              <a:t>重复元</a:t>
+            </a:r>
+            <a:endParaRPr lang="en-US" altLang="zh-CN" dirty="0" smtClean="0"/>
+          </a:p>
+          <a:p>
+            <a:pPr algn="ctr"/>
+            <a:r>
+              <a:rPr lang="zh-CN" altLang="en-US" dirty="0" smtClean="0"/>
+              <a:t>冲突解决 </a:t>
+            </a:r>
+            <a:r>
+              <a:rPr lang="en-US" altLang="zh-CN" dirty="0" smtClean="0"/>
+              <a:t>add</a:t>
+            </a:r>
+            <a:endParaRPr lang="zh-CN" altLang="en-US" dirty="0"/>
+          </a:p>
+        </p:txBody>
+      </p:sp>
+    </p:spTree>
+    <p:extLst>
+      <p:ext uri="{BB962C8B-B14F-4D97-AF65-F5344CB8AC3E}">
+        <p14:creationId xmlns:p14="http://schemas.microsoft.com/office/powerpoint/2010/main" val="1631195873"/>
+      </p:ext>
+    </p:extLst>
+  </p:cSld>
+  <p:clrMapOvr>
+    <a:masterClrMapping/>
+  </p:clrMapOvr>
+</p:sld>
+</file>
+
+<file path=ppt/slides/slide20.xml><?xml version="1.0" encoding="utf-8"?>
+<p:sld xmlns:a="http://schemas.openxmlformats.org/drawingml/2006/main" xmlns:r="http://schemas.openxmlformats.org/officeDocument/2006/relationships" xmlns:p="http://schemas.openxmlformats.org/presentationml/2006/main">
+  <p:cSld>
+    <p:spTree>
+      <p:nvGrpSpPr>
+        <p:cNvPr id="1" name=""/>
+        <p:cNvGrpSpPr/>
+        <p:nvPr/>
+      </p:nvGrpSpPr>
+      <p:grpSpPr>
+        <a:xfrm>
+          <a:off x="0" y="0"/>
+          <a:ext cx="0" cy="0"/>
+          <a:chOff x="0" y="0"/>
+          <a:chExt cx="0" cy="0"/>
+        </a:xfrm>
+      </p:grpSpPr>
+      <p:sp>
+        <p:nvSpPr>
+          <p:cNvPr id="2" name="圆角矩形 1"/>
+          <p:cNvSpPr/>
+          <p:nvPr/>
+        </p:nvSpPr>
+        <p:spPr>
+          <a:xfrm>
+            <a:off x="251520" y="240161"/>
+            <a:ext cx="1224136" cy="432048"/>
+          </a:xfrm>
+          <a:prstGeom prst="roundRect">
+            <a:avLst/>
+          </a:prstGeom>
+        </p:spPr>
+        <p:style>
+          <a:lnRef idx="2">
+            <a:schemeClr val="accent1">
+              <a:shade val="50000"/>
+            </a:schemeClr>
+          </a:lnRef>
+          <a:fillRef idx="1">
+            <a:schemeClr val="accent1"/>
+          </a:fillRef>
+          <a:effectRef idx="0">
+            <a:schemeClr val="accent1"/>
+          </a:effectRef>
+          <a:fontRef idx="minor">
+            <a:schemeClr val="lt1"/>
+          </a:fontRef>
+        </p:style>
+        <p:txBody>
+          <a:bodyPr rtlCol="0" anchor="ctr"/>
+          <a:lstStyle/>
+          <a:p>
+            <a:pPr algn="ctr"/>
+            <a:r>
+              <a:rPr lang="en-US" altLang="zh-CN" dirty="0" smtClean="0"/>
+              <a:t>5.1</a:t>
+            </a:r>
+            <a:endParaRPr lang="zh-CN" altLang="en-US" dirty="0"/>
+          </a:p>
+        </p:txBody>
+      </p:sp>
+      <p:sp>
+        <p:nvSpPr>
+          <p:cNvPr id="3" name="矩形 2"/>
+          <p:cNvSpPr/>
+          <p:nvPr/>
+        </p:nvSpPr>
+        <p:spPr>
+          <a:xfrm>
+            <a:off x="3671900" y="188640"/>
+            <a:ext cx="720080" cy="432048"/>
+          </a:xfrm>
+          <a:prstGeom prst="rect">
+            <a:avLst/>
+          </a:prstGeom>
+        </p:spPr>
+        <p:style>
+          <a:lnRef idx="2">
+            <a:schemeClr val="accent1">
+              <a:shade val="50000"/>
+            </a:schemeClr>
+          </a:lnRef>
+          <a:fillRef idx="1">
+            <a:schemeClr val="accent1"/>
+          </a:fillRef>
+          <a:effectRef idx="0">
+            <a:schemeClr val="accent1"/>
+          </a:effectRef>
+          <a:fontRef idx="minor">
+            <a:schemeClr val="lt1"/>
+          </a:fontRef>
+        </p:style>
+        <p:txBody>
+          <a:bodyPr rtlCol="0" anchor="ctr"/>
+          <a:lstStyle/>
+          <a:p>
+            <a:pPr algn="ctr"/>
+            <a:r>
+              <a:rPr lang="en-US" altLang="zh-CN" dirty="0" smtClean="0"/>
+              <a:t>71</a:t>
+            </a:r>
+            <a:endParaRPr lang="zh-CN" altLang="en-US" dirty="0"/>
+          </a:p>
+        </p:txBody>
+      </p:sp>
+      <p:sp>
+        <p:nvSpPr>
+          <p:cNvPr id="5" name="矩形 4"/>
+          <p:cNvSpPr/>
+          <p:nvPr/>
+        </p:nvSpPr>
+        <p:spPr>
+          <a:xfrm>
+            <a:off x="7992380" y="188640"/>
+            <a:ext cx="720080" cy="432048"/>
+          </a:xfrm>
+          <a:prstGeom prst="rect">
+            <a:avLst/>
+          </a:prstGeom>
+        </p:spPr>
+        <p:style>
+          <a:lnRef idx="2">
+            <a:schemeClr val="accent1">
+              <a:shade val="50000"/>
+            </a:schemeClr>
+          </a:lnRef>
+          <a:fillRef idx="1">
+            <a:schemeClr val="accent1"/>
+          </a:fillRef>
+          <a:effectRef idx="0">
+            <a:schemeClr val="accent1"/>
+          </a:effectRef>
+          <a:fontRef idx="minor">
+            <a:schemeClr val="lt1"/>
+          </a:fontRef>
+        </p:style>
+        <p:txBody>
+          <a:bodyPr rtlCol="0" anchor="ctr"/>
+          <a:lstStyle/>
+          <a:p>
+            <a:pPr algn="ctr"/>
+            <a:r>
+              <a:rPr lang="en-US" altLang="zh-CN" dirty="0" smtClean="0"/>
+              <a:t>89</a:t>
+            </a:r>
+            <a:endParaRPr lang="zh-CN" altLang="en-US" dirty="0"/>
+          </a:p>
+        </p:txBody>
+      </p:sp>
+      <p:sp>
+        <p:nvSpPr>
+          <p:cNvPr id="6" name="矩形 5"/>
+          <p:cNvSpPr/>
+          <p:nvPr/>
+        </p:nvSpPr>
+        <p:spPr>
+          <a:xfrm>
+            <a:off x="7272300" y="188640"/>
+            <a:ext cx="720080" cy="432048"/>
+          </a:xfrm>
+          <a:prstGeom prst="rect">
+            <a:avLst/>
+          </a:prstGeom>
+        </p:spPr>
+        <p:style>
+          <a:lnRef idx="2">
+            <a:schemeClr val="accent1">
+              <a:shade val="50000"/>
+            </a:schemeClr>
+          </a:lnRef>
+          <a:fillRef idx="1">
+            <a:schemeClr val="accent1"/>
+          </a:fillRef>
+          <a:effectRef idx="0">
+            <a:schemeClr val="accent1"/>
+          </a:effectRef>
+          <a:fontRef idx="minor">
+            <a:schemeClr val="lt1"/>
+          </a:fontRef>
+        </p:style>
+        <p:txBody>
+          <a:bodyPr rtlCol="0" anchor="ctr"/>
+          <a:lstStyle/>
+          <a:p>
+            <a:pPr algn="ctr"/>
+            <a:r>
+              <a:rPr lang="en-US" altLang="zh-CN" dirty="0" smtClean="0"/>
+              <a:t>79</a:t>
+            </a:r>
+            <a:endParaRPr lang="zh-CN" altLang="en-US" dirty="0"/>
+          </a:p>
+        </p:txBody>
+      </p:sp>
+      <p:sp>
+        <p:nvSpPr>
+          <p:cNvPr id="7" name="矩形 6"/>
+          <p:cNvSpPr/>
+          <p:nvPr/>
+        </p:nvSpPr>
+        <p:spPr>
+          <a:xfrm>
+            <a:off x="6552220" y="188640"/>
+            <a:ext cx="720080" cy="432048"/>
+          </a:xfrm>
+          <a:prstGeom prst="rect">
+            <a:avLst/>
+          </a:prstGeom>
+        </p:spPr>
+        <p:style>
+          <a:lnRef idx="2">
+            <a:schemeClr val="accent1">
+              <a:shade val="50000"/>
+            </a:schemeClr>
+          </a:lnRef>
+          <a:fillRef idx="1">
+            <a:schemeClr val="accent1"/>
+          </a:fillRef>
+          <a:effectRef idx="0">
+            <a:schemeClr val="accent1"/>
+          </a:effectRef>
+          <a:fontRef idx="minor">
+            <a:schemeClr val="lt1"/>
+          </a:fontRef>
+        </p:style>
+        <p:txBody>
+          <a:bodyPr rtlCol="0" anchor="ctr"/>
+          <a:lstStyle/>
+          <a:p>
+            <a:pPr algn="ctr"/>
+            <a:r>
+              <a:rPr lang="en-US" altLang="zh-CN" dirty="0" smtClean="0"/>
+              <a:t>44</a:t>
+            </a:r>
+            <a:endParaRPr lang="zh-CN" altLang="en-US" dirty="0"/>
+          </a:p>
+        </p:txBody>
+      </p:sp>
+      <p:sp>
+        <p:nvSpPr>
+          <p:cNvPr id="8" name="矩形 7"/>
+          <p:cNvSpPr/>
+          <p:nvPr/>
+        </p:nvSpPr>
+        <p:spPr>
+          <a:xfrm>
+            <a:off x="5832140" y="188640"/>
+            <a:ext cx="720080" cy="432048"/>
+          </a:xfrm>
+          <a:prstGeom prst="rect">
+            <a:avLst/>
+          </a:prstGeom>
+        </p:spPr>
+        <p:style>
+          <a:lnRef idx="2">
+            <a:schemeClr val="accent1">
+              <a:shade val="50000"/>
+            </a:schemeClr>
+          </a:lnRef>
+          <a:fillRef idx="1">
+            <a:schemeClr val="accent1"/>
+          </a:fillRef>
+          <a:effectRef idx="0">
+            <a:schemeClr val="accent1"/>
+          </a:effectRef>
+          <a:fontRef idx="minor">
+            <a:schemeClr val="lt1"/>
+          </a:fontRef>
+        </p:style>
+        <p:txBody>
+          <a:bodyPr rtlCol="0" anchor="ctr"/>
+          <a:lstStyle/>
+          <a:p>
+            <a:pPr algn="ctr"/>
+            <a:r>
+              <a:rPr lang="en-US" altLang="zh-CN" dirty="0" smtClean="0"/>
+              <a:t>99</a:t>
+            </a:r>
+            <a:endParaRPr lang="zh-CN" altLang="en-US" dirty="0"/>
+          </a:p>
+        </p:txBody>
+      </p:sp>
+      <p:sp>
+        <p:nvSpPr>
+          <p:cNvPr id="9" name="矩形 8"/>
+          <p:cNvSpPr/>
+          <p:nvPr/>
+        </p:nvSpPr>
+        <p:spPr>
+          <a:xfrm>
+            <a:off x="5112060" y="188640"/>
+            <a:ext cx="720080" cy="432048"/>
+          </a:xfrm>
+          <a:prstGeom prst="rect">
+            <a:avLst/>
+          </a:prstGeom>
+        </p:spPr>
+        <p:style>
+          <a:lnRef idx="2">
+            <a:schemeClr val="accent1">
+              <a:shade val="50000"/>
+            </a:schemeClr>
+          </a:lnRef>
+          <a:fillRef idx="1">
+            <a:schemeClr val="accent1"/>
+          </a:fillRef>
+          <a:effectRef idx="0">
+            <a:schemeClr val="accent1"/>
+          </a:effectRef>
+          <a:fontRef idx="minor">
+            <a:schemeClr val="lt1"/>
+          </a:fontRef>
+        </p:style>
+        <p:txBody>
+          <a:bodyPr rtlCol="0" anchor="ctr"/>
+          <a:lstStyle/>
+          <a:p>
+            <a:pPr algn="ctr"/>
+            <a:r>
+              <a:rPr lang="en-US" altLang="zh-CN" dirty="0" smtClean="0"/>
+              <a:t>73</a:t>
+            </a:r>
+            <a:endParaRPr lang="zh-CN" altLang="en-US" dirty="0"/>
+          </a:p>
+        </p:txBody>
+      </p:sp>
+      <p:sp>
+        <p:nvSpPr>
+          <p:cNvPr id="10" name="矩形 9"/>
+          <p:cNvSpPr/>
+          <p:nvPr/>
+        </p:nvSpPr>
+        <p:spPr>
+          <a:xfrm>
+            <a:off x="4391980" y="188640"/>
+            <a:ext cx="720080" cy="432048"/>
+          </a:xfrm>
+          <a:prstGeom prst="rect">
+            <a:avLst/>
+          </a:prstGeom>
+        </p:spPr>
+        <p:style>
+          <a:lnRef idx="2">
+            <a:schemeClr val="accent1">
+              <a:shade val="50000"/>
+            </a:schemeClr>
+          </a:lnRef>
+          <a:fillRef idx="1">
+            <a:schemeClr val="accent1"/>
+          </a:fillRef>
+          <a:effectRef idx="0">
+            <a:schemeClr val="accent1"/>
+          </a:effectRef>
+          <a:fontRef idx="minor">
+            <a:schemeClr val="lt1"/>
+          </a:fontRef>
+        </p:style>
+        <p:txBody>
+          <a:bodyPr rtlCol="0" anchor="ctr"/>
+          <a:lstStyle/>
+          <a:p>
+            <a:pPr algn="ctr"/>
+            <a:r>
+              <a:rPr lang="en-US" altLang="zh-CN" dirty="0" smtClean="0"/>
+              <a:t>23</a:t>
+            </a:r>
+            <a:endParaRPr lang="zh-CN" altLang="en-US" dirty="0"/>
+          </a:p>
+        </p:txBody>
+      </p:sp>
+      <p:sp>
+        <p:nvSpPr>
+          <p:cNvPr id="11" name="圆角矩形 10"/>
+          <p:cNvSpPr/>
+          <p:nvPr/>
+        </p:nvSpPr>
+        <p:spPr>
+          <a:xfrm>
+            <a:off x="2411760" y="188640"/>
+            <a:ext cx="1260140" cy="432048"/>
+          </a:xfrm>
+          <a:prstGeom prst="roundRect">
+            <a:avLst/>
+          </a:prstGeom>
+        </p:spPr>
+        <p:style>
+          <a:lnRef idx="2">
+            <a:schemeClr val="accent1">
+              <a:shade val="50000"/>
+            </a:schemeClr>
+          </a:lnRef>
+          <a:fillRef idx="1">
+            <a:schemeClr val="accent1"/>
+          </a:fillRef>
+          <a:effectRef idx="0">
+            <a:schemeClr val="accent1"/>
+          </a:effectRef>
+          <a:fontRef idx="minor">
+            <a:schemeClr val="lt1"/>
+          </a:fontRef>
+        </p:style>
+        <p:txBody>
+          <a:bodyPr rtlCol="0" anchor="ctr"/>
+          <a:lstStyle/>
+          <a:p>
+            <a:pPr algn="ctr"/>
+            <a:r>
+              <a:rPr lang="en-US" altLang="zh-CN" dirty="0" smtClean="0"/>
+              <a:t>insert</a:t>
+            </a:r>
+            <a:endParaRPr lang="zh-CN" altLang="en-US" dirty="0"/>
+          </a:p>
+        </p:txBody>
+      </p:sp>
+      <p:sp>
+        <p:nvSpPr>
+          <p:cNvPr id="12" name="矩形 11"/>
+          <p:cNvSpPr/>
+          <p:nvPr/>
+        </p:nvSpPr>
+        <p:spPr>
+          <a:xfrm>
+            <a:off x="1007604" y="1556792"/>
+            <a:ext cx="3240360" cy="452535"/>
+          </a:xfrm>
+          <a:prstGeom prst="rect">
+            <a:avLst/>
+          </a:prstGeom>
+        </p:spPr>
+        <p:style>
+          <a:lnRef idx="2">
+            <a:schemeClr val="accent1">
+              <a:shade val="50000"/>
+            </a:schemeClr>
+          </a:lnRef>
+          <a:fillRef idx="1">
+            <a:schemeClr val="accent1"/>
+          </a:fillRef>
+          <a:effectRef idx="0">
+            <a:schemeClr val="accent1"/>
+          </a:effectRef>
+          <a:fontRef idx="minor">
+            <a:schemeClr val="lt1"/>
+          </a:fontRef>
+        </p:style>
+        <p:txBody>
+          <a:bodyPr rtlCol="0" anchor="ctr"/>
+          <a:lstStyle/>
+          <a:p>
+            <a:pPr algn="ctr"/>
+            <a:r>
+              <a:rPr lang="en-US" altLang="zh-CN" dirty="0" smtClean="0"/>
+              <a:t>hash(x) = x (mod 10);</a:t>
+            </a:r>
+            <a:endParaRPr lang="zh-CN" altLang="en-US" dirty="0"/>
+          </a:p>
+        </p:txBody>
+      </p:sp>
+      <p:sp>
+        <p:nvSpPr>
+          <p:cNvPr id="13" name="圆角矩形 12"/>
+          <p:cNvSpPr/>
+          <p:nvPr/>
+        </p:nvSpPr>
+        <p:spPr>
+          <a:xfrm>
+            <a:off x="95942" y="799592"/>
+            <a:ext cx="2484276" cy="432048"/>
+          </a:xfrm>
+          <a:prstGeom prst="roundRect">
+            <a:avLst/>
+          </a:prstGeom>
+        </p:spPr>
+        <p:style>
+          <a:lnRef idx="2">
+            <a:schemeClr val="accent1">
+              <a:shade val="50000"/>
+            </a:schemeClr>
+          </a:lnRef>
+          <a:fillRef idx="1">
+            <a:schemeClr val="accent1"/>
+          </a:fillRef>
+          <a:effectRef idx="0">
+            <a:schemeClr val="accent1"/>
+          </a:effectRef>
+          <a:fontRef idx="minor">
+            <a:schemeClr val="lt1"/>
+          </a:fontRef>
+        </p:style>
+        <p:txBody>
+          <a:bodyPr rtlCol="0" anchor="ctr"/>
+          <a:lstStyle/>
+          <a:p>
+            <a:pPr algn="ctr"/>
+            <a:r>
+              <a:rPr lang="zh-CN" altLang="en-US" dirty="0" smtClean="0"/>
+              <a:t>多散列表</a:t>
+            </a:r>
+            <a:endParaRPr lang="zh-CN" altLang="en-US" dirty="0"/>
+          </a:p>
+        </p:txBody>
+      </p:sp>
+      <p:sp>
+        <p:nvSpPr>
+          <p:cNvPr id="14" name="矩形 13"/>
+          <p:cNvSpPr/>
+          <p:nvPr/>
+        </p:nvSpPr>
+        <p:spPr>
+          <a:xfrm>
+            <a:off x="1907704" y="2492896"/>
+            <a:ext cx="576064" cy="360040"/>
+          </a:xfrm>
+          <a:prstGeom prst="rect">
+            <a:avLst/>
+          </a:prstGeom>
+        </p:spPr>
+        <p:style>
+          <a:lnRef idx="2">
+            <a:schemeClr val="accent1">
+              <a:shade val="50000"/>
+            </a:schemeClr>
+          </a:lnRef>
+          <a:fillRef idx="1">
+            <a:schemeClr val="accent1"/>
+          </a:fillRef>
+          <a:effectRef idx="0">
+            <a:schemeClr val="accent1"/>
+          </a:effectRef>
+          <a:fontRef idx="minor">
+            <a:schemeClr val="lt1"/>
+          </a:fontRef>
+        </p:style>
+        <p:txBody>
+          <a:bodyPr rtlCol="0" anchor="ctr"/>
+          <a:lstStyle/>
+          <a:p>
+            <a:pPr algn="ctr"/>
+            <a:r>
+              <a:rPr lang="en-US" altLang="zh-CN" dirty="0" smtClean="0"/>
+              <a:t>0</a:t>
+            </a:r>
+            <a:endParaRPr lang="zh-CN" altLang="en-US" dirty="0"/>
+          </a:p>
+        </p:txBody>
+      </p:sp>
+      <p:sp>
+        <p:nvSpPr>
+          <p:cNvPr id="15" name="矩形 14"/>
+          <p:cNvSpPr/>
+          <p:nvPr/>
+        </p:nvSpPr>
+        <p:spPr>
+          <a:xfrm>
+            <a:off x="1907704" y="2852936"/>
+            <a:ext cx="576064" cy="360040"/>
+          </a:xfrm>
+          <a:prstGeom prst="rect">
+            <a:avLst/>
+          </a:prstGeom>
+        </p:spPr>
+        <p:style>
+          <a:lnRef idx="2">
+            <a:schemeClr val="accent1">
+              <a:shade val="50000"/>
+            </a:schemeClr>
+          </a:lnRef>
+          <a:fillRef idx="1">
+            <a:schemeClr val="accent1"/>
+          </a:fillRef>
+          <a:effectRef idx="0">
+            <a:schemeClr val="accent1"/>
+          </a:effectRef>
+          <a:fontRef idx="minor">
+            <a:schemeClr val="lt1"/>
+          </a:fontRef>
+        </p:style>
+        <p:txBody>
+          <a:bodyPr rtlCol="0" anchor="ctr"/>
+          <a:lstStyle/>
+          <a:p>
+            <a:pPr algn="ctr"/>
+            <a:r>
+              <a:rPr lang="en-US" altLang="zh-CN" dirty="0" smtClean="0"/>
+              <a:t>1</a:t>
+            </a:r>
+            <a:endParaRPr lang="zh-CN" altLang="en-US" dirty="0"/>
+          </a:p>
+        </p:txBody>
+      </p:sp>
+      <p:sp>
+        <p:nvSpPr>
+          <p:cNvPr id="16" name="矩形 15"/>
+          <p:cNvSpPr/>
+          <p:nvPr/>
+        </p:nvSpPr>
+        <p:spPr>
+          <a:xfrm>
+            <a:off x="1907704" y="3212976"/>
+            <a:ext cx="576064" cy="360040"/>
+          </a:xfrm>
+          <a:prstGeom prst="rect">
+            <a:avLst/>
+          </a:prstGeom>
+        </p:spPr>
+        <p:style>
+          <a:lnRef idx="2">
+            <a:schemeClr val="accent1">
+              <a:shade val="50000"/>
+            </a:schemeClr>
+          </a:lnRef>
+          <a:fillRef idx="1">
+            <a:schemeClr val="accent1"/>
+          </a:fillRef>
+          <a:effectRef idx="0">
+            <a:schemeClr val="accent1"/>
+          </a:effectRef>
+          <a:fontRef idx="minor">
+            <a:schemeClr val="lt1"/>
+          </a:fontRef>
+        </p:style>
+        <p:txBody>
+          <a:bodyPr rtlCol="0" anchor="ctr"/>
+          <a:lstStyle/>
+          <a:p>
+            <a:pPr algn="ctr"/>
+            <a:r>
+              <a:rPr lang="en-US" altLang="zh-CN" dirty="0" smtClean="0"/>
+              <a:t>2</a:t>
+            </a:r>
+            <a:endParaRPr lang="zh-CN" altLang="en-US" dirty="0"/>
+          </a:p>
+        </p:txBody>
+      </p:sp>
+      <p:sp>
+        <p:nvSpPr>
+          <p:cNvPr id="17" name="矩形 16"/>
+          <p:cNvSpPr/>
+          <p:nvPr/>
+        </p:nvSpPr>
+        <p:spPr>
+          <a:xfrm>
+            <a:off x="1907704" y="3573016"/>
+            <a:ext cx="576064" cy="360040"/>
+          </a:xfrm>
+          <a:prstGeom prst="rect">
+            <a:avLst/>
+          </a:prstGeom>
+        </p:spPr>
+        <p:style>
+          <a:lnRef idx="2">
+            <a:schemeClr val="accent1">
+              <a:shade val="50000"/>
+            </a:schemeClr>
+          </a:lnRef>
+          <a:fillRef idx="1">
+            <a:schemeClr val="accent1"/>
+          </a:fillRef>
+          <a:effectRef idx="0">
+            <a:schemeClr val="accent1"/>
+          </a:effectRef>
+          <a:fontRef idx="minor">
+            <a:schemeClr val="lt1"/>
+          </a:fontRef>
+        </p:style>
+        <p:txBody>
+          <a:bodyPr rtlCol="0" anchor="ctr"/>
+          <a:lstStyle/>
+          <a:p>
+            <a:pPr algn="ctr"/>
+            <a:r>
+              <a:rPr lang="en-US" altLang="zh-CN" dirty="0" smtClean="0"/>
+              <a:t>3</a:t>
+            </a:r>
+            <a:endParaRPr lang="zh-CN" altLang="en-US" dirty="0"/>
+          </a:p>
+        </p:txBody>
+      </p:sp>
+      <p:sp>
+        <p:nvSpPr>
+          <p:cNvPr id="18" name="矩形 17"/>
+          <p:cNvSpPr/>
+          <p:nvPr/>
+        </p:nvSpPr>
+        <p:spPr>
+          <a:xfrm>
+            <a:off x="1907704" y="3933056"/>
+            <a:ext cx="576064" cy="360040"/>
+          </a:xfrm>
+          <a:prstGeom prst="rect">
+            <a:avLst/>
+          </a:prstGeom>
+        </p:spPr>
+        <p:style>
+          <a:lnRef idx="2">
+            <a:schemeClr val="accent1">
+              <a:shade val="50000"/>
+            </a:schemeClr>
+          </a:lnRef>
+          <a:fillRef idx="1">
+            <a:schemeClr val="accent1"/>
+          </a:fillRef>
+          <a:effectRef idx="0">
+            <a:schemeClr val="accent1"/>
+          </a:effectRef>
+          <a:fontRef idx="minor">
+            <a:schemeClr val="lt1"/>
+          </a:fontRef>
+        </p:style>
+        <p:txBody>
+          <a:bodyPr rtlCol="0" anchor="ctr"/>
+          <a:lstStyle/>
+          <a:p>
+            <a:pPr algn="ctr"/>
+            <a:r>
+              <a:rPr lang="en-US" altLang="zh-CN" dirty="0" smtClean="0"/>
+              <a:t>4</a:t>
+            </a:r>
+            <a:endParaRPr lang="zh-CN" altLang="en-US" dirty="0"/>
+          </a:p>
+        </p:txBody>
+      </p:sp>
+      <p:sp>
+        <p:nvSpPr>
+          <p:cNvPr id="19" name="矩形 18"/>
+          <p:cNvSpPr/>
+          <p:nvPr/>
+        </p:nvSpPr>
+        <p:spPr>
+          <a:xfrm>
+            <a:off x="1907704" y="4293096"/>
+            <a:ext cx="576064" cy="360040"/>
+          </a:xfrm>
+          <a:prstGeom prst="rect">
+            <a:avLst/>
+          </a:prstGeom>
+        </p:spPr>
+        <p:style>
+          <a:lnRef idx="2">
+            <a:schemeClr val="accent1">
+              <a:shade val="50000"/>
+            </a:schemeClr>
+          </a:lnRef>
+          <a:fillRef idx="1">
+            <a:schemeClr val="accent1"/>
+          </a:fillRef>
+          <a:effectRef idx="0">
+            <a:schemeClr val="accent1"/>
+          </a:effectRef>
+          <a:fontRef idx="minor">
+            <a:schemeClr val="lt1"/>
+          </a:fontRef>
+        </p:style>
+        <p:txBody>
+          <a:bodyPr rtlCol="0" anchor="ctr"/>
+          <a:lstStyle/>
+          <a:p>
+            <a:pPr algn="ctr"/>
+            <a:r>
+              <a:rPr lang="en-US" altLang="zh-CN" dirty="0" smtClean="0"/>
+              <a:t>5</a:t>
+            </a:r>
+            <a:endParaRPr lang="zh-CN" altLang="en-US" dirty="0"/>
+          </a:p>
+        </p:txBody>
+      </p:sp>
+      <p:sp>
+        <p:nvSpPr>
+          <p:cNvPr id="20" name="矩形 19"/>
+          <p:cNvSpPr/>
+          <p:nvPr/>
+        </p:nvSpPr>
+        <p:spPr>
+          <a:xfrm>
+            <a:off x="1907704" y="4653136"/>
+            <a:ext cx="576064" cy="360040"/>
+          </a:xfrm>
+          <a:prstGeom prst="rect">
+            <a:avLst/>
+          </a:prstGeom>
+        </p:spPr>
+        <p:style>
+          <a:lnRef idx="2">
+            <a:schemeClr val="accent1">
+              <a:shade val="50000"/>
+            </a:schemeClr>
+          </a:lnRef>
+          <a:fillRef idx="1">
+            <a:schemeClr val="accent1"/>
+          </a:fillRef>
+          <a:effectRef idx="0">
+            <a:schemeClr val="accent1"/>
+          </a:effectRef>
+          <a:fontRef idx="minor">
+            <a:schemeClr val="lt1"/>
+          </a:fontRef>
+        </p:style>
+        <p:txBody>
+          <a:bodyPr rtlCol="0" anchor="ctr"/>
+          <a:lstStyle/>
+          <a:p>
+            <a:pPr algn="ctr"/>
+            <a:r>
+              <a:rPr lang="en-US" altLang="zh-CN" dirty="0" smtClean="0"/>
+              <a:t>6</a:t>
+            </a:r>
+            <a:endParaRPr lang="zh-CN" altLang="en-US" dirty="0"/>
+          </a:p>
+        </p:txBody>
+      </p:sp>
+      <p:sp>
+        <p:nvSpPr>
+          <p:cNvPr id="21" name="矩形 20"/>
+          <p:cNvSpPr/>
+          <p:nvPr/>
+        </p:nvSpPr>
+        <p:spPr>
+          <a:xfrm>
+            <a:off x="1907704" y="5013176"/>
+            <a:ext cx="576064" cy="360040"/>
+          </a:xfrm>
+          <a:prstGeom prst="rect">
+            <a:avLst/>
+          </a:prstGeom>
+        </p:spPr>
+        <p:style>
+          <a:lnRef idx="2">
+            <a:schemeClr val="accent1">
+              <a:shade val="50000"/>
+            </a:schemeClr>
+          </a:lnRef>
+          <a:fillRef idx="1">
+            <a:schemeClr val="accent1"/>
+          </a:fillRef>
+          <a:effectRef idx="0">
+            <a:schemeClr val="accent1"/>
+          </a:effectRef>
+          <a:fontRef idx="minor">
+            <a:schemeClr val="lt1"/>
+          </a:fontRef>
+        </p:style>
+        <p:txBody>
+          <a:bodyPr rtlCol="0" anchor="ctr"/>
+          <a:lstStyle/>
+          <a:p>
+            <a:pPr algn="ctr"/>
+            <a:r>
+              <a:rPr lang="en-US" altLang="zh-CN" dirty="0" smtClean="0"/>
+              <a:t>7</a:t>
+            </a:r>
+            <a:endParaRPr lang="zh-CN" altLang="en-US" dirty="0"/>
+          </a:p>
+        </p:txBody>
+      </p:sp>
+      <p:sp>
+        <p:nvSpPr>
+          <p:cNvPr id="22" name="矩形 21"/>
+          <p:cNvSpPr/>
+          <p:nvPr/>
+        </p:nvSpPr>
+        <p:spPr>
+          <a:xfrm>
+            <a:off x="1907704" y="5373216"/>
+            <a:ext cx="576064" cy="360040"/>
+          </a:xfrm>
+          <a:prstGeom prst="rect">
+            <a:avLst/>
+          </a:prstGeom>
+        </p:spPr>
+        <p:style>
+          <a:lnRef idx="2">
+            <a:schemeClr val="accent1">
+              <a:shade val="50000"/>
+            </a:schemeClr>
+          </a:lnRef>
+          <a:fillRef idx="1">
+            <a:schemeClr val="accent1"/>
+          </a:fillRef>
+          <a:effectRef idx="0">
+            <a:schemeClr val="accent1"/>
+          </a:effectRef>
+          <a:fontRef idx="minor">
+            <a:schemeClr val="lt1"/>
+          </a:fontRef>
+        </p:style>
+        <p:txBody>
+          <a:bodyPr rtlCol="0" anchor="ctr"/>
+          <a:lstStyle/>
+          <a:p>
+            <a:pPr algn="ctr"/>
+            <a:r>
+              <a:rPr lang="en-US" altLang="zh-CN" dirty="0" smtClean="0"/>
+              <a:t>8</a:t>
+            </a:r>
+            <a:endParaRPr lang="zh-CN" altLang="en-US" dirty="0"/>
+          </a:p>
+        </p:txBody>
+      </p:sp>
+      <p:sp>
+        <p:nvSpPr>
+          <p:cNvPr id="23" name="矩形 22"/>
+          <p:cNvSpPr/>
+          <p:nvPr/>
+        </p:nvSpPr>
+        <p:spPr>
+          <a:xfrm>
+            <a:off x="1907704" y="5733256"/>
+            <a:ext cx="576064" cy="360040"/>
+          </a:xfrm>
+          <a:prstGeom prst="rect">
+            <a:avLst/>
+          </a:prstGeom>
+        </p:spPr>
+        <p:style>
+          <a:lnRef idx="2">
+            <a:schemeClr val="accent1">
+              <a:shade val="50000"/>
+            </a:schemeClr>
+          </a:lnRef>
+          <a:fillRef idx="1">
+            <a:schemeClr val="accent1"/>
+          </a:fillRef>
+          <a:effectRef idx="0">
+            <a:schemeClr val="accent1"/>
+          </a:effectRef>
+          <a:fontRef idx="minor">
+            <a:schemeClr val="lt1"/>
+          </a:fontRef>
+        </p:style>
+        <p:txBody>
+          <a:bodyPr rtlCol="0" anchor="ctr"/>
+          <a:lstStyle/>
+          <a:p>
+            <a:pPr algn="ctr"/>
+            <a:r>
+              <a:rPr lang="en-US" altLang="zh-CN" dirty="0" smtClean="0"/>
+              <a:t>9</a:t>
+            </a:r>
+            <a:endParaRPr lang="zh-CN" altLang="en-US" dirty="0"/>
+          </a:p>
+        </p:txBody>
+      </p:sp>
+      <p:sp>
+        <p:nvSpPr>
+          <p:cNvPr id="24" name="椭圆 23"/>
+          <p:cNvSpPr/>
+          <p:nvPr/>
+        </p:nvSpPr>
+        <p:spPr>
+          <a:xfrm>
+            <a:off x="3779912" y="764704"/>
+            <a:ext cx="468052" cy="432048"/>
+          </a:xfrm>
+          <a:prstGeom prst="ellipse">
+            <a:avLst/>
+          </a:prstGeom>
+        </p:spPr>
+        <p:style>
+          <a:lnRef idx="2">
+            <a:schemeClr val="accent1">
+              <a:shade val="50000"/>
+            </a:schemeClr>
+          </a:lnRef>
+          <a:fillRef idx="1">
+            <a:schemeClr val="accent1"/>
+          </a:fillRef>
+          <a:effectRef idx="0">
+            <a:schemeClr val="accent1"/>
+          </a:effectRef>
+          <a:fontRef idx="minor">
+            <a:schemeClr val="lt1"/>
+          </a:fontRef>
+        </p:style>
+        <p:txBody>
+          <a:bodyPr rtlCol="0" anchor="ctr"/>
+          <a:lstStyle/>
+          <a:p>
+            <a:pPr algn="ctr"/>
+            <a:r>
+              <a:rPr lang="en-US" altLang="zh-CN" dirty="0" smtClean="0"/>
+              <a:t>1</a:t>
+            </a:r>
+            <a:endParaRPr lang="zh-CN" altLang="en-US" dirty="0"/>
+          </a:p>
+        </p:txBody>
+      </p:sp>
+      <p:sp>
+        <p:nvSpPr>
+          <p:cNvPr id="25" name="椭圆 24"/>
+          <p:cNvSpPr/>
+          <p:nvPr/>
+        </p:nvSpPr>
+        <p:spPr>
+          <a:xfrm>
+            <a:off x="4535996" y="764704"/>
+            <a:ext cx="468052" cy="432048"/>
+          </a:xfrm>
+          <a:prstGeom prst="ellipse">
+            <a:avLst/>
+          </a:prstGeom>
+        </p:spPr>
+        <p:style>
+          <a:lnRef idx="2">
+            <a:schemeClr val="accent1">
+              <a:shade val="50000"/>
+            </a:schemeClr>
+          </a:lnRef>
+          <a:fillRef idx="1">
+            <a:schemeClr val="accent1"/>
+          </a:fillRef>
+          <a:effectRef idx="0">
+            <a:schemeClr val="accent1"/>
+          </a:effectRef>
+          <a:fontRef idx="minor">
+            <a:schemeClr val="lt1"/>
+          </a:fontRef>
+        </p:style>
+        <p:txBody>
+          <a:bodyPr rtlCol="0" anchor="ctr"/>
+          <a:lstStyle/>
+          <a:p>
+            <a:pPr algn="ctr"/>
+            <a:r>
+              <a:rPr lang="en-US" altLang="zh-CN" dirty="0"/>
+              <a:t>2</a:t>
+            </a:r>
+            <a:endParaRPr lang="zh-CN" altLang="en-US" dirty="0"/>
+          </a:p>
+        </p:txBody>
+      </p:sp>
+      <p:sp>
+        <p:nvSpPr>
+          <p:cNvPr id="26" name="椭圆 25"/>
+          <p:cNvSpPr/>
+          <p:nvPr/>
+        </p:nvSpPr>
+        <p:spPr>
+          <a:xfrm>
+            <a:off x="5256076" y="764704"/>
+            <a:ext cx="468052" cy="432048"/>
+          </a:xfrm>
+          <a:prstGeom prst="ellipse">
+            <a:avLst/>
+          </a:prstGeom>
+        </p:spPr>
+        <p:style>
+          <a:lnRef idx="2">
+            <a:schemeClr val="accent1">
+              <a:shade val="50000"/>
+            </a:schemeClr>
+          </a:lnRef>
+          <a:fillRef idx="1">
+            <a:schemeClr val="accent1"/>
+          </a:fillRef>
+          <a:effectRef idx="0">
+            <a:schemeClr val="accent1"/>
+          </a:effectRef>
+          <a:fontRef idx="minor">
+            <a:schemeClr val="lt1"/>
+          </a:fontRef>
+        </p:style>
+        <p:txBody>
+          <a:bodyPr rtlCol="0" anchor="ctr"/>
+          <a:lstStyle/>
+          <a:p>
+            <a:pPr algn="ctr"/>
+            <a:r>
+              <a:rPr lang="en-US" altLang="zh-CN" dirty="0" smtClean="0"/>
+              <a:t>3</a:t>
+            </a:r>
+            <a:endParaRPr lang="zh-CN" altLang="en-US" dirty="0"/>
+          </a:p>
+        </p:txBody>
+      </p:sp>
+      <p:sp>
+        <p:nvSpPr>
+          <p:cNvPr id="27" name="椭圆 26"/>
+          <p:cNvSpPr/>
+          <p:nvPr/>
+        </p:nvSpPr>
+        <p:spPr>
+          <a:xfrm>
+            <a:off x="5976156" y="764704"/>
+            <a:ext cx="468052" cy="432048"/>
+          </a:xfrm>
+          <a:prstGeom prst="ellipse">
+            <a:avLst/>
+          </a:prstGeom>
+        </p:spPr>
+        <p:style>
+          <a:lnRef idx="2">
+            <a:schemeClr val="accent1">
+              <a:shade val="50000"/>
+            </a:schemeClr>
+          </a:lnRef>
+          <a:fillRef idx="1">
+            <a:schemeClr val="accent1"/>
+          </a:fillRef>
+          <a:effectRef idx="0">
+            <a:schemeClr val="accent1"/>
+          </a:effectRef>
+          <a:fontRef idx="minor">
+            <a:schemeClr val="lt1"/>
+          </a:fontRef>
+        </p:style>
+        <p:txBody>
+          <a:bodyPr rtlCol="0" anchor="ctr"/>
+          <a:lstStyle/>
+          <a:p>
+            <a:pPr algn="ctr"/>
+            <a:r>
+              <a:rPr lang="en-US" altLang="zh-CN" dirty="0" smtClean="0"/>
+              <a:t>4</a:t>
+            </a:r>
+            <a:endParaRPr lang="zh-CN" altLang="en-US" dirty="0"/>
+          </a:p>
+        </p:txBody>
+      </p:sp>
+      <p:sp>
+        <p:nvSpPr>
+          <p:cNvPr id="28" name="椭圆 27"/>
+          <p:cNvSpPr/>
+          <p:nvPr/>
+        </p:nvSpPr>
+        <p:spPr>
+          <a:xfrm>
+            <a:off x="6696236" y="764704"/>
+            <a:ext cx="468052" cy="432048"/>
+          </a:xfrm>
+          <a:prstGeom prst="ellipse">
+            <a:avLst/>
+          </a:prstGeom>
+        </p:spPr>
+        <p:style>
+          <a:lnRef idx="2">
+            <a:schemeClr val="accent1">
+              <a:shade val="50000"/>
+            </a:schemeClr>
+          </a:lnRef>
+          <a:fillRef idx="1">
+            <a:schemeClr val="accent1"/>
+          </a:fillRef>
+          <a:effectRef idx="0">
+            <a:schemeClr val="accent1"/>
+          </a:effectRef>
+          <a:fontRef idx="minor">
+            <a:schemeClr val="lt1"/>
+          </a:fontRef>
+        </p:style>
+        <p:txBody>
+          <a:bodyPr rtlCol="0" anchor="ctr"/>
+          <a:lstStyle/>
+          <a:p>
+            <a:pPr algn="ctr"/>
+            <a:r>
+              <a:rPr lang="en-US" altLang="zh-CN" dirty="0" smtClean="0"/>
+              <a:t>5</a:t>
+            </a:r>
+            <a:endParaRPr lang="zh-CN" altLang="en-US" dirty="0"/>
+          </a:p>
+        </p:txBody>
+      </p:sp>
+      <p:sp>
+        <p:nvSpPr>
+          <p:cNvPr id="29" name="椭圆 28"/>
+          <p:cNvSpPr/>
+          <p:nvPr/>
+        </p:nvSpPr>
+        <p:spPr>
+          <a:xfrm>
+            <a:off x="7416316" y="764704"/>
+            <a:ext cx="468052" cy="432048"/>
+          </a:xfrm>
+          <a:prstGeom prst="ellipse">
+            <a:avLst/>
+          </a:prstGeom>
+        </p:spPr>
+        <p:style>
+          <a:lnRef idx="2">
+            <a:schemeClr val="accent1">
+              <a:shade val="50000"/>
+            </a:schemeClr>
+          </a:lnRef>
+          <a:fillRef idx="1">
+            <a:schemeClr val="accent1"/>
+          </a:fillRef>
+          <a:effectRef idx="0">
+            <a:schemeClr val="accent1"/>
+          </a:effectRef>
+          <a:fontRef idx="minor">
+            <a:schemeClr val="lt1"/>
+          </a:fontRef>
+        </p:style>
+        <p:txBody>
+          <a:bodyPr rtlCol="0" anchor="ctr"/>
+          <a:lstStyle/>
+          <a:p>
+            <a:pPr algn="ctr"/>
+            <a:r>
+              <a:rPr lang="en-US" altLang="zh-CN" dirty="0" smtClean="0"/>
+              <a:t>6</a:t>
+            </a:r>
+            <a:endParaRPr lang="zh-CN" altLang="en-US" dirty="0"/>
+          </a:p>
+        </p:txBody>
+      </p:sp>
+      <p:sp>
+        <p:nvSpPr>
+          <p:cNvPr id="30" name="椭圆 29"/>
+          <p:cNvSpPr/>
+          <p:nvPr/>
+        </p:nvSpPr>
+        <p:spPr>
+          <a:xfrm>
+            <a:off x="8136396" y="764704"/>
+            <a:ext cx="468052" cy="432048"/>
+          </a:xfrm>
+          <a:prstGeom prst="ellipse">
+            <a:avLst/>
+          </a:prstGeom>
+        </p:spPr>
+        <p:style>
+          <a:lnRef idx="2">
+            <a:schemeClr val="accent1">
+              <a:shade val="50000"/>
+            </a:schemeClr>
+          </a:lnRef>
+          <a:fillRef idx="1">
+            <a:schemeClr val="accent1"/>
+          </a:fillRef>
+          <a:effectRef idx="0">
+            <a:schemeClr val="accent1"/>
+          </a:effectRef>
+          <a:fontRef idx="minor">
+            <a:schemeClr val="lt1"/>
+          </a:fontRef>
+        </p:style>
+        <p:txBody>
+          <a:bodyPr rtlCol="0" anchor="ctr"/>
+          <a:lstStyle/>
+          <a:p>
+            <a:pPr algn="ctr"/>
+            <a:r>
+              <a:rPr lang="en-US" altLang="zh-CN" dirty="0" smtClean="0"/>
+              <a:t>7</a:t>
+            </a:r>
+            <a:endParaRPr lang="zh-CN" altLang="en-US" dirty="0"/>
+          </a:p>
+        </p:txBody>
+      </p:sp>
+      <p:cxnSp>
+        <p:nvCxnSpPr>
+          <p:cNvPr id="32" name="直接箭头连接符 31"/>
+          <p:cNvCxnSpPr/>
+          <p:nvPr/>
+        </p:nvCxnSpPr>
+        <p:spPr>
+          <a:xfrm>
+            <a:off x="2483768" y="3046648"/>
+            <a:ext cx="558062" cy="0"/>
+          </a:xfrm>
+          <a:prstGeom prst="straightConnector1">
+            <a:avLst/>
+          </a:prstGeom>
+          <a:ln>
+            <a:solidFill>
+              <a:schemeClr val="tx1"/>
+            </a:solidFill>
+            <a:tailEnd type="arrow"/>
+          </a:ln>
+        </p:spPr>
+        <p:style>
+          <a:lnRef idx="1">
+            <a:schemeClr val="accent1"/>
+          </a:lnRef>
+          <a:fillRef idx="0">
+            <a:schemeClr val="accent1"/>
+          </a:fillRef>
+          <a:effectRef idx="0">
+            <a:schemeClr val="accent1"/>
+          </a:effectRef>
+          <a:fontRef idx="minor">
+            <a:schemeClr val="tx1"/>
+          </a:fontRef>
+        </p:style>
+      </p:cxnSp>
+      <p:sp>
+        <p:nvSpPr>
+          <p:cNvPr id="33" name="椭圆 32"/>
+          <p:cNvSpPr/>
+          <p:nvPr/>
+        </p:nvSpPr>
+        <p:spPr>
+          <a:xfrm>
+            <a:off x="3041830" y="2830624"/>
+            <a:ext cx="468052" cy="432048"/>
+          </a:xfrm>
+          <a:prstGeom prst="ellipse">
+            <a:avLst/>
+          </a:prstGeom>
+        </p:spPr>
+        <p:style>
+          <a:lnRef idx="2">
+            <a:schemeClr val="accent1">
+              <a:shade val="50000"/>
+            </a:schemeClr>
+          </a:lnRef>
+          <a:fillRef idx="1">
+            <a:schemeClr val="accent1"/>
+          </a:fillRef>
+          <a:effectRef idx="0">
+            <a:schemeClr val="accent1"/>
+          </a:effectRef>
+          <a:fontRef idx="minor">
+            <a:schemeClr val="lt1"/>
+          </a:fontRef>
+        </p:style>
+        <p:txBody>
+          <a:bodyPr rtlCol="0" anchor="ctr"/>
+          <a:lstStyle/>
+          <a:p>
+            <a:pPr algn="ctr"/>
+            <a:r>
+              <a:rPr lang="en-US" altLang="zh-CN" dirty="0" smtClean="0"/>
+              <a:t>1</a:t>
+            </a:r>
+            <a:endParaRPr lang="zh-CN" altLang="en-US" dirty="0"/>
+          </a:p>
+        </p:txBody>
+      </p:sp>
+      <p:cxnSp>
+        <p:nvCxnSpPr>
+          <p:cNvPr id="35" name="直接箭头连接符 34"/>
+          <p:cNvCxnSpPr>
+            <a:stCxn id="17" idx="3"/>
+          </p:cNvCxnSpPr>
+          <p:nvPr/>
+        </p:nvCxnSpPr>
+        <p:spPr>
+          <a:xfrm>
+            <a:off x="2483768" y="3753036"/>
+            <a:ext cx="558062" cy="0"/>
+          </a:xfrm>
+          <a:prstGeom prst="straightConnector1">
+            <a:avLst/>
+          </a:prstGeom>
+          <a:ln>
+            <a:solidFill>
+              <a:schemeClr val="tx1"/>
+            </a:solidFill>
+            <a:tailEnd type="arrow"/>
+          </a:ln>
+        </p:spPr>
+        <p:style>
+          <a:lnRef idx="1">
+            <a:schemeClr val="accent1"/>
+          </a:lnRef>
+          <a:fillRef idx="0">
+            <a:schemeClr val="accent1"/>
+          </a:fillRef>
+          <a:effectRef idx="0">
+            <a:schemeClr val="accent1"/>
+          </a:effectRef>
+          <a:fontRef idx="minor">
+            <a:schemeClr val="tx1"/>
+          </a:fontRef>
+        </p:style>
+      </p:cxnSp>
+      <p:sp>
+        <p:nvSpPr>
+          <p:cNvPr id="36" name="椭圆 35"/>
+          <p:cNvSpPr/>
+          <p:nvPr/>
+        </p:nvSpPr>
+        <p:spPr>
+          <a:xfrm>
+            <a:off x="3041830" y="3537012"/>
+            <a:ext cx="468052" cy="432048"/>
+          </a:xfrm>
+          <a:prstGeom prst="ellipse">
+            <a:avLst/>
+          </a:prstGeom>
+        </p:spPr>
+        <p:style>
+          <a:lnRef idx="2">
+            <a:schemeClr val="accent1">
+              <a:shade val="50000"/>
+            </a:schemeClr>
+          </a:lnRef>
+          <a:fillRef idx="1">
+            <a:schemeClr val="accent1"/>
+          </a:fillRef>
+          <a:effectRef idx="0">
+            <a:schemeClr val="accent1"/>
+          </a:effectRef>
+          <a:fontRef idx="minor">
+            <a:schemeClr val="lt1"/>
+          </a:fontRef>
+        </p:style>
+        <p:txBody>
+          <a:bodyPr rtlCol="0" anchor="ctr"/>
+          <a:lstStyle/>
+          <a:p>
+            <a:pPr algn="ctr"/>
+            <a:r>
+              <a:rPr lang="en-US" altLang="zh-CN" dirty="0"/>
+              <a:t>2</a:t>
+            </a:r>
+            <a:endParaRPr lang="zh-CN" altLang="en-US" dirty="0"/>
+          </a:p>
+        </p:txBody>
+      </p:sp>
+      <p:cxnSp>
+        <p:nvCxnSpPr>
+          <p:cNvPr id="38" name="直接箭头连接符 37"/>
+          <p:cNvCxnSpPr>
+            <a:endCxn id="39" idx="2"/>
+          </p:cNvCxnSpPr>
+          <p:nvPr/>
+        </p:nvCxnSpPr>
+        <p:spPr>
+          <a:xfrm>
+            <a:off x="2501770" y="4115206"/>
+            <a:ext cx="1035115" cy="1115"/>
+          </a:xfrm>
+          <a:prstGeom prst="straightConnector1">
+            <a:avLst/>
+          </a:prstGeom>
+          <a:ln>
+            <a:solidFill>
+              <a:schemeClr val="tx1"/>
+            </a:solidFill>
+            <a:tailEnd type="arrow"/>
+          </a:ln>
+        </p:spPr>
+        <p:style>
+          <a:lnRef idx="1">
+            <a:schemeClr val="accent1"/>
+          </a:lnRef>
+          <a:fillRef idx="0">
+            <a:schemeClr val="accent1"/>
+          </a:fillRef>
+          <a:effectRef idx="0">
+            <a:schemeClr val="accent1"/>
+          </a:effectRef>
+          <a:fontRef idx="minor">
+            <a:schemeClr val="tx1"/>
+          </a:fontRef>
+        </p:style>
+      </p:cxnSp>
+      <p:sp>
+        <p:nvSpPr>
+          <p:cNvPr id="39" name="椭圆 38"/>
+          <p:cNvSpPr/>
+          <p:nvPr/>
+        </p:nvSpPr>
+        <p:spPr>
+          <a:xfrm>
+            <a:off x="3536885" y="3900297"/>
+            <a:ext cx="468052" cy="432048"/>
+          </a:xfrm>
+          <a:prstGeom prst="ellipse">
+            <a:avLst/>
+          </a:prstGeom>
+        </p:spPr>
+        <p:style>
+          <a:lnRef idx="2">
+            <a:schemeClr val="accent1">
+              <a:shade val="50000"/>
+            </a:schemeClr>
+          </a:lnRef>
+          <a:fillRef idx="1">
+            <a:schemeClr val="accent1"/>
+          </a:fillRef>
+          <a:effectRef idx="0">
+            <a:schemeClr val="accent1"/>
+          </a:effectRef>
+          <a:fontRef idx="minor">
+            <a:schemeClr val="lt1"/>
+          </a:fontRef>
+        </p:style>
+        <p:txBody>
+          <a:bodyPr rtlCol="0" anchor="ctr"/>
+          <a:lstStyle/>
+          <a:p>
+            <a:pPr algn="ctr"/>
+            <a:r>
+              <a:rPr lang="en-US" altLang="zh-CN" dirty="0" smtClean="0"/>
+              <a:t>3</a:t>
+            </a:r>
+            <a:endParaRPr lang="zh-CN" altLang="en-US" dirty="0"/>
+          </a:p>
+        </p:txBody>
+      </p:sp>
+      <p:sp>
+        <p:nvSpPr>
+          <p:cNvPr id="40" name="椭圆 39"/>
+          <p:cNvSpPr/>
+          <p:nvPr/>
+        </p:nvSpPr>
+        <p:spPr>
+          <a:xfrm>
+            <a:off x="3041830" y="5697252"/>
+            <a:ext cx="468052" cy="432048"/>
+          </a:xfrm>
+          <a:prstGeom prst="ellipse">
+            <a:avLst/>
+          </a:prstGeom>
+        </p:spPr>
+        <p:style>
+          <a:lnRef idx="2">
+            <a:schemeClr val="accent1">
+              <a:shade val="50000"/>
+            </a:schemeClr>
+          </a:lnRef>
+          <a:fillRef idx="1">
+            <a:schemeClr val="accent1"/>
+          </a:fillRef>
+          <a:effectRef idx="0">
+            <a:schemeClr val="accent1"/>
+          </a:effectRef>
+          <a:fontRef idx="minor">
+            <a:schemeClr val="lt1"/>
+          </a:fontRef>
+        </p:style>
+        <p:txBody>
+          <a:bodyPr rtlCol="0" anchor="ctr"/>
+          <a:lstStyle/>
+          <a:p>
+            <a:pPr algn="ctr"/>
+            <a:r>
+              <a:rPr lang="en-US" altLang="zh-CN" dirty="0" smtClean="0"/>
+              <a:t>4</a:t>
+            </a:r>
+            <a:endParaRPr lang="zh-CN" altLang="en-US" dirty="0"/>
+          </a:p>
+        </p:txBody>
+      </p:sp>
+      <p:sp>
+        <p:nvSpPr>
+          <p:cNvPr id="41" name="椭圆 40"/>
+          <p:cNvSpPr/>
+          <p:nvPr/>
+        </p:nvSpPr>
+        <p:spPr>
+          <a:xfrm>
+            <a:off x="3041830" y="4257092"/>
+            <a:ext cx="468052" cy="432048"/>
+          </a:xfrm>
+          <a:prstGeom prst="ellipse">
+            <a:avLst/>
+          </a:prstGeom>
+        </p:spPr>
+        <p:style>
+          <a:lnRef idx="2">
+            <a:schemeClr val="accent1">
+              <a:shade val="50000"/>
+            </a:schemeClr>
+          </a:lnRef>
+          <a:fillRef idx="1">
+            <a:schemeClr val="accent1"/>
+          </a:fillRef>
+          <a:effectRef idx="0">
+            <a:schemeClr val="accent1"/>
+          </a:effectRef>
+          <a:fontRef idx="minor">
+            <a:schemeClr val="lt1"/>
+          </a:fontRef>
+        </p:style>
+        <p:txBody>
+          <a:bodyPr rtlCol="0" anchor="ctr"/>
+          <a:lstStyle/>
+          <a:p>
+            <a:pPr algn="ctr"/>
+            <a:r>
+              <a:rPr lang="en-US" altLang="zh-CN" dirty="0" smtClean="0"/>
+              <a:t>5</a:t>
+            </a:r>
+            <a:endParaRPr lang="zh-CN" altLang="en-US" dirty="0"/>
+          </a:p>
+        </p:txBody>
+      </p:sp>
+      <p:sp>
+        <p:nvSpPr>
+          <p:cNvPr id="43" name="椭圆 42"/>
+          <p:cNvSpPr/>
+          <p:nvPr/>
+        </p:nvSpPr>
+        <p:spPr>
+          <a:xfrm>
+            <a:off x="3589218" y="3176972"/>
+            <a:ext cx="468052" cy="432048"/>
+          </a:xfrm>
+          <a:prstGeom prst="ellipse">
+            <a:avLst/>
+          </a:prstGeom>
+        </p:spPr>
+        <p:style>
+          <a:lnRef idx="2">
+            <a:schemeClr val="accent1">
+              <a:shade val="50000"/>
+            </a:schemeClr>
+          </a:lnRef>
+          <a:fillRef idx="1">
+            <a:schemeClr val="accent1"/>
+          </a:fillRef>
+          <a:effectRef idx="0">
+            <a:schemeClr val="accent1"/>
+          </a:effectRef>
+          <a:fontRef idx="minor">
+            <a:schemeClr val="lt1"/>
+          </a:fontRef>
+        </p:style>
+        <p:txBody>
+          <a:bodyPr rtlCol="0" anchor="ctr"/>
+          <a:lstStyle/>
+          <a:p>
+            <a:pPr algn="ctr"/>
+            <a:r>
+              <a:rPr lang="en-US" altLang="zh-CN" dirty="0" smtClean="0"/>
+              <a:t>7</a:t>
+            </a:r>
+            <a:endParaRPr lang="zh-CN" altLang="en-US" dirty="0"/>
+          </a:p>
+        </p:txBody>
+      </p:sp>
+      <p:cxnSp>
+        <p:nvCxnSpPr>
+          <p:cNvPr id="45" name="直接箭头连接符 44"/>
+          <p:cNvCxnSpPr>
+            <a:stCxn id="19" idx="3"/>
+            <a:endCxn id="41" idx="2"/>
+          </p:cNvCxnSpPr>
+          <p:nvPr/>
+        </p:nvCxnSpPr>
+        <p:spPr>
+          <a:xfrm>
+            <a:off x="2483768" y="4473116"/>
+            <a:ext cx="558062" cy="0"/>
+          </a:xfrm>
+          <a:prstGeom prst="straightConnector1">
+            <a:avLst/>
+          </a:prstGeom>
+          <a:ln>
+            <a:solidFill>
+              <a:schemeClr val="tx1"/>
+            </a:solidFill>
+            <a:tailEnd type="arrow"/>
+          </a:ln>
+        </p:spPr>
+        <p:style>
+          <a:lnRef idx="1">
+            <a:schemeClr val="accent1"/>
+          </a:lnRef>
+          <a:fillRef idx="0">
+            <a:schemeClr val="accent1"/>
+          </a:fillRef>
+          <a:effectRef idx="0">
+            <a:schemeClr val="accent1"/>
+          </a:effectRef>
+          <a:fontRef idx="minor">
+            <a:schemeClr val="tx1"/>
+          </a:fontRef>
+        </p:style>
+      </p:cxnSp>
+      <p:cxnSp>
+        <p:nvCxnSpPr>
+          <p:cNvPr id="47" name="直接箭头连接符 46"/>
+          <p:cNvCxnSpPr>
+            <a:stCxn id="23" idx="3"/>
+            <a:endCxn id="40" idx="2"/>
+          </p:cNvCxnSpPr>
+          <p:nvPr/>
+        </p:nvCxnSpPr>
+        <p:spPr>
+          <a:xfrm>
+            <a:off x="2483768" y="5913276"/>
+            <a:ext cx="558062" cy="0"/>
+          </a:xfrm>
+          <a:prstGeom prst="straightConnector1">
+            <a:avLst/>
+          </a:prstGeom>
+          <a:ln>
+            <a:solidFill>
+              <a:schemeClr val="tx1"/>
+            </a:solidFill>
+            <a:tailEnd type="arrow"/>
+          </a:ln>
+        </p:spPr>
+        <p:style>
+          <a:lnRef idx="1">
+            <a:schemeClr val="accent1"/>
+          </a:lnRef>
+          <a:fillRef idx="0">
+            <a:schemeClr val="accent1"/>
+          </a:fillRef>
+          <a:effectRef idx="0">
+            <a:schemeClr val="accent1"/>
+          </a:effectRef>
+          <a:fontRef idx="minor">
+            <a:schemeClr val="tx1"/>
+          </a:fontRef>
+        </p:style>
+      </p:cxnSp>
+      <p:cxnSp>
+        <p:nvCxnSpPr>
+          <p:cNvPr id="51" name="直接箭头连接符 50"/>
+          <p:cNvCxnSpPr>
+            <a:stCxn id="16" idx="3"/>
+            <a:endCxn id="43" idx="2"/>
+          </p:cNvCxnSpPr>
+          <p:nvPr/>
+        </p:nvCxnSpPr>
+        <p:spPr>
+          <a:xfrm>
+            <a:off x="2483768" y="3392996"/>
+            <a:ext cx="1105450" cy="0"/>
+          </a:xfrm>
+          <a:prstGeom prst="straightConnector1">
+            <a:avLst/>
+          </a:prstGeom>
+          <a:ln>
+            <a:solidFill>
+              <a:schemeClr val="tx1"/>
+            </a:solidFill>
+            <a:tailEnd type="arrow"/>
+          </a:ln>
+        </p:spPr>
+        <p:style>
+          <a:lnRef idx="1">
+            <a:schemeClr val="accent1"/>
+          </a:lnRef>
+          <a:fillRef idx="0">
+            <a:schemeClr val="accent1"/>
+          </a:fillRef>
+          <a:effectRef idx="0">
+            <a:schemeClr val="accent1"/>
+          </a:effectRef>
+          <a:fontRef idx="minor">
+            <a:schemeClr val="tx1"/>
+          </a:fontRef>
+        </p:style>
+      </p:cxnSp>
+      <p:sp>
+        <p:nvSpPr>
+          <p:cNvPr id="4" name="矩形 3"/>
+          <p:cNvSpPr/>
+          <p:nvPr/>
+        </p:nvSpPr>
+        <p:spPr>
+          <a:xfrm>
+            <a:off x="5436096" y="1556792"/>
+            <a:ext cx="2988332" cy="452535"/>
+          </a:xfrm>
+          <a:prstGeom prst="rect">
+            <a:avLst/>
+          </a:prstGeom>
+        </p:spPr>
+        <p:style>
+          <a:lnRef idx="2">
+            <a:schemeClr val="accent1">
+              <a:shade val="50000"/>
+            </a:schemeClr>
+          </a:lnRef>
+          <a:fillRef idx="1">
+            <a:schemeClr val="accent1"/>
+          </a:fillRef>
+          <a:effectRef idx="0">
+            <a:schemeClr val="accent1"/>
+          </a:effectRef>
+          <a:fontRef idx="minor">
+            <a:schemeClr val="lt1"/>
+          </a:fontRef>
+        </p:style>
+        <p:txBody>
+          <a:bodyPr rtlCol="0" anchor="ctr"/>
+          <a:lstStyle/>
+          <a:p>
+            <a:pPr algn="ctr"/>
+            <a:r>
+              <a:rPr lang="zh-CN" altLang="en-US" dirty="0" smtClean="0"/>
+              <a:t>冲突：</a:t>
+            </a:r>
+            <a:r>
+              <a:rPr lang="en-US" altLang="zh-CN" dirty="0" smtClean="0"/>
+              <a:t>hash2(x) = 7- x(mod 7);</a:t>
+            </a:r>
+            <a:endParaRPr lang="zh-CN" altLang="en-US" dirty="0"/>
+          </a:p>
+        </p:txBody>
+      </p:sp>
+      <p:sp>
+        <p:nvSpPr>
+          <p:cNvPr id="54" name="矩形 53"/>
+          <p:cNvSpPr/>
+          <p:nvPr/>
+        </p:nvSpPr>
+        <p:spPr>
+          <a:xfrm>
+            <a:off x="5130620" y="3176972"/>
+            <a:ext cx="2880320" cy="432048"/>
+          </a:xfrm>
+          <a:prstGeom prst="rect">
+            <a:avLst/>
+          </a:prstGeom>
+        </p:spPr>
+        <p:style>
+          <a:lnRef idx="2">
+            <a:schemeClr val="accent1">
+              <a:shade val="50000"/>
+            </a:schemeClr>
+          </a:lnRef>
+          <a:fillRef idx="1">
+            <a:schemeClr val="accent1"/>
+          </a:fillRef>
+          <a:effectRef idx="0">
+            <a:schemeClr val="accent1"/>
+          </a:effectRef>
+          <a:fontRef idx="minor">
+            <a:schemeClr val="lt1"/>
+          </a:fontRef>
+        </p:style>
+        <p:txBody>
+          <a:bodyPr rtlCol="0" anchor="ctr"/>
+          <a:lstStyle/>
+          <a:p>
+            <a:pPr algn="ctr"/>
+            <a:r>
+              <a:rPr lang="en-US" altLang="zh-CN" dirty="0" smtClean="0"/>
+              <a:t>hash(89)=9; //</a:t>
+            </a:r>
+            <a:r>
+              <a:rPr lang="zh-CN" altLang="en-US" dirty="0" smtClean="0"/>
+              <a:t>冲突</a:t>
+            </a:r>
+            <a:endParaRPr lang="zh-CN" altLang="en-US" dirty="0"/>
+          </a:p>
+        </p:txBody>
+      </p:sp>
+      <p:sp>
+        <p:nvSpPr>
+          <p:cNvPr id="55" name="矩形 54"/>
+          <p:cNvSpPr/>
+          <p:nvPr/>
+        </p:nvSpPr>
+        <p:spPr>
+          <a:xfrm>
+            <a:off x="5130620" y="3612570"/>
+            <a:ext cx="2880320" cy="432048"/>
+          </a:xfrm>
+          <a:prstGeom prst="rect">
+            <a:avLst/>
+          </a:prstGeom>
+        </p:spPr>
+        <p:style>
+          <a:lnRef idx="2">
+            <a:schemeClr val="accent1">
+              <a:shade val="50000"/>
+            </a:schemeClr>
+          </a:lnRef>
+          <a:fillRef idx="1">
+            <a:schemeClr val="accent1"/>
+          </a:fillRef>
+          <a:effectRef idx="0">
+            <a:schemeClr val="accent1"/>
+          </a:effectRef>
+          <a:fontRef idx="minor">
+            <a:schemeClr val="lt1"/>
+          </a:fontRef>
+        </p:style>
+        <p:txBody>
+          <a:bodyPr rtlCol="0" anchor="ctr"/>
+          <a:lstStyle/>
+          <a:p>
+            <a:pPr algn="ctr"/>
+            <a:r>
+              <a:rPr lang="en-US" altLang="zh-CN" dirty="0" smtClean="0"/>
+              <a:t>hash2(89)=2; //</a:t>
+            </a:r>
+            <a:r>
+              <a:rPr lang="zh-CN" altLang="en-US" dirty="0" smtClean="0"/>
+              <a:t>无冲突</a:t>
+            </a:r>
+            <a:endParaRPr lang="zh-CN" altLang="en-US" dirty="0"/>
+          </a:p>
+        </p:txBody>
+      </p:sp>
+      <p:sp>
+        <p:nvSpPr>
+          <p:cNvPr id="58" name="圆角矩形 57"/>
+          <p:cNvSpPr/>
+          <p:nvPr/>
+        </p:nvSpPr>
+        <p:spPr>
+          <a:xfrm>
+            <a:off x="5130620" y="2690918"/>
+            <a:ext cx="2898880" cy="468052"/>
+          </a:xfrm>
+          <a:prstGeom prst="roundRect">
+            <a:avLst/>
+          </a:prstGeom>
+        </p:spPr>
+        <p:style>
+          <a:lnRef idx="2">
+            <a:schemeClr val="accent1">
+              <a:shade val="50000"/>
+            </a:schemeClr>
+          </a:lnRef>
+          <a:fillRef idx="1">
+            <a:schemeClr val="accent1"/>
+          </a:fillRef>
+          <a:effectRef idx="0">
+            <a:schemeClr val="accent1"/>
+          </a:effectRef>
+          <a:fontRef idx="minor">
+            <a:schemeClr val="lt1"/>
+          </a:fontRef>
+        </p:style>
+        <p:txBody>
+          <a:bodyPr rtlCol="0" anchor="ctr"/>
+          <a:lstStyle/>
+          <a:p>
+            <a:pPr algn="ctr"/>
+            <a:r>
+              <a:rPr lang="en-US" altLang="zh-CN" dirty="0" smtClean="0"/>
+              <a:t>insert 89</a:t>
+            </a:r>
+            <a:endParaRPr lang="zh-CN" altLang="en-US" dirty="0"/>
+          </a:p>
+        </p:txBody>
+      </p:sp>
+      <p:cxnSp>
+        <p:nvCxnSpPr>
+          <p:cNvPr id="34" name="直接箭头连接符 33"/>
+          <p:cNvCxnSpPr>
+            <a:stCxn id="55" idx="1"/>
+            <a:endCxn id="43" idx="6"/>
+          </p:cNvCxnSpPr>
+          <p:nvPr/>
+        </p:nvCxnSpPr>
+        <p:spPr>
+          <a:xfrm flipH="1" flipV="1">
+            <a:off x="4057270" y="3392996"/>
+            <a:ext cx="1073350" cy="435598"/>
+          </a:xfrm>
+          <a:prstGeom prst="straightConnector1">
+            <a:avLst/>
+          </a:prstGeom>
+          <a:ln>
+            <a:solidFill>
+              <a:schemeClr val="tx1"/>
+            </a:solidFill>
+            <a:tailEnd type="arrow"/>
+          </a:ln>
+        </p:spPr>
+        <p:style>
+          <a:lnRef idx="1">
+            <a:schemeClr val="accent1"/>
+          </a:lnRef>
+          <a:fillRef idx="0">
+            <a:schemeClr val="accent1"/>
+          </a:fillRef>
+          <a:effectRef idx="0">
+            <a:schemeClr val="accent1"/>
+          </a:effectRef>
+          <a:fontRef idx="minor">
+            <a:schemeClr val="tx1"/>
+          </a:fontRef>
+        </p:style>
+      </p:cxnSp>
+      <p:sp>
+        <p:nvSpPr>
+          <p:cNvPr id="59" name="矩形 58"/>
+          <p:cNvSpPr/>
+          <p:nvPr/>
+        </p:nvSpPr>
+        <p:spPr>
+          <a:xfrm>
+            <a:off x="5129504" y="4995174"/>
+            <a:ext cx="2880320" cy="432048"/>
+          </a:xfrm>
+          <a:prstGeom prst="rect">
+            <a:avLst/>
+          </a:prstGeom>
+        </p:spPr>
+        <p:style>
+          <a:lnRef idx="2">
+            <a:schemeClr val="accent1">
+              <a:shade val="50000"/>
+            </a:schemeClr>
+          </a:lnRef>
+          <a:fillRef idx="1">
+            <a:schemeClr val="accent1"/>
+          </a:fillRef>
+          <a:effectRef idx="0">
+            <a:schemeClr val="accent1"/>
+          </a:effectRef>
+          <a:fontRef idx="minor">
+            <a:schemeClr val="lt1"/>
+          </a:fontRef>
+        </p:style>
+        <p:txBody>
+          <a:bodyPr rtlCol="0" anchor="ctr"/>
+          <a:lstStyle/>
+          <a:p>
+            <a:pPr algn="ctr"/>
+            <a:r>
+              <a:rPr lang="en-US" altLang="zh-CN" dirty="0" smtClean="0"/>
+              <a:t>hash(79)=9; //</a:t>
+            </a:r>
+            <a:r>
+              <a:rPr lang="zh-CN" altLang="en-US" dirty="0" smtClean="0"/>
+              <a:t>冲突</a:t>
+            </a:r>
+            <a:endParaRPr lang="zh-CN" altLang="en-US" dirty="0"/>
+          </a:p>
+        </p:txBody>
+      </p:sp>
+      <p:sp>
+        <p:nvSpPr>
+          <p:cNvPr id="60" name="矩形 59"/>
+          <p:cNvSpPr/>
+          <p:nvPr/>
+        </p:nvSpPr>
+        <p:spPr>
+          <a:xfrm>
+            <a:off x="5129504" y="5430772"/>
+            <a:ext cx="2880320" cy="432048"/>
+          </a:xfrm>
+          <a:prstGeom prst="rect">
+            <a:avLst/>
+          </a:prstGeom>
+        </p:spPr>
+        <p:style>
+          <a:lnRef idx="2">
+            <a:schemeClr val="accent1">
+              <a:shade val="50000"/>
+            </a:schemeClr>
+          </a:lnRef>
+          <a:fillRef idx="1">
+            <a:schemeClr val="accent1"/>
+          </a:fillRef>
+          <a:effectRef idx="0">
+            <a:schemeClr val="accent1"/>
+          </a:effectRef>
+          <a:fontRef idx="minor">
+            <a:schemeClr val="lt1"/>
+          </a:fontRef>
+        </p:style>
+        <p:txBody>
+          <a:bodyPr rtlCol="0" anchor="ctr"/>
+          <a:lstStyle/>
+          <a:p>
+            <a:pPr algn="ctr"/>
+            <a:r>
+              <a:rPr lang="en-US" altLang="zh-CN" dirty="0" smtClean="0"/>
+              <a:t>hash2(79)=5; //</a:t>
+            </a:r>
+            <a:r>
+              <a:rPr lang="zh-CN" altLang="en-US" dirty="0" smtClean="0"/>
+              <a:t>冲突</a:t>
+            </a:r>
+            <a:endParaRPr lang="zh-CN" altLang="en-US" dirty="0"/>
+          </a:p>
+        </p:txBody>
+      </p:sp>
+      <p:sp>
+        <p:nvSpPr>
+          <p:cNvPr id="61" name="圆角矩形 60"/>
+          <p:cNvSpPr/>
+          <p:nvPr/>
+        </p:nvSpPr>
+        <p:spPr>
+          <a:xfrm>
+            <a:off x="5129504" y="4509120"/>
+            <a:ext cx="2898880" cy="468052"/>
+          </a:xfrm>
+          <a:prstGeom prst="roundRect">
+            <a:avLst/>
+          </a:prstGeom>
+        </p:spPr>
+        <p:style>
+          <a:lnRef idx="2">
+            <a:schemeClr val="accent1">
+              <a:shade val="50000"/>
+            </a:schemeClr>
+          </a:lnRef>
+          <a:fillRef idx="1">
+            <a:schemeClr val="accent1"/>
+          </a:fillRef>
+          <a:effectRef idx="0">
+            <a:schemeClr val="accent1"/>
+          </a:effectRef>
+          <a:fontRef idx="minor">
+            <a:schemeClr val="lt1"/>
+          </a:fontRef>
+        </p:style>
+        <p:txBody>
+          <a:bodyPr rtlCol="0" anchor="ctr"/>
+          <a:lstStyle/>
+          <a:p>
+            <a:pPr algn="ctr"/>
+            <a:r>
+              <a:rPr lang="en-US" altLang="zh-CN" dirty="0" smtClean="0"/>
+              <a:t>insert 79</a:t>
+            </a:r>
+            <a:endParaRPr lang="zh-CN" altLang="en-US" dirty="0"/>
+          </a:p>
+        </p:txBody>
+      </p:sp>
+      <p:sp>
+        <p:nvSpPr>
+          <p:cNvPr id="37" name="矩形 36"/>
+          <p:cNvSpPr/>
+          <p:nvPr/>
+        </p:nvSpPr>
+        <p:spPr>
+          <a:xfrm>
+            <a:off x="5130620" y="5862820"/>
+            <a:ext cx="2880320" cy="446500"/>
+          </a:xfrm>
+          <a:prstGeom prst="rect">
+            <a:avLst/>
+          </a:prstGeom>
+        </p:spPr>
+        <p:style>
+          <a:lnRef idx="2">
+            <a:schemeClr val="accent1">
+              <a:shade val="50000"/>
+            </a:schemeClr>
+          </a:lnRef>
+          <a:fillRef idx="1">
+            <a:schemeClr val="accent1"/>
+          </a:fillRef>
+          <a:effectRef idx="0">
+            <a:schemeClr val="accent1"/>
+          </a:effectRef>
+          <a:fontRef idx="minor">
+            <a:schemeClr val="lt1"/>
+          </a:fontRef>
+        </p:style>
+        <p:txBody>
+          <a:bodyPr rtlCol="0" anchor="ctr"/>
+          <a:lstStyle/>
+          <a:p>
+            <a:pPr algn="ctr"/>
+            <a:r>
+              <a:rPr lang="zh-CN" altLang="en-US" dirty="0" smtClean="0"/>
+              <a:t>另</a:t>
+            </a:r>
+            <a:r>
+              <a:rPr lang="en-US" altLang="zh-CN" dirty="0" err="1" smtClean="0"/>
+              <a:t>hashN</a:t>
+            </a:r>
+            <a:r>
+              <a:rPr lang="en-US" altLang="zh-CN" dirty="0" smtClean="0"/>
+              <a:t>(79)=? //</a:t>
+            </a:r>
+            <a:r>
+              <a:rPr lang="zh-CN" altLang="en-US" dirty="0" smtClean="0"/>
+              <a:t>解决冲突</a:t>
+            </a:r>
+            <a:endParaRPr lang="zh-CN" altLang="en-US" dirty="0"/>
+          </a:p>
+        </p:txBody>
+      </p:sp>
+    </p:spTree>
+    <p:extLst>
+      <p:ext uri="{BB962C8B-B14F-4D97-AF65-F5344CB8AC3E}">
+        <p14:creationId xmlns:p14="http://schemas.microsoft.com/office/powerpoint/2010/main" val="3407331122"/>
+      </p:ext>
+    </p:extLst>
+  </p:cSld>
+  <p:clrMapOvr>
+    <a:masterClrMapping/>
+  </p:clrMapOvr>
+</p:sld>
+</file>
+
+<file path=ppt/slides/slide21.xml><?xml version="1.0" encoding="utf-8"?>
 <p:sld xmlns:a="http://schemas.openxmlformats.org/drawingml/2006/main" xmlns:r="http://schemas.openxmlformats.org/officeDocument/2006/relationships" xmlns:p="http://schemas.openxmlformats.org/presentationml/2006/main">
   <p:cSld>
     <p:spTree>
@@ -11131,7 +19795,7 @@
 </p:sld>
 </file>
 
-<file path=ppt/slides/slide2.xml><?xml version="1.0" encoding="utf-8"?>
+<file path=ppt/slides/slide22.xml><?xml version="1.0" encoding="utf-8"?>
 <p:sld xmlns:a="http://schemas.openxmlformats.org/drawingml/2006/main" xmlns:r="http://schemas.openxmlformats.org/officeDocument/2006/relationships" xmlns:p="http://schemas.openxmlformats.org/presentationml/2006/main">
   <p:cSld>
     <p:spTree>
@@ -11148,600 +19812,10 @@
           <a:chExt cx="0" cy="0"/>
         </a:xfrm>
       </p:grpSpPr>
-      <p:sp>
-        <p:nvSpPr>
-          <p:cNvPr id="2" name="矩形 1"/>
-          <p:cNvSpPr/>
-          <p:nvPr/>
-        </p:nvSpPr>
-        <p:spPr>
-          <a:xfrm>
-            <a:off x="251520" y="188640"/>
-            <a:ext cx="2520280" cy="504056"/>
-          </a:xfrm>
-          <a:prstGeom prst="rect">
-            <a:avLst/>
-          </a:prstGeom>
-        </p:spPr>
-        <p:style>
-          <a:lnRef idx="2">
-            <a:schemeClr val="accent1">
-              <a:shade val="50000"/>
-            </a:schemeClr>
-          </a:lnRef>
-          <a:fillRef idx="1">
-            <a:schemeClr val="accent1"/>
-          </a:fillRef>
-          <a:effectRef idx="0">
-            <a:schemeClr val="accent1"/>
-          </a:effectRef>
-          <a:fontRef idx="minor">
-            <a:schemeClr val="lt1"/>
-          </a:fontRef>
-        </p:style>
-        <p:txBody>
-          <a:bodyPr rtlCol="0" anchor="ctr"/>
-          <a:lstStyle/>
-          <a:p>
-            <a:pPr algn="ctr"/>
-            <a:r>
-              <a:rPr lang="zh-CN" altLang="en-US" dirty="0" smtClean="0"/>
-              <a:t>分离链接法</a:t>
-            </a:r>
-            <a:endParaRPr lang="zh-CN" altLang="en-US" dirty="0"/>
-          </a:p>
-        </p:txBody>
-      </p:sp>
-      <p:sp>
-        <p:nvSpPr>
-          <p:cNvPr id="3" name="矩形 2"/>
-          <p:cNvSpPr/>
-          <p:nvPr/>
-        </p:nvSpPr>
-        <p:spPr>
-          <a:xfrm>
-            <a:off x="2483768" y="2132856"/>
-            <a:ext cx="1296144" cy="432048"/>
-          </a:xfrm>
-          <a:prstGeom prst="rect">
-            <a:avLst/>
-          </a:prstGeom>
-        </p:spPr>
-        <p:style>
-          <a:lnRef idx="2">
-            <a:schemeClr val="accent1">
-              <a:shade val="50000"/>
-            </a:schemeClr>
-          </a:lnRef>
-          <a:fillRef idx="1">
-            <a:schemeClr val="accent1"/>
-          </a:fillRef>
-          <a:effectRef idx="0">
-            <a:schemeClr val="accent1"/>
-          </a:effectRef>
-          <a:fontRef idx="minor">
-            <a:schemeClr val="lt1"/>
-          </a:fontRef>
-        </p:style>
-        <p:txBody>
-          <a:bodyPr rtlCol="0" anchor="ctr"/>
-          <a:lstStyle/>
-          <a:p>
-            <a:pPr algn="ctr"/>
-            <a:r>
-              <a:rPr lang="en-US" altLang="zh-CN" dirty="0" smtClean="0"/>
-              <a:t>0</a:t>
-            </a:r>
-            <a:endParaRPr lang="zh-CN" altLang="en-US" dirty="0"/>
-          </a:p>
-        </p:txBody>
-      </p:sp>
-      <p:sp>
-        <p:nvSpPr>
-          <p:cNvPr id="4" name="矩形 3"/>
-          <p:cNvSpPr/>
-          <p:nvPr/>
-        </p:nvSpPr>
-        <p:spPr>
-          <a:xfrm>
-            <a:off x="2483768" y="2564904"/>
-            <a:ext cx="1296144" cy="432048"/>
-          </a:xfrm>
-          <a:prstGeom prst="rect">
-            <a:avLst/>
-          </a:prstGeom>
-        </p:spPr>
-        <p:style>
-          <a:lnRef idx="2">
-            <a:schemeClr val="accent1">
-              <a:shade val="50000"/>
-            </a:schemeClr>
-          </a:lnRef>
-          <a:fillRef idx="1">
-            <a:schemeClr val="accent1"/>
-          </a:fillRef>
-          <a:effectRef idx="0">
-            <a:schemeClr val="accent1"/>
-          </a:effectRef>
-          <a:fontRef idx="minor">
-            <a:schemeClr val="lt1"/>
-          </a:fontRef>
-        </p:style>
-        <p:txBody>
-          <a:bodyPr rtlCol="0" anchor="ctr"/>
-          <a:lstStyle/>
-          <a:p>
-            <a:pPr algn="ctr"/>
-            <a:r>
-              <a:rPr lang="en-US" altLang="zh-CN" dirty="0" smtClean="0"/>
-              <a:t>1</a:t>
-            </a:r>
-            <a:endParaRPr lang="zh-CN" altLang="en-US" dirty="0"/>
-          </a:p>
-        </p:txBody>
-      </p:sp>
-      <p:sp>
-        <p:nvSpPr>
-          <p:cNvPr id="5" name="矩形 4"/>
-          <p:cNvSpPr/>
-          <p:nvPr/>
-        </p:nvSpPr>
-        <p:spPr>
-          <a:xfrm>
-            <a:off x="2483768" y="2996952"/>
-            <a:ext cx="1296144" cy="432048"/>
-          </a:xfrm>
-          <a:prstGeom prst="rect">
-            <a:avLst/>
-          </a:prstGeom>
-        </p:spPr>
-        <p:style>
-          <a:lnRef idx="2">
-            <a:schemeClr val="accent1">
-              <a:shade val="50000"/>
-            </a:schemeClr>
-          </a:lnRef>
-          <a:fillRef idx="1">
-            <a:schemeClr val="accent1"/>
-          </a:fillRef>
-          <a:effectRef idx="0">
-            <a:schemeClr val="accent1"/>
-          </a:effectRef>
-          <a:fontRef idx="minor">
-            <a:schemeClr val="lt1"/>
-          </a:fontRef>
-        </p:style>
-        <p:txBody>
-          <a:bodyPr rtlCol="0" anchor="ctr"/>
-          <a:lstStyle/>
-          <a:p>
-            <a:pPr algn="ctr"/>
-            <a:r>
-              <a:rPr lang="en-US" altLang="zh-CN" dirty="0" smtClean="0"/>
-              <a:t>2</a:t>
-            </a:r>
-            <a:endParaRPr lang="zh-CN" altLang="en-US" dirty="0"/>
-          </a:p>
-        </p:txBody>
-      </p:sp>
-      <p:sp>
-        <p:nvSpPr>
-          <p:cNvPr id="6" name="矩形 5"/>
-          <p:cNvSpPr/>
-          <p:nvPr/>
-        </p:nvSpPr>
-        <p:spPr>
-          <a:xfrm>
-            <a:off x="2483768" y="3429000"/>
-            <a:ext cx="1296144" cy="432048"/>
-          </a:xfrm>
-          <a:prstGeom prst="rect">
-            <a:avLst/>
-          </a:prstGeom>
-        </p:spPr>
-        <p:style>
-          <a:lnRef idx="2">
-            <a:schemeClr val="accent1">
-              <a:shade val="50000"/>
-            </a:schemeClr>
-          </a:lnRef>
-          <a:fillRef idx="1">
-            <a:schemeClr val="accent1"/>
-          </a:fillRef>
-          <a:effectRef idx="0">
-            <a:schemeClr val="accent1"/>
-          </a:effectRef>
-          <a:fontRef idx="minor">
-            <a:schemeClr val="lt1"/>
-          </a:fontRef>
-        </p:style>
-        <p:txBody>
-          <a:bodyPr rtlCol="0" anchor="ctr"/>
-          <a:lstStyle/>
-          <a:p>
-            <a:pPr algn="ctr"/>
-            <a:r>
-              <a:rPr lang="en-US" altLang="zh-CN" dirty="0" smtClean="0"/>
-              <a:t>3</a:t>
-            </a:r>
-            <a:endParaRPr lang="zh-CN" altLang="en-US" dirty="0"/>
-          </a:p>
-        </p:txBody>
-      </p:sp>
-      <p:sp>
-        <p:nvSpPr>
-          <p:cNvPr id="7" name="矩形 6"/>
-          <p:cNvSpPr/>
-          <p:nvPr/>
-        </p:nvSpPr>
-        <p:spPr>
-          <a:xfrm>
-            <a:off x="2483768" y="3861048"/>
-            <a:ext cx="1296144" cy="432048"/>
-          </a:xfrm>
-          <a:prstGeom prst="rect">
-            <a:avLst/>
-          </a:prstGeom>
-        </p:spPr>
-        <p:style>
-          <a:lnRef idx="2">
-            <a:schemeClr val="accent1">
-              <a:shade val="50000"/>
-            </a:schemeClr>
-          </a:lnRef>
-          <a:fillRef idx="1">
-            <a:schemeClr val="accent1"/>
-          </a:fillRef>
-          <a:effectRef idx="0">
-            <a:schemeClr val="accent1"/>
-          </a:effectRef>
-          <a:fontRef idx="minor">
-            <a:schemeClr val="lt1"/>
-          </a:fontRef>
-        </p:style>
-        <p:txBody>
-          <a:bodyPr rtlCol="0" anchor="ctr"/>
-          <a:lstStyle/>
-          <a:p>
-            <a:pPr algn="ctr"/>
-            <a:r>
-              <a:rPr lang="en-US" altLang="zh-CN" dirty="0" smtClean="0"/>
-              <a:t>4</a:t>
-            </a:r>
-            <a:endParaRPr lang="zh-CN" altLang="en-US" dirty="0"/>
-          </a:p>
-        </p:txBody>
-      </p:sp>
-      <p:cxnSp>
-        <p:nvCxnSpPr>
-          <p:cNvPr id="9" name="直接箭头连接符 8"/>
-          <p:cNvCxnSpPr>
-            <a:stCxn id="3" idx="3"/>
-          </p:cNvCxnSpPr>
-          <p:nvPr/>
-        </p:nvCxnSpPr>
-        <p:spPr>
-          <a:xfrm>
-            <a:off x="3779912" y="2348880"/>
-            <a:ext cx="576064" cy="0"/>
-          </a:xfrm>
-          <a:prstGeom prst="straightConnector1">
-            <a:avLst/>
-          </a:prstGeom>
-          <a:ln>
-            <a:solidFill>
-              <a:schemeClr val="tx1"/>
-            </a:solidFill>
-            <a:tailEnd type="arrow"/>
-          </a:ln>
-        </p:spPr>
-        <p:style>
-          <a:lnRef idx="1">
-            <a:schemeClr val="accent1"/>
-          </a:lnRef>
-          <a:fillRef idx="0">
-            <a:schemeClr val="accent1"/>
-          </a:fillRef>
-          <a:effectRef idx="0">
-            <a:schemeClr val="accent1"/>
-          </a:effectRef>
-          <a:fontRef idx="minor">
-            <a:schemeClr val="tx1"/>
-          </a:fontRef>
-        </p:style>
-      </p:cxnSp>
-      <p:sp>
-        <p:nvSpPr>
-          <p:cNvPr id="11" name="矩形 10"/>
-          <p:cNvSpPr/>
-          <p:nvPr/>
-        </p:nvSpPr>
-        <p:spPr>
-          <a:xfrm>
-            <a:off x="4355976" y="2132856"/>
-            <a:ext cx="576064" cy="432048"/>
-          </a:xfrm>
-          <a:prstGeom prst="rect">
-            <a:avLst/>
-          </a:prstGeom>
-        </p:spPr>
-        <p:style>
-          <a:lnRef idx="2">
-            <a:schemeClr val="accent1">
-              <a:shade val="50000"/>
-            </a:schemeClr>
-          </a:lnRef>
-          <a:fillRef idx="1">
-            <a:schemeClr val="accent1"/>
-          </a:fillRef>
-          <a:effectRef idx="0">
-            <a:schemeClr val="accent1"/>
-          </a:effectRef>
-          <a:fontRef idx="minor">
-            <a:schemeClr val="lt1"/>
-          </a:fontRef>
-        </p:style>
-        <p:txBody>
-          <a:bodyPr rtlCol="0" anchor="ctr"/>
-          <a:lstStyle/>
-          <a:p>
-            <a:pPr algn="ctr"/>
-            <a:endParaRPr lang="zh-CN" altLang="en-US"/>
-          </a:p>
-        </p:txBody>
-      </p:sp>
-      <p:cxnSp>
-        <p:nvCxnSpPr>
-          <p:cNvPr id="13" name="直接箭头连接符 12"/>
-          <p:cNvCxnSpPr>
-            <a:stCxn id="4" idx="3"/>
-          </p:cNvCxnSpPr>
-          <p:nvPr/>
-        </p:nvCxnSpPr>
-        <p:spPr>
-          <a:xfrm>
-            <a:off x="3779912" y="2780928"/>
-            <a:ext cx="576064" cy="0"/>
-          </a:xfrm>
-          <a:prstGeom prst="straightConnector1">
-            <a:avLst/>
-          </a:prstGeom>
-          <a:ln>
-            <a:solidFill>
-              <a:schemeClr val="tx1"/>
-            </a:solidFill>
-            <a:tailEnd type="arrow"/>
-          </a:ln>
-        </p:spPr>
-        <p:style>
-          <a:lnRef idx="1">
-            <a:schemeClr val="accent1"/>
-          </a:lnRef>
-          <a:fillRef idx="0">
-            <a:schemeClr val="accent1"/>
-          </a:fillRef>
-          <a:effectRef idx="0">
-            <a:schemeClr val="accent1"/>
-          </a:effectRef>
-          <a:fontRef idx="minor">
-            <a:schemeClr val="tx1"/>
-          </a:fontRef>
-        </p:style>
-      </p:cxnSp>
-      <p:cxnSp>
-        <p:nvCxnSpPr>
-          <p:cNvPr id="15" name="直接箭头连接符 14"/>
-          <p:cNvCxnSpPr>
-            <a:stCxn id="5" idx="3"/>
-          </p:cNvCxnSpPr>
-          <p:nvPr/>
-        </p:nvCxnSpPr>
-        <p:spPr>
-          <a:xfrm>
-            <a:off x="3779912" y="3212976"/>
-            <a:ext cx="576064" cy="0"/>
-          </a:xfrm>
-          <a:prstGeom prst="straightConnector1">
-            <a:avLst/>
-          </a:prstGeom>
-          <a:ln>
-            <a:solidFill>
-              <a:schemeClr val="tx1"/>
-            </a:solidFill>
-            <a:tailEnd type="arrow"/>
-          </a:ln>
-        </p:spPr>
-        <p:style>
-          <a:lnRef idx="1">
-            <a:schemeClr val="accent1"/>
-          </a:lnRef>
-          <a:fillRef idx="0">
-            <a:schemeClr val="accent1"/>
-          </a:fillRef>
-          <a:effectRef idx="0">
-            <a:schemeClr val="accent1"/>
-          </a:effectRef>
-          <a:fontRef idx="minor">
-            <a:schemeClr val="tx1"/>
-          </a:fontRef>
-        </p:style>
-      </p:cxnSp>
-      <p:sp>
-        <p:nvSpPr>
-          <p:cNvPr id="16" name="矩形 15"/>
-          <p:cNvSpPr/>
-          <p:nvPr/>
-        </p:nvSpPr>
-        <p:spPr>
-          <a:xfrm>
-            <a:off x="5538869" y="2996952"/>
-            <a:ext cx="576064" cy="432048"/>
-          </a:xfrm>
-          <a:prstGeom prst="rect">
-            <a:avLst/>
-          </a:prstGeom>
-        </p:spPr>
-        <p:style>
-          <a:lnRef idx="2">
-            <a:schemeClr val="accent1">
-              <a:shade val="50000"/>
-            </a:schemeClr>
-          </a:lnRef>
-          <a:fillRef idx="1">
-            <a:schemeClr val="accent1"/>
-          </a:fillRef>
-          <a:effectRef idx="0">
-            <a:schemeClr val="accent1"/>
-          </a:effectRef>
-          <a:fontRef idx="minor">
-            <a:schemeClr val="lt1"/>
-          </a:fontRef>
-        </p:style>
-        <p:txBody>
-          <a:bodyPr rtlCol="0" anchor="ctr"/>
-          <a:lstStyle/>
-          <a:p>
-            <a:pPr algn="ctr"/>
-            <a:endParaRPr lang="zh-CN" altLang="en-US"/>
-          </a:p>
-        </p:txBody>
-      </p:sp>
-      <p:sp>
-        <p:nvSpPr>
-          <p:cNvPr id="17" name="矩形 16"/>
-          <p:cNvSpPr/>
-          <p:nvPr/>
-        </p:nvSpPr>
-        <p:spPr>
-          <a:xfrm>
-            <a:off x="4378221" y="2996952"/>
-            <a:ext cx="576064" cy="432048"/>
-          </a:xfrm>
-          <a:prstGeom prst="rect">
-            <a:avLst/>
-          </a:prstGeom>
-        </p:spPr>
-        <p:style>
-          <a:lnRef idx="2">
-            <a:schemeClr val="accent1">
-              <a:shade val="50000"/>
-            </a:schemeClr>
-          </a:lnRef>
-          <a:fillRef idx="1">
-            <a:schemeClr val="accent1"/>
-          </a:fillRef>
-          <a:effectRef idx="0">
-            <a:schemeClr val="accent1"/>
-          </a:effectRef>
-          <a:fontRef idx="minor">
-            <a:schemeClr val="lt1"/>
-          </a:fontRef>
-        </p:style>
-        <p:txBody>
-          <a:bodyPr rtlCol="0" anchor="ctr"/>
-          <a:lstStyle/>
-          <a:p>
-            <a:pPr algn="ctr"/>
-            <a:endParaRPr lang="zh-CN" altLang="en-US"/>
-          </a:p>
-        </p:txBody>
-      </p:sp>
-      <p:cxnSp>
-        <p:nvCxnSpPr>
-          <p:cNvPr id="18" name="直接箭头连接符 17"/>
-          <p:cNvCxnSpPr/>
-          <p:nvPr/>
-        </p:nvCxnSpPr>
-        <p:spPr>
-          <a:xfrm>
-            <a:off x="4954285" y="3228662"/>
-            <a:ext cx="576064" cy="0"/>
-          </a:xfrm>
-          <a:prstGeom prst="straightConnector1">
-            <a:avLst/>
-          </a:prstGeom>
-          <a:ln>
-            <a:solidFill>
-              <a:schemeClr val="tx1"/>
-            </a:solidFill>
-            <a:tailEnd type="arrow"/>
-          </a:ln>
-        </p:spPr>
-        <p:style>
-          <a:lnRef idx="1">
-            <a:schemeClr val="accent1"/>
-          </a:lnRef>
-          <a:fillRef idx="0">
-            <a:schemeClr val="accent1"/>
-          </a:fillRef>
-          <a:effectRef idx="0">
-            <a:schemeClr val="accent1"/>
-          </a:effectRef>
-          <a:fontRef idx="minor">
-            <a:schemeClr val="tx1"/>
-          </a:fontRef>
-        </p:style>
-      </p:cxnSp>
-      <p:sp>
-        <p:nvSpPr>
-          <p:cNvPr id="19" name="圆角矩形 18"/>
-          <p:cNvSpPr/>
-          <p:nvPr/>
-        </p:nvSpPr>
-        <p:spPr>
-          <a:xfrm>
-            <a:off x="6444208" y="2996952"/>
-            <a:ext cx="2088232" cy="1008112"/>
-          </a:xfrm>
-          <a:prstGeom prst="roundRect">
-            <a:avLst/>
-          </a:prstGeom>
-        </p:spPr>
-        <p:style>
-          <a:lnRef idx="2">
-            <a:schemeClr val="accent1">
-              <a:shade val="50000"/>
-            </a:schemeClr>
-          </a:lnRef>
-          <a:fillRef idx="1">
-            <a:schemeClr val="accent1"/>
-          </a:fillRef>
-          <a:effectRef idx="0">
-            <a:schemeClr val="accent1"/>
-          </a:effectRef>
-          <a:fontRef idx="minor">
-            <a:schemeClr val="lt1"/>
-          </a:fontRef>
-        </p:style>
-        <p:txBody>
-          <a:bodyPr rtlCol="0" anchor="ctr"/>
-          <a:lstStyle/>
-          <a:p>
-            <a:pPr algn="ctr"/>
-            <a:r>
-              <a:rPr lang="zh-CN" altLang="en-US" dirty="0" smtClean="0"/>
-              <a:t>重复元</a:t>
-            </a:r>
-            <a:endParaRPr lang="en-US" altLang="zh-CN" dirty="0" smtClean="0"/>
-          </a:p>
-          <a:p>
-            <a:pPr algn="ctr"/>
-            <a:r>
-              <a:rPr lang="zh-CN" altLang="en-US" dirty="0" smtClean="0"/>
-              <a:t>冲突解决 </a:t>
-            </a:r>
-            <a:r>
-              <a:rPr lang="en-US" altLang="zh-CN" dirty="0" smtClean="0"/>
-              <a:t>add</a:t>
-            </a:r>
-            <a:endParaRPr lang="zh-CN" altLang="en-US" dirty="0"/>
-          </a:p>
-        </p:txBody>
-      </p:sp>
     </p:spTree>
     <p:extLst>
       <p:ext uri="{BB962C8B-B14F-4D97-AF65-F5344CB8AC3E}">
-        <p14:creationId xmlns:p14="http://schemas.microsoft.com/office/powerpoint/2010/main" val="1631195873"/>
+        <p14:creationId xmlns:p14="http://schemas.microsoft.com/office/powerpoint/2010/main" val="752630737"/>
       </p:ext>
     </p:extLst>
   </p:cSld>
